--- a/presentations/mid_PP/mid.pptx
+++ b/presentations/mid_PP/mid.pptx
@@ -5,30 +5,33 @@
     <p:sldMasterId id="2147483649" r:id="rId1"/>
   </p:sldMasterIdLst>
   <p:notesMasterIdLst>
-    <p:notesMasterId r:id="rId5"/>
+    <p:notesMasterId r:id="rId8"/>
   </p:notesMasterIdLst>
   <p:handoutMasterIdLst>
-    <p:handoutMasterId r:id="rId6"/>
+    <p:handoutMasterId r:id="rId9"/>
   </p:handoutMasterIdLst>
   <p:sldIdLst>
     <p:sldId id="576" r:id="rId2"/>
     <p:sldId id="523" r:id="rId3"/>
     <p:sldId id="558" r:id="rId4"/>
+    <p:sldId id="577" r:id="rId5"/>
+    <p:sldId id="580" r:id="rId6"/>
+    <p:sldId id="578" r:id="rId7"/>
   </p:sldIdLst>
   <p:sldSz cx="9144000" cy="6858000" type="screen4x3"/>
   <p:notesSz cx="6950075" cy="9236075"/>
   <p:embeddedFontLst>
     <p:embeddedFont>
       <p:font typeface="Tahoma" panose="020B0604030504040204" pitchFamily="34" charset="0"/>
-      <p:regular r:id="rId7"/>
-      <p:bold r:id="rId8"/>
+      <p:regular r:id="rId10"/>
+      <p:bold r:id="rId11"/>
     </p:embeddedFont>
     <p:embeddedFont>
       <p:font typeface="Verdana" panose="020B0604030504040204" pitchFamily="34" charset="0"/>
-      <p:regular r:id="rId9"/>
-      <p:bold r:id="rId10"/>
-      <p:italic r:id="rId11"/>
-      <p:boldItalic r:id="rId12"/>
+      <p:regular r:id="rId12"/>
+      <p:bold r:id="rId13"/>
+      <p:italic r:id="rId14"/>
+      <p:boldItalic r:id="rId15"/>
     </p:embeddedFont>
   </p:embeddedFontLst>
   <p:defaultTextStyle>
@@ -175,6 +178,4294 @@
 </p:presentation>
 </file>
 
+<file path=ppt/charts/chart1.xml><?xml version="1.0" encoding="utf-8"?>
+<c:chartSpace xmlns:c="http://schemas.openxmlformats.org/drawingml/2006/chart" xmlns:a="http://schemas.openxmlformats.org/drawingml/2006/main" xmlns:r="http://schemas.openxmlformats.org/officeDocument/2006/relationships">
+  <c:date1904 val="0"/>
+  <c:lang val="en-US"/>
+  <c:roundedCorners val="0"/>
+  <mc:AlternateContent xmlns:mc="http://schemas.openxmlformats.org/markup-compatibility/2006">
+    <mc:Choice xmlns:c14="http://schemas.microsoft.com/office/drawing/2007/8/2/chart" Requires="c14">
+      <c14:style val="102"/>
+    </mc:Choice>
+    <mc:Fallback>
+      <c:style val="2"/>
+    </mc:Fallback>
+  </mc:AlternateContent>
+  <c:clrMapOvr bg1="lt1" tx1="dk1" bg2="lt2" tx2="dk2" accent1="accent1" accent2="accent2" accent3="accent3" accent4="accent4" accent5="accent5" accent6="accent6" hlink="hlink" folHlink="folHlink"/>
+  <c:chart>
+    <c:autoTitleDeleted val="1"/>
+    <c:plotArea>
+      <c:layout/>
+      <c:scatterChart>
+        <c:scatterStyle val="smoothMarker"/>
+        <c:varyColors val="0"/>
+        <c:ser>
+          <c:idx val="0"/>
+          <c:order val="0"/>
+          <c:tx>
+            <c:strRef>
+              <c:f>Sheet1!$C$1:$D$1</c:f>
+              <c:strCache>
+                <c:ptCount val="1"/>
+                <c:pt idx="0">
+                  <c:v>Depleted (0, 0, 0)</c:v>
+                </c:pt>
+              </c:strCache>
+            </c:strRef>
+          </c:tx>
+          <c:spPr>
+            <a:ln w="19050" cap="rnd">
+              <a:solidFill>
+                <a:schemeClr val="accent1"/>
+              </a:solidFill>
+              <a:round/>
+            </a:ln>
+            <a:effectLst/>
+          </c:spPr>
+          <c:marker>
+            <c:symbol val="none"/>
+          </c:marker>
+          <c:errBars>
+            <c:errDir val="y"/>
+            <c:errBarType val="both"/>
+            <c:errValType val="cust"/>
+            <c:noEndCap val="0"/>
+            <c:plus>
+              <c:numRef>
+                <c:f>Sheet1!$G$3:$G$42</c:f>
+                <c:numCache>
+                  <c:formatCode>General</c:formatCode>
+                  <c:ptCount val="40"/>
+                  <c:pt idx="0">
+                    <c:v>0</c:v>
+                  </c:pt>
+                  <c:pt idx="1">
+                    <c:v>0</c:v>
+                  </c:pt>
+                  <c:pt idx="2">
+                    <c:v>0</c:v>
+                  </c:pt>
+                  <c:pt idx="3">
+                    <c:v>0</c:v>
+                  </c:pt>
+                  <c:pt idx="4">
+                    <c:v>0</c:v>
+                  </c:pt>
+                  <c:pt idx="5">
+                    <c:v>0</c:v>
+                  </c:pt>
+                  <c:pt idx="6">
+                    <c:v>0</c:v>
+                  </c:pt>
+                  <c:pt idx="7">
+                    <c:v>0</c:v>
+                  </c:pt>
+                  <c:pt idx="8">
+                    <c:v>0</c:v>
+                  </c:pt>
+                  <c:pt idx="9">
+                    <c:v>0</c:v>
+                  </c:pt>
+                  <c:pt idx="10">
+                    <c:v>0</c:v>
+                  </c:pt>
+                  <c:pt idx="11">
+                    <c:v>0</c:v>
+                  </c:pt>
+                  <c:pt idx="12">
+                    <c:v>0</c:v>
+                  </c:pt>
+                  <c:pt idx="13">
+                    <c:v>0</c:v>
+                  </c:pt>
+                  <c:pt idx="14">
+                    <c:v>0</c:v>
+                  </c:pt>
+                  <c:pt idx="15">
+                    <c:v>0</c:v>
+                  </c:pt>
+                  <c:pt idx="16">
+                    <c:v>2.7339400000000001E-10</c:v>
+                  </c:pt>
+                  <c:pt idx="17">
+                    <c:v>3.5710462969999998E-10</c:v>
+                  </c:pt>
+                  <c:pt idx="18">
+                    <c:v>8.9057229659999989E-10</c:v>
+                  </c:pt>
+                  <c:pt idx="19">
+                    <c:v>2.6601461026000001E-9</c:v>
+                  </c:pt>
+                  <c:pt idx="20">
+                    <c:v>5.8779672678999999E-9</c:v>
+                  </c:pt>
+                  <c:pt idx="21">
+                    <c:v>1.0749411235200001E-8</c:v>
+                  </c:pt>
+                  <c:pt idx="22">
+                    <c:v>1.89909825201E-8</c:v>
+                  </c:pt>
+                  <c:pt idx="23">
+                    <c:v>3.0599750012499998E-8</c:v>
+                  </c:pt>
+                  <c:pt idx="24">
+                    <c:v>4.6055150008600004E-8</c:v>
+                  </c:pt>
+                  <c:pt idx="25">
+                    <c:v>6.0009600007499998E-8</c:v>
+                  </c:pt>
+                  <c:pt idx="26">
+                    <c:v>7.2478637007700009E-8</c:v>
+                  </c:pt>
+                  <c:pt idx="27">
+                    <c:v>7.1152380008999993E-8</c:v>
+                  </c:pt>
+                  <c:pt idx="28">
+                    <c:v>6.5975490010500003E-8</c:v>
+                  </c:pt>
+                  <c:pt idx="29">
+                    <c:v>4.5051407016299996E-8</c:v>
+                  </c:pt>
+                  <c:pt idx="30">
+                    <c:v>2.1807520035000002E-8</c:v>
+                  </c:pt>
+                  <c:pt idx="31">
+                    <c:v>1.3805740854399999E-8</c:v>
+                  </c:pt>
+                  <c:pt idx="32">
+                    <c:v>9.9548528757000011E-9</c:v>
+                  </c:pt>
+                  <c:pt idx="33">
+                    <c:v>6.7704462527000006E-9</c:v>
+                  </c:pt>
+                  <c:pt idx="34">
+                    <c:v>3.4663738662000005E-9</c:v>
+                  </c:pt>
+                  <c:pt idx="35">
+                    <c:v>1.8465838461000002E-9</c:v>
+                  </c:pt>
+                  <c:pt idx="36">
+                    <c:v>0</c:v>
+                  </c:pt>
+                  <c:pt idx="37">
+                    <c:v>0</c:v>
+                  </c:pt>
+                  <c:pt idx="38">
+                    <c:v>0</c:v>
+                  </c:pt>
+                  <c:pt idx="39">
+                    <c:v>0</c:v>
+                  </c:pt>
+                </c:numCache>
+              </c:numRef>
+            </c:plus>
+            <c:minus>
+              <c:numRef>
+                <c:f>Sheet1!$G$3:$G$42</c:f>
+                <c:numCache>
+                  <c:formatCode>General</c:formatCode>
+                  <c:ptCount val="40"/>
+                  <c:pt idx="0">
+                    <c:v>0</c:v>
+                  </c:pt>
+                  <c:pt idx="1">
+                    <c:v>0</c:v>
+                  </c:pt>
+                  <c:pt idx="2">
+                    <c:v>0</c:v>
+                  </c:pt>
+                  <c:pt idx="3">
+                    <c:v>0</c:v>
+                  </c:pt>
+                  <c:pt idx="4">
+                    <c:v>0</c:v>
+                  </c:pt>
+                  <c:pt idx="5">
+                    <c:v>0</c:v>
+                  </c:pt>
+                  <c:pt idx="6">
+                    <c:v>0</c:v>
+                  </c:pt>
+                  <c:pt idx="7">
+                    <c:v>0</c:v>
+                  </c:pt>
+                  <c:pt idx="8">
+                    <c:v>0</c:v>
+                  </c:pt>
+                  <c:pt idx="9">
+                    <c:v>0</c:v>
+                  </c:pt>
+                  <c:pt idx="10">
+                    <c:v>0</c:v>
+                  </c:pt>
+                  <c:pt idx="11">
+                    <c:v>0</c:v>
+                  </c:pt>
+                  <c:pt idx="12">
+                    <c:v>0</c:v>
+                  </c:pt>
+                  <c:pt idx="13">
+                    <c:v>0</c:v>
+                  </c:pt>
+                  <c:pt idx="14">
+                    <c:v>0</c:v>
+                  </c:pt>
+                  <c:pt idx="15">
+                    <c:v>0</c:v>
+                  </c:pt>
+                  <c:pt idx="16">
+                    <c:v>2.7339400000000001E-10</c:v>
+                  </c:pt>
+                  <c:pt idx="17">
+                    <c:v>3.5710462969999998E-10</c:v>
+                  </c:pt>
+                  <c:pt idx="18">
+                    <c:v>8.9057229659999989E-10</c:v>
+                  </c:pt>
+                  <c:pt idx="19">
+                    <c:v>2.6601461026000001E-9</c:v>
+                  </c:pt>
+                  <c:pt idx="20">
+                    <c:v>5.8779672678999999E-9</c:v>
+                  </c:pt>
+                  <c:pt idx="21">
+                    <c:v>1.0749411235200001E-8</c:v>
+                  </c:pt>
+                  <c:pt idx="22">
+                    <c:v>1.89909825201E-8</c:v>
+                  </c:pt>
+                  <c:pt idx="23">
+                    <c:v>3.0599750012499998E-8</c:v>
+                  </c:pt>
+                  <c:pt idx="24">
+                    <c:v>4.6055150008600004E-8</c:v>
+                  </c:pt>
+                  <c:pt idx="25">
+                    <c:v>6.0009600007499998E-8</c:v>
+                  </c:pt>
+                  <c:pt idx="26">
+                    <c:v>7.2478637007700009E-8</c:v>
+                  </c:pt>
+                  <c:pt idx="27">
+                    <c:v>7.1152380008999993E-8</c:v>
+                  </c:pt>
+                  <c:pt idx="28">
+                    <c:v>6.5975490010500003E-8</c:v>
+                  </c:pt>
+                  <c:pt idx="29">
+                    <c:v>4.5051407016299996E-8</c:v>
+                  </c:pt>
+                  <c:pt idx="30">
+                    <c:v>2.1807520035000002E-8</c:v>
+                  </c:pt>
+                  <c:pt idx="31">
+                    <c:v>1.3805740854399999E-8</c:v>
+                  </c:pt>
+                  <c:pt idx="32">
+                    <c:v>9.9548528757000011E-9</c:v>
+                  </c:pt>
+                  <c:pt idx="33">
+                    <c:v>6.7704462527000006E-9</c:v>
+                  </c:pt>
+                  <c:pt idx="34">
+                    <c:v>3.4663738662000005E-9</c:v>
+                  </c:pt>
+                  <c:pt idx="35">
+                    <c:v>1.8465838461000002E-9</c:v>
+                  </c:pt>
+                  <c:pt idx="36">
+                    <c:v>0</c:v>
+                  </c:pt>
+                  <c:pt idx="37">
+                    <c:v>0</c:v>
+                  </c:pt>
+                  <c:pt idx="38">
+                    <c:v>0</c:v>
+                  </c:pt>
+                  <c:pt idx="39">
+                    <c:v>0</c:v>
+                  </c:pt>
+                </c:numCache>
+              </c:numRef>
+            </c:minus>
+            <c:spPr>
+              <a:noFill/>
+              <a:ln w="9525" cap="flat" cmpd="sng" algn="ctr">
+                <a:solidFill>
+                  <a:schemeClr val="tx1">
+                    <a:lumMod val="65000"/>
+                    <a:lumOff val="35000"/>
+                  </a:schemeClr>
+                </a:solidFill>
+                <a:round/>
+              </a:ln>
+              <a:effectLst/>
+            </c:spPr>
+          </c:errBars>
+          <c:xVal>
+            <c:numRef>
+              <c:f>Sheet1!$C$3:$C$42</c:f>
+              <c:numCache>
+                <c:formatCode>0.00E+00</c:formatCode>
+                <c:ptCount val="40"/>
+                <c:pt idx="0">
+                  <c:v>8.4599999999999997E-10</c:v>
+                </c:pt>
+                <c:pt idx="1">
+                  <c:v>2.5494999999999999E-9</c:v>
+                </c:pt>
+                <c:pt idx="2">
+                  <c:v>5.1339999999999998E-9</c:v>
+                </c:pt>
+                <c:pt idx="3">
+                  <c:v>1.0340500000000001E-8</c:v>
+                </c:pt>
+                <c:pt idx="4">
+                  <c:v>2.082E-8</c:v>
+                </c:pt>
+                <c:pt idx="5">
+                  <c:v>4.1925E-8</c:v>
+                </c:pt>
+                <c:pt idx="6">
+                  <c:v>8.4415000000000005E-8</c:v>
+                </c:pt>
+                <c:pt idx="7">
+                  <c:v>1.7000000000000001E-7</c:v>
+                </c:pt>
+                <c:pt idx="8">
+                  <c:v>3.4234999999999999E-7</c:v>
+                </c:pt>
+                <c:pt idx="9">
+                  <c:v>6.8945000000000002E-7</c:v>
+                </c:pt>
+                <c:pt idx="10">
+                  <c:v>1.3882000000000001E-6</c:v>
+                </c:pt>
+                <c:pt idx="11">
+                  <c:v>2.7954999999999997E-6</c:v>
+                </c:pt>
+                <c:pt idx="12">
+                  <c:v>5.6300000000000003E-6</c:v>
+                </c:pt>
+                <c:pt idx="13">
+                  <c:v>1.1337E-5</c:v>
+                </c:pt>
+                <c:pt idx="14">
+                  <c:v>2.283E-5</c:v>
+                </c:pt>
+                <c:pt idx="15">
+                  <c:v>4.5974999999999999E-5</c:v>
+                </c:pt>
+                <c:pt idx="16">
+                  <c:v>9.256999999999999E-5</c:v>
+                </c:pt>
+                <c:pt idx="17">
+                  <c:v>1.8645000000000001E-4</c:v>
+                </c:pt>
+                <c:pt idx="18">
+                  <c:v>3.7544999999999999E-4</c:v>
+                </c:pt>
+                <c:pt idx="19">
+                  <c:v>7.5584999999999997E-4</c:v>
+                </c:pt>
+                <c:pt idx="20">
+                  <c:v>1.5225E-3</c:v>
+                </c:pt>
+                <c:pt idx="21">
+                  <c:v>3.0660000000000001E-3</c:v>
+                </c:pt>
+                <c:pt idx="22">
+                  <c:v>6.1739999999999998E-3</c:v>
+                </c:pt>
+                <c:pt idx="23">
+                  <c:v>1.2435499999999999E-2</c:v>
+                </c:pt>
+                <c:pt idx="24">
+                  <c:v>2.504E-2</c:v>
+                </c:pt>
+                <c:pt idx="25">
+                  <c:v>5.0419999999999993E-2</c:v>
+                </c:pt>
+                <c:pt idx="26">
+                  <c:v>0.10153999999999999</c:v>
+                </c:pt>
+                <c:pt idx="27">
+                  <c:v>0.20444999999999999</c:v>
+                </c:pt>
+                <c:pt idx="28">
+                  <c:v>0.41170000000000001</c:v>
+                </c:pt>
+                <c:pt idx="29">
+                  <c:v>0.82910000000000006</c:v>
+                </c:pt>
+                <c:pt idx="30">
+                  <c:v>1.6695</c:v>
+                </c:pt>
+                <c:pt idx="31">
+                  <c:v>2.8650000000000002</c:v>
+                </c:pt>
+                <c:pt idx="32">
+                  <c:v>4.2575000000000003</c:v>
+                </c:pt>
+                <c:pt idx="33">
+                  <c:v>5.9965000000000002</c:v>
+                </c:pt>
+                <c:pt idx="34">
+                  <c:v>8.4885000000000002</c:v>
+                </c:pt>
+                <c:pt idx="35">
+                  <c:v>11</c:v>
+                </c:pt>
+                <c:pt idx="36">
+                  <c:v>13</c:v>
+                </c:pt>
+                <c:pt idx="37">
+                  <c:v>15</c:v>
+                </c:pt>
+                <c:pt idx="38">
+                  <c:v>17</c:v>
+                </c:pt>
+                <c:pt idx="39">
+                  <c:v>19</c:v>
+                </c:pt>
+              </c:numCache>
+            </c:numRef>
+          </c:xVal>
+          <c:yVal>
+            <c:numRef>
+              <c:f>Sheet1!$E$3:$E$42</c:f>
+              <c:numCache>
+                <c:formatCode>0.00E+00</c:formatCode>
+                <c:ptCount val="40"/>
+                <c:pt idx="0">
+                  <c:v>1.0000000000000001E-15</c:v>
+                </c:pt>
+                <c:pt idx="1">
+                  <c:v>1.0000000000000001E-15</c:v>
+                </c:pt>
+                <c:pt idx="2">
+                  <c:v>1.0000000000000001E-15</c:v>
+                </c:pt>
+                <c:pt idx="3">
+                  <c:v>1.0000000000000001E-15</c:v>
+                </c:pt>
+                <c:pt idx="4">
+                  <c:v>1.0000000000000001E-15</c:v>
+                </c:pt>
+                <c:pt idx="5">
+                  <c:v>1.0000000000000001E-15</c:v>
+                </c:pt>
+                <c:pt idx="6">
+                  <c:v>1.0000000000000001E-15</c:v>
+                </c:pt>
+                <c:pt idx="7">
+                  <c:v>1.0000000000000001E-15</c:v>
+                </c:pt>
+                <c:pt idx="8">
+                  <c:v>1.0000000000000001E-15</c:v>
+                </c:pt>
+                <c:pt idx="9">
+                  <c:v>1.0000000000000001E-15</c:v>
+                </c:pt>
+                <c:pt idx="10">
+                  <c:v>1.0000000000000001E-15</c:v>
+                </c:pt>
+                <c:pt idx="11">
+                  <c:v>1.0000000000000001E-15</c:v>
+                </c:pt>
+                <c:pt idx="12">
+                  <c:v>1.0000000000000001E-15</c:v>
+                </c:pt>
+                <c:pt idx="13">
+                  <c:v>1.0000000000000001E-15</c:v>
+                </c:pt>
+                <c:pt idx="14">
+                  <c:v>1.0000000000000001E-15</c:v>
+                </c:pt>
+                <c:pt idx="15">
+                  <c:v>1.0000000000000001E-15</c:v>
+                </c:pt>
+                <c:pt idx="16">
+                  <c:v>2.7339400000000001E-10</c:v>
+                </c:pt>
+                <c:pt idx="17">
+                  <c:v>4.7620299999999999E-10</c:v>
+                </c:pt>
+                <c:pt idx="18">
+                  <c:v>2.2800109999999998E-9</c:v>
+                </c:pt>
+                <c:pt idx="19">
+                  <c:v>1.8654600999999999E-8</c:v>
+                </c:pt>
+                <c:pt idx="20">
+                  <c:v>8.6568001000000002E-8</c:v>
+                </c:pt>
+                <c:pt idx="21">
+                  <c:v>3.0538100099999998E-7</c:v>
+                </c:pt>
+                <c:pt idx="22">
+                  <c:v>9.44825001E-7</c:v>
+                </c:pt>
+                <c:pt idx="23">
+                  <c:v>2.4479800009999999E-6</c:v>
+                </c:pt>
+                <c:pt idx="24">
+                  <c:v>5.3552500010000004E-6</c:v>
+                </c:pt>
+                <c:pt idx="25">
+                  <c:v>8.0012800009999997E-6</c:v>
+                </c:pt>
+                <c:pt idx="26">
+                  <c:v>9.4128100010000001E-6</c:v>
+                </c:pt>
+                <c:pt idx="27">
+                  <c:v>7.9058200009999998E-6</c:v>
+                </c:pt>
+                <c:pt idx="28">
+                  <c:v>6.2833800010000005E-6</c:v>
+                </c:pt>
+                <c:pt idx="29">
+                  <c:v>2.763890001E-6</c:v>
+                </c:pt>
+                <c:pt idx="30">
+                  <c:v>6.2307200099999999E-7</c:v>
+                </c:pt>
+                <c:pt idx="31">
+                  <c:v>2.5378200099999999E-7</c:v>
+                </c:pt>
+                <c:pt idx="32">
+                  <c:v>1.3150400100000001E-7</c:v>
+                </c:pt>
+                <c:pt idx="33">
+                  <c:v>6.5924501000000006E-8</c:v>
+                </c:pt>
+                <c:pt idx="34">
+                  <c:v>1.8616401000000002E-8</c:v>
+                </c:pt>
+                <c:pt idx="35">
+                  <c:v>4.5696210000000005E-9</c:v>
+                </c:pt>
+                <c:pt idx="36">
+                  <c:v>1.0000000000000001E-15</c:v>
+                </c:pt>
+                <c:pt idx="37">
+                  <c:v>1.0000000000000001E-15</c:v>
+                </c:pt>
+                <c:pt idx="38">
+                  <c:v>1.0000000000000001E-15</c:v>
+                </c:pt>
+                <c:pt idx="39">
+                  <c:v>1.0000000000000001E-15</c:v>
+                </c:pt>
+              </c:numCache>
+            </c:numRef>
+          </c:yVal>
+          <c:smooth val="1"/>
+        </c:ser>
+        <c:ser>
+          <c:idx val="1"/>
+          <c:order val="1"/>
+          <c:tx>
+            <c:strRef>
+              <c:f>Sheet1!$C$45:$D$45</c:f>
+              <c:strCache>
+                <c:ptCount val="1"/>
+                <c:pt idx="0">
+                  <c:v>Enriched (42.4, 0, 0)</c:v>
+                </c:pt>
+              </c:strCache>
+            </c:strRef>
+          </c:tx>
+          <c:spPr>
+            <a:ln w="19050" cap="rnd">
+              <a:solidFill>
+                <a:schemeClr val="accent2"/>
+              </a:solidFill>
+              <a:round/>
+            </a:ln>
+            <a:effectLst/>
+          </c:spPr>
+          <c:marker>
+            <c:symbol val="none"/>
+          </c:marker>
+          <c:errBars>
+            <c:errDir val="y"/>
+            <c:errBarType val="both"/>
+            <c:errValType val="cust"/>
+            <c:noEndCap val="0"/>
+            <c:plus>
+              <c:numRef>
+                <c:f>Sheet1!$G$47:$G$86</c:f>
+                <c:numCache>
+                  <c:formatCode>General</c:formatCode>
+                  <c:ptCount val="40"/>
+                  <c:pt idx="0">
+                    <c:v>0</c:v>
+                  </c:pt>
+                  <c:pt idx="1">
+                    <c:v>0</c:v>
+                  </c:pt>
+                  <c:pt idx="2">
+                    <c:v>0</c:v>
+                  </c:pt>
+                  <c:pt idx="3">
+                    <c:v>0</c:v>
+                  </c:pt>
+                  <c:pt idx="4">
+                    <c:v>0</c:v>
+                  </c:pt>
+                  <c:pt idx="5">
+                    <c:v>0</c:v>
+                  </c:pt>
+                  <c:pt idx="6">
+                    <c:v>0</c:v>
+                  </c:pt>
+                  <c:pt idx="7">
+                    <c:v>0</c:v>
+                  </c:pt>
+                  <c:pt idx="8">
+                    <c:v>0</c:v>
+                  </c:pt>
+                  <c:pt idx="9">
+                    <c:v>0</c:v>
+                  </c:pt>
+                  <c:pt idx="10">
+                    <c:v>0</c:v>
+                  </c:pt>
+                  <c:pt idx="11">
+                    <c:v>0</c:v>
+                  </c:pt>
+                  <c:pt idx="12">
+                    <c:v>0</c:v>
+                  </c:pt>
+                  <c:pt idx="13">
+                    <c:v>0</c:v>
+                  </c:pt>
+                  <c:pt idx="14">
+                    <c:v>0</c:v>
+                  </c:pt>
+                  <c:pt idx="15">
+                    <c:v>0</c:v>
+                  </c:pt>
+                  <c:pt idx="16">
+                    <c:v>0</c:v>
+                  </c:pt>
+                  <c:pt idx="17">
+                    <c:v>0</c:v>
+                  </c:pt>
+                  <c:pt idx="18">
+                    <c:v>8.8195599999999999E-10</c:v>
+                  </c:pt>
+                  <c:pt idx="19">
+                    <c:v>1.2226098324999998E-9</c:v>
+                  </c:pt>
+                  <c:pt idx="20">
+                    <c:v>2.4065402331000002E-9</c:v>
+                  </c:pt>
+                  <c:pt idx="21">
+                    <c:v>5.8282631195000009E-9</c:v>
+                  </c:pt>
+                  <c:pt idx="22">
+                    <c:v>1.2512491532700001E-8</c:v>
+                  </c:pt>
+                  <c:pt idx="23">
+                    <c:v>2.2662903017699999E-8</c:v>
+                  </c:pt>
+                  <c:pt idx="24">
+                    <c:v>3.8453874010699999E-8</c:v>
+                  </c:pt>
+                  <c:pt idx="25">
+                    <c:v>5.8399926007799999E-8</c:v>
+                  </c:pt>
+                  <c:pt idx="26">
+                    <c:v>8.0060310006699994E-8</c:v>
+                  </c:pt>
+                  <c:pt idx="27">
+                    <c:v>9.5044860006700014E-8</c:v>
+                  </c:pt>
+                  <c:pt idx="28">
+                    <c:v>1.032309000069E-7</c:v>
+                  </c:pt>
+                  <c:pt idx="29">
+                    <c:v>8.856746000889999E-8</c:v>
+                  </c:pt>
+                  <c:pt idx="30">
+                    <c:v>6.3833025013100011E-8</c:v>
+                  </c:pt>
+                  <c:pt idx="31">
+                    <c:v>4.3454654019699991E-8</c:v>
+                  </c:pt>
+                  <c:pt idx="32">
+                    <c:v>3.0650400027499998E-8</c:v>
+                  </c:pt>
+                  <c:pt idx="33">
+                    <c:v>1.99731096408E-8</c:v>
+                  </c:pt>
+                  <c:pt idx="34">
+                    <c:v>1.0234528580500002E-8</c:v>
+                  </c:pt>
+                  <c:pt idx="35">
+                    <c:v>2.5357798701000001E-9</c:v>
+                  </c:pt>
+                  <c:pt idx="36">
+                    <c:v>1.4736549265000001E-9</c:v>
+                  </c:pt>
+                  <c:pt idx="37">
+                    <c:v>0</c:v>
+                  </c:pt>
+                  <c:pt idx="38">
+                    <c:v>0</c:v>
+                  </c:pt>
+                  <c:pt idx="39">
+                    <c:v>0</c:v>
+                  </c:pt>
+                </c:numCache>
+              </c:numRef>
+            </c:plus>
+            <c:minus>
+              <c:numRef>
+                <c:f>Sheet1!$G$47:$G$86</c:f>
+                <c:numCache>
+                  <c:formatCode>General</c:formatCode>
+                  <c:ptCount val="40"/>
+                  <c:pt idx="0">
+                    <c:v>0</c:v>
+                  </c:pt>
+                  <c:pt idx="1">
+                    <c:v>0</c:v>
+                  </c:pt>
+                  <c:pt idx="2">
+                    <c:v>0</c:v>
+                  </c:pt>
+                  <c:pt idx="3">
+                    <c:v>0</c:v>
+                  </c:pt>
+                  <c:pt idx="4">
+                    <c:v>0</c:v>
+                  </c:pt>
+                  <c:pt idx="5">
+                    <c:v>0</c:v>
+                  </c:pt>
+                  <c:pt idx="6">
+                    <c:v>0</c:v>
+                  </c:pt>
+                  <c:pt idx="7">
+                    <c:v>0</c:v>
+                  </c:pt>
+                  <c:pt idx="8">
+                    <c:v>0</c:v>
+                  </c:pt>
+                  <c:pt idx="9">
+                    <c:v>0</c:v>
+                  </c:pt>
+                  <c:pt idx="10">
+                    <c:v>0</c:v>
+                  </c:pt>
+                  <c:pt idx="11">
+                    <c:v>0</c:v>
+                  </c:pt>
+                  <c:pt idx="12">
+                    <c:v>0</c:v>
+                  </c:pt>
+                  <c:pt idx="13">
+                    <c:v>0</c:v>
+                  </c:pt>
+                  <c:pt idx="14">
+                    <c:v>0</c:v>
+                  </c:pt>
+                  <c:pt idx="15">
+                    <c:v>0</c:v>
+                  </c:pt>
+                  <c:pt idx="16">
+                    <c:v>0</c:v>
+                  </c:pt>
+                  <c:pt idx="17">
+                    <c:v>0</c:v>
+                  </c:pt>
+                  <c:pt idx="18">
+                    <c:v>8.8195599999999999E-10</c:v>
+                  </c:pt>
+                  <c:pt idx="19">
+                    <c:v>1.2226098324999998E-9</c:v>
+                  </c:pt>
+                  <c:pt idx="20">
+                    <c:v>2.4065402331000002E-9</c:v>
+                  </c:pt>
+                  <c:pt idx="21">
+                    <c:v>5.8282631195000009E-9</c:v>
+                  </c:pt>
+                  <c:pt idx="22">
+                    <c:v>1.2512491532700001E-8</c:v>
+                  </c:pt>
+                  <c:pt idx="23">
+                    <c:v>2.2662903017699999E-8</c:v>
+                  </c:pt>
+                  <c:pt idx="24">
+                    <c:v>3.8453874010699999E-8</c:v>
+                  </c:pt>
+                  <c:pt idx="25">
+                    <c:v>5.8399926007799999E-8</c:v>
+                  </c:pt>
+                  <c:pt idx="26">
+                    <c:v>8.0060310006699994E-8</c:v>
+                  </c:pt>
+                  <c:pt idx="27">
+                    <c:v>9.5044860006700014E-8</c:v>
+                  </c:pt>
+                  <c:pt idx="28">
+                    <c:v>1.032309000069E-7</c:v>
+                  </c:pt>
+                  <c:pt idx="29">
+                    <c:v>8.856746000889999E-8</c:v>
+                  </c:pt>
+                  <c:pt idx="30">
+                    <c:v>6.3833025013100011E-8</c:v>
+                  </c:pt>
+                  <c:pt idx="31">
+                    <c:v>4.3454654019699991E-8</c:v>
+                  </c:pt>
+                  <c:pt idx="32">
+                    <c:v>3.0650400027499998E-8</c:v>
+                  </c:pt>
+                  <c:pt idx="33">
+                    <c:v>1.99731096408E-8</c:v>
+                  </c:pt>
+                  <c:pt idx="34">
+                    <c:v>1.0234528580500002E-8</c:v>
+                  </c:pt>
+                  <c:pt idx="35">
+                    <c:v>2.5357798701000001E-9</c:v>
+                  </c:pt>
+                  <c:pt idx="36">
+                    <c:v>1.4736549265000001E-9</c:v>
+                  </c:pt>
+                  <c:pt idx="37">
+                    <c:v>0</c:v>
+                  </c:pt>
+                  <c:pt idx="38">
+                    <c:v>0</c:v>
+                  </c:pt>
+                  <c:pt idx="39">
+                    <c:v>0</c:v>
+                  </c:pt>
+                </c:numCache>
+              </c:numRef>
+            </c:minus>
+            <c:spPr>
+              <a:noFill/>
+              <a:ln w="9525" cap="flat" cmpd="sng" algn="ctr">
+                <a:solidFill>
+                  <a:schemeClr val="tx1">
+                    <a:lumMod val="65000"/>
+                    <a:lumOff val="35000"/>
+                  </a:schemeClr>
+                </a:solidFill>
+                <a:round/>
+              </a:ln>
+              <a:effectLst/>
+            </c:spPr>
+          </c:errBars>
+          <c:xVal>
+            <c:numRef>
+              <c:f>Sheet1!$C$47:$C$86</c:f>
+              <c:numCache>
+                <c:formatCode>0.00E+00</c:formatCode>
+                <c:ptCount val="40"/>
+                <c:pt idx="0">
+                  <c:v>8.4599999999999997E-10</c:v>
+                </c:pt>
+                <c:pt idx="1">
+                  <c:v>2.5494999999999999E-9</c:v>
+                </c:pt>
+                <c:pt idx="2">
+                  <c:v>5.1339999999999998E-9</c:v>
+                </c:pt>
+                <c:pt idx="3">
+                  <c:v>1.0340500000000001E-8</c:v>
+                </c:pt>
+                <c:pt idx="4">
+                  <c:v>2.082E-8</c:v>
+                </c:pt>
+                <c:pt idx="5">
+                  <c:v>4.1925E-8</c:v>
+                </c:pt>
+                <c:pt idx="6">
+                  <c:v>8.4415000000000005E-8</c:v>
+                </c:pt>
+                <c:pt idx="7">
+                  <c:v>1.7000000000000001E-7</c:v>
+                </c:pt>
+                <c:pt idx="8">
+                  <c:v>3.4234999999999999E-7</c:v>
+                </c:pt>
+                <c:pt idx="9">
+                  <c:v>6.8945000000000002E-7</c:v>
+                </c:pt>
+                <c:pt idx="10">
+                  <c:v>1.3882000000000001E-6</c:v>
+                </c:pt>
+                <c:pt idx="11">
+                  <c:v>2.7954999999999997E-6</c:v>
+                </c:pt>
+                <c:pt idx="12">
+                  <c:v>5.6300000000000003E-6</c:v>
+                </c:pt>
+                <c:pt idx="13">
+                  <c:v>1.1337E-5</c:v>
+                </c:pt>
+                <c:pt idx="14">
+                  <c:v>2.283E-5</c:v>
+                </c:pt>
+                <c:pt idx="15">
+                  <c:v>4.5974999999999999E-5</c:v>
+                </c:pt>
+                <c:pt idx="16">
+                  <c:v>9.256999999999999E-5</c:v>
+                </c:pt>
+                <c:pt idx="17">
+                  <c:v>1.8645000000000001E-4</c:v>
+                </c:pt>
+                <c:pt idx="18">
+                  <c:v>3.7544999999999999E-4</c:v>
+                </c:pt>
+                <c:pt idx="19">
+                  <c:v>7.5584999999999997E-4</c:v>
+                </c:pt>
+                <c:pt idx="20">
+                  <c:v>1.5225E-3</c:v>
+                </c:pt>
+                <c:pt idx="21">
+                  <c:v>3.0660000000000001E-3</c:v>
+                </c:pt>
+                <c:pt idx="22">
+                  <c:v>6.1739999999999998E-3</c:v>
+                </c:pt>
+                <c:pt idx="23">
+                  <c:v>1.2435499999999999E-2</c:v>
+                </c:pt>
+                <c:pt idx="24">
+                  <c:v>2.504E-2</c:v>
+                </c:pt>
+                <c:pt idx="25">
+                  <c:v>5.0419999999999993E-2</c:v>
+                </c:pt>
+                <c:pt idx="26">
+                  <c:v>0.10153999999999999</c:v>
+                </c:pt>
+                <c:pt idx="27">
+                  <c:v>0.20444999999999999</c:v>
+                </c:pt>
+                <c:pt idx="28">
+                  <c:v>0.41170000000000001</c:v>
+                </c:pt>
+                <c:pt idx="29">
+                  <c:v>0.82910000000000006</c:v>
+                </c:pt>
+                <c:pt idx="30">
+                  <c:v>1.6695</c:v>
+                </c:pt>
+                <c:pt idx="31">
+                  <c:v>2.8650000000000002</c:v>
+                </c:pt>
+                <c:pt idx="32">
+                  <c:v>4.2575000000000003</c:v>
+                </c:pt>
+                <c:pt idx="33">
+                  <c:v>5.9965000000000002</c:v>
+                </c:pt>
+                <c:pt idx="34">
+                  <c:v>8.4885000000000002</c:v>
+                </c:pt>
+                <c:pt idx="35">
+                  <c:v>11</c:v>
+                </c:pt>
+                <c:pt idx="36">
+                  <c:v>13</c:v>
+                </c:pt>
+                <c:pt idx="37">
+                  <c:v>15</c:v>
+                </c:pt>
+                <c:pt idx="38">
+                  <c:v>17</c:v>
+                </c:pt>
+                <c:pt idx="39">
+                  <c:v>19</c:v>
+                </c:pt>
+              </c:numCache>
+            </c:numRef>
+          </c:xVal>
+          <c:yVal>
+            <c:numRef>
+              <c:f>Sheet1!$E$47:$E$86</c:f>
+              <c:numCache>
+                <c:formatCode>0.00E+00</c:formatCode>
+                <c:ptCount val="40"/>
+                <c:pt idx="0">
+                  <c:v>1.0000000000000001E-15</c:v>
+                </c:pt>
+                <c:pt idx="1">
+                  <c:v>1.0000000000000001E-15</c:v>
+                </c:pt>
+                <c:pt idx="2">
+                  <c:v>1.0000000000000001E-15</c:v>
+                </c:pt>
+                <c:pt idx="3">
+                  <c:v>1.0000000000000001E-15</c:v>
+                </c:pt>
+                <c:pt idx="4">
+                  <c:v>1.0000000000000001E-15</c:v>
+                </c:pt>
+                <c:pt idx="5">
+                  <c:v>1.0000000000000001E-15</c:v>
+                </c:pt>
+                <c:pt idx="6">
+                  <c:v>1.0000000000000001E-15</c:v>
+                </c:pt>
+                <c:pt idx="7">
+                  <c:v>1.0000000000000001E-15</c:v>
+                </c:pt>
+                <c:pt idx="8">
+                  <c:v>1.0000000000000001E-15</c:v>
+                </c:pt>
+                <c:pt idx="9">
+                  <c:v>1.0000000000000001E-15</c:v>
+                </c:pt>
+                <c:pt idx="10">
+                  <c:v>1.0000000000000001E-15</c:v>
+                </c:pt>
+                <c:pt idx="11">
+                  <c:v>1.0000000000000001E-15</c:v>
+                </c:pt>
+                <c:pt idx="12">
+                  <c:v>1.0000000000000001E-15</c:v>
+                </c:pt>
+                <c:pt idx="13">
+                  <c:v>1.0000000000000001E-15</c:v>
+                </c:pt>
+                <c:pt idx="14">
+                  <c:v>1.0000000000000001E-15</c:v>
+                </c:pt>
+                <c:pt idx="15">
+                  <c:v>1.0000000000000001E-15</c:v>
+                </c:pt>
+                <c:pt idx="16">
+                  <c:v>1.0000000000000001E-15</c:v>
+                </c:pt>
+                <c:pt idx="17">
+                  <c:v>1.0000000000000001E-15</c:v>
+                </c:pt>
+                <c:pt idx="18">
+                  <c:v>8.8195599999999999E-10</c:v>
+                </c:pt>
+                <c:pt idx="19">
+                  <c:v>2.0989009999999998E-9</c:v>
+                </c:pt>
+                <c:pt idx="20">
+                  <c:v>1.3902601000000001E-8</c:v>
+                </c:pt>
+                <c:pt idx="21">
+                  <c:v>8.3859901000000009E-8</c:v>
+                </c:pt>
+                <c:pt idx="22">
+                  <c:v>3.8264500100000003E-7</c:v>
+                </c:pt>
+                <c:pt idx="23">
+                  <c:v>1.2803900009999999E-6</c:v>
+                </c:pt>
+                <c:pt idx="24">
+                  <c:v>3.5938200009999998E-6</c:v>
+                </c:pt>
+                <c:pt idx="25">
+                  <c:v>7.487170001E-6</c:v>
+                </c:pt>
+                <c:pt idx="26">
+                  <c:v>1.1949300001E-5</c:v>
+                </c:pt>
+                <c:pt idx="27">
+                  <c:v>1.4185800001000001E-5</c:v>
+                </c:pt>
+                <c:pt idx="28">
+                  <c:v>1.4961000001E-5</c:v>
+                </c:pt>
+                <c:pt idx="29">
+                  <c:v>9.9514000009999996E-6</c:v>
+                </c:pt>
+                <c:pt idx="30">
+                  <c:v>4.8727500010000004E-6</c:v>
+                </c:pt>
+                <c:pt idx="31">
+                  <c:v>2.2058200009999997E-6</c:v>
+                </c:pt>
+                <c:pt idx="32">
+                  <c:v>1.1145600009999999E-6</c:v>
+                </c:pt>
+                <c:pt idx="33">
+                  <c:v>4.89537001E-7</c:v>
+                </c:pt>
+                <c:pt idx="34">
+                  <c:v>1.2713700100000001E-7</c:v>
+                </c:pt>
+                <c:pt idx="35">
+                  <c:v>8.0731610000000006E-9</c:v>
+                </c:pt>
+                <c:pt idx="36">
+                  <c:v>2.056741E-9</c:v>
+                </c:pt>
+                <c:pt idx="37">
+                  <c:v>1.0000000000000001E-15</c:v>
+                </c:pt>
+                <c:pt idx="38">
+                  <c:v>1.0000000000000001E-15</c:v>
+                </c:pt>
+                <c:pt idx="39">
+                  <c:v>1.0000000000000001E-15</c:v>
+                </c:pt>
+              </c:numCache>
+            </c:numRef>
+          </c:yVal>
+          <c:smooth val="1"/>
+        </c:ser>
+        <c:ser>
+          <c:idx val="2"/>
+          <c:order val="2"/>
+          <c:tx>
+            <c:strRef>
+              <c:f>Sheet1!$C$89:$D$89</c:f>
+              <c:strCache>
+                <c:ptCount val="1"/>
+                <c:pt idx="0">
+                  <c:v>Depleted (84.4, 0, 0)</c:v>
+                </c:pt>
+              </c:strCache>
+            </c:strRef>
+          </c:tx>
+          <c:spPr>
+            <a:ln w="19050" cap="rnd">
+              <a:solidFill>
+                <a:schemeClr val="accent3"/>
+              </a:solidFill>
+              <a:round/>
+            </a:ln>
+            <a:effectLst/>
+          </c:spPr>
+          <c:marker>
+            <c:symbol val="none"/>
+          </c:marker>
+          <c:errBars>
+            <c:errDir val="y"/>
+            <c:errBarType val="both"/>
+            <c:errValType val="cust"/>
+            <c:noEndCap val="0"/>
+            <c:plus>
+              <c:numRef>
+                <c:f>Sheet1!$G$91:$G$130</c:f>
+                <c:numCache>
+                  <c:formatCode>General</c:formatCode>
+                  <c:ptCount val="40"/>
+                  <c:pt idx="0">
+                    <c:v>0</c:v>
+                  </c:pt>
+                  <c:pt idx="1">
+                    <c:v>0</c:v>
+                  </c:pt>
+                  <c:pt idx="2">
+                    <c:v>0</c:v>
+                  </c:pt>
+                  <c:pt idx="3">
+                    <c:v>0</c:v>
+                  </c:pt>
+                  <c:pt idx="4">
+                    <c:v>2.73947E-10</c:v>
+                  </c:pt>
+                  <c:pt idx="5">
+                    <c:v>6.7680394379999996E-10</c:v>
+                  </c:pt>
+                  <c:pt idx="6">
+                    <c:v>9.0758605589999988E-10</c:v>
+                  </c:pt>
+                  <c:pt idx="7">
+                    <c:v>4.6771196259999997E-10</c:v>
+                  </c:pt>
+                  <c:pt idx="8">
+                    <c:v>6.7319190449999996E-10</c:v>
+                  </c:pt>
+                  <c:pt idx="9">
+                    <c:v>4.4754050600000001E-10</c:v>
+                  </c:pt>
+                  <c:pt idx="10">
+                    <c:v>9.9236207710000014E-10</c:v>
+                  </c:pt>
+                  <c:pt idx="11">
+                    <c:v>5.821058448E-10</c:v>
+                  </c:pt>
+                  <c:pt idx="12">
+                    <c:v>4.3508299999999999E-10</c:v>
+                  </c:pt>
+                  <c:pt idx="13">
+                    <c:v>3.9458902250000002E-10</c:v>
+                  </c:pt>
+                  <c:pt idx="14">
+                    <c:v>4.5800776559999998E-10</c:v>
+                  </c:pt>
+                  <c:pt idx="15">
+                    <c:v>7.8970822199999997E-10</c:v>
+                  </c:pt>
+                  <c:pt idx="16">
+                    <c:v>1.1466211809E-9</c:v>
+                  </c:pt>
+                  <c:pt idx="17">
+                    <c:v>9.6146703300000003E-10</c:v>
+                  </c:pt>
+                  <c:pt idx="18">
+                    <c:v>1.6970702354000003E-9</c:v>
+                  </c:pt>
+                  <c:pt idx="19">
+                    <c:v>2.1478137477000001E-9</c:v>
+                  </c:pt>
+                  <c:pt idx="20">
+                    <c:v>3.6768464820999996E-9</c:v>
+                  </c:pt>
+                  <c:pt idx="21">
+                    <c:v>6.2591633135000003E-9</c:v>
+                  </c:pt>
+                  <c:pt idx="22">
+                    <c:v>1.0419831838900001E-8</c:v>
+                  </c:pt>
+                  <c:pt idx="23">
+                    <c:v>1.5706360824800001E-8</c:v>
+                  </c:pt>
+                  <c:pt idx="24">
+                    <c:v>2.2549858017299997E-8</c:v>
+                  </c:pt>
+                  <c:pt idx="25">
+                    <c:v>2.8862184015599997E-8</c:v>
+                  </c:pt>
+                  <c:pt idx="26">
+                    <c:v>3.3194950016299995E-8</c:v>
+                  </c:pt>
+                  <c:pt idx="27">
+                    <c:v>3.3266279019099992E-8</c:v>
+                  </c:pt>
+                  <c:pt idx="28">
+                    <c:v>3.0299906022899995E-8</c:v>
+                  </c:pt>
+                  <c:pt idx="29">
+                    <c:v>2.0779958436199999E-8</c:v>
+                  </c:pt>
+                  <c:pt idx="30">
+                    <c:v>1.0376289073499999E-8</c:v>
+                  </c:pt>
+                  <c:pt idx="31">
+                    <c:v>5.6268419462999994E-9</c:v>
+                  </c:pt>
+                  <c:pt idx="32">
+                    <c:v>5.09691216E-9</c:v>
+                  </c:pt>
+                  <c:pt idx="33">
+                    <c:v>2.9788783583E-9</c:v>
+                  </c:pt>
+                  <c:pt idx="34">
+                    <c:v>1.008089859E-9</c:v>
+                  </c:pt>
+                  <c:pt idx="35">
+                    <c:v>0</c:v>
+                  </c:pt>
+                  <c:pt idx="36">
+                    <c:v>5.0365899999999999E-10</c:v>
+                  </c:pt>
+                  <c:pt idx="37">
+                    <c:v>0</c:v>
+                  </c:pt>
+                  <c:pt idx="38">
+                    <c:v>0</c:v>
+                  </c:pt>
+                  <c:pt idx="39">
+                    <c:v>0</c:v>
+                  </c:pt>
+                </c:numCache>
+              </c:numRef>
+            </c:plus>
+            <c:minus>
+              <c:numRef>
+                <c:f>Sheet1!$G$91:$G$130</c:f>
+                <c:numCache>
+                  <c:formatCode>General</c:formatCode>
+                  <c:ptCount val="40"/>
+                  <c:pt idx="0">
+                    <c:v>0</c:v>
+                  </c:pt>
+                  <c:pt idx="1">
+                    <c:v>0</c:v>
+                  </c:pt>
+                  <c:pt idx="2">
+                    <c:v>0</c:v>
+                  </c:pt>
+                  <c:pt idx="3">
+                    <c:v>0</c:v>
+                  </c:pt>
+                  <c:pt idx="4">
+                    <c:v>2.73947E-10</c:v>
+                  </c:pt>
+                  <c:pt idx="5">
+                    <c:v>6.7680394379999996E-10</c:v>
+                  </c:pt>
+                  <c:pt idx="6">
+                    <c:v>9.0758605589999988E-10</c:v>
+                  </c:pt>
+                  <c:pt idx="7">
+                    <c:v>4.6771196259999997E-10</c:v>
+                  </c:pt>
+                  <c:pt idx="8">
+                    <c:v>6.7319190449999996E-10</c:v>
+                  </c:pt>
+                  <c:pt idx="9">
+                    <c:v>4.4754050600000001E-10</c:v>
+                  </c:pt>
+                  <c:pt idx="10">
+                    <c:v>9.9236207710000014E-10</c:v>
+                  </c:pt>
+                  <c:pt idx="11">
+                    <c:v>5.821058448E-10</c:v>
+                  </c:pt>
+                  <c:pt idx="12">
+                    <c:v>4.3508299999999999E-10</c:v>
+                  </c:pt>
+                  <c:pt idx="13">
+                    <c:v>3.9458902250000002E-10</c:v>
+                  </c:pt>
+                  <c:pt idx="14">
+                    <c:v>4.5800776559999998E-10</c:v>
+                  </c:pt>
+                  <c:pt idx="15">
+                    <c:v>7.8970822199999997E-10</c:v>
+                  </c:pt>
+                  <c:pt idx="16">
+                    <c:v>1.1466211809E-9</c:v>
+                  </c:pt>
+                  <c:pt idx="17">
+                    <c:v>9.6146703300000003E-10</c:v>
+                  </c:pt>
+                  <c:pt idx="18">
+                    <c:v>1.6970702354000003E-9</c:v>
+                  </c:pt>
+                  <c:pt idx="19">
+                    <c:v>2.1478137477000001E-9</c:v>
+                  </c:pt>
+                  <c:pt idx="20">
+                    <c:v>3.6768464820999996E-9</c:v>
+                  </c:pt>
+                  <c:pt idx="21">
+                    <c:v>6.2591633135000003E-9</c:v>
+                  </c:pt>
+                  <c:pt idx="22">
+                    <c:v>1.0419831838900001E-8</c:v>
+                  </c:pt>
+                  <c:pt idx="23">
+                    <c:v>1.5706360824800001E-8</c:v>
+                  </c:pt>
+                  <c:pt idx="24">
+                    <c:v>2.2549858017299997E-8</c:v>
+                  </c:pt>
+                  <c:pt idx="25">
+                    <c:v>2.8862184015599997E-8</c:v>
+                  </c:pt>
+                  <c:pt idx="26">
+                    <c:v>3.3194950016299995E-8</c:v>
+                  </c:pt>
+                  <c:pt idx="27">
+                    <c:v>3.3266279019099992E-8</c:v>
+                  </c:pt>
+                  <c:pt idx="28">
+                    <c:v>3.0299906022899995E-8</c:v>
+                  </c:pt>
+                  <c:pt idx="29">
+                    <c:v>2.0779958436199999E-8</c:v>
+                  </c:pt>
+                  <c:pt idx="30">
+                    <c:v>1.0376289073499999E-8</c:v>
+                  </c:pt>
+                  <c:pt idx="31">
+                    <c:v>5.6268419462999994E-9</c:v>
+                  </c:pt>
+                  <c:pt idx="32">
+                    <c:v>5.09691216E-9</c:v>
+                  </c:pt>
+                  <c:pt idx="33">
+                    <c:v>2.9788783583E-9</c:v>
+                  </c:pt>
+                  <c:pt idx="34">
+                    <c:v>1.008089859E-9</c:v>
+                  </c:pt>
+                  <c:pt idx="35">
+                    <c:v>0</c:v>
+                  </c:pt>
+                  <c:pt idx="36">
+                    <c:v>5.0365899999999999E-10</c:v>
+                  </c:pt>
+                  <c:pt idx="37">
+                    <c:v>0</c:v>
+                  </c:pt>
+                  <c:pt idx="38">
+                    <c:v>0</c:v>
+                  </c:pt>
+                  <c:pt idx="39">
+                    <c:v>0</c:v>
+                  </c:pt>
+                </c:numCache>
+              </c:numRef>
+            </c:minus>
+            <c:spPr>
+              <a:noFill/>
+              <a:ln w="9525" cap="flat" cmpd="sng" algn="ctr">
+                <a:solidFill>
+                  <a:schemeClr val="tx1">
+                    <a:lumMod val="65000"/>
+                    <a:lumOff val="35000"/>
+                  </a:schemeClr>
+                </a:solidFill>
+                <a:round/>
+              </a:ln>
+              <a:effectLst/>
+            </c:spPr>
+          </c:errBars>
+          <c:xVal>
+            <c:numRef>
+              <c:f>Sheet1!$C$91:$C$130</c:f>
+              <c:numCache>
+                <c:formatCode>0.00E+00</c:formatCode>
+                <c:ptCount val="40"/>
+                <c:pt idx="0">
+                  <c:v>8.4599999999999997E-10</c:v>
+                </c:pt>
+                <c:pt idx="1">
+                  <c:v>2.5494999999999999E-9</c:v>
+                </c:pt>
+                <c:pt idx="2">
+                  <c:v>5.1339999999999998E-9</c:v>
+                </c:pt>
+                <c:pt idx="3">
+                  <c:v>1.0340500000000001E-8</c:v>
+                </c:pt>
+                <c:pt idx="4">
+                  <c:v>2.082E-8</c:v>
+                </c:pt>
+                <c:pt idx="5">
+                  <c:v>4.1925E-8</c:v>
+                </c:pt>
+                <c:pt idx="6">
+                  <c:v>8.4415000000000005E-8</c:v>
+                </c:pt>
+                <c:pt idx="7">
+                  <c:v>1.7000000000000001E-7</c:v>
+                </c:pt>
+                <c:pt idx="8">
+                  <c:v>3.4234999999999999E-7</c:v>
+                </c:pt>
+                <c:pt idx="9">
+                  <c:v>6.8945000000000002E-7</c:v>
+                </c:pt>
+                <c:pt idx="10">
+                  <c:v>1.3882000000000001E-6</c:v>
+                </c:pt>
+                <c:pt idx="11">
+                  <c:v>2.7954999999999997E-6</c:v>
+                </c:pt>
+                <c:pt idx="12">
+                  <c:v>5.6300000000000003E-6</c:v>
+                </c:pt>
+                <c:pt idx="13">
+                  <c:v>1.1337E-5</c:v>
+                </c:pt>
+                <c:pt idx="14">
+                  <c:v>2.283E-5</c:v>
+                </c:pt>
+                <c:pt idx="15">
+                  <c:v>4.5974999999999999E-5</c:v>
+                </c:pt>
+                <c:pt idx="16">
+                  <c:v>9.256999999999999E-5</c:v>
+                </c:pt>
+                <c:pt idx="17">
+                  <c:v>1.8645000000000001E-4</c:v>
+                </c:pt>
+                <c:pt idx="18">
+                  <c:v>3.7544999999999999E-4</c:v>
+                </c:pt>
+                <c:pt idx="19">
+                  <c:v>7.5584999999999997E-4</c:v>
+                </c:pt>
+                <c:pt idx="20">
+                  <c:v>1.5225E-3</c:v>
+                </c:pt>
+                <c:pt idx="21">
+                  <c:v>3.0660000000000001E-3</c:v>
+                </c:pt>
+                <c:pt idx="22">
+                  <c:v>6.1739999999999998E-3</c:v>
+                </c:pt>
+                <c:pt idx="23">
+                  <c:v>1.2435499999999999E-2</c:v>
+                </c:pt>
+                <c:pt idx="24">
+                  <c:v>2.504E-2</c:v>
+                </c:pt>
+                <c:pt idx="25">
+                  <c:v>5.0419999999999993E-2</c:v>
+                </c:pt>
+                <c:pt idx="26">
+                  <c:v>0.10153999999999999</c:v>
+                </c:pt>
+                <c:pt idx="27">
+                  <c:v>0.20444999999999999</c:v>
+                </c:pt>
+                <c:pt idx="28">
+                  <c:v>0.41170000000000001</c:v>
+                </c:pt>
+                <c:pt idx="29">
+                  <c:v>0.82910000000000006</c:v>
+                </c:pt>
+                <c:pt idx="30">
+                  <c:v>1.6695</c:v>
+                </c:pt>
+                <c:pt idx="31">
+                  <c:v>2.8650000000000002</c:v>
+                </c:pt>
+                <c:pt idx="32">
+                  <c:v>4.2575000000000003</c:v>
+                </c:pt>
+                <c:pt idx="33">
+                  <c:v>5.9965000000000002</c:v>
+                </c:pt>
+                <c:pt idx="34">
+                  <c:v>8.4885000000000002</c:v>
+                </c:pt>
+                <c:pt idx="35">
+                  <c:v>11</c:v>
+                </c:pt>
+                <c:pt idx="36">
+                  <c:v>13</c:v>
+                </c:pt>
+                <c:pt idx="37">
+                  <c:v>15</c:v>
+                </c:pt>
+                <c:pt idx="38">
+                  <c:v>17</c:v>
+                </c:pt>
+                <c:pt idx="39">
+                  <c:v>19</c:v>
+                </c:pt>
+              </c:numCache>
+            </c:numRef>
+          </c:xVal>
+          <c:yVal>
+            <c:numRef>
+              <c:f>Sheet1!$E$91:$E$130</c:f>
+              <c:numCache>
+                <c:formatCode>0.00E+00</c:formatCode>
+                <c:ptCount val="40"/>
+                <c:pt idx="0">
+                  <c:v>1.0000000000000001E-15</c:v>
+                </c:pt>
+                <c:pt idx="1">
+                  <c:v>1.0000000000000001E-15</c:v>
+                </c:pt>
+                <c:pt idx="2">
+                  <c:v>1.0000000000000001E-15</c:v>
+                </c:pt>
+                <c:pt idx="3">
+                  <c:v>1.0000000000000001E-15</c:v>
+                </c:pt>
+                <c:pt idx="4">
+                  <c:v>2.73947E-10</c:v>
+                </c:pt>
+                <c:pt idx="5">
+                  <c:v>9.2044600000000003E-10</c:v>
+                </c:pt>
+                <c:pt idx="6">
+                  <c:v>1.6297109999999999E-9</c:v>
+                </c:pt>
+                <c:pt idx="7">
+                  <c:v>6.4699399999999999E-10</c:v>
+                </c:pt>
+                <c:pt idx="8">
+                  <c:v>1.1419709999999998E-9</c:v>
+                </c:pt>
+                <c:pt idx="9">
+                  <c:v>7.6372100000000003E-10</c:v>
+                </c:pt>
+                <c:pt idx="10">
+                  <c:v>2.3964310000000001E-9</c:v>
+                </c:pt>
+                <c:pt idx="11">
+                  <c:v>1.0925409999999999E-9</c:v>
+                </c:pt>
+                <c:pt idx="12">
+                  <c:v>4.3508299999999999E-10</c:v>
+                </c:pt>
+                <c:pt idx="13">
+                  <c:v>5.5772300000000004E-10</c:v>
+                </c:pt>
+                <c:pt idx="14">
+                  <c:v>5.1787400000000003E-10</c:v>
+                </c:pt>
+                <c:pt idx="15">
+                  <c:v>1.5128509999999999E-9</c:v>
+                </c:pt>
+                <c:pt idx="16">
+                  <c:v>3.2217509999999999E-9</c:v>
+                </c:pt>
+                <c:pt idx="17">
+                  <c:v>2.4464809999999999E-9</c:v>
+                </c:pt>
+                <c:pt idx="18">
+                  <c:v>6.8596210000000007E-9</c:v>
+                </c:pt>
+                <c:pt idx="19">
+                  <c:v>1.1442801E-8</c:v>
+                </c:pt>
+                <c:pt idx="20">
+                  <c:v>3.2799700999999997E-8</c:v>
+                </c:pt>
+                <c:pt idx="21">
+                  <c:v>9.8569501000000005E-8</c:v>
+                </c:pt>
+                <c:pt idx="22">
+                  <c:v>2.6786200100000002E-7</c:v>
+                </c:pt>
+                <c:pt idx="23">
+                  <c:v>6.3332100099999999E-7</c:v>
+                </c:pt>
+                <c:pt idx="24">
+                  <c:v>1.303460001E-6</c:v>
+                </c:pt>
+                <c:pt idx="25">
+                  <c:v>1.8501400009999998E-6</c:v>
+                </c:pt>
+                <c:pt idx="26">
+                  <c:v>2.0365000009999998E-6</c:v>
+                </c:pt>
+                <c:pt idx="27">
+                  <c:v>1.7416900009999998E-6</c:v>
+                </c:pt>
+                <c:pt idx="28">
+                  <c:v>1.3231400009999998E-6</c:v>
+                </c:pt>
+                <c:pt idx="29">
+                  <c:v>5.7403200099999997E-7</c:v>
+                </c:pt>
+                <c:pt idx="30">
+                  <c:v>1.4117400099999999E-7</c:v>
+                </c:pt>
+                <c:pt idx="31">
+                  <c:v>4.4551400999999998E-8</c:v>
+                </c:pt>
+                <c:pt idx="32">
+                  <c:v>3.1855700999999998E-8</c:v>
+                </c:pt>
+                <c:pt idx="33">
+                  <c:v>1.3645801E-8</c:v>
+                </c:pt>
+                <c:pt idx="34">
+                  <c:v>2.5265409999999997E-9</c:v>
+                </c:pt>
+                <c:pt idx="35">
+                  <c:v>1.0000000000000001E-15</c:v>
+                </c:pt>
+                <c:pt idx="36">
+                  <c:v>5.0365899999999999E-10</c:v>
+                </c:pt>
+                <c:pt idx="37">
+                  <c:v>1.0000000000000001E-15</c:v>
+                </c:pt>
+                <c:pt idx="38">
+                  <c:v>1.0000000000000001E-15</c:v>
+                </c:pt>
+                <c:pt idx="39">
+                  <c:v>1.0000000000000001E-15</c:v>
+                </c:pt>
+              </c:numCache>
+            </c:numRef>
+          </c:yVal>
+          <c:smooth val="1"/>
+        </c:ser>
+        <c:ser>
+          <c:idx val="5"/>
+          <c:order val="3"/>
+          <c:tx>
+            <c:strRef>
+              <c:f>Sheet1!$C$221:$D$221</c:f>
+              <c:strCache>
+                <c:ptCount val="1"/>
+                <c:pt idx="0">
+                  <c:v>Enriched (0, 0, 40.0)</c:v>
+                </c:pt>
+              </c:strCache>
+            </c:strRef>
+          </c:tx>
+          <c:spPr>
+            <a:ln w="19050" cap="rnd">
+              <a:solidFill>
+                <a:schemeClr val="accent6"/>
+              </a:solidFill>
+              <a:round/>
+            </a:ln>
+            <a:effectLst/>
+          </c:spPr>
+          <c:marker>
+            <c:symbol val="none"/>
+          </c:marker>
+          <c:errBars>
+            <c:errDir val="y"/>
+            <c:errBarType val="both"/>
+            <c:errValType val="cust"/>
+            <c:noEndCap val="0"/>
+            <c:plus>
+              <c:numRef>
+                <c:f>Sheet1!$G$223:$G$262</c:f>
+                <c:numCache>
+                  <c:formatCode>General</c:formatCode>
+                  <c:ptCount val="40"/>
+                  <c:pt idx="0">
+                    <c:v>0</c:v>
+                  </c:pt>
+                  <c:pt idx="1">
+                    <c:v>0</c:v>
+                  </c:pt>
+                  <c:pt idx="2">
+                    <c:v>0</c:v>
+                  </c:pt>
+                  <c:pt idx="3">
+                    <c:v>0</c:v>
+                  </c:pt>
+                  <c:pt idx="4">
+                    <c:v>0</c:v>
+                  </c:pt>
+                  <c:pt idx="5">
+                    <c:v>0</c:v>
+                  </c:pt>
+                  <c:pt idx="6">
+                    <c:v>0</c:v>
+                  </c:pt>
+                  <c:pt idx="7">
+                    <c:v>0</c:v>
+                  </c:pt>
+                  <c:pt idx="8">
+                    <c:v>0</c:v>
+                  </c:pt>
+                  <c:pt idx="9">
+                    <c:v>0</c:v>
+                  </c:pt>
+                  <c:pt idx="10">
+                    <c:v>0</c:v>
+                  </c:pt>
+                  <c:pt idx="11">
+                    <c:v>0</c:v>
+                  </c:pt>
+                  <c:pt idx="12">
+                    <c:v>0</c:v>
+                  </c:pt>
+                  <c:pt idx="13">
+                    <c:v>0</c:v>
+                  </c:pt>
+                  <c:pt idx="14">
+                    <c:v>0</c:v>
+                  </c:pt>
+                  <c:pt idx="15">
+                    <c:v>0</c:v>
+                  </c:pt>
+                  <c:pt idx="16">
+                    <c:v>0</c:v>
+                  </c:pt>
+                  <c:pt idx="17">
+                    <c:v>0</c:v>
+                  </c:pt>
+                  <c:pt idx="18">
+                    <c:v>0</c:v>
+                  </c:pt>
+                  <c:pt idx="19">
+                    <c:v>8.3512783169999992E-10</c:v>
+                  </c:pt>
+                  <c:pt idx="20">
+                    <c:v>2.9521224323000003E-9</c:v>
+                  </c:pt>
+                  <c:pt idx="21">
+                    <c:v>6.1328128656000003E-9</c:v>
+                  </c:pt>
+                  <c:pt idx="22">
+                    <c:v>1.1783457433799998E-8</c:v>
+                  </c:pt>
+                  <c:pt idx="23">
+                    <c:v>2.1562970018699999E-8</c:v>
+                  </c:pt>
+                  <c:pt idx="24">
+                    <c:v>3.3583560011999999E-8</c:v>
+                  </c:pt>
+                  <c:pt idx="25">
+                    <c:v>4.8486046009400004E-8</c:v>
+                  </c:pt>
+                  <c:pt idx="26">
+                    <c:v>6.3922616008300002E-8</c:v>
+                  </c:pt>
+                  <c:pt idx="27">
+                    <c:v>7.3761210008699996E-8</c:v>
+                  </c:pt>
+                  <c:pt idx="28">
+                    <c:v>7.9034410009100002E-8</c:v>
+                  </c:pt>
+                  <c:pt idx="29">
+                    <c:v>6.5867160011999997E-8</c:v>
+                  </c:pt>
+                  <c:pt idx="30">
+                    <c:v>4.9128975017500003E-8</c:v>
+                  </c:pt>
+                  <c:pt idx="31">
+                    <c:v>3.3650432025600001E-8</c:v>
+                  </c:pt>
+                  <c:pt idx="32">
+                    <c:v>2.31553328368E-8</c:v>
+                  </c:pt>
+                  <c:pt idx="33">
+                    <c:v>1.5230880055999999E-8</c:v>
+                  </c:pt>
+                  <c:pt idx="34">
+                    <c:v>7.207490896300001E-9</c:v>
+                  </c:pt>
+                  <c:pt idx="35">
+                    <c:v>2.5552243686000001E-9</c:v>
+                  </c:pt>
+                  <c:pt idx="36">
+                    <c:v>1.6536970503000001E-9</c:v>
+                  </c:pt>
+                  <c:pt idx="37">
+                    <c:v>1.127501E-9</c:v>
+                  </c:pt>
+                  <c:pt idx="38">
+                    <c:v>0</c:v>
+                  </c:pt>
+                  <c:pt idx="39">
+                    <c:v>0</c:v>
+                  </c:pt>
+                </c:numCache>
+              </c:numRef>
+            </c:plus>
+            <c:minus>
+              <c:numRef>
+                <c:f>Sheet1!$G$223:$G$262</c:f>
+                <c:numCache>
+                  <c:formatCode>General</c:formatCode>
+                  <c:ptCount val="40"/>
+                  <c:pt idx="0">
+                    <c:v>0</c:v>
+                  </c:pt>
+                  <c:pt idx="1">
+                    <c:v>0</c:v>
+                  </c:pt>
+                  <c:pt idx="2">
+                    <c:v>0</c:v>
+                  </c:pt>
+                  <c:pt idx="3">
+                    <c:v>0</c:v>
+                  </c:pt>
+                  <c:pt idx="4">
+                    <c:v>0</c:v>
+                  </c:pt>
+                  <c:pt idx="5">
+                    <c:v>0</c:v>
+                  </c:pt>
+                  <c:pt idx="6">
+                    <c:v>0</c:v>
+                  </c:pt>
+                  <c:pt idx="7">
+                    <c:v>0</c:v>
+                  </c:pt>
+                  <c:pt idx="8">
+                    <c:v>0</c:v>
+                  </c:pt>
+                  <c:pt idx="9">
+                    <c:v>0</c:v>
+                  </c:pt>
+                  <c:pt idx="10">
+                    <c:v>0</c:v>
+                  </c:pt>
+                  <c:pt idx="11">
+                    <c:v>0</c:v>
+                  </c:pt>
+                  <c:pt idx="12">
+                    <c:v>0</c:v>
+                  </c:pt>
+                  <c:pt idx="13">
+                    <c:v>0</c:v>
+                  </c:pt>
+                  <c:pt idx="14">
+                    <c:v>0</c:v>
+                  </c:pt>
+                  <c:pt idx="15">
+                    <c:v>0</c:v>
+                  </c:pt>
+                  <c:pt idx="16">
+                    <c:v>0</c:v>
+                  </c:pt>
+                  <c:pt idx="17">
+                    <c:v>0</c:v>
+                  </c:pt>
+                  <c:pt idx="18">
+                    <c:v>0</c:v>
+                  </c:pt>
+                  <c:pt idx="19">
+                    <c:v>8.3512783169999992E-10</c:v>
+                  </c:pt>
+                  <c:pt idx="20">
+                    <c:v>2.9521224323000003E-9</c:v>
+                  </c:pt>
+                  <c:pt idx="21">
+                    <c:v>6.1328128656000003E-9</c:v>
+                  </c:pt>
+                  <c:pt idx="22">
+                    <c:v>1.1783457433799998E-8</c:v>
+                  </c:pt>
+                  <c:pt idx="23">
+                    <c:v>2.1562970018699999E-8</c:v>
+                  </c:pt>
+                  <c:pt idx="24">
+                    <c:v>3.3583560011999999E-8</c:v>
+                  </c:pt>
+                  <c:pt idx="25">
+                    <c:v>4.8486046009400004E-8</c:v>
+                  </c:pt>
+                  <c:pt idx="26">
+                    <c:v>6.3922616008300002E-8</c:v>
+                  </c:pt>
+                  <c:pt idx="27">
+                    <c:v>7.3761210008699996E-8</c:v>
+                  </c:pt>
+                  <c:pt idx="28">
+                    <c:v>7.9034410009100002E-8</c:v>
+                  </c:pt>
+                  <c:pt idx="29">
+                    <c:v>6.5867160011999997E-8</c:v>
+                  </c:pt>
+                  <c:pt idx="30">
+                    <c:v>4.9128975017500003E-8</c:v>
+                  </c:pt>
+                  <c:pt idx="31">
+                    <c:v>3.3650432025600001E-8</c:v>
+                  </c:pt>
+                  <c:pt idx="32">
+                    <c:v>2.31553328368E-8</c:v>
+                  </c:pt>
+                  <c:pt idx="33">
+                    <c:v>1.5230880055999999E-8</c:v>
+                  </c:pt>
+                  <c:pt idx="34">
+                    <c:v>7.207490896300001E-9</c:v>
+                  </c:pt>
+                  <c:pt idx="35">
+                    <c:v>2.5552243686000001E-9</c:v>
+                  </c:pt>
+                  <c:pt idx="36">
+                    <c:v>1.6536970503000001E-9</c:v>
+                  </c:pt>
+                  <c:pt idx="37">
+                    <c:v>1.127501E-9</c:v>
+                  </c:pt>
+                  <c:pt idx="38">
+                    <c:v>0</c:v>
+                  </c:pt>
+                  <c:pt idx="39">
+                    <c:v>0</c:v>
+                  </c:pt>
+                </c:numCache>
+              </c:numRef>
+            </c:minus>
+            <c:spPr>
+              <a:noFill/>
+              <a:ln w="9525" cap="flat" cmpd="sng" algn="ctr">
+                <a:solidFill>
+                  <a:schemeClr val="tx1">
+                    <a:lumMod val="65000"/>
+                    <a:lumOff val="35000"/>
+                  </a:schemeClr>
+                </a:solidFill>
+                <a:round/>
+              </a:ln>
+              <a:effectLst/>
+            </c:spPr>
+          </c:errBars>
+          <c:xVal>
+            <c:numRef>
+              <c:f>Sheet1!$C$223:$C$262</c:f>
+              <c:numCache>
+                <c:formatCode>0.00E+00</c:formatCode>
+                <c:ptCount val="40"/>
+                <c:pt idx="0">
+                  <c:v>8.4599999999999997E-10</c:v>
+                </c:pt>
+                <c:pt idx="1">
+                  <c:v>2.5494999999999999E-9</c:v>
+                </c:pt>
+                <c:pt idx="2">
+                  <c:v>5.1339999999999998E-9</c:v>
+                </c:pt>
+                <c:pt idx="3">
+                  <c:v>1.0340500000000001E-8</c:v>
+                </c:pt>
+                <c:pt idx="4">
+                  <c:v>2.082E-8</c:v>
+                </c:pt>
+                <c:pt idx="5">
+                  <c:v>4.1925E-8</c:v>
+                </c:pt>
+                <c:pt idx="6">
+                  <c:v>8.4415000000000005E-8</c:v>
+                </c:pt>
+                <c:pt idx="7">
+                  <c:v>1.7000000000000001E-7</c:v>
+                </c:pt>
+                <c:pt idx="8">
+                  <c:v>3.4234999999999999E-7</c:v>
+                </c:pt>
+                <c:pt idx="9">
+                  <c:v>6.8945000000000002E-7</c:v>
+                </c:pt>
+                <c:pt idx="10">
+                  <c:v>1.3882000000000001E-6</c:v>
+                </c:pt>
+                <c:pt idx="11">
+                  <c:v>2.7954999999999997E-6</c:v>
+                </c:pt>
+                <c:pt idx="12">
+                  <c:v>5.6300000000000003E-6</c:v>
+                </c:pt>
+                <c:pt idx="13">
+                  <c:v>1.1337E-5</c:v>
+                </c:pt>
+                <c:pt idx="14">
+                  <c:v>2.283E-5</c:v>
+                </c:pt>
+                <c:pt idx="15">
+                  <c:v>4.5974999999999999E-5</c:v>
+                </c:pt>
+                <c:pt idx="16">
+                  <c:v>9.256999999999999E-5</c:v>
+                </c:pt>
+                <c:pt idx="17">
+                  <c:v>1.8645000000000001E-4</c:v>
+                </c:pt>
+                <c:pt idx="18">
+                  <c:v>3.7544999999999999E-4</c:v>
+                </c:pt>
+                <c:pt idx="19">
+                  <c:v>7.5584999999999997E-4</c:v>
+                </c:pt>
+                <c:pt idx="20">
+                  <c:v>1.5225E-3</c:v>
+                </c:pt>
+                <c:pt idx="21">
+                  <c:v>3.0660000000000001E-3</c:v>
+                </c:pt>
+                <c:pt idx="22">
+                  <c:v>6.1739999999999998E-3</c:v>
+                </c:pt>
+                <c:pt idx="23">
+                  <c:v>1.2435499999999999E-2</c:v>
+                </c:pt>
+                <c:pt idx="24">
+                  <c:v>2.504E-2</c:v>
+                </c:pt>
+                <c:pt idx="25">
+                  <c:v>5.0419999999999993E-2</c:v>
+                </c:pt>
+                <c:pt idx="26">
+                  <c:v>0.10153999999999999</c:v>
+                </c:pt>
+                <c:pt idx="27">
+                  <c:v>0.20444999999999999</c:v>
+                </c:pt>
+                <c:pt idx="28">
+                  <c:v>0.41170000000000001</c:v>
+                </c:pt>
+                <c:pt idx="29">
+                  <c:v>0.82910000000000006</c:v>
+                </c:pt>
+                <c:pt idx="30">
+                  <c:v>1.6695</c:v>
+                </c:pt>
+                <c:pt idx="31">
+                  <c:v>2.8650000000000002</c:v>
+                </c:pt>
+                <c:pt idx="32">
+                  <c:v>4.2575000000000003</c:v>
+                </c:pt>
+                <c:pt idx="33">
+                  <c:v>5.9965000000000002</c:v>
+                </c:pt>
+                <c:pt idx="34">
+                  <c:v>8.4885000000000002</c:v>
+                </c:pt>
+                <c:pt idx="35">
+                  <c:v>11</c:v>
+                </c:pt>
+                <c:pt idx="36">
+                  <c:v>13</c:v>
+                </c:pt>
+                <c:pt idx="37">
+                  <c:v>15</c:v>
+                </c:pt>
+                <c:pt idx="38">
+                  <c:v>17</c:v>
+                </c:pt>
+                <c:pt idx="39">
+                  <c:v>19</c:v>
+                </c:pt>
+              </c:numCache>
+            </c:numRef>
+          </c:xVal>
+          <c:yVal>
+            <c:numRef>
+              <c:f>Sheet1!$E$223:$E$262</c:f>
+              <c:numCache>
+                <c:formatCode>0.00E+00</c:formatCode>
+                <c:ptCount val="40"/>
+                <c:pt idx="0">
+                  <c:v>1.0000000000000001E-15</c:v>
+                </c:pt>
+                <c:pt idx="1">
+                  <c:v>1.0000000000000001E-15</c:v>
+                </c:pt>
+                <c:pt idx="2">
+                  <c:v>1.0000000000000001E-15</c:v>
+                </c:pt>
+                <c:pt idx="3">
+                  <c:v>1.0000000000000001E-15</c:v>
+                </c:pt>
+                <c:pt idx="4">
+                  <c:v>1.0000000000000001E-15</c:v>
+                </c:pt>
+                <c:pt idx="5">
+                  <c:v>1.0000000000000001E-15</c:v>
+                </c:pt>
+                <c:pt idx="6">
+                  <c:v>1.0000000000000001E-15</c:v>
+                </c:pt>
+                <c:pt idx="7">
+                  <c:v>1.0000000000000001E-15</c:v>
+                </c:pt>
+                <c:pt idx="8">
+                  <c:v>1.0000000000000001E-15</c:v>
+                </c:pt>
+                <c:pt idx="9">
+                  <c:v>1.0000000000000001E-15</c:v>
+                </c:pt>
+                <c:pt idx="10">
+                  <c:v>1.0000000000000001E-15</c:v>
+                </c:pt>
+                <c:pt idx="11">
+                  <c:v>1.0000000000000001E-15</c:v>
+                </c:pt>
+                <c:pt idx="12">
+                  <c:v>1.0000000000000001E-15</c:v>
+                </c:pt>
+                <c:pt idx="13">
+                  <c:v>1.0000000000000001E-15</c:v>
+                </c:pt>
+                <c:pt idx="14">
+                  <c:v>1.0000000000000001E-15</c:v>
+                </c:pt>
+                <c:pt idx="15">
+                  <c:v>1.0000000000000001E-15</c:v>
+                </c:pt>
+                <c:pt idx="16">
+                  <c:v>1.0000000000000001E-15</c:v>
+                </c:pt>
+                <c:pt idx="17">
+                  <c:v>1.0000000000000001E-15</c:v>
+                </c:pt>
+                <c:pt idx="18">
+                  <c:v>1.0000000000000001E-15</c:v>
+                </c:pt>
+                <c:pt idx="19">
+                  <c:v>1.8447709999999999E-9</c:v>
+                </c:pt>
+                <c:pt idx="20">
+                  <c:v>1.9383601000000002E-8</c:v>
+                </c:pt>
+                <c:pt idx="21">
+                  <c:v>9.3488001E-8</c:v>
+                </c:pt>
+                <c:pt idx="22">
+                  <c:v>3.4862300099999999E-7</c:v>
+                </c:pt>
+                <c:pt idx="23">
+                  <c:v>1.1531000009999999E-6</c:v>
+                </c:pt>
+                <c:pt idx="24">
+                  <c:v>2.7986300010000001E-6</c:v>
+                </c:pt>
+                <c:pt idx="25">
+                  <c:v>5.1580900010000003E-6</c:v>
+                </c:pt>
+                <c:pt idx="26">
+                  <c:v>7.7015200010000007E-6</c:v>
+                </c:pt>
+                <c:pt idx="27">
+                  <c:v>8.4783000010000001E-6</c:v>
+                </c:pt>
+                <c:pt idx="28">
+                  <c:v>8.6851000009999995E-6</c:v>
+                </c:pt>
+                <c:pt idx="29">
+                  <c:v>5.488930001E-6</c:v>
+                </c:pt>
+                <c:pt idx="30">
+                  <c:v>2.8073700009999999E-6</c:v>
+                </c:pt>
+                <c:pt idx="31">
+                  <c:v>1.314470001E-6</c:v>
+                </c:pt>
+                <c:pt idx="32">
+                  <c:v>6.29221001E-7</c:v>
+                </c:pt>
+                <c:pt idx="33">
+                  <c:v>2.7198000099999998E-7</c:v>
+                </c:pt>
+                <c:pt idx="34">
+                  <c:v>6.7803301000000008E-8</c:v>
+                </c:pt>
+                <c:pt idx="35">
+                  <c:v>6.8948310000000006E-9</c:v>
+                </c:pt>
+                <c:pt idx="36">
+                  <c:v>2.3347410000000001E-9</c:v>
+                </c:pt>
+                <c:pt idx="37">
+                  <c:v>1.127501E-9</c:v>
+                </c:pt>
+                <c:pt idx="38">
+                  <c:v>1.0000000000000001E-15</c:v>
+                </c:pt>
+                <c:pt idx="39">
+                  <c:v>1.0000000000000001E-15</c:v>
+                </c:pt>
+              </c:numCache>
+            </c:numRef>
+          </c:yVal>
+          <c:smooth val="1"/>
+        </c:ser>
+        <c:ser>
+          <c:idx val="6"/>
+          <c:order val="4"/>
+          <c:tx>
+            <c:strRef>
+              <c:f>Sheet1!$C$265:$D$265</c:f>
+              <c:strCache>
+                <c:ptCount val="1"/>
+                <c:pt idx="0">
+                  <c:v>Depleted (0, 0, 80.0)</c:v>
+                </c:pt>
+              </c:strCache>
+            </c:strRef>
+          </c:tx>
+          <c:spPr>
+            <a:ln w="19050" cap="rnd">
+              <a:solidFill>
+                <a:schemeClr val="accent1">
+                  <a:lumMod val="60000"/>
+                </a:schemeClr>
+              </a:solidFill>
+              <a:round/>
+            </a:ln>
+            <a:effectLst/>
+          </c:spPr>
+          <c:marker>
+            <c:symbol val="none"/>
+          </c:marker>
+          <c:errBars>
+            <c:errDir val="y"/>
+            <c:errBarType val="both"/>
+            <c:errValType val="cust"/>
+            <c:noEndCap val="0"/>
+            <c:plus>
+              <c:numRef>
+                <c:f>Sheet1!$G$267:$G$306</c:f>
+                <c:numCache>
+                  <c:formatCode>General</c:formatCode>
+                  <c:ptCount val="40"/>
+                  <c:pt idx="0">
+                    <c:v>0</c:v>
+                  </c:pt>
+                  <c:pt idx="1">
+                    <c:v>0</c:v>
+                  </c:pt>
+                  <c:pt idx="2">
+                    <c:v>0</c:v>
+                  </c:pt>
+                  <c:pt idx="3">
+                    <c:v>0</c:v>
+                  </c:pt>
+                  <c:pt idx="4">
+                    <c:v>5.7532599999999998E-10</c:v>
+                  </c:pt>
+                  <c:pt idx="5">
+                    <c:v>0</c:v>
+                  </c:pt>
+                  <c:pt idx="6">
+                    <c:v>0</c:v>
+                  </c:pt>
+                  <c:pt idx="7">
+                    <c:v>0</c:v>
+                  </c:pt>
+                  <c:pt idx="8">
+                    <c:v>0</c:v>
+                  </c:pt>
+                  <c:pt idx="9">
+                    <c:v>0</c:v>
+                  </c:pt>
+                  <c:pt idx="10">
+                    <c:v>0</c:v>
+                  </c:pt>
+                  <c:pt idx="11">
+                    <c:v>0</c:v>
+                  </c:pt>
+                  <c:pt idx="12">
+                    <c:v>0</c:v>
+                  </c:pt>
+                  <c:pt idx="13">
+                    <c:v>0</c:v>
+                  </c:pt>
+                  <c:pt idx="14">
+                    <c:v>0</c:v>
+                  </c:pt>
+                  <c:pt idx="15">
+                    <c:v>0</c:v>
+                  </c:pt>
+                  <c:pt idx="16">
+                    <c:v>0</c:v>
+                  </c:pt>
+                  <c:pt idx="17">
+                    <c:v>3.0888700000000003E-10</c:v>
+                  </c:pt>
+                  <c:pt idx="18">
+                    <c:v>4.5970532399999997E-10</c:v>
+                  </c:pt>
+                  <c:pt idx="19">
+                    <c:v>1.4910361104E-9</c:v>
+                  </c:pt>
+                  <c:pt idx="20">
+                    <c:v>2.7119611350000004E-9</c:v>
+                  </c:pt>
+                  <c:pt idx="21">
+                    <c:v>4.9267861929000008E-9</c:v>
+                  </c:pt>
+                  <c:pt idx="22">
+                    <c:v>7.6892694498000002E-9</c:v>
+                  </c:pt>
+                  <c:pt idx="23">
+                    <c:v>1.24102641299E-8</c:v>
+                  </c:pt>
+                  <c:pt idx="24">
+                    <c:v>1.7001877223100001E-8</c:v>
+                  </c:pt>
+                  <c:pt idx="25">
+                    <c:v>2.0256012020999998E-8</c:v>
+                  </c:pt>
+                  <c:pt idx="26">
+                    <c:v>2.2786910723300001E-8</c:v>
+                  </c:pt>
+                  <c:pt idx="27">
+                    <c:v>2.1294920829600004E-8</c:v>
+                  </c:pt>
+                  <c:pt idx="28">
+                    <c:v>1.9222362435600002E-8</c:v>
+                  </c:pt>
+                  <c:pt idx="29">
+                    <c:v>1.1937662661899999E-8</c:v>
+                  </c:pt>
+                  <c:pt idx="30">
+                    <c:v>5.8503963275999995E-9</c:v>
+                  </c:pt>
+                  <c:pt idx="31">
+                    <c:v>3.4213733265000002E-9</c:v>
+                  </c:pt>
+                  <c:pt idx="32">
+                    <c:v>2.2616459037000003E-9</c:v>
+                  </c:pt>
+                  <c:pt idx="33">
+                    <c:v>2.1223381497999999E-9</c:v>
+                  </c:pt>
+                  <c:pt idx="34">
+                    <c:v>1.3695978804000001E-9</c:v>
+                  </c:pt>
+                  <c:pt idx="35">
+                    <c:v>3.3007699999999999E-10</c:v>
+                  </c:pt>
+                  <c:pt idx="36">
+                    <c:v>0</c:v>
+                  </c:pt>
+                  <c:pt idx="37">
+                    <c:v>0</c:v>
+                  </c:pt>
+                  <c:pt idx="38">
+                    <c:v>0</c:v>
+                  </c:pt>
+                  <c:pt idx="39">
+                    <c:v>0</c:v>
+                  </c:pt>
+                </c:numCache>
+              </c:numRef>
+            </c:plus>
+            <c:minus>
+              <c:numRef>
+                <c:f>Sheet1!$G$267:$G$306</c:f>
+                <c:numCache>
+                  <c:formatCode>General</c:formatCode>
+                  <c:ptCount val="40"/>
+                  <c:pt idx="0">
+                    <c:v>0</c:v>
+                  </c:pt>
+                  <c:pt idx="1">
+                    <c:v>0</c:v>
+                  </c:pt>
+                  <c:pt idx="2">
+                    <c:v>0</c:v>
+                  </c:pt>
+                  <c:pt idx="3">
+                    <c:v>0</c:v>
+                  </c:pt>
+                  <c:pt idx="4">
+                    <c:v>5.7532599999999998E-10</c:v>
+                  </c:pt>
+                  <c:pt idx="5">
+                    <c:v>0</c:v>
+                  </c:pt>
+                  <c:pt idx="6">
+                    <c:v>0</c:v>
+                  </c:pt>
+                  <c:pt idx="7">
+                    <c:v>0</c:v>
+                  </c:pt>
+                  <c:pt idx="8">
+                    <c:v>0</c:v>
+                  </c:pt>
+                  <c:pt idx="9">
+                    <c:v>0</c:v>
+                  </c:pt>
+                  <c:pt idx="10">
+                    <c:v>0</c:v>
+                  </c:pt>
+                  <c:pt idx="11">
+                    <c:v>0</c:v>
+                  </c:pt>
+                  <c:pt idx="12">
+                    <c:v>0</c:v>
+                  </c:pt>
+                  <c:pt idx="13">
+                    <c:v>0</c:v>
+                  </c:pt>
+                  <c:pt idx="14">
+                    <c:v>0</c:v>
+                  </c:pt>
+                  <c:pt idx="15">
+                    <c:v>0</c:v>
+                  </c:pt>
+                  <c:pt idx="16">
+                    <c:v>0</c:v>
+                  </c:pt>
+                  <c:pt idx="17">
+                    <c:v>3.0888700000000003E-10</c:v>
+                  </c:pt>
+                  <c:pt idx="18">
+                    <c:v>4.5970532399999997E-10</c:v>
+                  </c:pt>
+                  <c:pt idx="19">
+                    <c:v>1.4910361104E-9</c:v>
+                  </c:pt>
+                  <c:pt idx="20">
+                    <c:v>2.7119611350000004E-9</c:v>
+                  </c:pt>
+                  <c:pt idx="21">
+                    <c:v>4.9267861929000008E-9</c:v>
+                  </c:pt>
+                  <c:pt idx="22">
+                    <c:v>7.6892694498000002E-9</c:v>
+                  </c:pt>
+                  <c:pt idx="23">
+                    <c:v>1.24102641299E-8</c:v>
+                  </c:pt>
+                  <c:pt idx="24">
+                    <c:v>1.7001877223100001E-8</c:v>
+                  </c:pt>
+                  <c:pt idx="25">
+                    <c:v>2.0256012020999998E-8</c:v>
+                  </c:pt>
+                  <c:pt idx="26">
+                    <c:v>2.2786910723300001E-8</c:v>
+                  </c:pt>
+                  <c:pt idx="27">
+                    <c:v>2.1294920829600004E-8</c:v>
+                  </c:pt>
+                  <c:pt idx="28">
+                    <c:v>1.9222362435600002E-8</c:v>
+                  </c:pt>
+                  <c:pt idx="29">
+                    <c:v>1.1937662661899999E-8</c:v>
+                  </c:pt>
+                  <c:pt idx="30">
+                    <c:v>5.8503963275999995E-9</c:v>
+                  </c:pt>
+                  <c:pt idx="31">
+                    <c:v>3.4213733265000002E-9</c:v>
+                  </c:pt>
+                  <c:pt idx="32">
+                    <c:v>2.2616459037000003E-9</c:v>
+                  </c:pt>
+                  <c:pt idx="33">
+                    <c:v>2.1223381497999999E-9</c:v>
+                  </c:pt>
+                  <c:pt idx="34">
+                    <c:v>1.3695978804000001E-9</c:v>
+                  </c:pt>
+                  <c:pt idx="35">
+                    <c:v>3.3007699999999999E-10</c:v>
+                  </c:pt>
+                  <c:pt idx="36">
+                    <c:v>0</c:v>
+                  </c:pt>
+                  <c:pt idx="37">
+                    <c:v>0</c:v>
+                  </c:pt>
+                  <c:pt idx="38">
+                    <c:v>0</c:v>
+                  </c:pt>
+                  <c:pt idx="39">
+                    <c:v>0</c:v>
+                  </c:pt>
+                </c:numCache>
+              </c:numRef>
+            </c:minus>
+            <c:spPr>
+              <a:noFill/>
+              <a:ln w="9525" cap="flat" cmpd="sng" algn="ctr">
+                <a:solidFill>
+                  <a:schemeClr val="tx1">
+                    <a:lumMod val="65000"/>
+                    <a:lumOff val="35000"/>
+                  </a:schemeClr>
+                </a:solidFill>
+                <a:round/>
+              </a:ln>
+              <a:effectLst/>
+            </c:spPr>
+          </c:errBars>
+          <c:xVal>
+            <c:numRef>
+              <c:f>Sheet1!$C$267:$C$306</c:f>
+              <c:numCache>
+                <c:formatCode>0.00E+00</c:formatCode>
+                <c:ptCount val="40"/>
+                <c:pt idx="0">
+                  <c:v>8.4599999999999997E-10</c:v>
+                </c:pt>
+                <c:pt idx="1">
+                  <c:v>2.5494999999999999E-9</c:v>
+                </c:pt>
+                <c:pt idx="2">
+                  <c:v>5.1339999999999998E-9</c:v>
+                </c:pt>
+                <c:pt idx="3">
+                  <c:v>1.0340500000000001E-8</c:v>
+                </c:pt>
+                <c:pt idx="4">
+                  <c:v>2.082E-8</c:v>
+                </c:pt>
+                <c:pt idx="5">
+                  <c:v>4.1925E-8</c:v>
+                </c:pt>
+                <c:pt idx="6">
+                  <c:v>8.4415000000000005E-8</c:v>
+                </c:pt>
+                <c:pt idx="7">
+                  <c:v>1.7000000000000001E-7</c:v>
+                </c:pt>
+                <c:pt idx="8">
+                  <c:v>3.4234999999999999E-7</c:v>
+                </c:pt>
+                <c:pt idx="9">
+                  <c:v>6.8945000000000002E-7</c:v>
+                </c:pt>
+                <c:pt idx="10">
+                  <c:v>1.3882000000000001E-6</c:v>
+                </c:pt>
+                <c:pt idx="11">
+                  <c:v>2.7954999999999997E-6</c:v>
+                </c:pt>
+                <c:pt idx="12">
+                  <c:v>5.6300000000000003E-6</c:v>
+                </c:pt>
+                <c:pt idx="13">
+                  <c:v>1.1337E-5</c:v>
+                </c:pt>
+                <c:pt idx="14">
+                  <c:v>2.283E-5</c:v>
+                </c:pt>
+                <c:pt idx="15">
+                  <c:v>4.5974999999999999E-5</c:v>
+                </c:pt>
+                <c:pt idx="16">
+                  <c:v>9.256999999999999E-5</c:v>
+                </c:pt>
+                <c:pt idx="17">
+                  <c:v>1.8645000000000001E-4</c:v>
+                </c:pt>
+                <c:pt idx="18">
+                  <c:v>3.7544999999999999E-4</c:v>
+                </c:pt>
+                <c:pt idx="19">
+                  <c:v>7.5584999999999997E-4</c:v>
+                </c:pt>
+                <c:pt idx="20">
+                  <c:v>1.5225E-3</c:v>
+                </c:pt>
+                <c:pt idx="21">
+                  <c:v>3.0660000000000001E-3</c:v>
+                </c:pt>
+                <c:pt idx="22">
+                  <c:v>6.1739999999999998E-3</c:v>
+                </c:pt>
+                <c:pt idx="23">
+                  <c:v>1.2435499999999999E-2</c:v>
+                </c:pt>
+                <c:pt idx="24">
+                  <c:v>2.504E-2</c:v>
+                </c:pt>
+                <c:pt idx="25">
+                  <c:v>5.0419999999999993E-2</c:v>
+                </c:pt>
+                <c:pt idx="26">
+                  <c:v>0.10153999999999999</c:v>
+                </c:pt>
+                <c:pt idx="27">
+                  <c:v>0.20444999999999999</c:v>
+                </c:pt>
+                <c:pt idx="28">
+                  <c:v>0.41170000000000001</c:v>
+                </c:pt>
+                <c:pt idx="29">
+                  <c:v>0.82910000000000006</c:v>
+                </c:pt>
+                <c:pt idx="30">
+                  <c:v>1.6695</c:v>
+                </c:pt>
+                <c:pt idx="31">
+                  <c:v>2.8650000000000002</c:v>
+                </c:pt>
+                <c:pt idx="32">
+                  <c:v>4.2575000000000003</c:v>
+                </c:pt>
+                <c:pt idx="33">
+                  <c:v>5.9965000000000002</c:v>
+                </c:pt>
+                <c:pt idx="34">
+                  <c:v>8.4885000000000002</c:v>
+                </c:pt>
+                <c:pt idx="35">
+                  <c:v>11</c:v>
+                </c:pt>
+                <c:pt idx="36">
+                  <c:v>13</c:v>
+                </c:pt>
+                <c:pt idx="37">
+                  <c:v>15</c:v>
+                </c:pt>
+                <c:pt idx="38">
+                  <c:v>17</c:v>
+                </c:pt>
+                <c:pt idx="39">
+                  <c:v>19</c:v>
+                </c:pt>
+              </c:numCache>
+            </c:numRef>
+          </c:xVal>
+          <c:yVal>
+            <c:numRef>
+              <c:f>Sheet1!$E$267:$E$306</c:f>
+              <c:numCache>
+                <c:formatCode>0.00E+00</c:formatCode>
+                <c:ptCount val="40"/>
+                <c:pt idx="0">
+                  <c:v>1.0000000000000001E-15</c:v>
+                </c:pt>
+                <c:pt idx="1">
+                  <c:v>1.0000000000000001E-15</c:v>
+                </c:pt>
+                <c:pt idx="2">
+                  <c:v>1.0000000000000001E-15</c:v>
+                </c:pt>
+                <c:pt idx="3">
+                  <c:v>1.0000000000000001E-15</c:v>
+                </c:pt>
+                <c:pt idx="4">
+                  <c:v>5.7532599999999998E-10</c:v>
+                </c:pt>
+                <c:pt idx="5">
+                  <c:v>1.0000000000000001E-15</c:v>
+                </c:pt>
+                <c:pt idx="6">
+                  <c:v>1.0000000000000001E-15</c:v>
+                </c:pt>
+                <c:pt idx="7">
+                  <c:v>1.0000000000000001E-15</c:v>
+                </c:pt>
+                <c:pt idx="8">
+                  <c:v>1.0000000000000001E-15</c:v>
+                </c:pt>
+                <c:pt idx="9">
+                  <c:v>1.0000000000000001E-15</c:v>
+                </c:pt>
+                <c:pt idx="10">
+                  <c:v>1.0000000000000001E-15</c:v>
+                </c:pt>
+                <c:pt idx="11">
+                  <c:v>1.0000000000000001E-15</c:v>
+                </c:pt>
+                <c:pt idx="12">
+                  <c:v>1.0000000000000001E-15</c:v>
+                </c:pt>
+                <c:pt idx="13">
+                  <c:v>1.0000000000000001E-15</c:v>
+                </c:pt>
+                <c:pt idx="14">
+                  <c:v>1.0000000000000001E-15</c:v>
+                </c:pt>
+                <c:pt idx="15">
+                  <c:v>1.0000000000000001E-15</c:v>
+                </c:pt>
+                <c:pt idx="16">
+                  <c:v>1.0000000000000001E-15</c:v>
+                </c:pt>
+                <c:pt idx="17">
+                  <c:v>3.0888700000000003E-10</c:v>
+                </c:pt>
+                <c:pt idx="18">
+                  <c:v>6.4061499999999996E-10</c:v>
+                </c:pt>
+                <c:pt idx="19">
+                  <c:v>5.8609909999999999E-9</c:v>
+                </c:pt>
+                <c:pt idx="20">
+                  <c:v>2.0088601000000001E-8</c:v>
+                </c:pt>
+                <c:pt idx="21">
+                  <c:v>6.758280100000001E-8</c:v>
+                </c:pt>
+                <c:pt idx="22">
+                  <c:v>1.5440300100000001E-7</c:v>
+                </c:pt>
+                <c:pt idx="23">
+                  <c:v>4.1505900099999999E-7</c:v>
+                </c:pt>
+                <c:pt idx="24">
+                  <c:v>7.3601200100000004E-7</c:v>
+                </c:pt>
+                <c:pt idx="25">
+                  <c:v>9.6457200099999981E-7</c:v>
+                </c:pt>
+                <c:pt idx="26">
+                  <c:v>9.7797900099999995E-7</c:v>
+                </c:pt>
+                <c:pt idx="27">
+                  <c:v>7.1942300100000005E-7</c:v>
+                </c:pt>
+                <c:pt idx="28">
+                  <c:v>5.3995400100000002E-7</c:v>
+                </c:pt>
+                <c:pt idx="29">
+                  <c:v>1.9285400099999999E-7</c:v>
+                </c:pt>
+                <c:pt idx="30">
+                  <c:v>4.5849501E-8</c:v>
+                </c:pt>
+                <c:pt idx="31">
+                  <c:v>1.5105401000000001E-8</c:v>
+                </c:pt>
+                <c:pt idx="32">
+                  <c:v>8.2935310000000007E-9</c:v>
+                </c:pt>
+                <c:pt idx="33">
+                  <c:v>6.474491E-9</c:v>
+                </c:pt>
+                <c:pt idx="34">
+                  <c:v>2.7590610000000001E-9</c:v>
+                </c:pt>
+                <c:pt idx="35">
+                  <c:v>3.3007699999999999E-10</c:v>
+                </c:pt>
+                <c:pt idx="36">
+                  <c:v>1.0000000000000001E-15</c:v>
+                </c:pt>
+                <c:pt idx="37">
+                  <c:v>1.0000000000000001E-15</c:v>
+                </c:pt>
+                <c:pt idx="38">
+                  <c:v>1.0000000000000001E-15</c:v>
+                </c:pt>
+                <c:pt idx="39">
+                  <c:v>1.0000000000000001E-15</c:v>
+                </c:pt>
+              </c:numCache>
+            </c:numRef>
+          </c:yVal>
+          <c:smooth val="1"/>
+        </c:ser>
+        <c:ser>
+          <c:idx val="7"/>
+          <c:order val="5"/>
+          <c:tx>
+            <c:strRef>
+              <c:f>Sheet1!$C$309:$D$309</c:f>
+              <c:strCache>
+                <c:ptCount val="1"/>
+                <c:pt idx="0">
+                  <c:v>Depleted (0, 0, 140.0)</c:v>
+                </c:pt>
+              </c:strCache>
+            </c:strRef>
+          </c:tx>
+          <c:spPr>
+            <a:ln w="19050" cap="rnd">
+              <a:solidFill>
+                <a:schemeClr val="accent2">
+                  <a:lumMod val="60000"/>
+                </a:schemeClr>
+              </a:solidFill>
+              <a:round/>
+            </a:ln>
+            <a:effectLst/>
+          </c:spPr>
+          <c:marker>
+            <c:symbol val="none"/>
+          </c:marker>
+          <c:errBars>
+            <c:errDir val="y"/>
+            <c:errBarType val="both"/>
+            <c:errValType val="cust"/>
+            <c:noEndCap val="0"/>
+            <c:plus>
+              <c:numRef>
+                <c:f>Sheet1!$G$311:$G$350</c:f>
+                <c:numCache>
+                  <c:formatCode>General</c:formatCode>
+                  <c:ptCount val="40"/>
+                  <c:pt idx="0">
+                    <c:v>0</c:v>
+                  </c:pt>
+                  <c:pt idx="1">
+                    <c:v>0</c:v>
+                  </c:pt>
+                  <c:pt idx="2">
+                    <c:v>0</c:v>
+                  </c:pt>
+                  <c:pt idx="3">
+                    <c:v>0</c:v>
+                  </c:pt>
+                  <c:pt idx="4">
+                    <c:v>0</c:v>
+                  </c:pt>
+                  <c:pt idx="5">
+                    <c:v>1.04283E-10</c:v>
+                  </c:pt>
+                  <c:pt idx="6">
+                    <c:v>0</c:v>
+                  </c:pt>
+                  <c:pt idx="7">
+                    <c:v>0</c:v>
+                  </c:pt>
+                  <c:pt idx="8">
+                    <c:v>0</c:v>
+                  </c:pt>
+                  <c:pt idx="9">
+                    <c:v>1.76125E-10</c:v>
+                  </c:pt>
+                  <c:pt idx="10">
+                    <c:v>4.1887199999999999E-10</c:v>
+                  </c:pt>
+                  <c:pt idx="11">
+                    <c:v>0</c:v>
+                  </c:pt>
+                  <c:pt idx="12">
+                    <c:v>0</c:v>
+                  </c:pt>
+                  <c:pt idx="13">
+                    <c:v>0</c:v>
+                  </c:pt>
+                  <c:pt idx="14">
+                    <c:v>0</c:v>
+                  </c:pt>
+                  <c:pt idx="15">
+                    <c:v>0</c:v>
+                  </c:pt>
+                  <c:pt idx="16">
+                    <c:v>0</c:v>
+                  </c:pt>
+                  <c:pt idx="17">
+                    <c:v>0</c:v>
+                  </c:pt>
+                  <c:pt idx="18">
+                    <c:v>1.1614199999999999E-10</c:v>
+                  </c:pt>
+                  <c:pt idx="19">
+                    <c:v>9.1731215519999986E-10</c:v>
+                  </c:pt>
+                  <c:pt idx="20">
+                    <c:v>4.7672700000000004E-10</c:v>
+                  </c:pt>
+                  <c:pt idx="21">
+                    <c:v>6.4844719639999997E-10</c:v>
+                  </c:pt>
+                  <c:pt idx="22">
+                    <c:v>1.0102416658E-9</c:v>
+                  </c:pt>
+                  <c:pt idx="23">
+                    <c:v>1.1637542241000001E-9</c:v>
+                  </c:pt>
+                  <c:pt idx="24">
+                    <c:v>1.9086747800999999E-9</c:v>
+                  </c:pt>
+                  <c:pt idx="25">
+                    <c:v>2.2124401999999999E-9</c:v>
+                  </c:pt>
+                  <c:pt idx="26">
+                    <c:v>1.8781976948999998E-9</c:v>
+                  </c:pt>
+                  <c:pt idx="27">
+                    <c:v>1.6409165681E-9</c:v>
+                  </c:pt>
+                  <c:pt idx="28">
+                    <c:v>1.7139691610999999E-9</c:v>
+                  </c:pt>
+                  <c:pt idx="29">
+                    <c:v>6.0203000000000004E-10</c:v>
+                  </c:pt>
+                  <c:pt idx="30">
+                    <c:v>3.6817400000000002E-10</c:v>
+                  </c:pt>
+                  <c:pt idx="31">
+                    <c:v>5.0298900000000003E-10</c:v>
+                  </c:pt>
+                  <c:pt idx="32">
+                    <c:v>0</c:v>
+                  </c:pt>
+                  <c:pt idx="33">
+                    <c:v>0</c:v>
+                  </c:pt>
+                  <c:pt idx="34">
+                    <c:v>0</c:v>
+                  </c:pt>
+                  <c:pt idx="35">
+                    <c:v>0</c:v>
+                  </c:pt>
+                  <c:pt idx="36">
+                    <c:v>0</c:v>
+                  </c:pt>
+                  <c:pt idx="37">
+                    <c:v>0</c:v>
+                  </c:pt>
+                  <c:pt idx="38">
+                    <c:v>0</c:v>
+                  </c:pt>
+                  <c:pt idx="39">
+                    <c:v>0</c:v>
+                  </c:pt>
+                </c:numCache>
+              </c:numRef>
+            </c:plus>
+            <c:minus>
+              <c:numRef>
+                <c:f>Sheet1!$G$311:$G$350</c:f>
+                <c:numCache>
+                  <c:formatCode>General</c:formatCode>
+                  <c:ptCount val="40"/>
+                  <c:pt idx="0">
+                    <c:v>0</c:v>
+                  </c:pt>
+                  <c:pt idx="1">
+                    <c:v>0</c:v>
+                  </c:pt>
+                  <c:pt idx="2">
+                    <c:v>0</c:v>
+                  </c:pt>
+                  <c:pt idx="3">
+                    <c:v>0</c:v>
+                  </c:pt>
+                  <c:pt idx="4">
+                    <c:v>0</c:v>
+                  </c:pt>
+                  <c:pt idx="5">
+                    <c:v>1.04283E-10</c:v>
+                  </c:pt>
+                  <c:pt idx="6">
+                    <c:v>0</c:v>
+                  </c:pt>
+                  <c:pt idx="7">
+                    <c:v>0</c:v>
+                  </c:pt>
+                  <c:pt idx="8">
+                    <c:v>0</c:v>
+                  </c:pt>
+                  <c:pt idx="9">
+                    <c:v>1.76125E-10</c:v>
+                  </c:pt>
+                  <c:pt idx="10">
+                    <c:v>4.1887199999999999E-10</c:v>
+                  </c:pt>
+                  <c:pt idx="11">
+                    <c:v>0</c:v>
+                  </c:pt>
+                  <c:pt idx="12">
+                    <c:v>0</c:v>
+                  </c:pt>
+                  <c:pt idx="13">
+                    <c:v>0</c:v>
+                  </c:pt>
+                  <c:pt idx="14">
+                    <c:v>0</c:v>
+                  </c:pt>
+                  <c:pt idx="15">
+                    <c:v>0</c:v>
+                  </c:pt>
+                  <c:pt idx="16">
+                    <c:v>0</c:v>
+                  </c:pt>
+                  <c:pt idx="17">
+                    <c:v>0</c:v>
+                  </c:pt>
+                  <c:pt idx="18">
+                    <c:v>1.1614199999999999E-10</c:v>
+                  </c:pt>
+                  <c:pt idx="19">
+                    <c:v>9.1731215519999986E-10</c:v>
+                  </c:pt>
+                  <c:pt idx="20">
+                    <c:v>4.7672700000000004E-10</c:v>
+                  </c:pt>
+                  <c:pt idx="21">
+                    <c:v>6.4844719639999997E-10</c:v>
+                  </c:pt>
+                  <c:pt idx="22">
+                    <c:v>1.0102416658E-9</c:v>
+                  </c:pt>
+                  <c:pt idx="23">
+                    <c:v>1.1637542241000001E-9</c:v>
+                  </c:pt>
+                  <c:pt idx="24">
+                    <c:v>1.9086747800999999E-9</c:v>
+                  </c:pt>
+                  <c:pt idx="25">
+                    <c:v>2.2124401999999999E-9</c:v>
+                  </c:pt>
+                  <c:pt idx="26">
+                    <c:v>1.8781976948999998E-9</c:v>
+                  </c:pt>
+                  <c:pt idx="27">
+                    <c:v>1.6409165681E-9</c:v>
+                  </c:pt>
+                  <c:pt idx="28">
+                    <c:v>1.7139691610999999E-9</c:v>
+                  </c:pt>
+                  <c:pt idx="29">
+                    <c:v>6.0203000000000004E-10</c:v>
+                  </c:pt>
+                  <c:pt idx="30">
+                    <c:v>3.6817400000000002E-10</c:v>
+                  </c:pt>
+                  <c:pt idx="31">
+                    <c:v>5.0298900000000003E-10</c:v>
+                  </c:pt>
+                  <c:pt idx="32">
+                    <c:v>0</c:v>
+                  </c:pt>
+                  <c:pt idx="33">
+                    <c:v>0</c:v>
+                  </c:pt>
+                  <c:pt idx="34">
+                    <c:v>0</c:v>
+                  </c:pt>
+                  <c:pt idx="35">
+                    <c:v>0</c:v>
+                  </c:pt>
+                  <c:pt idx="36">
+                    <c:v>0</c:v>
+                  </c:pt>
+                  <c:pt idx="37">
+                    <c:v>0</c:v>
+                  </c:pt>
+                  <c:pt idx="38">
+                    <c:v>0</c:v>
+                  </c:pt>
+                  <c:pt idx="39">
+                    <c:v>0</c:v>
+                  </c:pt>
+                </c:numCache>
+              </c:numRef>
+            </c:minus>
+            <c:spPr>
+              <a:noFill/>
+              <a:ln w="9525" cap="flat" cmpd="sng" algn="ctr">
+                <a:solidFill>
+                  <a:schemeClr val="tx1">
+                    <a:lumMod val="65000"/>
+                    <a:lumOff val="35000"/>
+                  </a:schemeClr>
+                </a:solidFill>
+                <a:round/>
+              </a:ln>
+              <a:effectLst/>
+            </c:spPr>
+          </c:errBars>
+          <c:xVal>
+            <c:numRef>
+              <c:f>Sheet1!$C$311:$C$350</c:f>
+              <c:numCache>
+                <c:formatCode>0.00E+00</c:formatCode>
+                <c:ptCount val="40"/>
+                <c:pt idx="0">
+                  <c:v>8.4599999999999997E-10</c:v>
+                </c:pt>
+                <c:pt idx="1">
+                  <c:v>2.5494999999999999E-9</c:v>
+                </c:pt>
+                <c:pt idx="2">
+                  <c:v>5.1339999999999998E-9</c:v>
+                </c:pt>
+                <c:pt idx="3">
+                  <c:v>1.0340500000000001E-8</c:v>
+                </c:pt>
+                <c:pt idx="4">
+                  <c:v>2.082E-8</c:v>
+                </c:pt>
+                <c:pt idx="5">
+                  <c:v>4.1925E-8</c:v>
+                </c:pt>
+                <c:pt idx="6">
+                  <c:v>8.4415000000000005E-8</c:v>
+                </c:pt>
+                <c:pt idx="7">
+                  <c:v>1.7000000000000001E-7</c:v>
+                </c:pt>
+                <c:pt idx="8">
+                  <c:v>3.4234999999999999E-7</c:v>
+                </c:pt>
+                <c:pt idx="9">
+                  <c:v>6.8945000000000002E-7</c:v>
+                </c:pt>
+                <c:pt idx="10">
+                  <c:v>1.3882000000000001E-6</c:v>
+                </c:pt>
+                <c:pt idx="11">
+                  <c:v>2.7954999999999997E-6</c:v>
+                </c:pt>
+                <c:pt idx="12">
+                  <c:v>5.6300000000000003E-6</c:v>
+                </c:pt>
+                <c:pt idx="13">
+                  <c:v>1.1337E-5</c:v>
+                </c:pt>
+                <c:pt idx="14">
+                  <c:v>2.283E-5</c:v>
+                </c:pt>
+                <c:pt idx="15">
+                  <c:v>4.5974999999999999E-5</c:v>
+                </c:pt>
+                <c:pt idx="16">
+                  <c:v>9.256999999999999E-5</c:v>
+                </c:pt>
+                <c:pt idx="17">
+                  <c:v>1.8645000000000001E-4</c:v>
+                </c:pt>
+                <c:pt idx="18">
+                  <c:v>3.7544999999999999E-4</c:v>
+                </c:pt>
+                <c:pt idx="19">
+                  <c:v>7.5584999999999997E-4</c:v>
+                </c:pt>
+                <c:pt idx="20">
+                  <c:v>1.5225E-3</c:v>
+                </c:pt>
+                <c:pt idx="21">
+                  <c:v>3.0660000000000001E-3</c:v>
+                </c:pt>
+                <c:pt idx="22">
+                  <c:v>6.1739999999999998E-3</c:v>
+                </c:pt>
+                <c:pt idx="23">
+                  <c:v>1.2435499999999999E-2</c:v>
+                </c:pt>
+                <c:pt idx="24">
+                  <c:v>2.504E-2</c:v>
+                </c:pt>
+                <c:pt idx="25">
+                  <c:v>5.0419999999999993E-2</c:v>
+                </c:pt>
+                <c:pt idx="26">
+                  <c:v>0.10153999999999999</c:v>
+                </c:pt>
+                <c:pt idx="27">
+                  <c:v>0.20444999999999999</c:v>
+                </c:pt>
+                <c:pt idx="28">
+                  <c:v>0.41170000000000001</c:v>
+                </c:pt>
+                <c:pt idx="29">
+                  <c:v>0.82910000000000006</c:v>
+                </c:pt>
+                <c:pt idx="30">
+                  <c:v>1.6695</c:v>
+                </c:pt>
+                <c:pt idx="31">
+                  <c:v>2.8650000000000002</c:v>
+                </c:pt>
+                <c:pt idx="32">
+                  <c:v>4.2575000000000003</c:v>
+                </c:pt>
+                <c:pt idx="33">
+                  <c:v>5.9965000000000002</c:v>
+                </c:pt>
+                <c:pt idx="34">
+                  <c:v>8.4885000000000002</c:v>
+                </c:pt>
+                <c:pt idx="35">
+                  <c:v>11</c:v>
+                </c:pt>
+                <c:pt idx="36">
+                  <c:v>13</c:v>
+                </c:pt>
+                <c:pt idx="37">
+                  <c:v>15</c:v>
+                </c:pt>
+                <c:pt idx="38">
+                  <c:v>17</c:v>
+                </c:pt>
+                <c:pt idx="39">
+                  <c:v>19</c:v>
+                </c:pt>
+              </c:numCache>
+            </c:numRef>
+          </c:xVal>
+          <c:yVal>
+            <c:numRef>
+              <c:f>Sheet1!$E$311:$E$350</c:f>
+              <c:numCache>
+                <c:formatCode>0.00E+00</c:formatCode>
+                <c:ptCount val="40"/>
+                <c:pt idx="0">
+                  <c:v>1.0000000000000001E-15</c:v>
+                </c:pt>
+                <c:pt idx="1">
+                  <c:v>1.0000000000000001E-15</c:v>
+                </c:pt>
+                <c:pt idx="2">
+                  <c:v>1.0000000000000001E-15</c:v>
+                </c:pt>
+                <c:pt idx="3">
+                  <c:v>1.0000000000000001E-15</c:v>
+                </c:pt>
+                <c:pt idx="4">
+                  <c:v>1.0000000000000001E-15</c:v>
+                </c:pt>
+                <c:pt idx="5">
+                  <c:v>1.04283E-10</c:v>
+                </c:pt>
+                <c:pt idx="6">
+                  <c:v>1.0000000000000001E-15</c:v>
+                </c:pt>
+                <c:pt idx="7">
+                  <c:v>1.0000000000000001E-15</c:v>
+                </c:pt>
+                <c:pt idx="8">
+                  <c:v>1.0000000000000001E-15</c:v>
+                </c:pt>
+                <c:pt idx="9">
+                  <c:v>1.76125E-10</c:v>
+                </c:pt>
+                <c:pt idx="10">
+                  <c:v>4.1887199999999999E-10</c:v>
+                </c:pt>
+                <c:pt idx="11">
+                  <c:v>1.0000000000000001E-15</c:v>
+                </c:pt>
+                <c:pt idx="12">
+                  <c:v>1.0000000000000001E-15</c:v>
+                </c:pt>
+                <c:pt idx="13">
+                  <c:v>1.0000000000000001E-15</c:v>
+                </c:pt>
+                <c:pt idx="14">
+                  <c:v>1.0000000000000001E-15</c:v>
+                </c:pt>
+                <c:pt idx="15">
+                  <c:v>1.0000000000000001E-15</c:v>
+                </c:pt>
+                <c:pt idx="16">
+                  <c:v>1.0000000000000001E-15</c:v>
+                </c:pt>
+                <c:pt idx="17">
+                  <c:v>1.0000000000000001E-15</c:v>
+                </c:pt>
+                <c:pt idx="18">
+                  <c:v>1.1614199999999999E-10</c:v>
+                </c:pt>
+                <c:pt idx="19">
+                  <c:v>1.9976309999999998E-9</c:v>
+                </c:pt>
+                <c:pt idx="20">
+                  <c:v>4.7672700000000004E-10</c:v>
+                </c:pt>
+                <c:pt idx="21">
+                  <c:v>1.4859009999999999E-9</c:v>
+                </c:pt>
+                <c:pt idx="22">
+                  <c:v>3.2400309999999999E-9</c:v>
+                </c:pt>
+                <c:pt idx="23">
+                  <c:v>4.1846610000000002E-9</c:v>
+                </c:pt>
+                <c:pt idx="24">
+                  <c:v>9.8334610000000008E-9</c:v>
+                </c:pt>
+                <c:pt idx="25">
+                  <c:v>1.1062201E-8</c:v>
+                </c:pt>
+                <c:pt idx="26">
+                  <c:v>5.5420409999999999E-9</c:v>
+                </c:pt>
+                <c:pt idx="27">
+                  <c:v>4.3399010000000002E-9</c:v>
+                </c:pt>
+                <c:pt idx="28">
+                  <c:v>3.4688709999999997E-9</c:v>
+                </c:pt>
+                <c:pt idx="29">
+                  <c:v>6.0203000000000004E-10</c:v>
+                </c:pt>
+                <c:pt idx="30">
+                  <c:v>3.6817400000000002E-10</c:v>
+                </c:pt>
+                <c:pt idx="31">
+                  <c:v>5.0298900000000003E-10</c:v>
+                </c:pt>
+                <c:pt idx="32">
+                  <c:v>1.0000000000000001E-15</c:v>
+                </c:pt>
+                <c:pt idx="33">
+                  <c:v>1.0000000000000001E-15</c:v>
+                </c:pt>
+                <c:pt idx="34">
+                  <c:v>1.0000000000000001E-15</c:v>
+                </c:pt>
+                <c:pt idx="35">
+                  <c:v>1.0000000000000001E-15</c:v>
+                </c:pt>
+                <c:pt idx="36">
+                  <c:v>1.0000000000000001E-15</c:v>
+                </c:pt>
+                <c:pt idx="37">
+                  <c:v>1.0000000000000001E-15</c:v>
+                </c:pt>
+                <c:pt idx="38">
+                  <c:v>1.0000000000000001E-15</c:v>
+                </c:pt>
+                <c:pt idx="39">
+                  <c:v>1.0000000000000001E-15</c:v>
+                </c:pt>
+              </c:numCache>
+            </c:numRef>
+          </c:yVal>
+          <c:smooth val="1"/>
+        </c:ser>
+        <c:dLbls>
+          <c:showLegendKey val="0"/>
+          <c:showVal val="0"/>
+          <c:showCatName val="0"/>
+          <c:showSerName val="0"/>
+          <c:showPercent val="0"/>
+          <c:showBubbleSize val="0"/>
+        </c:dLbls>
+        <c:axId val="189859744"/>
+        <c:axId val="490807232"/>
+      </c:scatterChart>
+      <c:valAx>
+        <c:axId val="189859744"/>
+        <c:scaling>
+          <c:logBase val="10"/>
+          <c:orientation val="minMax"/>
+        </c:scaling>
+        <c:delete val="0"/>
+        <c:axPos val="b"/>
+        <c:majorGridlines>
+          <c:spPr>
+            <a:ln w="9525" cap="flat" cmpd="sng" algn="ctr">
+              <a:solidFill>
+                <a:schemeClr val="tx1">
+                  <a:lumMod val="15000"/>
+                  <a:lumOff val="85000"/>
+                </a:schemeClr>
+              </a:solidFill>
+              <a:round/>
+            </a:ln>
+            <a:effectLst/>
+          </c:spPr>
+        </c:majorGridlines>
+        <c:title>
+          <c:tx>
+            <c:rich>
+              <a:bodyPr rot="0" spcFirstLastPara="1" vertOverflow="ellipsis" vert="horz" wrap="square" anchor="ctr" anchorCtr="1"/>
+              <a:lstStyle/>
+              <a:p>
+                <a:pPr>
+                  <a:defRPr sz="1000" b="0" i="0" u="none" strike="noStrike" kern="1200" baseline="0">
+                    <a:solidFill>
+                      <a:schemeClr val="tx1">
+                        <a:lumMod val="65000"/>
+                        <a:lumOff val="35000"/>
+                      </a:schemeClr>
+                    </a:solidFill>
+                    <a:latin typeface="+mn-lt"/>
+                    <a:ea typeface="+mn-ea"/>
+                    <a:cs typeface="+mn-cs"/>
+                  </a:defRPr>
+                </a:pPr>
+                <a:r>
+                  <a:rPr lang="en-US" dirty="0" smtClean="0"/>
+                  <a:t>Energy (MeV)</a:t>
+                </a:r>
+                <a:endParaRPr lang="en-US" dirty="0"/>
+              </a:p>
+            </c:rich>
+          </c:tx>
+          <c:layout/>
+          <c:overlay val="0"/>
+          <c:spPr>
+            <a:noFill/>
+            <a:ln>
+              <a:noFill/>
+            </a:ln>
+            <a:effectLst/>
+          </c:spPr>
+          <c:txPr>
+            <a:bodyPr rot="0" spcFirstLastPara="1" vertOverflow="ellipsis" vert="horz" wrap="square" anchor="ctr" anchorCtr="1"/>
+            <a:lstStyle/>
+            <a:p>
+              <a:pPr>
+                <a:defRPr sz="1000" b="0" i="0" u="none" strike="noStrike" kern="1200" baseline="0">
+                  <a:solidFill>
+                    <a:schemeClr val="tx1">
+                      <a:lumMod val="65000"/>
+                      <a:lumOff val="35000"/>
+                    </a:schemeClr>
+                  </a:solidFill>
+                  <a:latin typeface="+mn-lt"/>
+                  <a:ea typeface="+mn-ea"/>
+                  <a:cs typeface="+mn-cs"/>
+                </a:defRPr>
+              </a:pPr>
+              <a:endParaRPr lang="en-US"/>
+            </a:p>
+          </c:txPr>
+        </c:title>
+        <c:numFmt formatCode="0.E+0" sourceLinked="0"/>
+        <c:majorTickMark val="none"/>
+        <c:minorTickMark val="none"/>
+        <c:tickLblPos val="low"/>
+        <c:spPr>
+          <a:noFill/>
+          <a:ln w="9525" cap="flat" cmpd="sng" algn="ctr">
+            <a:solidFill>
+              <a:schemeClr val="tx1">
+                <a:lumMod val="25000"/>
+                <a:lumOff val="75000"/>
+              </a:schemeClr>
+            </a:solidFill>
+            <a:round/>
+          </a:ln>
+          <a:effectLst/>
+        </c:spPr>
+        <c:txPr>
+          <a:bodyPr rot="-60000000" spcFirstLastPara="1" vertOverflow="ellipsis" vert="horz" wrap="square" anchor="ctr" anchorCtr="1"/>
+          <a:lstStyle/>
+          <a:p>
+            <a:pPr>
+              <a:defRPr sz="900" b="0" i="0" u="none" strike="noStrike" kern="1200" baseline="0">
+                <a:solidFill>
+                  <a:schemeClr val="tx1">
+                    <a:lumMod val="65000"/>
+                    <a:lumOff val="35000"/>
+                  </a:schemeClr>
+                </a:solidFill>
+                <a:latin typeface="+mn-lt"/>
+                <a:ea typeface="+mn-ea"/>
+                <a:cs typeface="+mn-cs"/>
+              </a:defRPr>
+            </a:pPr>
+            <a:endParaRPr lang="en-US"/>
+          </a:p>
+        </c:txPr>
+        <c:crossAx val="490807232"/>
+        <c:crosses val="autoZero"/>
+        <c:crossBetween val="midCat"/>
+      </c:valAx>
+      <c:valAx>
+        <c:axId val="490807232"/>
+        <c:scaling>
+          <c:logBase val="10"/>
+          <c:orientation val="minMax"/>
+          <c:max val="1.0000000000000003E-4"/>
+          <c:min val="1.0000000000000006E-10"/>
+        </c:scaling>
+        <c:delete val="0"/>
+        <c:axPos val="l"/>
+        <c:majorGridlines>
+          <c:spPr>
+            <a:ln w="9525" cap="flat" cmpd="sng" algn="ctr">
+              <a:solidFill>
+                <a:schemeClr val="tx1">
+                  <a:lumMod val="15000"/>
+                  <a:lumOff val="85000"/>
+                </a:schemeClr>
+              </a:solidFill>
+              <a:round/>
+            </a:ln>
+            <a:effectLst/>
+          </c:spPr>
+        </c:majorGridlines>
+        <c:title>
+          <c:tx>
+            <c:rich>
+              <a:bodyPr rot="-5400000" spcFirstLastPara="1" vertOverflow="ellipsis" vert="horz" wrap="square" anchor="ctr" anchorCtr="1"/>
+              <a:lstStyle/>
+              <a:p>
+                <a:pPr>
+                  <a:defRPr sz="1000" b="0" i="0" u="none" strike="noStrike" kern="1200" baseline="0">
+                    <a:solidFill>
+                      <a:schemeClr val="tx1">
+                        <a:lumMod val="65000"/>
+                        <a:lumOff val="35000"/>
+                      </a:schemeClr>
+                    </a:solidFill>
+                    <a:latin typeface="+mn-lt"/>
+                    <a:ea typeface="+mn-ea"/>
+                    <a:cs typeface="+mn-cs"/>
+                  </a:defRPr>
+                </a:pPr>
+                <a:r>
+                  <a:rPr lang="en-US" dirty="0" smtClean="0"/>
+                  <a:t>Relative Flux</a:t>
+                </a:r>
+                <a:endParaRPr lang="en-US" dirty="0"/>
+              </a:p>
+            </c:rich>
+          </c:tx>
+          <c:layout/>
+          <c:overlay val="0"/>
+          <c:spPr>
+            <a:noFill/>
+            <a:ln>
+              <a:noFill/>
+            </a:ln>
+            <a:effectLst/>
+          </c:spPr>
+          <c:txPr>
+            <a:bodyPr rot="-5400000" spcFirstLastPara="1" vertOverflow="ellipsis" vert="horz" wrap="square" anchor="ctr" anchorCtr="1"/>
+            <a:lstStyle/>
+            <a:p>
+              <a:pPr>
+                <a:defRPr sz="1000" b="0" i="0" u="none" strike="noStrike" kern="1200" baseline="0">
+                  <a:solidFill>
+                    <a:schemeClr val="tx1">
+                      <a:lumMod val="65000"/>
+                      <a:lumOff val="35000"/>
+                    </a:schemeClr>
+                  </a:solidFill>
+                  <a:latin typeface="+mn-lt"/>
+                  <a:ea typeface="+mn-ea"/>
+                  <a:cs typeface="+mn-cs"/>
+                </a:defRPr>
+              </a:pPr>
+              <a:endParaRPr lang="en-US"/>
+            </a:p>
+          </c:txPr>
+        </c:title>
+        <c:numFmt formatCode="0.00E+00" sourceLinked="1"/>
+        <c:majorTickMark val="none"/>
+        <c:minorTickMark val="none"/>
+        <c:tickLblPos val="low"/>
+        <c:spPr>
+          <a:noFill/>
+          <a:ln w="9525" cap="flat" cmpd="sng" algn="ctr">
+            <a:solidFill>
+              <a:schemeClr val="tx1">
+                <a:lumMod val="25000"/>
+                <a:lumOff val="75000"/>
+              </a:schemeClr>
+            </a:solidFill>
+            <a:round/>
+          </a:ln>
+          <a:effectLst/>
+        </c:spPr>
+        <c:txPr>
+          <a:bodyPr rot="-60000000" spcFirstLastPara="1" vertOverflow="ellipsis" vert="horz" wrap="square" anchor="ctr" anchorCtr="1"/>
+          <a:lstStyle/>
+          <a:p>
+            <a:pPr>
+              <a:defRPr sz="900" b="0" i="0" u="none" strike="noStrike" kern="1200" baseline="0">
+                <a:solidFill>
+                  <a:schemeClr val="tx1">
+                    <a:lumMod val="65000"/>
+                    <a:lumOff val="35000"/>
+                  </a:schemeClr>
+                </a:solidFill>
+                <a:latin typeface="+mn-lt"/>
+                <a:ea typeface="+mn-ea"/>
+                <a:cs typeface="+mn-cs"/>
+              </a:defRPr>
+            </a:pPr>
+            <a:endParaRPr lang="en-US"/>
+          </a:p>
+        </c:txPr>
+        <c:crossAx val="189859744"/>
+        <c:crosses val="autoZero"/>
+        <c:crossBetween val="midCat"/>
+      </c:valAx>
+      <c:spPr>
+        <a:noFill/>
+        <a:ln>
+          <a:noFill/>
+        </a:ln>
+        <a:effectLst/>
+      </c:spPr>
+    </c:plotArea>
+    <c:legend>
+      <c:legendPos val="l"/>
+      <c:layout>
+        <c:manualLayout>
+          <c:xMode val="edge"/>
+          <c:yMode val="edge"/>
+          <c:x val="9.5469255663430425E-2"/>
+          <c:y val="4.9804379921259814E-2"/>
+          <c:w val="0.17573519619233904"/>
+          <c:h val="0.26367372047244092"/>
+        </c:manualLayout>
+      </c:layout>
+      <c:overlay val="1"/>
+      <c:spPr>
+        <a:noFill/>
+        <a:ln>
+          <a:noFill/>
+        </a:ln>
+        <a:effectLst/>
+      </c:spPr>
+      <c:txPr>
+        <a:bodyPr rot="0" spcFirstLastPara="1" vertOverflow="ellipsis" vert="horz" wrap="square" anchor="ctr" anchorCtr="1"/>
+        <a:lstStyle/>
+        <a:p>
+          <a:pPr>
+            <a:defRPr sz="900" b="0" i="0" u="none" strike="noStrike" kern="1200" baseline="0">
+              <a:solidFill>
+                <a:schemeClr val="tx1">
+                  <a:lumMod val="65000"/>
+                  <a:lumOff val="35000"/>
+                </a:schemeClr>
+              </a:solidFill>
+              <a:latin typeface="+mn-lt"/>
+              <a:ea typeface="+mn-ea"/>
+              <a:cs typeface="+mn-cs"/>
+            </a:defRPr>
+          </a:pPr>
+          <a:endParaRPr lang="en-US"/>
+        </a:p>
+      </c:txPr>
+    </c:legend>
+    <c:plotVisOnly val="1"/>
+    <c:dispBlanksAs val="gap"/>
+    <c:showDLblsOverMax val="0"/>
+  </c:chart>
+  <c:spPr>
+    <a:noFill/>
+    <a:ln>
+      <a:noFill/>
+    </a:ln>
+    <a:effectLst/>
+  </c:spPr>
+  <c:txPr>
+    <a:bodyPr/>
+    <a:lstStyle/>
+    <a:p>
+      <a:pPr>
+        <a:defRPr/>
+      </a:pPr>
+      <a:endParaRPr lang="en-US"/>
+    </a:p>
+  </c:txPr>
+  <c:externalData r:id="rId4">
+    <c:autoUpdate val="0"/>
+  </c:externalData>
+</c:chartSpace>
+</file>
+
+<file path=ppt/charts/colors1.xml><?xml version="1.0" encoding="utf-8"?>
+<cs:colorStyle xmlns:cs="http://schemas.microsoft.com/office/drawing/2012/chartStyle" xmlns:a="http://schemas.openxmlformats.org/drawingml/2006/main" meth="cycle" id="10">
+  <a:schemeClr val="accent1"/>
+  <a:schemeClr val="accent2"/>
+  <a:schemeClr val="accent3"/>
+  <a:schemeClr val="accent4"/>
+  <a:schemeClr val="accent5"/>
+  <a:schemeClr val="accent6"/>
+  <cs:variation/>
+  <cs:variation>
+    <a:lumMod val="60000"/>
+  </cs:variation>
+  <cs:variation>
+    <a:lumMod val="80000"/>
+    <a:lumOff val="20000"/>
+  </cs:variation>
+  <cs:variation>
+    <a:lumMod val="80000"/>
+  </cs:variation>
+  <cs:variation>
+    <a:lumMod val="60000"/>
+    <a:lumOff val="40000"/>
+  </cs:variation>
+  <cs:variation>
+    <a:lumMod val="50000"/>
+  </cs:variation>
+  <cs:variation>
+    <a:lumMod val="70000"/>
+    <a:lumOff val="30000"/>
+  </cs:variation>
+  <cs:variation>
+    <a:lumMod val="70000"/>
+  </cs:variation>
+  <cs:variation>
+    <a:lumMod val="50000"/>
+    <a:lumOff val="50000"/>
+  </cs:variation>
+</cs:colorStyle>
+</file>
+
+<file path=ppt/charts/style1.xml><?xml version="1.0" encoding="utf-8"?>
+<cs:chartStyle xmlns:cs="http://schemas.microsoft.com/office/drawing/2012/chartStyle" xmlns:a="http://schemas.openxmlformats.org/drawingml/2006/main" id="240">
+  <cs:axisTitle>
+    <cs:lnRef idx="0"/>
+    <cs:fillRef idx="0"/>
+    <cs:effectRef idx="0"/>
+    <cs:fontRef idx="minor">
+      <a:schemeClr val="tx1">
+        <a:lumMod val="65000"/>
+        <a:lumOff val="35000"/>
+      </a:schemeClr>
+    </cs:fontRef>
+    <cs:defRPr sz="1000" kern="1200"/>
+  </cs:axisTitle>
+  <cs:categoryAxis>
+    <cs:lnRef idx="0"/>
+    <cs:fillRef idx="0"/>
+    <cs:effectRef idx="0"/>
+    <cs:fontRef idx="minor">
+      <a:schemeClr val="tx1">
+        <a:lumMod val="65000"/>
+        <a:lumOff val="35000"/>
+      </a:schemeClr>
+    </cs:fontRef>
+    <cs:spPr>
+      <a:ln w="9525" cap="flat" cmpd="sng" algn="ctr">
+        <a:solidFill>
+          <a:schemeClr val="tx1">
+            <a:lumMod val="25000"/>
+            <a:lumOff val="75000"/>
+          </a:schemeClr>
+        </a:solidFill>
+        <a:round/>
+      </a:ln>
+    </cs:spPr>
+    <cs:defRPr sz="900" kern="1200"/>
+  </cs:categoryAxis>
+  <cs:chartArea mods="allowNoFillOverride allowNoLineOverride">
+    <cs:lnRef idx="0"/>
+    <cs:fillRef idx="0"/>
+    <cs:effectRef idx="0"/>
+    <cs:fontRef idx="minor">
+      <a:schemeClr val="tx1"/>
+    </cs:fontRef>
+    <cs:spPr>
+      <a:solidFill>
+        <a:schemeClr val="bg1"/>
+      </a:solidFill>
+      <a:ln w="9525" cap="flat" cmpd="sng" algn="ctr">
+        <a:solidFill>
+          <a:schemeClr val="tx1">
+            <a:lumMod val="15000"/>
+            <a:lumOff val="85000"/>
+          </a:schemeClr>
+        </a:solidFill>
+        <a:round/>
+      </a:ln>
+    </cs:spPr>
+    <cs:defRPr sz="1000" kern="1200"/>
+  </cs:chartArea>
+  <cs:dataLabel>
+    <cs:lnRef idx="0"/>
+    <cs:fillRef idx="0"/>
+    <cs:effectRef idx="0"/>
+    <cs:fontRef idx="minor">
+      <a:schemeClr val="tx1">
+        <a:lumMod val="75000"/>
+        <a:lumOff val="25000"/>
+      </a:schemeClr>
+    </cs:fontRef>
+    <cs:defRPr sz="900" kern="1200"/>
+  </cs:dataLabel>
+  <cs:dataLabelCallout>
+    <cs:lnRef idx="0"/>
+    <cs:fillRef idx="0"/>
+    <cs:effectRef idx="0"/>
+    <cs:fontRef idx="minor">
+      <a:schemeClr val="dk1">
+        <a:lumMod val="65000"/>
+        <a:lumOff val="35000"/>
+      </a:schemeClr>
+    </cs:fontRef>
+    <cs:spPr>
+      <a:solidFill>
+        <a:schemeClr val="lt1"/>
+      </a:solidFill>
+      <a:ln>
+        <a:solidFill>
+          <a:schemeClr val="dk1">
+            <a:lumMod val="25000"/>
+            <a:lumOff val="75000"/>
+          </a:schemeClr>
+        </a:solidFill>
+      </a:ln>
+    </cs:spPr>
+    <cs:defRPr sz="900" kern="1200"/>
+    <cs:bodyPr rot="0" spcFirstLastPara="1" vertOverflow="clip" horzOverflow="clip" vert="horz" wrap="square" lIns="36576" tIns="18288" rIns="36576" bIns="18288" anchor="ctr" anchorCtr="1">
+      <a:spAutoFit/>
+    </cs:bodyPr>
+  </cs:dataLabelCallout>
+  <cs:dataPoint>
+    <cs:lnRef idx="0"/>
+    <cs:fillRef idx="1">
+      <cs:styleClr val="auto"/>
+    </cs:fillRef>
+    <cs:effectRef idx="0"/>
+    <cs:fontRef idx="minor">
+      <a:schemeClr val="tx1"/>
+    </cs:fontRef>
+  </cs:dataPoint>
+  <cs:dataPoint3D>
+    <cs:lnRef idx="0"/>
+    <cs:fillRef idx="1">
+      <cs:styleClr val="auto"/>
+    </cs:fillRef>
+    <cs:effectRef idx="0"/>
+    <cs:fontRef idx="minor">
+      <a:schemeClr val="tx1"/>
+    </cs:fontRef>
+  </cs:dataPoint3D>
+  <cs:dataPointLine>
+    <cs:lnRef idx="0">
+      <cs:styleClr val="auto"/>
+    </cs:lnRef>
+    <cs:fillRef idx="1"/>
+    <cs:effectRef idx="0"/>
+    <cs:fontRef idx="minor">
+      <a:schemeClr val="tx1"/>
+    </cs:fontRef>
+    <cs:spPr>
+      <a:ln w="19050" cap="rnd">
+        <a:solidFill>
+          <a:schemeClr val="phClr"/>
+        </a:solidFill>
+        <a:round/>
+      </a:ln>
+    </cs:spPr>
+  </cs:dataPointLine>
+  <cs:dataPointMarker>
+    <cs:lnRef idx="0">
+      <cs:styleClr val="auto"/>
+    </cs:lnRef>
+    <cs:fillRef idx="1">
+      <cs:styleClr val="auto"/>
+    </cs:fillRef>
+    <cs:effectRef idx="0"/>
+    <cs:fontRef idx="minor">
+      <a:schemeClr val="tx1"/>
+    </cs:fontRef>
+    <cs:spPr>
+      <a:ln w="9525">
+        <a:solidFill>
+          <a:schemeClr val="phClr"/>
+        </a:solidFill>
+      </a:ln>
+    </cs:spPr>
+  </cs:dataPointMarker>
+  <cs:dataPointMarkerLayout symbol="circle" size="5"/>
+  <cs:dataPointWireframe>
+    <cs:lnRef idx="0">
+      <cs:styleClr val="auto"/>
+    </cs:lnRef>
+    <cs:fillRef idx="0"/>
+    <cs:effectRef idx="0"/>
+    <cs:fontRef idx="minor">
+      <a:schemeClr val="dk1"/>
+    </cs:fontRef>
+    <cs:spPr>
+      <a:ln w="9525" cap="rnd">
+        <a:solidFill>
+          <a:schemeClr val="phClr"/>
+        </a:solidFill>
+        <a:round/>
+      </a:ln>
+    </cs:spPr>
+  </cs:dataPointWireframe>
+  <cs:dataTable>
+    <cs:lnRef idx="0"/>
+    <cs:fillRef idx="0"/>
+    <cs:effectRef idx="0"/>
+    <cs:fontRef idx="minor">
+      <a:schemeClr val="tx1">
+        <a:lumMod val="65000"/>
+        <a:lumOff val="35000"/>
+      </a:schemeClr>
+    </cs:fontRef>
+    <cs:spPr>
+      <a:noFill/>
+      <a:ln w="9525" cap="flat" cmpd="sng" algn="ctr">
+        <a:solidFill>
+          <a:schemeClr val="tx1">
+            <a:lumMod val="15000"/>
+            <a:lumOff val="85000"/>
+          </a:schemeClr>
+        </a:solidFill>
+        <a:round/>
+      </a:ln>
+    </cs:spPr>
+    <cs:defRPr sz="900" kern="1200"/>
+  </cs:dataTable>
+  <cs:downBar>
+    <cs:lnRef idx="0"/>
+    <cs:fillRef idx="0"/>
+    <cs:effectRef idx="0"/>
+    <cs:fontRef idx="minor">
+      <a:schemeClr val="tx1"/>
+    </cs:fontRef>
+    <cs:spPr>
+      <a:solidFill>
+        <a:schemeClr val="dk1">
+          <a:lumMod val="75000"/>
+          <a:lumOff val="25000"/>
+        </a:schemeClr>
+      </a:solidFill>
+      <a:ln w="9525" cap="flat" cmpd="sng" algn="ctr">
+        <a:solidFill>
+          <a:schemeClr val="tx1">
+            <a:lumMod val="65000"/>
+            <a:lumOff val="35000"/>
+          </a:schemeClr>
+        </a:solidFill>
+        <a:round/>
+      </a:ln>
+    </cs:spPr>
+  </cs:downBar>
+  <cs:dropLine>
+    <cs:lnRef idx="0"/>
+    <cs:fillRef idx="0"/>
+    <cs:effectRef idx="0"/>
+    <cs:fontRef idx="minor">
+      <a:schemeClr val="tx1"/>
+    </cs:fontRef>
+    <cs:spPr>
+      <a:ln w="9525" cap="flat" cmpd="sng" algn="ctr">
+        <a:solidFill>
+          <a:schemeClr val="tx1">
+            <a:lumMod val="35000"/>
+            <a:lumOff val="65000"/>
+          </a:schemeClr>
+        </a:solidFill>
+        <a:round/>
+      </a:ln>
+    </cs:spPr>
+  </cs:dropLine>
+  <cs:errorBar>
+    <cs:lnRef idx="0"/>
+    <cs:fillRef idx="0"/>
+    <cs:effectRef idx="0"/>
+    <cs:fontRef idx="minor">
+      <a:schemeClr val="tx1"/>
+    </cs:fontRef>
+    <cs:spPr>
+      <a:ln w="9525" cap="flat" cmpd="sng" algn="ctr">
+        <a:solidFill>
+          <a:schemeClr val="tx1">
+            <a:lumMod val="65000"/>
+            <a:lumOff val="35000"/>
+          </a:schemeClr>
+        </a:solidFill>
+        <a:round/>
+      </a:ln>
+    </cs:spPr>
+  </cs:errorBar>
+  <cs:floor>
+    <cs:lnRef idx="0"/>
+    <cs:fillRef idx="0"/>
+    <cs:effectRef idx="0"/>
+    <cs:fontRef idx="minor">
+      <a:schemeClr val="tx1"/>
+    </cs:fontRef>
+    <cs:spPr>
+      <a:noFill/>
+      <a:ln>
+        <a:noFill/>
+      </a:ln>
+    </cs:spPr>
+  </cs:floor>
+  <cs:gridlineMajor>
+    <cs:lnRef idx="0"/>
+    <cs:fillRef idx="0"/>
+    <cs:effectRef idx="0"/>
+    <cs:fontRef idx="minor">
+      <a:schemeClr val="tx1"/>
+    </cs:fontRef>
+    <cs:spPr>
+      <a:ln w="9525" cap="flat" cmpd="sng" algn="ctr">
+        <a:solidFill>
+          <a:schemeClr val="tx1">
+            <a:lumMod val="15000"/>
+            <a:lumOff val="85000"/>
+          </a:schemeClr>
+        </a:solidFill>
+        <a:round/>
+      </a:ln>
+    </cs:spPr>
+  </cs:gridlineMajor>
+  <cs:gridlineMinor>
+    <cs:lnRef idx="0"/>
+    <cs:fillRef idx="0"/>
+    <cs:effectRef idx="0"/>
+    <cs:fontRef idx="minor">
+      <a:schemeClr val="tx1"/>
+    </cs:fontRef>
+    <cs:spPr>
+      <a:ln w="9525" cap="flat" cmpd="sng" algn="ctr">
+        <a:solidFill>
+          <a:schemeClr val="tx1">
+            <a:lumMod val="5000"/>
+            <a:lumOff val="95000"/>
+          </a:schemeClr>
+        </a:solidFill>
+        <a:round/>
+      </a:ln>
+    </cs:spPr>
+  </cs:gridlineMinor>
+  <cs:hiLoLine>
+    <cs:lnRef idx="0"/>
+    <cs:fillRef idx="0"/>
+    <cs:effectRef idx="0"/>
+    <cs:fontRef idx="minor">
+      <a:schemeClr val="tx1"/>
+    </cs:fontRef>
+    <cs:spPr>
+      <a:ln w="9525" cap="flat" cmpd="sng" algn="ctr">
+        <a:solidFill>
+          <a:schemeClr val="tx1">
+            <a:lumMod val="50000"/>
+            <a:lumOff val="50000"/>
+          </a:schemeClr>
+        </a:solidFill>
+        <a:round/>
+      </a:ln>
+    </cs:spPr>
+  </cs:hiLoLine>
+  <cs:leaderLine>
+    <cs:lnRef idx="0"/>
+    <cs:fillRef idx="0"/>
+    <cs:effectRef idx="0"/>
+    <cs:fontRef idx="minor">
+      <a:schemeClr val="tx1"/>
+    </cs:fontRef>
+    <cs:spPr>
+      <a:ln w="9525" cap="flat" cmpd="sng" algn="ctr">
+        <a:solidFill>
+          <a:schemeClr val="tx1">
+            <a:lumMod val="35000"/>
+            <a:lumOff val="65000"/>
+          </a:schemeClr>
+        </a:solidFill>
+        <a:round/>
+      </a:ln>
+    </cs:spPr>
+  </cs:leaderLine>
+  <cs:legend>
+    <cs:lnRef idx="0"/>
+    <cs:fillRef idx="0"/>
+    <cs:effectRef idx="0"/>
+    <cs:fontRef idx="minor">
+      <a:schemeClr val="tx1">
+        <a:lumMod val="65000"/>
+        <a:lumOff val="35000"/>
+      </a:schemeClr>
+    </cs:fontRef>
+    <cs:defRPr sz="900" kern="1200"/>
+  </cs:legend>
+  <cs:plotArea mods="allowNoFillOverride allowNoLineOverride">
+    <cs:lnRef idx="0"/>
+    <cs:fillRef idx="0"/>
+    <cs:effectRef idx="0"/>
+    <cs:fontRef idx="minor">
+      <a:schemeClr val="tx1"/>
+    </cs:fontRef>
+  </cs:plotArea>
+  <cs:plotArea3D mods="allowNoFillOverride allowNoLineOverride">
+    <cs:lnRef idx="0"/>
+    <cs:fillRef idx="0"/>
+    <cs:effectRef idx="0"/>
+    <cs:fontRef idx="minor">
+      <a:schemeClr val="tx1"/>
+    </cs:fontRef>
+  </cs:plotArea3D>
+  <cs:seriesAxis>
+    <cs:lnRef idx="0"/>
+    <cs:fillRef idx="0"/>
+    <cs:effectRef idx="0"/>
+    <cs:fontRef idx="minor">
+      <a:schemeClr val="tx1">
+        <a:lumMod val="65000"/>
+        <a:lumOff val="35000"/>
+      </a:schemeClr>
+    </cs:fontRef>
+    <cs:defRPr sz="900" kern="1200"/>
+  </cs:seriesAxis>
+  <cs:seriesLine>
+    <cs:lnRef idx="0"/>
+    <cs:fillRef idx="0"/>
+    <cs:effectRef idx="0"/>
+    <cs:fontRef idx="minor">
+      <a:schemeClr val="tx1"/>
+    </cs:fontRef>
+    <cs:spPr>
+      <a:ln w="9525" cap="flat" cmpd="sng" algn="ctr">
+        <a:solidFill>
+          <a:schemeClr val="tx1">
+            <a:lumMod val="35000"/>
+            <a:lumOff val="65000"/>
+          </a:schemeClr>
+        </a:solidFill>
+        <a:round/>
+      </a:ln>
+    </cs:spPr>
+  </cs:seriesLine>
+  <cs:title>
+    <cs:lnRef idx="0"/>
+    <cs:fillRef idx="0"/>
+    <cs:effectRef idx="0"/>
+    <cs:fontRef idx="minor">
+      <a:schemeClr val="tx1">
+        <a:lumMod val="65000"/>
+        <a:lumOff val="35000"/>
+      </a:schemeClr>
+    </cs:fontRef>
+    <cs:defRPr sz="1400" b="0" kern="1200" spc="0" baseline="0"/>
+  </cs:title>
+  <cs:trendline>
+    <cs:lnRef idx="0">
+      <cs:styleClr val="auto"/>
+    </cs:lnRef>
+    <cs:fillRef idx="0"/>
+    <cs:effectRef idx="0"/>
+    <cs:fontRef idx="minor">
+      <a:schemeClr val="tx1"/>
+    </cs:fontRef>
+    <cs:spPr>
+      <a:ln w="19050" cap="rnd">
+        <a:solidFill>
+          <a:schemeClr val="phClr"/>
+        </a:solidFill>
+        <a:prstDash val="sysDot"/>
+      </a:ln>
+    </cs:spPr>
+  </cs:trendline>
+  <cs:trendlineLabel>
+    <cs:lnRef idx="0"/>
+    <cs:fillRef idx="0"/>
+    <cs:effectRef idx="0"/>
+    <cs:fontRef idx="minor">
+      <a:schemeClr val="tx1">
+        <a:lumMod val="65000"/>
+        <a:lumOff val="35000"/>
+      </a:schemeClr>
+    </cs:fontRef>
+    <cs:defRPr sz="900" kern="1200"/>
+  </cs:trendlineLabel>
+  <cs:upBar>
+    <cs:lnRef idx="0"/>
+    <cs:fillRef idx="0"/>
+    <cs:effectRef idx="0"/>
+    <cs:fontRef idx="minor">
+      <a:schemeClr val="tx1"/>
+    </cs:fontRef>
+    <cs:spPr>
+      <a:solidFill>
+        <a:schemeClr val="lt1"/>
+      </a:solidFill>
+      <a:ln w="9525" cap="flat" cmpd="sng" algn="ctr">
+        <a:solidFill>
+          <a:schemeClr val="tx1">
+            <a:lumMod val="65000"/>
+            <a:lumOff val="35000"/>
+          </a:schemeClr>
+        </a:solidFill>
+        <a:round/>
+      </a:ln>
+    </cs:spPr>
+  </cs:upBar>
+  <cs:valueAxis>
+    <cs:lnRef idx="0"/>
+    <cs:fillRef idx="0"/>
+    <cs:effectRef idx="0"/>
+    <cs:fontRef idx="minor">
+      <a:schemeClr val="tx1">
+        <a:lumMod val="65000"/>
+        <a:lumOff val="35000"/>
+      </a:schemeClr>
+    </cs:fontRef>
+    <cs:spPr>
+      <a:ln w="9525" cap="flat" cmpd="sng" algn="ctr">
+        <a:solidFill>
+          <a:schemeClr val="tx1">
+            <a:lumMod val="25000"/>
+            <a:lumOff val="75000"/>
+          </a:schemeClr>
+        </a:solidFill>
+        <a:round/>
+      </a:ln>
+    </cs:spPr>
+    <cs:defRPr sz="900" kern="1200"/>
+  </cs:valueAxis>
+  <cs:wall>
+    <cs:lnRef idx="0"/>
+    <cs:fillRef idx="0"/>
+    <cs:effectRef idx="0"/>
+    <cs:fontRef idx="minor">
+      <a:schemeClr val="tx1"/>
+    </cs:fontRef>
+    <cs:spPr>
+      <a:noFill/>
+      <a:ln>
+        <a:noFill/>
+      </a:ln>
+    </cs:spPr>
+  </cs:wall>
+</cs:chartStyle>
+</file>
+
 <file path=ppt/handoutMasters/handoutMaster1.xml><?xml version="1.0" encoding="utf-8"?>
 <p:handoutMaster xmlns:a="http://schemas.openxmlformats.org/drawingml/2006/main" xmlns:r="http://schemas.openxmlformats.org/officeDocument/2006/relationships" xmlns:p="http://schemas.openxmlformats.org/presentationml/2006/main">
   <p:cSld>
@@ -258,7 +4549,7 @@
             <a:fld id="{3649C4A7-F7E0-4FB8-8F05-6ADADEF3AE08}" type="datetimeFigureOut">
               <a:rPr lang="en-US" smtClean="0"/>
               <a:pPr/>
-              <a:t>10/21/2015</a:t>
+              <a:t>10/22/2015</a:t>
             </a:fld>
             <a:endParaRPr lang="en-US"/>
           </a:p>
@@ -1089,6 +5380,109 @@
     <p:extLst>
       <p:ext uri="{BB962C8B-B14F-4D97-AF65-F5344CB8AC3E}">
         <p14:creationId xmlns:p14="http://schemas.microsoft.com/office/powerpoint/2010/main" val="3907378618"/>
+      </p:ext>
+    </p:extLst>
+  </p:cSld>
+  <p:clrMapOvr>
+    <a:masterClrMapping/>
+  </p:clrMapOvr>
+</p:notes>
+</file>
+
+<file path=ppt/notesSlides/notesSlide4.xml><?xml version="1.0" encoding="utf-8"?>
+<p:notes xmlns:a="http://schemas.openxmlformats.org/drawingml/2006/main" xmlns:r="http://schemas.openxmlformats.org/officeDocument/2006/relationships" xmlns:p="http://schemas.openxmlformats.org/presentationml/2006/main">
+  <p:cSld>
+    <p:spTree>
+      <p:nvGrpSpPr>
+        <p:cNvPr id="1" name=""/>
+        <p:cNvGrpSpPr/>
+        <p:nvPr/>
+      </p:nvGrpSpPr>
+      <p:grpSpPr>
+        <a:xfrm>
+          <a:off x="0" y="0"/>
+          <a:ext cx="0" cy="0"/>
+          <a:chOff x="0" y="0"/>
+          <a:chExt cx="0" cy="0"/>
+        </a:xfrm>
+      </p:grpSpPr>
+      <p:sp>
+        <p:nvSpPr>
+          <p:cNvPr id="156673" name="Slide Image Placeholder 1"/>
+          <p:cNvSpPr>
+            <a:spLocks noGrp="1" noRot="1" noChangeAspect="1"/>
+          </p:cNvSpPr>
+          <p:nvPr>
+            <p:ph type="sldImg"/>
+          </p:nvPr>
+        </p:nvSpPr>
+        <p:spPr>
+          <a:ln/>
+        </p:spPr>
+      </p:sp>
+      <p:sp>
+        <p:nvSpPr>
+          <p:cNvPr id="156674" name="Notes Placeholder 2"/>
+          <p:cNvSpPr>
+            <a:spLocks noGrp="1"/>
+          </p:cNvSpPr>
+          <p:nvPr>
+            <p:ph type="body" idx="1"/>
+          </p:nvPr>
+        </p:nvSpPr>
+        <p:spPr>
+          <a:noFill/>
+          <a:ln/>
+        </p:spPr>
+        <p:txBody>
+          <a:bodyPr/>
+          <a:lstStyle/>
+          <a:p>
+            <a:r>
+              <a:rPr lang="en-US" smtClean="0"/>
+              <a:t>Modifier order fixed…changes in ALL CAPS</a:t>
+            </a:r>
+          </a:p>
+        </p:txBody>
+      </p:sp>
+      <p:sp>
+        <p:nvSpPr>
+          <p:cNvPr id="156675" name="Slide Number Placeholder 3"/>
+          <p:cNvSpPr>
+            <a:spLocks noGrp="1"/>
+          </p:cNvSpPr>
+          <p:nvPr>
+            <p:ph type="sldNum" sz="quarter" idx="5"/>
+          </p:nvPr>
+        </p:nvSpPr>
+        <p:spPr>
+          <a:noFill/>
+        </p:spPr>
+        <p:txBody>
+          <a:bodyPr/>
+          <a:lstStyle/>
+          <a:p>
+            <a:fld id="{78229729-0F5D-4CE8-8214-74FD806E741B}" type="slidenum">
+              <a:rPr lang="en-US" smtClean="0">
+                <a:solidFill>
+                  <a:srgbClr val="000000"/>
+                </a:solidFill>
+              </a:rPr>
+              <a:pPr/>
+              <a:t>5</a:t>
+            </a:fld>
+            <a:endParaRPr lang="en-US" smtClean="0">
+              <a:solidFill>
+                <a:srgbClr val="000000"/>
+              </a:solidFill>
+            </a:endParaRPr>
+          </a:p>
+        </p:txBody>
+      </p:sp>
+    </p:spTree>
+    <p:extLst>
+      <p:ext uri="{BB962C8B-B14F-4D97-AF65-F5344CB8AC3E}">
+        <p14:creationId xmlns:p14="http://schemas.microsoft.com/office/powerpoint/2010/main" val="3160846006"/>
       </p:ext>
     </p:extLst>
   </p:cSld>
@@ -4097,48 +8491,72 @@
           <a:bodyPr/>
           <a:lstStyle/>
           <a:p>
+            <a:r>
+              <a:rPr lang="en-US" dirty="0" smtClean="0"/>
+              <a:t>Core Layout</a:t>
+            </a:r>
             <a:endParaRPr lang="en-US" dirty="0" smtClean="0"/>
           </a:p>
         </p:txBody>
       </p:sp>
-      <p:sp>
-        <p:nvSpPr>
-          <p:cNvPr id="9" name="Content Placeholder 8"/>
-          <p:cNvSpPr>
-            <a:spLocks noGrp="1"/>
-          </p:cNvSpPr>
+      <p:pic>
+        <p:nvPicPr>
+          <p:cNvPr id="2" name="Content Placeholder 1"/>
+          <p:cNvPicPr>
+            <a:picLocks noGrp="1" noChangeAspect="1"/>
+          </p:cNvPicPr>
           <p:nvPr>
             <p:ph sz="half" idx="1"/>
           </p:nvPr>
-        </p:nvSpPr>
-        <p:spPr/>
-        <p:txBody>
-          <a:bodyPr/>
-          <a:lstStyle/>
-          <a:p>
-            <a:endParaRPr lang="en-US"/>
-          </a:p>
-        </p:txBody>
-      </p:sp>
-      <p:sp>
-        <p:nvSpPr>
-          <p:cNvPr id="10" name="Content Placeholder 9"/>
-          <p:cNvSpPr>
-            <a:spLocks noGrp="1"/>
-          </p:cNvSpPr>
+        </p:nvPicPr>
+        <p:blipFill>
+          <a:blip r:embed="rId3">
+            <a:extLst>
+              <a:ext uri="{28A0092B-C50C-407E-A947-70E740481C1C}">
+                <a14:useLocalDpi xmlns:a14="http://schemas.microsoft.com/office/drawing/2010/main" val="0"/>
+              </a:ext>
+            </a:extLst>
+          </a:blip>
+          <a:stretch>
+            <a:fillRect/>
+          </a:stretch>
+        </p:blipFill>
+        <p:spPr>
+          <a:xfrm>
+            <a:off x="457200" y="1930761"/>
+            <a:ext cx="4038600" cy="3864840"/>
+          </a:xfrm>
+        </p:spPr>
+      </p:pic>
+      <p:pic>
+        <p:nvPicPr>
+          <p:cNvPr id="3" name="Content Placeholder 2"/>
+          <p:cNvPicPr>
+            <a:picLocks noGrp="1" noChangeAspect="1"/>
+          </p:cNvPicPr>
           <p:nvPr>
             <p:ph sz="half" idx="2"/>
           </p:nvPr>
-        </p:nvSpPr>
-        <p:spPr/>
-        <p:txBody>
-          <a:bodyPr/>
-          <a:lstStyle/>
-          <a:p>
-            <a:endParaRPr lang="en-US" dirty="0"/>
-          </a:p>
-        </p:txBody>
-      </p:sp>
+        </p:nvPicPr>
+        <p:blipFill>
+          <a:blip r:embed="rId4">
+            <a:extLst>
+              <a:ext uri="{28A0092B-C50C-407E-A947-70E740481C1C}">
+                <a14:useLocalDpi xmlns:a14="http://schemas.microsoft.com/office/drawing/2010/main" val="0"/>
+              </a:ext>
+            </a:extLst>
+          </a:blip>
+          <a:stretch>
+            <a:fillRect/>
+          </a:stretch>
+        </p:blipFill>
+        <p:spPr>
+          <a:xfrm>
+            <a:off x="5029200" y="2098733"/>
+            <a:ext cx="3581400" cy="3616267"/>
+          </a:xfrm>
+        </p:spPr>
+      </p:pic>
       <p:sp>
         <p:nvSpPr>
           <p:cNvPr id="157699" name="Slide Number Placeholder 3"/>
@@ -4163,6 +8581,64 @@
           </a:p>
         </p:txBody>
       </p:sp>
+      <p:sp>
+        <p:nvSpPr>
+          <p:cNvPr id="4" name="TextBox 3"/>
+          <p:cNvSpPr txBox="1"/>
+          <p:nvPr/>
+        </p:nvSpPr>
+        <p:spPr>
+          <a:xfrm>
+            <a:off x="687067" y="1729401"/>
+            <a:ext cx="3578865" cy="369332"/>
+          </a:xfrm>
+          <a:prstGeom prst="rect">
+            <a:avLst/>
+          </a:prstGeom>
+          <a:noFill/>
+        </p:spPr>
+        <p:txBody>
+          <a:bodyPr wrap="none" rtlCol="0">
+            <a:spAutoFit/>
+          </a:bodyPr>
+          <a:lstStyle/>
+          <a:p>
+            <a:r>
+              <a:rPr lang="en-US" dirty="0" smtClean="0"/>
+              <a:t>XY center plane – “looking down”</a:t>
+            </a:r>
+          </a:p>
+        </p:txBody>
+      </p:sp>
+      <p:sp>
+        <p:nvSpPr>
+          <p:cNvPr id="11" name="TextBox 10"/>
+          <p:cNvSpPr txBox="1"/>
+          <p:nvPr/>
+        </p:nvSpPr>
+        <p:spPr>
+          <a:xfrm>
+            <a:off x="5913241" y="1729401"/>
+            <a:ext cx="1813317" cy="369332"/>
+          </a:xfrm>
+          <a:prstGeom prst="rect">
+            <a:avLst/>
+          </a:prstGeom>
+          <a:noFill/>
+        </p:spPr>
+        <p:txBody>
+          <a:bodyPr wrap="none" rtlCol="0">
+            <a:spAutoFit/>
+          </a:bodyPr>
+          <a:lstStyle/>
+          <a:p>
+            <a:r>
+              <a:rPr lang="en-US" dirty="0" smtClean="0"/>
+              <a:t>XZ center plane</a:t>
+            </a:r>
+          </a:p>
+        </p:txBody>
+      </p:sp>
     </p:spTree>
   </p:cSld>
   <p:clrMapOvr>
@@ -4175,6 +8651,536 @@
       </p:par>
     </p:tnLst>
   </p:timing>
+</p:sld>
+</file>
+
+<file path=ppt/slides/slide4.xml><?xml version="1.0" encoding="utf-8"?>
+<p:sld xmlns:a="http://schemas.openxmlformats.org/drawingml/2006/main" xmlns:r="http://schemas.openxmlformats.org/officeDocument/2006/relationships" xmlns:p="http://schemas.openxmlformats.org/presentationml/2006/main">
+  <p:cSld>
+    <p:spTree>
+      <p:nvGrpSpPr>
+        <p:cNvPr id="1" name=""/>
+        <p:cNvGrpSpPr/>
+        <p:nvPr/>
+      </p:nvGrpSpPr>
+      <p:grpSpPr>
+        <a:xfrm>
+          <a:off x="0" y="0"/>
+          <a:ext cx="0" cy="0"/>
+          <a:chOff x="0" y="0"/>
+          <a:chExt cx="0" cy="0"/>
+        </a:xfrm>
+      </p:grpSpPr>
+      <p:sp>
+        <p:nvSpPr>
+          <p:cNvPr id="2" name="Title 1"/>
+          <p:cNvSpPr>
+            <a:spLocks noGrp="1"/>
+          </p:cNvSpPr>
+          <p:nvPr>
+            <p:ph type="title"/>
+          </p:nvPr>
+        </p:nvSpPr>
+        <p:spPr/>
+        <p:txBody>
+          <a:bodyPr/>
+          <a:lstStyle/>
+          <a:p>
+            <a:r>
+              <a:rPr lang="en-US" dirty="0" smtClean="0"/>
+              <a:t>Fuel Elements</a:t>
+            </a:r>
+            <a:endParaRPr lang="en-US" dirty="0"/>
+          </a:p>
+        </p:txBody>
+      </p:sp>
+      <p:sp>
+        <p:nvSpPr>
+          <p:cNvPr id="5" name="Slide Number Placeholder 4"/>
+          <p:cNvSpPr>
+            <a:spLocks noGrp="1"/>
+          </p:cNvSpPr>
+          <p:nvPr>
+            <p:ph type="sldNum" sz="quarter" idx="12"/>
+          </p:nvPr>
+        </p:nvSpPr>
+        <p:spPr/>
+        <p:txBody>
+          <a:bodyPr/>
+          <a:lstStyle/>
+          <a:p>
+            <a:pPr>
+              <a:defRPr/>
+            </a:pPr>
+            <a:fld id="{56039845-206E-4D43-9E5F-DD43C0647861}" type="slidenum">
+              <a:rPr lang="en-US" smtClean="0"/>
+              <a:pPr>
+                <a:defRPr/>
+              </a:pPr>
+              <a:t>4</a:t>
+            </a:fld>
+            <a:endParaRPr lang="en-US" dirty="0"/>
+          </a:p>
+        </p:txBody>
+      </p:sp>
+      <p:pic>
+        <p:nvPicPr>
+          <p:cNvPr id="11" name="Content Placeholder 10"/>
+          <p:cNvPicPr>
+            <a:picLocks noGrp="1" noChangeAspect="1"/>
+          </p:cNvPicPr>
+          <p:nvPr>
+            <p:ph sz="half" idx="1"/>
+          </p:nvPr>
+        </p:nvPicPr>
+        <p:blipFill>
+          <a:blip r:embed="rId2">
+            <a:extLst>
+              <a:ext uri="{28A0092B-C50C-407E-A947-70E740481C1C}">
+                <a14:useLocalDpi xmlns:a14="http://schemas.microsoft.com/office/drawing/2010/main" val="0"/>
+              </a:ext>
+            </a:extLst>
+          </a:blip>
+          <a:stretch>
+            <a:fillRect/>
+          </a:stretch>
+        </p:blipFill>
+        <p:spPr>
+          <a:xfrm>
+            <a:off x="1226457" y="1289315"/>
+            <a:ext cx="1505648" cy="1752845"/>
+          </a:xfrm>
+        </p:spPr>
+      </p:pic>
+      <p:pic>
+        <p:nvPicPr>
+          <p:cNvPr id="12" name="Content Placeholder 11"/>
+          <p:cNvPicPr>
+            <a:picLocks noGrp="1" noChangeAspect="1"/>
+          </p:cNvPicPr>
+          <p:nvPr>
+            <p:ph sz="half" idx="2"/>
+          </p:nvPr>
+        </p:nvPicPr>
+        <p:blipFill>
+          <a:blip r:embed="rId3">
+            <a:extLst>
+              <a:ext uri="{28A0092B-C50C-407E-A947-70E740481C1C}">
+                <a14:useLocalDpi xmlns:a14="http://schemas.microsoft.com/office/drawing/2010/main" val="0"/>
+              </a:ext>
+            </a:extLst>
+          </a:blip>
+          <a:stretch>
+            <a:fillRect/>
+          </a:stretch>
+        </p:blipFill>
+        <p:spPr>
+          <a:xfrm>
+            <a:off x="1226457" y="4747162"/>
+            <a:ext cx="1512905" cy="1490051"/>
+          </a:xfrm>
+        </p:spPr>
+      </p:pic>
+      <p:pic>
+        <p:nvPicPr>
+          <p:cNvPr id="13" name="Picture 12"/>
+          <p:cNvPicPr>
+            <a:picLocks noChangeAspect="1"/>
+          </p:cNvPicPr>
+          <p:nvPr/>
+        </p:nvPicPr>
+        <p:blipFill>
+          <a:blip r:embed="rId4">
+            <a:extLst>
+              <a:ext uri="{28A0092B-C50C-407E-A947-70E740481C1C}">
+                <a14:useLocalDpi xmlns:a14="http://schemas.microsoft.com/office/drawing/2010/main" val="0"/>
+              </a:ext>
+            </a:extLst>
+          </a:blip>
+          <a:stretch>
+            <a:fillRect/>
+          </a:stretch>
+        </p:blipFill>
+        <p:spPr>
+          <a:xfrm>
+            <a:off x="1226457" y="3127963"/>
+            <a:ext cx="1512905" cy="1512905"/>
+          </a:xfrm>
+          <a:prstGeom prst="rect">
+            <a:avLst/>
+          </a:prstGeom>
+        </p:spPr>
+      </p:pic>
+      <p:sp>
+        <p:nvSpPr>
+          <p:cNvPr id="14" name="TextBox 13"/>
+          <p:cNvSpPr txBox="1"/>
+          <p:nvPr/>
+        </p:nvSpPr>
+        <p:spPr>
+          <a:xfrm>
+            <a:off x="3048000" y="1981200"/>
+            <a:ext cx="3865161" cy="646331"/>
+          </a:xfrm>
+          <a:prstGeom prst="rect">
+            <a:avLst/>
+          </a:prstGeom>
+          <a:noFill/>
+        </p:spPr>
+        <p:txBody>
+          <a:bodyPr wrap="none" rtlCol="0">
+            <a:spAutoFit/>
+          </a:bodyPr>
+          <a:lstStyle/>
+          <a:p>
+            <a:r>
+              <a:rPr lang="en-US" dirty="0" smtClean="0"/>
+              <a:t>Hexagonal Lattice of Pin Fuel</a:t>
+            </a:r>
+          </a:p>
+          <a:p>
+            <a:r>
+              <a:rPr lang="en-US" dirty="0"/>
+              <a:t>	</a:t>
+            </a:r>
+            <a:r>
+              <a:rPr lang="en-US" dirty="0" smtClean="0"/>
+              <a:t>“Standard” for fast reactors</a:t>
+            </a:r>
+            <a:endParaRPr lang="en-US" dirty="0"/>
+          </a:p>
+        </p:txBody>
+      </p:sp>
+      <p:sp>
+        <p:nvSpPr>
+          <p:cNvPr id="15" name="TextBox 14"/>
+          <p:cNvSpPr txBox="1"/>
+          <p:nvPr/>
+        </p:nvSpPr>
+        <p:spPr>
+          <a:xfrm>
+            <a:off x="3048000" y="3657600"/>
+            <a:ext cx="5583580" cy="646331"/>
+          </a:xfrm>
+          <a:prstGeom prst="rect">
+            <a:avLst/>
+          </a:prstGeom>
+          <a:noFill/>
+        </p:spPr>
+        <p:txBody>
+          <a:bodyPr wrap="none" rtlCol="0">
+            <a:spAutoFit/>
+          </a:bodyPr>
+          <a:lstStyle/>
+          <a:p>
+            <a:r>
+              <a:rPr lang="en-US" dirty="0" smtClean="0"/>
+              <a:t>Square Lattice of Pin Fuel</a:t>
+            </a:r>
+          </a:p>
+          <a:p>
+            <a:r>
+              <a:rPr lang="en-US" dirty="0"/>
+              <a:t>	</a:t>
+            </a:r>
+            <a:r>
+              <a:rPr lang="en-US" dirty="0" smtClean="0"/>
+              <a:t>Allows for cooler channels but not ideal flow</a:t>
+            </a:r>
+            <a:endParaRPr lang="en-US" dirty="0"/>
+          </a:p>
+        </p:txBody>
+      </p:sp>
+      <p:sp>
+        <p:nvSpPr>
+          <p:cNvPr id="16" name="TextBox 15"/>
+          <p:cNvSpPr txBox="1"/>
+          <p:nvPr/>
+        </p:nvSpPr>
+        <p:spPr>
+          <a:xfrm>
+            <a:off x="3048000" y="5334000"/>
+            <a:ext cx="3711272" cy="646331"/>
+          </a:xfrm>
+          <a:prstGeom prst="rect">
+            <a:avLst/>
+          </a:prstGeom>
+          <a:noFill/>
+        </p:spPr>
+        <p:txBody>
+          <a:bodyPr wrap="none" rtlCol="0">
+            <a:spAutoFit/>
+          </a:bodyPr>
+          <a:lstStyle/>
+          <a:p>
+            <a:r>
+              <a:rPr lang="en-US" dirty="0" smtClean="0"/>
+              <a:t>Square Lattice of Plate Fuel</a:t>
+            </a:r>
+          </a:p>
+          <a:p>
+            <a:r>
+              <a:rPr lang="en-US" dirty="0"/>
+              <a:t>	</a:t>
+            </a:r>
+            <a:r>
+              <a:rPr lang="en-US" dirty="0" smtClean="0"/>
+              <a:t>Large ratio of </a:t>
+            </a:r>
+            <a:r>
+              <a:rPr lang="en-US" dirty="0" err="1" smtClean="0"/>
+              <a:t>fuel:coolant</a:t>
+            </a:r>
+            <a:endParaRPr lang="en-US" dirty="0"/>
+          </a:p>
+        </p:txBody>
+      </p:sp>
+      <p:sp>
+        <p:nvSpPr>
+          <p:cNvPr id="17" name="TextBox 16"/>
+          <p:cNvSpPr txBox="1"/>
+          <p:nvPr/>
+        </p:nvSpPr>
+        <p:spPr>
+          <a:xfrm>
+            <a:off x="3048000" y="1981200"/>
+            <a:ext cx="3198311" cy="369332"/>
+          </a:xfrm>
+          <a:prstGeom prst="rect">
+            <a:avLst/>
+          </a:prstGeom>
+          <a:noFill/>
+        </p:spPr>
+        <p:txBody>
+          <a:bodyPr wrap="none" rtlCol="0">
+            <a:spAutoFit/>
+          </a:bodyPr>
+          <a:lstStyle/>
+          <a:p>
+            <a:r>
+              <a:rPr lang="en-US" dirty="0" smtClean="0"/>
+              <a:t>Hexagonal Lattice of Pin Fuel</a:t>
+            </a:r>
+            <a:endParaRPr lang="en-US" dirty="0"/>
+          </a:p>
+        </p:txBody>
+      </p:sp>
+    </p:spTree>
+    <p:extLst>
+      <p:ext uri="{BB962C8B-B14F-4D97-AF65-F5344CB8AC3E}">
+        <p14:creationId xmlns:p14="http://schemas.microsoft.com/office/powerpoint/2010/main" val="632576393"/>
+      </p:ext>
+    </p:extLst>
+  </p:cSld>
+  <p:clrMapOvr>
+    <a:masterClrMapping/>
+  </p:clrMapOvr>
+</p:sld>
+</file>
+
+<file path=ppt/slides/slide5.xml><?xml version="1.0" encoding="utf-8"?>
+<p:sld xmlns:a="http://schemas.openxmlformats.org/drawingml/2006/main" xmlns:r="http://schemas.openxmlformats.org/officeDocument/2006/relationships" xmlns:p="http://schemas.openxmlformats.org/presentationml/2006/main">
+  <p:cSld>
+    <p:spTree>
+      <p:nvGrpSpPr>
+        <p:cNvPr id="1" name=""/>
+        <p:cNvGrpSpPr/>
+        <p:nvPr/>
+      </p:nvGrpSpPr>
+      <p:grpSpPr>
+        <a:xfrm>
+          <a:off x="0" y="0"/>
+          <a:ext cx="0" cy="0"/>
+          <a:chOff x="0" y="0"/>
+          <a:chExt cx="0" cy="0"/>
+        </a:xfrm>
+      </p:grpSpPr>
+      <p:sp>
+        <p:nvSpPr>
+          <p:cNvPr id="8" name="Title 7"/>
+          <p:cNvSpPr>
+            <a:spLocks noGrp="1"/>
+          </p:cNvSpPr>
+          <p:nvPr>
+            <p:ph type="title"/>
+          </p:nvPr>
+        </p:nvSpPr>
+        <p:spPr/>
+        <p:txBody>
+          <a:bodyPr/>
+          <a:lstStyle/>
+          <a:p>
+            <a:r>
+              <a:rPr lang="en-US" dirty="0" smtClean="0"/>
+              <a:t>Neutron Spectrum in Fuel Regions</a:t>
+            </a:r>
+            <a:endParaRPr lang="en-US" dirty="0"/>
+          </a:p>
+        </p:txBody>
+      </p:sp>
+      <p:sp>
+        <p:nvSpPr>
+          <p:cNvPr id="155651" name="Slide Number Placeholder 6"/>
+          <p:cNvSpPr>
+            <a:spLocks noGrp="1"/>
+          </p:cNvSpPr>
+          <p:nvPr>
+            <p:ph type="sldNum" sz="quarter" idx="10"/>
+          </p:nvPr>
+        </p:nvSpPr>
+        <p:spPr/>
+        <p:txBody>
+          <a:bodyPr/>
+          <a:lstStyle/>
+          <a:p>
+            <a:fld id="{502146DA-691C-4507-81E5-3CCBE6A32757}" type="slidenum">
+              <a:rPr lang="en-US" smtClean="0"/>
+              <a:pPr/>
+              <a:t>5</a:t>
+            </a:fld>
+            <a:endParaRPr lang="en-US"/>
+          </a:p>
+        </p:txBody>
+      </p:sp>
+      <p:graphicFrame>
+        <p:nvGraphicFramePr>
+          <p:cNvPr id="6" name="Content Placeholder 5"/>
+          <p:cNvGraphicFramePr>
+            <a:graphicFrameLocks noGrp="1"/>
+          </p:cNvGraphicFramePr>
+          <p:nvPr>
+            <p:ph idx="1"/>
+            <p:extLst>
+              <p:ext uri="{D42A27DB-BD31-4B8C-83A1-F6EECF244321}">
+                <p14:modId xmlns:p14="http://schemas.microsoft.com/office/powerpoint/2010/main" val="3489341785"/>
+              </p:ext>
+            </p:extLst>
+          </p:nvPr>
+        </p:nvGraphicFramePr>
+        <p:xfrm>
+          <a:off x="457200" y="1600200"/>
+          <a:ext cx="8229600" cy="4525963"/>
+        </p:xfrm>
+        <a:graphic>
+          <a:graphicData uri="http://schemas.openxmlformats.org/drawingml/2006/chart">
+            <c:chart xmlns:c="http://schemas.openxmlformats.org/drawingml/2006/chart" xmlns:r="http://schemas.openxmlformats.org/officeDocument/2006/relationships" r:id="rId3"/>
+          </a:graphicData>
+        </a:graphic>
+      </p:graphicFrame>
+    </p:spTree>
+    <p:extLst>
+      <p:ext uri="{BB962C8B-B14F-4D97-AF65-F5344CB8AC3E}">
+        <p14:creationId xmlns:p14="http://schemas.microsoft.com/office/powerpoint/2010/main" val="1339054671"/>
+      </p:ext>
+    </p:extLst>
+  </p:cSld>
+  <p:clrMapOvr>
+    <a:masterClrMapping/>
+  </p:clrMapOvr>
+  <p:timing>
+    <p:tnLst>
+      <p:par>
+        <p:cTn id="1" dur="indefinite" restart="never" nodeType="tmRoot"/>
+      </p:par>
+    </p:tnLst>
+  </p:timing>
+</p:sld>
+</file>
+
+<file path=ppt/slides/slide6.xml><?xml version="1.0" encoding="utf-8"?>
+<p:sld xmlns:a="http://schemas.openxmlformats.org/drawingml/2006/main" xmlns:r="http://schemas.openxmlformats.org/officeDocument/2006/relationships" xmlns:p="http://schemas.openxmlformats.org/presentationml/2006/main">
+  <p:cSld>
+    <p:spTree>
+      <p:nvGrpSpPr>
+        <p:cNvPr id="1" name=""/>
+        <p:cNvGrpSpPr/>
+        <p:nvPr/>
+      </p:nvGrpSpPr>
+      <p:grpSpPr>
+        <a:xfrm>
+          <a:off x="0" y="0"/>
+          <a:ext cx="0" cy="0"/>
+          <a:chOff x="0" y="0"/>
+          <a:chExt cx="0" cy="0"/>
+        </a:xfrm>
+      </p:grpSpPr>
+      <p:sp>
+        <p:nvSpPr>
+          <p:cNvPr id="2" name="Title 1"/>
+          <p:cNvSpPr>
+            <a:spLocks noGrp="1"/>
+          </p:cNvSpPr>
+          <p:nvPr>
+            <p:ph type="title"/>
+          </p:nvPr>
+        </p:nvSpPr>
+        <p:spPr/>
+        <p:txBody>
+          <a:bodyPr/>
+          <a:lstStyle/>
+          <a:p>
+            <a:endParaRPr lang="en-US" dirty="0"/>
+          </a:p>
+        </p:txBody>
+      </p:sp>
+      <p:sp>
+        <p:nvSpPr>
+          <p:cNvPr id="3" name="Content Placeholder 2"/>
+          <p:cNvSpPr>
+            <a:spLocks noGrp="1"/>
+          </p:cNvSpPr>
+          <p:nvPr>
+            <p:ph sz="half" idx="1"/>
+          </p:nvPr>
+        </p:nvSpPr>
+        <p:spPr/>
+        <p:txBody>
+          <a:bodyPr/>
+          <a:lstStyle/>
+          <a:p>
+            <a:endParaRPr lang="en-US" dirty="0"/>
+          </a:p>
+        </p:txBody>
+      </p:sp>
+      <p:sp>
+        <p:nvSpPr>
+          <p:cNvPr id="5" name="Slide Number Placeholder 4"/>
+          <p:cNvSpPr>
+            <a:spLocks noGrp="1"/>
+          </p:cNvSpPr>
+          <p:nvPr>
+            <p:ph type="sldNum" sz="quarter" idx="12"/>
+          </p:nvPr>
+        </p:nvSpPr>
+        <p:spPr/>
+        <p:txBody>
+          <a:bodyPr/>
+          <a:lstStyle/>
+          <a:p>
+            <a:pPr>
+              <a:defRPr/>
+            </a:pPr>
+            <a:fld id="{56039845-206E-4D43-9E5F-DD43C0647861}" type="slidenum">
+              <a:rPr lang="en-US" smtClean="0"/>
+              <a:pPr>
+                <a:defRPr/>
+              </a:pPr>
+              <a:t>6</a:t>
+            </a:fld>
+            <a:endParaRPr lang="en-US" dirty="0"/>
+          </a:p>
+        </p:txBody>
+      </p:sp>
+    </p:spTree>
+    <p:extLst>
+      <p:ext uri="{BB962C8B-B14F-4D97-AF65-F5344CB8AC3E}">
+        <p14:creationId xmlns:p14="http://schemas.microsoft.com/office/powerpoint/2010/main" val="4051237288"/>
+      </p:ext>
+    </p:extLst>
+  </p:cSld>
+  <p:clrMapOvr>
+    <a:masterClrMapping/>
+  </p:clrMapOvr>
 </p:sld>
 </file>
 
@@ -5460,4 +10466,256 @@
   <a:objectDefaults/>
   <a:extraClrSchemeLst/>
 </a:theme>
+</file>
+
+<file path=ppt/theme/themeOverride1.xml><?xml version="1.0" encoding="utf-8"?>
+<a:themeOverride xmlns:a="http://schemas.openxmlformats.org/drawingml/2006/main">
+  <a:clrScheme name="Office">
+    <a:dk1>
+      <a:sysClr val="windowText" lastClr="000000"/>
+    </a:dk1>
+    <a:lt1>
+      <a:sysClr val="window" lastClr="FFFFFF"/>
+    </a:lt1>
+    <a:dk2>
+      <a:srgbClr val="44546A"/>
+    </a:dk2>
+    <a:lt2>
+      <a:srgbClr val="E7E6E6"/>
+    </a:lt2>
+    <a:accent1>
+      <a:srgbClr val="5B9BD5"/>
+    </a:accent1>
+    <a:accent2>
+      <a:srgbClr val="ED7D31"/>
+    </a:accent2>
+    <a:accent3>
+      <a:srgbClr val="A5A5A5"/>
+    </a:accent3>
+    <a:accent4>
+      <a:srgbClr val="FFC000"/>
+    </a:accent4>
+    <a:accent5>
+      <a:srgbClr val="4472C4"/>
+    </a:accent5>
+    <a:accent6>
+      <a:srgbClr val="70AD47"/>
+    </a:accent6>
+    <a:hlink>
+      <a:srgbClr val="0563C1"/>
+    </a:hlink>
+    <a:folHlink>
+      <a:srgbClr val="954F72"/>
+    </a:folHlink>
+  </a:clrScheme>
+  <a:fontScheme name="Office">
+    <a:majorFont>
+      <a:latin typeface="Calibri Light" panose="020F0302020204030204"/>
+      <a:ea typeface=""/>
+      <a:cs typeface=""/>
+      <a:font script="Jpan" typeface="ＭＳ Ｐゴシック"/>
+      <a:font script="Hang" typeface="맑은 고딕"/>
+      <a:font script="Hans" typeface="宋体"/>
+      <a:font script="Hant" typeface="新細明體"/>
+      <a:font script="Arab" typeface="Times New Roman"/>
+      <a:font script="Hebr" typeface="Times New Roman"/>
+      <a:font script="Thai" typeface="Tahoma"/>
+      <a:font script="Ethi" typeface="Nyala"/>
+      <a:font script="Beng" typeface="Vrinda"/>
+      <a:font script="Gujr" typeface="Shruti"/>
+      <a:font script="Khmr" typeface="MoolBoran"/>
+      <a:font script="Knda" typeface="Tunga"/>
+      <a:font script="Guru" typeface="Raavi"/>
+      <a:font script="Cans" typeface="Euphemia"/>
+      <a:font script="Cher" typeface="Plantagenet Cherokee"/>
+      <a:font script="Yiii" typeface="Microsoft Yi Baiti"/>
+      <a:font script="Tibt" typeface="Microsoft Himalaya"/>
+      <a:font script="Thaa" typeface="MV Boli"/>
+      <a:font script="Deva" typeface="Mangal"/>
+      <a:font script="Telu" typeface="Gautami"/>
+      <a:font script="Taml" typeface="Latha"/>
+      <a:font script="Syrc" typeface="Estrangelo Edessa"/>
+      <a:font script="Orya" typeface="Kalinga"/>
+      <a:font script="Mlym" typeface="Kartika"/>
+      <a:font script="Laoo" typeface="DokChampa"/>
+      <a:font script="Sinh" typeface="Iskoola Pota"/>
+      <a:font script="Mong" typeface="Mongolian Baiti"/>
+      <a:font script="Viet" typeface="Times New Roman"/>
+      <a:font script="Uigh" typeface="Microsoft Uighur"/>
+      <a:font script="Geor" typeface="Sylfaen"/>
+    </a:majorFont>
+    <a:minorFont>
+      <a:latin typeface="Calibri" panose="020F0502020204030204"/>
+      <a:ea typeface=""/>
+      <a:cs typeface=""/>
+      <a:font script="Jpan" typeface="ＭＳ Ｐゴシック"/>
+      <a:font script="Hang" typeface="맑은 고딕"/>
+      <a:font script="Hans" typeface="宋体"/>
+      <a:font script="Hant" typeface="新細明體"/>
+      <a:font script="Arab" typeface="Arial"/>
+      <a:font script="Hebr" typeface="Arial"/>
+      <a:font script="Thai" typeface="Tahoma"/>
+      <a:font script="Ethi" typeface="Nyala"/>
+      <a:font script="Beng" typeface="Vrinda"/>
+      <a:font script="Gujr" typeface="Shruti"/>
+      <a:font script="Khmr" typeface="DaunPenh"/>
+      <a:font script="Knda" typeface="Tunga"/>
+      <a:font script="Guru" typeface="Raavi"/>
+      <a:font script="Cans" typeface="Euphemia"/>
+      <a:font script="Cher" typeface="Plantagenet Cherokee"/>
+      <a:font script="Yiii" typeface="Microsoft Yi Baiti"/>
+      <a:font script="Tibt" typeface="Microsoft Himalaya"/>
+      <a:font script="Thaa" typeface="MV Boli"/>
+      <a:font script="Deva" typeface="Mangal"/>
+      <a:font script="Telu" typeface="Gautami"/>
+      <a:font script="Taml" typeface="Latha"/>
+      <a:font script="Syrc" typeface="Estrangelo Edessa"/>
+      <a:font script="Orya" typeface="Kalinga"/>
+      <a:font script="Mlym" typeface="Kartika"/>
+      <a:font script="Laoo" typeface="DokChampa"/>
+      <a:font script="Sinh" typeface="Iskoola Pota"/>
+      <a:font script="Mong" typeface="Mongolian Baiti"/>
+      <a:font script="Viet" typeface="Arial"/>
+      <a:font script="Uigh" typeface="Microsoft Uighur"/>
+      <a:font script="Geor" typeface="Sylfaen"/>
+    </a:minorFont>
+  </a:fontScheme>
+  <a:fmtScheme name="Office">
+    <a:fillStyleLst>
+      <a:solidFill>
+        <a:schemeClr val="phClr"/>
+      </a:solidFill>
+      <a:gradFill rotWithShape="1">
+        <a:gsLst>
+          <a:gs pos="0">
+            <a:schemeClr val="phClr">
+              <a:lumMod val="110000"/>
+              <a:satMod val="105000"/>
+              <a:tint val="67000"/>
+            </a:schemeClr>
+          </a:gs>
+          <a:gs pos="50000">
+            <a:schemeClr val="phClr">
+              <a:lumMod val="105000"/>
+              <a:satMod val="103000"/>
+              <a:tint val="73000"/>
+            </a:schemeClr>
+          </a:gs>
+          <a:gs pos="100000">
+            <a:schemeClr val="phClr">
+              <a:lumMod val="105000"/>
+              <a:satMod val="109000"/>
+              <a:tint val="81000"/>
+            </a:schemeClr>
+          </a:gs>
+        </a:gsLst>
+        <a:lin ang="5400000" scaled="0"/>
+      </a:gradFill>
+      <a:gradFill rotWithShape="1">
+        <a:gsLst>
+          <a:gs pos="0">
+            <a:schemeClr val="phClr">
+              <a:satMod val="103000"/>
+              <a:lumMod val="102000"/>
+              <a:tint val="94000"/>
+            </a:schemeClr>
+          </a:gs>
+          <a:gs pos="50000">
+            <a:schemeClr val="phClr">
+              <a:satMod val="110000"/>
+              <a:lumMod val="100000"/>
+              <a:shade val="100000"/>
+            </a:schemeClr>
+          </a:gs>
+          <a:gs pos="100000">
+            <a:schemeClr val="phClr">
+              <a:lumMod val="99000"/>
+              <a:satMod val="120000"/>
+              <a:shade val="78000"/>
+            </a:schemeClr>
+          </a:gs>
+        </a:gsLst>
+        <a:lin ang="5400000" scaled="0"/>
+      </a:gradFill>
+    </a:fillStyleLst>
+    <a:lnStyleLst>
+      <a:ln w="6350" cap="flat" cmpd="sng" algn="ctr">
+        <a:solidFill>
+          <a:schemeClr val="phClr"/>
+        </a:solidFill>
+        <a:prstDash val="solid"/>
+        <a:miter lim="800000"/>
+      </a:ln>
+      <a:ln w="12700" cap="flat" cmpd="sng" algn="ctr">
+        <a:solidFill>
+          <a:schemeClr val="phClr"/>
+        </a:solidFill>
+        <a:prstDash val="solid"/>
+        <a:miter lim="800000"/>
+      </a:ln>
+      <a:ln w="19050" cap="flat" cmpd="sng" algn="ctr">
+        <a:solidFill>
+          <a:schemeClr val="phClr"/>
+        </a:solidFill>
+        <a:prstDash val="solid"/>
+        <a:miter lim="800000"/>
+      </a:ln>
+    </a:lnStyleLst>
+    <a:effectStyleLst>
+      <a:effectStyle>
+        <a:effectLst/>
+      </a:effectStyle>
+      <a:effectStyle>
+        <a:effectLst/>
+      </a:effectStyle>
+      <a:effectStyle>
+        <a:effectLst>
+          <a:outerShdw blurRad="57150" dist="19050" dir="5400000" algn="ctr" rotWithShape="0">
+            <a:srgbClr val="000000">
+              <a:alpha val="63000"/>
+            </a:srgbClr>
+          </a:outerShdw>
+        </a:effectLst>
+      </a:effectStyle>
+    </a:effectStyleLst>
+    <a:bgFillStyleLst>
+      <a:solidFill>
+        <a:schemeClr val="phClr"/>
+      </a:solidFill>
+      <a:solidFill>
+        <a:schemeClr val="phClr">
+          <a:tint val="95000"/>
+          <a:satMod val="170000"/>
+        </a:schemeClr>
+      </a:solidFill>
+      <a:gradFill rotWithShape="1">
+        <a:gsLst>
+          <a:gs pos="0">
+            <a:schemeClr val="phClr">
+              <a:tint val="93000"/>
+              <a:satMod val="150000"/>
+              <a:shade val="98000"/>
+              <a:lumMod val="102000"/>
+            </a:schemeClr>
+          </a:gs>
+          <a:gs pos="50000">
+            <a:schemeClr val="phClr">
+              <a:tint val="98000"/>
+              <a:satMod val="130000"/>
+              <a:shade val="90000"/>
+              <a:lumMod val="103000"/>
+            </a:schemeClr>
+          </a:gs>
+          <a:gs pos="100000">
+            <a:schemeClr val="phClr">
+              <a:shade val="63000"/>
+              <a:satMod val="120000"/>
+            </a:schemeClr>
+          </a:gs>
+        </a:gsLst>
+        <a:lin ang="5400000" scaled="0"/>
+      </a:gradFill>
+    </a:bgFillStyleLst>
+  </a:fmtScheme>
+</a:themeOverride>
 </file>
--- a/presentations/mid_PP/mid.pptx
+++ b/presentations/mid_PP/mid.pptx
@@ -5,10 +5,10 @@
     <p:sldMasterId id="2147483649" r:id="rId1"/>
   </p:sldMasterIdLst>
   <p:notesMasterIdLst>
-    <p:notesMasterId r:id="rId8"/>
+    <p:notesMasterId r:id="rId9"/>
   </p:notesMasterIdLst>
   <p:handoutMasterIdLst>
-    <p:handoutMasterId r:id="rId9"/>
+    <p:handoutMasterId r:id="rId10"/>
   </p:handoutMasterIdLst>
   <p:sldIdLst>
     <p:sldId id="576" r:id="rId2"/>
@@ -17,21 +17,22 @@
     <p:sldId id="577" r:id="rId5"/>
     <p:sldId id="580" r:id="rId6"/>
     <p:sldId id="578" r:id="rId7"/>
+    <p:sldId id="581" r:id="rId8"/>
   </p:sldIdLst>
   <p:sldSz cx="9144000" cy="6858000" type="screen4x3"/>
   <p:notesSz cx="6950075" cy="9236075"/>
   <p:embeddedFontLst>
     <p:embeddedFont>
       <p:font typeface="Tahoma" panose="020B0604030504040204" pitchFamily="34" charset="0"/>
-      <p:regular r:id="rId10"/>
-      <p:bold r:id="rId11"/>
+      <p:regular r:id="rId11"/>
+      <p:bold r:id="rId12"/>
     </p:embeddedFont>
     <p:embeddedFont>
       <p:font typeface="Verdana" panose="020B0604030504040204" pitchFamily="34" charset="0"/>
-      <p:regular r:id="rId12"/>
-      <p:bold r:id="rId13"/>
-      <p:italic r:id="rId14"/>
-      <p:boldItalic r:id="rId15"/>
+      <p:regular r:id="rId13"/>
+      <p:bold r:id="rId14"/>
+      <p:italic r:id="rId15"/>
+      <p:boldItalic r:id="rId16"/>
     </p:embeddedFont>
   </p:embeddedFontLst>
   <p:defaultTextStyle>
@@ -3589,11 +3590,11 @@
           <c:showPercent val="0"/>
           <c:showBubbleSize val="0"/>
         </c:dLbls>
-        <c:axId val="189859744"/>
-        <c:axId val="490807232"/>
+        <c:axId val="333609952"/>
+        <c:axId val="333610512"/>
       </c:scatterChart>
       <c:valAx>
-        <c:axId val="189859744"/>
+        <c:axId val="333609952"/>
         <c:scaling>
           <c:logBase val="10"/>
           <c:orientation val="minMax"/>
@@ -3641,7 +3642,6 @@
               </a:p>
             </c:rich>
           </c:tx>
-          <c:layout/>
           <c:overlay val="0"/>
           <c:spPr>
             <a:noFill/>
@@ -3708,12 +3708,12 @@
             <a:endParaRPr lang="en-US"/>
           </a:p>
         </c:txPr>
-        <c:crossAx val="490807232"/>
+        <c:crossAx val="333610512"/>
         <c:crosses val="autoZero"/>
         <c:crossBetween val="midCat"/>
       </c:valAx>
       <c:valAx>
-        <c:axId val="490807232"/>
+        <c:axId val="333610512"/>
         <c:scaling>
           <c:logBase val="10"/>
           <c:orientation val="minMax"/>
@@ -3763,7 +3763,6 @@
               </a:p>
             </c:rich>
           </c:tx>
-          <c:layout/>
           <c:overlay val="0"/>
           <c:spPr>
             <a:noFill/>
@@ -3793,7 +3792,7 @@
             </a:p>
           </c:txPr>
         </c:title>
-        <c:numFmt formatCode="0.00E+00" sourceLinked="1"/>
+        <c:numFmt formatCode="0.E+00" sourceLinked="0"/>
         <c:majorTickMark val="none"/>
         <c:minorTickMark val="none"/>
         <c:tickLblPos val="low"/>
@@ -3830,7 +3829,7 @@
             <a:endParaRPr lang="en-US"/>
           </a:p>
         </c:txPr>
-        <c:crossAx val="189859744"/>
+        <c:crossAx val="333609952"/>
         <c:crosses val="autoZero"/>
         <c:crossBetween val="midCat"/>
       </c:valAx>
@@ -3852,6 +3851,2045 @@
           <c:y val="4.9804379921259814E-2"/>
           <c:w val="0.17573519619233904"/>
           <c:h val="0.26367372047244092"/>
+        </c:manualLayout>
+      </c:layout>
+      <c:overlay val="1"/>
+      <c:spPr>
+        <a:noFill/>
+        <a:ln>
+          <a:noFill/>
+        </a:ln>
+        <a:effectLst/>
+      </c:spPr>
+      <c:txPr>
+        <a:bodyPr rot="0" spcFirstLastPara="1" vertOverflow="ellipsis" vert="horz" wrap="square" anchor="ctr" anchorCtr="1"/>
+        <a:lstStyle/>
+        <a:p>
+          <a:pPr>
+            <a:defRPr sz="900" b="0" i="0" u="none" strike="noStrike" kern="1200" baseline="0">
+              <a:solidFill>
+                <a:schemeClr val="tx1">
+                  <a:lumMod val="65000"/>
+                  <a:lumOff val="35000"/>
+                </a:schemeClr>
+              </a:solidFill>
+              <a:latin typeface="+mn-lt"/>
+              <a:ea typeface="+mn-ea"/>
+              <a:cs typeface="+mn-cs"/>
+            </a:defRPr>
+          </a:pPr>
+          <a:endParaRPr lang="en-US"/>
+        </a:p>
+      </c:txPr>
+    </c:legend>
+    <c:plotVisOnly val="1"/>
+    <c:dispBlanksAs val="gap"/>
+    <c:showDLblsOverMax val="0"/>
+  </c:chart>
+  <c:spPr>
+    <a:noFill/>
+    <a:ln>
+      <a:noFill/>
+    </a:ln>
+    <a:effectLst/>
+  </c:spPr>
+  <c:txPr>
+    <a:bodyPr/>
+    <a:lstStyle/>
+    <a:p>
+      <a:pPr>
+        <a:defRPr/>
+      </a:pPr>
+      <a:endParaRPr lang="en-US"/>
+    </a:p>
+  </c:txPr>
+  <c:externalData r:id="rId4">
+    <c:autoUpdate val="0"/>
+  </c:externalData>
+</c:chartSpace>
+</file>
+
+<file path=ppt/charts/chart2.xml><?xml version="1.0" encoding="utf-8"?>
+<c:chartSpace xmlns:c="http://schemas.openxmlformats.org/drawingml/2006/chart" xmlns:a="http://schemas.openxmlformats.org/drawingml/2006/main" xmlns:r="http://schemas.openxmlformats.org/officeDocument/2006/relationships">
+  <c:date1904 val="0"/>
+  <c:lang val="en-US"/>
+  <c:roundedCorners val="0"/>
+  <mc:AlternateContent xmlns:mc="http://schemas.openxmlformats.org/markup-compatibility/2006">
+    <mc:Choice xmlns:c14="http://schemas.microsoft.com/office/drawing/2007/8/2/chart" Requires="c14">
+      <c14:style val="102"/>
+    </mc:Choice>
+    <mc:Fallback>
+      <c:style val="2"/>
+    </mc:Fallback>
+  </mc:AlternateContent>
+  <c:clrMapOvr bg1="lt1" tx1="dk1" bg2="lt2" tx2="dk2" accent1="accent1" accent2="accent2" accent3="accent3" accent4="accent4" accent5="accent5" accent6="accent6" hlink="hlink" folHlink="folHlink"/>
+  <c:chart>
+    <c:autoTitleDeleted val="1"/>
+    <c:plotArea>
+      <c:layout/>
+      <c:scatterChart>
+        <c:scatterStyle val="smoothMarker"/>
+        <c:varyColors val="0"/>
+        <c:ser>
+          <c:idx val="3"/>
+          <c:order val="0"/>
+          <c:tx>
+            <c:strRef>
+              <c:f>Sheet1!$C$133:$D$133</c:f>
+              <c:strCache>
+                <c:ptCount val="1"/>
+                <c:pt idx="0">
+                  <c:v>Reflector - Be (110.0, 0, 0)</c:v>
+                </c:pt>
+              </c:strCache>
+            </c:strRef>
+          </c:tx>
+          <c:spPr>
+            <a:ln w="19050" cap="rnd">
+              <a:solidFill>
+                <a:schemeClr val="accent4"/>
+              </a:solidFill>
+              <a:round/>
+            </a:ln>
+            <a:effectLst/>
+          </c:spPr>
+          <c:marker>
+            <c:symbol val="none"/>
+          </c:marker>
+          <c:errBars>
+            <c:errDir val="y"/>
+            <c:errBarType val="both"/>
+            <c:errValType val="cust"/>
+            <c:noEndCap val="0"/>
+            <c:plus>
+              <c:numRef>
+                <c:f>Sheet1!$G$135:$G$174</c:f>
+                <c:numCache>
+                  <c:formatCode>General</c:formatCode>
+                  <c:ptCount val="40"/>
+                  <c:pt idx="0">
+                    <c:v>7.7447813519999983E-10</c:v>
+                  </c:pt>
+                  <c:pt idx="1">
+                    <c:v>1.0449209246000001E-9</c:v>
+                  </c:pt>
+                  <c:pt idx="2">
+                    <c:v>2.1815106885E-9</c:v>
+                  </c:pt>
+                  <c:pt idx="3">
+                    <c:v>5.1340774338E-9</c:v>
+                  </c:pt>
+                  <c:pt idx="4">
+                    <c:v>8.2065833570999996E-9</c:v>
+                  </c:pt>
+                  <c:pt idx="5">
+                    <c:v>1.1164516343899999E-8</c:v>
+                  </c:pt>
+                  <c:pt idx="6">
+                    <c:v>1.1205016746300001E-8</c:v>
+                  </c:pt>
+                  <c:pt idx="7">
+                    <c:v>6.5921828109000012E-9</c:v>
+                  </c:pt>
+                  <c:pt idx="8">
+                    <c:v>4.6066863415999995E-9</c:v>
+                  </c:pt>
+                  <c:pt idx="9">
+                    <c:v>4.6533602478999996E-9</c:v>
+                  </c:pt>
+                  <c:pt idx="10">
+                    <c:v>4.7054437143999999E-9</c:v>
+                  </c:pt>
+                  <c:pt idx="11">
+                    <c:v>5.2243137492000006E-9</c:v>
+                  </c:pt>
+                  <c:pt idx="12">
+                    <c:v>5.6800764144000008E-9</c:v>
+                  </c:pt>
+                  <c:pt idx="13">
+                    <c:v>4.9365676758999995E-9</c:v>
+                  </c:pt>
+                  <c:pt idx="14">
+                    <c:v>5.7272783874000011E-9</c:v>
+                  </c:pt>
+                  <c:pt idx="15">
+                    <c:v>6.1580660677E-9</c:v>
+                  </c:pt>
+                  <c:pt idx="16">
+                    <c:v>6.3269271197999999E-9</c:v>
+                  </c:pt>
+                  <c:pt idx="17">
+                    <c:v>7.2097641692999995E-9</c:v>
+                  </c:pt>
+                  <c:pt idx="18">
+                    <c:v>6.9755412905999998E-9</c:v>
+                  </c:pt>
+                  <c:pt idx="19">
+                    <c:v>7.9416480676E-9</c:v>
+                  </c:pt>
+                  <c:pt idx="20">
+                    <c:v>7.6153987637000015E-9</c:v>
+                  </c:pt>
+                  <c:pt idx="21">
+                    <c:v>7.9672160577000007E-9</c:v>
+                  </c:pt>
+                  <c:pt idx="22">
+                    <c:v>7.8378916641000014E-9</c:v>
+                  </c:pt>
+                  <c:pt idx="23">
+                    <c:v>8.4984270618000001E-9</c:v>
+                  </c:pt>
+                  <c:pt idx="24">
+                    <c:v>8.1886693643E-9</c:v>
+                  </c:pt>
+                  <c:pt idx="25">
+                    <c:v>8.213717474200001E-9</c:v>
+                  </c:pt>
+                  <c:pt idx="26">
+                    <c:v>8.5048820823000004E-9</c:v>
+                  </c:pt>
+                  <c:pt idx="27">
+                    <c:v>7.9918944960000002E-9</c:v>
+                  </c:pt>
+                  <c:pt idx="28">
+                    <c:v>6.8261072731999996E-9</c:v>
+                  </c:pt>
+                  <c:pt idx="29">
+                    <c:v>5.103254683799999E-9</c:v>
+                  </c:pt>
+                  <c:pt idx="30">
+                    <c:v>4.3281444949000002E-9</c:v>
+                  </c:pt>
+                  <c:pt idx="31">
+                    <c:v>1.8901444740000003E-9</c:v>
+                  </c:pt>
+                  <c:pt idx="32">
+                    <c:v>9.9392596909999992E-10</c:v>
+                  </c:pt>
+                  <c:pt idx="33">
+                    <c:v>9.5033797100000005E-10</c:v>
+                  </c:pt>
+                  <c:pt idx="34">
+                    <c:v>1.77219E-10</c:v>
+                  </c:pt>
+                  <c:pt idx="35">
+                    <c:v>5.1443499999999999E-10</c:v>
+                  </c:pt>
+                  <c:pt idx="36">
+                    <c:v>0</c:v>
+                  </c:pt>
+                  <c:pt idx="37">
+                    <c:v>0</c:v>
+                  </c:pt>
+                  <c:pt idx="38">
+                    <c:v>0</c:v>
+                  </c:pt>
+                  <c:pt idx="39">
+                    <c:v>0</c:v>
+                  </c:pt>
+                </c:numCache>
+              </c:numRef>
+            </c:plus>
+            <c:minus>
+              <c:numRef>
+                <c:f>Sheet1!$G$135:$G$174</c:f>
+                <c:numCache>
+                  <c:formatCode>General</c:formatCode>
+                  <c:ptCount val="40"/>
+                  <c:pt idx="0">
+                    <c:v>7.7447813519999983E-10</c:v>
+                  </c:pt>
+                  <c:pt idx="1">
+                    <c:v>1.0449209246000001E-9</c:v>
+                  </c:pt>
+                  <c:pt idx="2">
+                    <c:v>2.1815106885E-9</c:v>
+                  </c:pt>
+                  <c:pt idx="3">
+                    <c:v>5.1340774338E-9</c:v>
+                  </c:pt>
+                  <c:pt idx="4">
+                    <c:v>8.2065833570999996E-9</c:v>
+                  </c:pt>
+                  <c:pt idx="5">
+                    <c:v>1.1164516343899999E-8</c:v>
+                  </c:pt>
+                  <c:pt idx="6">
+                    <c:v>1.1205016746300001E-8</c:v>
+                  </c:pt>
+                  <c:pt idx="7">
+                    <c:v>6.5921828109000012E-9</c:v>
+                  </c:pt>
+                  <c:pt idx="8">
+                    <c:v>4.6066863415999995E-9</c:v>
+                  </c:pt>
+                  <c:pt idx="9">
+                    <c:v>4.6533602478999996E-9</c:v>
+                  </c:pt>
+                  <c:pt idx="10">
+                    <c:v>4.7054437143999999E-9</c:v>
+                  </c:pt>
+                  <c:pt idx="11">
+                    <c:v>5.2243137492000006E-9</c:v>
+                  </c:pt>
+                  <c:pt idx="12">
+                    <c:v>5.6800764144000008E-9</c:v>
+                  </c:pt>
+                  <c:pt idx="13">
+                    <c:v>4.9365676758999995E-9</c:v>
+                  </c:pt>
+                  <c:pt idx="14">
+                    <c:v>5.7272783874000011E-9</c:v>
+                  </c:pt>
+                  <c:pt idx="15">
+                    <c:v>6.1580660677E-9</c:v>
+                  </c:pt>
+                  <c:pt idx="16">
+                    <c:v>6.3269271197999999E-9</c:v>
+                  </c:pt>
+                  <c:pt idx="17">
+                    <c:v>7.2097641692999995E-9</c:v>
+                  </c:pt>
+                  <c:pt idx="18">
+                    <c:v>6.9755412905999998E-9</c:v>
+                  </c:pt>
+                  <c:pt idx="19">
+                    <c:v>7.9416480676E-9</c:v>
+                  </c:pt>
+                  <c:pt idx="20">
+                    <c:v>7.6153987637000015E-9</c:v>
+                  </c:pt>
+                  <c:pt idx="21">
+                    <c:v>7.9672160577000007E-9</c:v>
+                  </c:pt>
+                  <c:pt idx="22">
+                    <c:v>7.8378916641000014E-9</c:v>
+                  </c:pt>
+                  <c:pt idx="23">
+                    <c:v>8.4984270618000001E-9</c:v>
+                  </c:pt>
+                  <c:pt idx="24">
+                    <c:v>8.1886693643E-9</c:v>
+                  </c:pt>
+                  <c:pt idx="25">
+                    <c:v>8.213717474200001E-9</c:v>
+                  </c:pt>
+                  <c:pt idx="26">
+                    <c:v>8.5048820823000004E-9</c:v>
+                  </c:pt>
+                  <c:pt idx="27">
+                    <c:v>7.9918944960000002E-9</c:v>
+                  </c:pt>
+                  <c:pt idx="28">
+                    <c:v>6.8261072731999996E-9</c:v>
+                  </c:pt>
+                  <c:pt idx="29">
+                    <c:v>5.103254683799999E-9</c:v>
+                  </c:pt>
+                  <c:pt idx="30">
+                    <c:v>4.3281444949000002E-9</c:v>
+                  </c:pt>
+                  <c:pt idx="31">
+                    <c:v>1.8901444740000003E-9</c:v>
+                  </c:pt>
+                  <c:pt idx="32">
+                    <c:v>9.9392596909999992E-10</c:v>
+                  </c:pt>
+                  <c:pt idx="33">
+                    <c:v>9.5033797100000005E-10</c:v>
+                  </c:pt>
+                  <c:pt idx="34">
+                    <c:v>1.77219E-10</c:v>
+                  </c:pt>
+                  <c:pt idx="35">
+                    <c:v>5.1443499999999999E-10</c:v>
+                  </c:pt>
+                  <c:pt idx="36">
+                    <c:v>0</c:v>
+                  </c:pt>
+                  <c:pt idx="37">
+                    <c:v>0</c:v>
+                  </c:pt>
+                  <c:pt idx="38">
+                    <c:v>0</c:v>
+                  </c:pt>
+                  <c:pt idx="39">
+                    <c:v>0</c:v>
+                  </c:pt>
+                </c:numCache>
+              </c:numRef>
+            </c:minus>
+            <c:spPr>
+              <a:noFill/>
+              <a:ln w="9525" cap="flat" cmpd="sng" algn="ctr">
+                <a:solidFill>
+                  <a:schemeClr val="tx1">
+                    <a:lumMod val="65000"/>
+                    <a:lumOff val="35000"/>
+                  </a:schemeClr>
+                </a:solidFill>
+                <a:round/>
+              </a:ln>
+              <a:effectLst/>
+            </c:spPr>
+          </c:errBars>
+          <c:xVal>
+            <c:numRef>
+              <c:f>Sheet1!$C$135:$C$174</c:f>
+              <c:numCache>
+                <c:formatCode>0.00E+00</c:formatCode>
+                <c:ptCount val="40"/>
+                <c:pt idx="0">
+                  <c:v>8.4599999999999997E-10</c:v>
+                </c:pt>
+                <c:pt idx="1">
+                  <c:v>2.5494999999999999E-9</c:v>
+                </c:pt>
+                <c:pt idx="2">
+                  <c:v>5.1339999999999998E-9</c:v>
+                </c:pt>
+                <c:pt idx="3">
+                  <c:v>1.0340500000000001E-8</c:v>
+                </c:pt>
+                <c:pt idx="4">
+                  <c:v>2.082E-8</c:v>
+                </c:pt>
+                <c:pt idx="5">
+                  <c:v>4.1925E-8</c:v>
+                </c:pt>
+                <c:pt idx="6">
+                  <c:v>8.4415000000000005E-8</c:v>
+                </c:pt>
+                <c:pt idx="7">
+                  <c:v>1.7000000000000001E-7</c:v>
+                </c:pt>
+                <c:pt idx="8">
+                  <c:v>3.4234999999999999E-7</c:v>
+                </c:pt>
+                <c:pt idx="9">
+                  <c:v>6.8945000000000002E-7</c:v>
+                </c:pt>
+                <c:pt idx="10">
+                  <c:v>1.3882000000000001E-6</c:v>
+                </c:pt>
+                <c:pt idx="11">
+                  <c:v>2.7954999999999997E-6</c:v>
+                </c:pt>
+                <c:pt idx="12">
+                  <c:v>5.6300000000000003E-6</c:v>
+                </c:pt>
+                <c:pt idx="13">
+                  <c:v>1.1337E-5</c:v>
+                </c:pt>
+                <c:pt idx="14">
+                  <c:v>2.283E-5</c:v>
+                </c:pt>
+                <c:pt idx="15">
+                  <c:v>4.5974999999999999E-5</c:v>
+                </c:pt>
+                <c:pt idx="16">
+                  <c:v>9.256999999999999E-5</c:v>
+                </c:pt>
+                <c:pt idx="17">
+                  <c:v>1.8645000000000001E-4</c:v>
+                </c:pt>
+                <c:pt idx="18">
+                  <c:v>3.7544999999999999E-4</c:v>
+                </c:pt>
+                <c:pt idx="19">
+                  <c:v>7.5584999999999997E-4</c:v>
+                </c:pt>
+                <c:pt idx="20">
+                  <c:v>1.5225E-3</c:v>
+                </c:pt>
+                <c:pt idx="21">
+                  <c:v>3.0660000000000001E-3</c:v>
+                </c:pt>
+                <c:pt idx="22">
+                  <c:v>6.1739999999999998E-3</c:v>
+                </c:pt>
+                <c:pt idx="23">
+                  <c:v>1.2435499999999999E-2</c:v>
+                </c:pt>
+                <c:pt idx="24">
+                  <c:v>2.504E-2</c:v>
+                </c:pt>
+                <c:pt idx="25">
+                  <c:v>5.0419999999999993E-2</c:v>
+                </c:pt>
+                <c:pt idx="26">
+                  <c:v>0.10153999999999999</c:v>
+                </c:pt>
+                <c:pt idx="27">
+                  <c:v>0.20444999999999999</c:v>
+                </c:pt>
+                <c:pt idx="28">
+                  <c:v>0.41170000000000001</c:v>
+                </c:pt>
+                <c:pt idx="29">
+                  <c:v>0.82910000000000006</c:v>
+                </c:pt>
+                <c:pt idx="30">
+                  <c:v>1.6695</c:v>
+                </c:pt>
+                <c:pt idx="31">
+                  <c:v>2.8650000000000002</c:v>
+                </c:pt>
+                <c:pt idx="32">
+                  <c:v>4.2575000000000003</c:v>
+                </c:pt>
+                <c:pt idx="33">
+                  <c:v>5.9965000000000002</c:v>
+                </c:pt>
+                <c:pt idx="34">
+                  <c:v>8.4885000000000002</c:v>
+                </c:pt>
+                <c:pt idx="35">
+                  <c:v>11</c:v>
+                </c:pt>
+                <c:pt idx="36">
+                  <c:v>13</c:v>
+                </c:pt>
+                <c:pt idx="37">
+                  <c:v>15</c:v>
+                </c:pt>
+                <c:pt idx="38">
+                  <c:v>17</c:v>
+                </c:pt>
+                <c:pt idx="39">
+                  <c:v>19</c:v>
+                </c:pt>
+              </c:numCache>
+            </c:numRef>
+          </c:xVal>
+          <c:yVal>
+            <c:numRef>
+              <c:f>Sheet1!$E$135:$E$174</c:f>
+              <c:numCache>
+                <c:formatCode>0.00E+00</c:formatCode>
+                <c:ptCount val="40"/>
+                <c:pt idx="0">
+                  <c:v>1.2754909999999998E-9</c:v>
+                </c:pt>
+                <c:pt idx="1">
+                  <c:v>2.6480510000000001E-9</c:v>
+                </c:pt>
+                <c:pt idx="2">
+                  <c:v>1.1573001000000001E-8</c:v>
+                </c:pt>
+                <c:pt idx="3">
+                  <c:v>5.4734300999999999E-8</c:v>
+                </c:pt>
+                <c:pt idx="4">
+                  <c:v>1.43723001E-7</c:v>
+                </c:pt>
+                <c:pt idx="5">
+                  <c:v>2.5431700099999999E-7</c:v>
+                </c:pt>
+                <c:pt idx="6">
+                  <c:v>2.4200900100000001E-7</c:v>
+                </c:pt>
+                <c:pt idx="7">
+                  <c:v>9.297860100000001E-8</c:v>
+                </c:pt>
+                <c:pt idx="8">
+                  <c:v>4.5341400999999994E-8</c:v>
+                </c:pt>
+                <c:pt idx="9">
+                  <c:v>4.3126600999999995E-8</c:v>
+                </c:pt>
+                <c:pt idx="10">
+                  <c:v>4.1131500999999997E-8</c:v>
+                </c:pt>
+                <c:pt idx="11">
+                  <c:v>4.7841701E-8</c:v>
+                </c:pt>
+                <c:pt idx="12">
+                  <c:v>6.0170301000000009E-8</c:v>
+                </c:pt>
+                <c:pt idx="13">
+                  <c:v>5.1476200999999998E-8</c:v>
+                </c:pt>
+                <c:pt idx="14">
+                  <c:v>6.5529501000000008E-8</c:v>
+                </c:pt>
+                <c:pt idx="15">
+                  <c:v>7.0217400999999998E-8</c:v>
+                </c:pt>
+                <c:pt idx="16">
+                  <c:v>7.9284801000000004E-8</c:v>
+                </c:pt>
+                <c:pt idx="17">
+                  <c:v>1.04037001E-7</c:v>
+                </c:pt>
+                <c:pt idx="18">
+                  <c:v>9.8803701000000003E-8</c:v>
+                </c:pt>
+                <c:pt idx="19">
+                  <c:v>1.1748000100000001E-7</c:v>
+                </c:pt>
+                <c:pt idx="20">
+                  <c:v>1.1955100100000001E-7</c:v>
+                </c:pt>
+                <c:pt idx="21">
+                  <c:v>1.3808000100000001E-7</c:v>
+                </c:pt>
+                <c:pt idx="22">
+                  <c:v>1.2227600100000001E-7</c:v>
+                </c:pt>
+                <c:pt idx="23">
+                  <c:v>1.37515001E-7</c:v>
+                </c:pt>
+                <c:pt idx="24">
+                  <c:v>1.2735100100000002E-7</c:v>
+                </c:pt>
+                <c:pt idx="25">
+                  <c:v>1.1069700100000001E-7</c:v>
+                </c:pt>
+                <c:pt idx="26">
+                  <c:v>1.03340001E-7</c:v>
+                </c:pt>
+                <c:pt idx="27">
+                  <c:v>8.3248901000000005E-8</c:v>
+                </c:pt>
+                <c:pt idx="28">
+                  <c:v>6.0301300999999998E-8</c:v>
+                </c:pt>
+                <c:pt idx="29">
+                  <c:v>3.1155400999999996E-8</c:v>
+                </c:pt>
+                <c:pt idx="30">
+                  <c:v>2.2207001000000002E-8</c:v>
+                </c:pt>
+                <c:pt idx="31">
+                  <c:v>4.7973210000000005E-9</c:v>
+                </c:pt>
+                <c:pt idx="32">
+                  <c:v>1.5625309999999999E-9</c:v>
+                </c:pt>
+                <c:pt idx="33">
+                  <c:v>1.4163009999999999E-9</c:v>
+                </c:pt>
+                <c:pt idx="34">
+                  <c:v>1.77219E-10</c:v>
+                </c:pt>
+                <c:pt idx="35">
+                  <c:v>5.1443499999999999E-10</c:v>
+                </c:pt>
+                <c:pt idx="36">
+                  <c:v>1.0000000000000001E-15</c:v>
+                </c:pt>
+                <c:pt idx="37">
+                  <c:v>1.0000000000000001E-15</c:v>
+                </c:pt>
+                <c:pt idx="38">
+                  <c:v>1.0000000000000001E-15</c:v>
+                </c:pt>
+                <c:pt idx="39">
+                  <c:v>1.0000000000000001E-15</c:v>
+                </c:pt>
+              </c:numCache>
+            </c:numRef>
+          </c:yVal>
+          <c:smooth val="1"/>
+        </c:ser>
+        <c:ser>
+          <c:idx val="4"/>
+          <c:order val="1"/>
+          <c:tx>
+            <c:strRef>
+              <c:f>Sheet1!$C$177:$D$177</c:f>
+              <c:strCache>
+                <c:ptCount val="1"/>
+                <c:pt idx="0">
+                  <c:v>Reflector/Shield - C (160.0, 0, 0)</c:v>
+                </c:pt>
+              </c:strCache>
+            </c:strRef>
+          </c:tx>
+          <c:spPr>
+            <a:ln w="19050" cap="rnd">
+              <a:solidFill>
+                <a:schemeClr val="accent5"/>
+              </a:solidFill>
+              <a:round/>
+            </a:ln>
+            <a:effectLst/>
+          </c:spPr>
+          <c:marker>
+            <c:symbol val="none"/>
+          </c:marker>
+          <c:errBars>
+            <c:errDir val="y"/>
+            <c:errBarType val="both"/>
+            <c:errValType val="cust"/>
+            <c:noEndCap val="0"/>
+            <c:plus>
+              <c:numRef>
+                <c:f>Sheet1!$G$179:$G$218</c:f>
+                <c:numCache>
+                  <c:formatCode>General</c:formatCode>
+                  <c:ptCount val="40"/>
+                  <c:pt idx="0">
+                    <c:v>7.4162517409999995E-10</c:v>
+                  </c:pt>
+                  <c:pt idx="1">
+                    <c:v>7.8771213559999986E-10</c:v>
+                  </c:pt>
+                  <c:pt idx="2">
+                    <c:v>1.6592419025000001E-9</c:v>
+                  </c:pt>
+                  <c:pt idx="3">
+                    <c:v>3.1452345232000001E-9</c:v>
+                  </c:pt>
+                  <c:pt idx="4">
+                    <c:v>5.8668081709999996E-9</c:v>
+                  </c:pt>
+                  <c:pt idx="5">
+                    <c:v>7.7227260561000007E-9</c:v>
+                  </c:pt>
+                  <c:pt idx="6">
+                    <c:v>6.9379170670000007E-9</c:v>
+                  </c:pt>
+                  <c:pt idx="7">
+                    <c:v>2.8667115024E-9</c:v>
+                  </c:pt>
+                  <c:pt idx="8">
+                    <c:v>2.6542639710000002E-10</c:v>
+                  </c:pt>
+                  <c:pt idx="9">
+                    <c:v>0</c:v>
+                  </c:pt>
+                  <c:pt idx="10">
+                    <c:v>0</c:v>
+                  </c:pt>
+                  <c:pt idx="11">
+                    <c:v>0</c:v>
+                  </c:pt>
+                  <c:pt idx="12">
+                    <c:v>0</c:v>
+                  </c:pt>
+                  <c:pt idx="13">
+                    <c:v>0</c:v>
+                  </c:pt>
+                  <c:pt idx="14">
+                    <c:v>0</c:v>
+                  </c:pt>
+                  <c:pt idx="15">
+                    <c:v>0</c:v>
+                  </c:pt>
+                  <c:pt idx="16">
+                    <c:v>0</c:v>
+                  </c:pt>
+                  <c:pt idx="17">
+                    <c:v>0</c:v>
+                  </c:pt>
+                  <c:pt idx="18">
+                    <c:v>0</c:v>
+                  </c:pt>
+                  <c:pt idx="19">
+                    <c:v>0</c:v>
+                  </c:pt>
+                  <c:pt idx="20">
+                    <c:v>0</c:v>
+                  </c:pt>
+                  <c:pt idx="21">
+                    <c:v>0</c:v>
+                  </c:pt>
+                  <c:pt idx="22">
+                    <c:v>0</c:v>
+                  </c:pt>
+                  <c:pt idx="23">
+                    <c:v>0</c:v>
+                  </c:pt>
+                  <c:pt idx="24">
+                    <c:v>0</c:v>
+                  </c:pt>
+                  <c:pt idx="25">
+                    <c:v>0</c:v>
+                  </c:pt>
+                  <c:pt idx="26">
+                    <c:v>0</c:v>
+                  </c:pt>
+                  <c:pt idx="27">
+                    <c:v>0</c:v>
+                  </c:pt>
+                  <c:pt idx="28">
+                    <c:v>0</c:v>
+                  </c:pt>
+                  <c:pt idx="29">
+                    <c:v>0</c:v>
+                  </c:pt>
+                  <c:pt idx="30">
+                    <c:v>0</c:v>
+                  </c:pt>
+                  <c:pt idx="31">
+                    <c:v>0</c:v>
+                  </c:pt>
+                  <c:pt idx="32">
+                    <c:v>0</c:v>
+                  </c:pt>
+                  <c:pt idx="33">
+                    <c:v>0</c:v>
+                  </c:pt>
+                  <c:pt idx="34">
+                    <c:v>0</c:v>
+                  </c:pt>
+                  <c:pt idx="35">
+                    <c:v>0</c:v>
+                  </c:pt>
+                  <c:pt idx="36">
+                    <c:v>0</c:v>
+                  </c:pt>
+                  <c:pt idx="37">
+                    <c:v>0</c:v>
+                  </c:pt>
+                  <c:pt idx="38">
+                    <c:v>0</c:v>
+                  </c:pt>
+                  <c:pt idx="39">
+                    <c:v>0</c:v>
+                  </c:pt>
+                </c:numCache>
+              </c:numRef>
+            </c:plus>
+            <c:minus>
+              <c:numRef>
+                <c:f>Sheet1!$G$179:$G$218</c:f>
+                <c:numCache>
+                  <c:formatCode>General</c:formatCode>
+                  <c:ptCount val="40"/>
+                  <c:pt idx="0">
+                    <c:v>7.4162517409999995E-10</c:v>
+                  </c:pt>
+                  <c:pt idx="1">
+                    <c:v>7.8771213559999986E-10</c:v>
+                  </c:pt>
+                  <c:pt idx="2">
+                    <c:v>1.6592419025000001E-9</c:v>
+                  </c:pt>
+                  <c:pt idx="3">
+                    <c:v>3.1452345232000001E-9</c:v>
+                  </c:pt>
+                  <c:pt idx="4">
+                    <c:v>5.8668081709999996E-9</c:v>
+                  </c:pt>
+                  <c:pt idx="5">
+                    <c:v>7.7227260561000007E-9</c:v>
+                  </c:pt>
+                  <c:pt idx="6">
+                    <c:v>6.9379170670000007E-9</c:v>
+                  </c:pt>
+                  <c:pt idx="7">
+                    <c:v>2.8667115024E-9</c:v>
+                  </c:pt>
+                  <c:pt idx="8">
+                    <c:v>2.6542639710000002E-10</c:v>
+                  </c:pt>
+                  <c:pt idx="9">
+                    <c:v>0</c:v>
+                  </c:pt>
+                  <c:pt idx="10">
+                    <c:v>0</c:v>
+                  </c:pt>
+                  <c:pt idx="11">
+                    <c:v>0</c:v>
+                  </c:pt>
+                  <c:pt idx="12">
+                    <c:v>0</c:v>
+                  </c:pt>
+                  <c:pt idx="13">
+                    <c:v>0</c:v>
+                  </c:pt>
+                  <c:pt idx="14">
+                    <c:v>0</c:v>
+                  </c:pt>
+                  <c:pt idx="15">
+                    <c:v>0</c:v>
+                  </c:pt>
+                  <c:pt idx="16">
+                    <c:v>0</c:v>
+                  </c:pt>
+                  <c:pt idx="17">
+                    <c:v>0</c:v>
+                  </c:pt>
+                  <c:pt idx="18">
+                    <c:v>0</c:v>
+                  </c:pt>
+                  <c:pt idx="19">
+                    <c:v>0</c:v>
+                  </c:pt>
+                  <c:pt idx="20">
+                    <c:v>0</c:v>
+                  </c:pt>
+                  <c:pt idx="21">
+                    <c:v>0</c:v>
+                  </c:pt>
+                  <c:pt idx="22">
+                    <c:v>0</c:v>
+                  </c:pt>
+                  <c:pt idx="23">
+                    <c:v>0</c:v>
+                  </c:pt>
+                  <c:pt idx="24">
+                    <c:v>0</c:v>
+                  </c:pt>
+                  <c:pt idx="25">
+                    <c:v>0</c:v>
+                  </c:pt>
+                  <c:pt idx="26">
+                    <c:v>0</c:v>
+                  </c:pt>
+                  <c:pt idx="27">
+                    <c:v>0</c:v>
+                  </c:pt>
+                  <c:pt idx="28">
+                    <c:v>0</c:v>
+                  </c:pt>
+                  <c:pt idx="29">
+                    <c:v>0</c:v>
+                  </c:pt>
+                  <c:pt idx="30">
+                    <c:v>0</c:v>
+                  </c:pt>
+                  <c:pt idx="31">
+                    <c:v>0</c:v>
+                  </c:pt>
+                  <c:pt idx="32">
+                    <c:v>0</c:v>
+                  </c:pt>
+                  <c:pt idx="33">
+                    <c:v>0</c:v>
+                  </c:pt>
+                  <c:pt idx="34">
+                    <c:v>0</c:v>
+                  </c:pt>
+                  <c:pt idx="35">
+                    <c:v>0</c:v>
+                  </c:pt>
+                  <c:pt idx="36">
+                    <c:v>0</c:v>
+                  </c:pt>
+                  <c:pt idx="37">
+                    <c:v>0</c:v>
+                  </c:pt>
+                  <c:pt idx="38">
+                    <c:v>0</c:v>
+                  </c:pt>
+                  <c:pt idx="39">
+                    <c:v>0</c:v>
+                  </c:pt>
+                </c:numCache>
+              </c:numRef>
+            </c:minus>
+            <c:spPr>
+              <a:noFill/>
+              <a:ln w="9525" cap="flat" cmpd="sng" algn="ctr">
+                <a:solidFill>
+                  <a:schemeClr val="tx1">
+                    <a:lumMod val="65000"/>
+                    <a:lumOff val="35000"/>
+                  </a:schemeClr>
+                </a:solidFill>
+                <a:round/>
+              </a:ln>
+              <a:effectLst/>
+            </c:spPr>
+          </c:errBars>
+          <c:xVal>
+            <c:numRef>
+              <c:f>Sheet1!$C$179:$C$218</c:f>
+              <c:numCache>
+                <c:formatCode>0.00E+00</c:formatCode>
+                <c:ptCount val="40"/>
+                <c:pt idx="0">
+                  <c:v>8.4599999999999997E-10</c:v>
+                </c:pt>
+                <c:pt idx="1">
+                  <c:v>2.5494999999999999E-9</c:v>
+                </c:pt>
+                <c:pt idx="2">
+                  <c:v>5.1339999999999998E-9</c:v>
+                </c:pt>
+                <c:pt idx="3">
+                  <c:v>1.0340500000000001E-8</c:v>
+                </c:pt>
+                <c:pt idx="4">
+                  <c:v>2.082E-8</c:v>
+                </c:pt>
+                <c:pt idx="5">
+                  <c:v>4.1925E-8</c:v>
+                </c:pt>
+                <c:pt idx="6">
+                  <c:v>8.4415000000000005E-8</c:v>
+                </c:pt>
+                <c:pt idx="7">
+                  <c:v>1.7000000000000001E-7</c:v>
+                </c:pt>
+                <c:pt idx="8">
+                  <c:v>3.4234999999999999E-7</c:v>
+                </c:pt>
+                <c:pt idx="9">
+                  <c:v>6.8945000000000002E-7</c:v>
+                </c:pt>
+                <c:pt idx="10">
+                  <c:v>1.3882000000000001E-6</c:v>
+                </c:pt>
+                <c:pt idx="11">
+                  <c:v>2.7954999999999997E-6</c:v>
+                </c:pt>
+                <c:pt idx="12">
+                  <c:v>5.6300000000000003E-6</c:v>
+                </c:pt>
+                <c:pt idx="13">
+                  <c:v>1.1337E-5</c:v>
+                </c:pt>
+                <c:pt idx="14">
+                  <c:v>2.283E-5</c:v>
+                </c:pt>
+                <c:pt idx="15">
+                  <c:v>4.5974999999999999E-5</c:v>
+                </c:pt>
+                <c:pt idx="16">
+                  <c:v>9.256999999999999E-5</c:v>
+                </c:pt>
+                <c:pt idx="17">
+                  <c:v>1.8645000000000001E-4</c:v>
+                </c:pt>
+                <c:pt idx="18">
+                  <c:v>3.7544999999999999E-4</c:v>
+                </c:pt>
+                <c:pt idx="19">
+                  <c:v>7.5584999999999997E-4</c:v>
+                </c:pt>
+                <c:pt idx="20">
+                  <c:v>1.5225E-3</c:v>
+                </c:pt>
+                <c:pt idx="21">
+                  <c:v>3.0660000000000001E-3</c:v>
+                </c:pt>
+                <c:pt idx="22">
+                  <c:v>6.1739999999999998E-3</c:v>
+                </c:pt>
+                <c:pt idx="23">
+                  <c:v>1.2435499999999999E-2</c:v>
+                </c:pt>
+                <c:pt idx="24">
+                  <c:v>2.504E-2</c:v>
+                </c:pt>
+                <c:pt idx="25">
+                  <c:v>5.0419999999999993E-2</c:v>
+                </c:pt>
+                <c:pt idx="26">
+                  <c:v>0.10153999999999999</c:v>
+                </c:pt>
+                <c:pt idx="27">
+                  <c:v>0.20444999999999999</c:v>
+                </c:pt>
+                <c:pt idx="28">
+                  <c:v>0.41170000000000001</c:v>
+                </c:pt>
+                <c:pt idx="29">
+                  <c:v>0.82910000000000006</c:v>
+                </c:pt>
+                <c:pt idx="30">
+                  <c:v>1.6695</c:v>
+                </c:pt>
+                <c:pt idx="31">
+                  <c:v>2.8650000000000002</c:v>
+                </c:pt>
+                <c:pt idx="32">
+                  <c:v>4.2575000000000003</c:v>
+                </c:pt>
+                <c:pt idx="33">
+                  <c:v>5.9965000000000002</c:v>
+                </c:pt>
+                <c:pt idx="34">
+                  <c:v>8.4885000000000002</c:v>
+                </c:pt>
+                <c:pt idx="35">
+                  <c:v>11</c:v>
+                </c:pt>
+                <c:pt idx="36">
+                  <c:v>13</c:v>
+                </c:pt>
+                <c:pt idx="37">
+                  <c:v>15</c:v>
+                </c:pt>
+                <c:pt idx="38">
+                  <c:v>17</c:v>
+                </c:pt>
+                <c:pt idx="39">
+                  <c:v>19</c:v>
+                </c:pt>
+              </c:numCache>
+            </c:numRef>
+          </c:xVal>
+          <c:yVal>
+            <c:numRef>
+              <c:f>Sheet1!$E$179:$E$218</c:f>
+              <c:numCache>
+                <c:formatCode>0.00E+00</c:formatCode>
+                <c:ptCount val="40"/>
+                <c:pt idx="0">
+                  <c:v>1.175131E-9</c:v>
+                </c:pt>
+                <c:pt idx="1">
+                  <c:v>2.0751109999999998E-9</c:v>
+                </c:pt>
+                <c:pt idx="2">
+                  <c:v>7.2933710000000003E-9</c:v>
+                </c:pt>
+                <c:pt idx="3">
+                  <c:v>2.5529501000000001E-8</c:v>
+                </c:pt>
+                <c:pt idx="4">
+                  <c:v>8.2631101000000003E-8</c:v>
+                </c:pt>
+                <c:pt idx="5">
+                  <c:v>1.3766000100000001E-7</c:v>
+                </c:pt>
+                <c:pt idx="6">
+                  <c:v>1.03551001E-7</c:v>
+                </c:pt>
+                <c:pt idx="7">
+                  <c:v>2.0131400999999999E-8</c:v>
+                </c:pt>
+                <c:pt idx="8">
+                  <c:v>3.7494900000000003E-10</c:v>
+                </c:pt>
+                <c:pt idx="9">
+                  <c:v>1.0000000000000001E-15</c:v>
+                </c:pt>
+                <c:pt idx="10">
+                  <c:v>1.0000000000000001E-15</c:v>
+                </c:pt>
+                <c:pt idx="11">
+                  <c:v>1.0000000000000001E-15</c:v>
+                </c:pt>
+                <c:pt idx="12">
+                  <c:v>1.0000000000000001E-15</c:v>
+                </c:pt>
+                <c:pt idx="13">
+                  <c:v>1.0000000000000001E-15</c:v>
+                </c:pt>
+                <c:pt idx="14">
+                  <c:v>1.0000000000000001E-15</c:v>
+                </c:pt>
+                <c:pt idx="15">
+                  <c:v>1.0000000000000001E-15</c:v>
+                </c:pt>
+                <c:pt idx="16">
+                  <c:v>1.0000000000000001E-15</c:v>
+                </c:pt>
+                <c:pt idx="17">
+                  <c:v>1.0000000000000001E-15</c:v>
+                </c:pt>
+                <c:pt idx="18">
+                  <c:v>1.0000000000000001E-15</c:v>
+                </c:pt>
+                <c:pt idx="19">
+                  <c:v>1.0000000000000001E-15</c:v>
+                </c:pt>
+                <c:pt idx="20">
+                  <c:v>1.0000000000000001E-15</c:v>
+                </c:pt>
+                <c:pt idx="21">
+                  <c:v>1.0000000000000001E-15</c:v>
+                </c:pt>
+                <c:pt idx="22">
+                  <c:v>1.0000000000000001E-15</c:v>
+                </c:pt>
+                <c:pt idx="23">
+                  <c:v>1.0000000000000001E-15</c:v>
+                </c:pt>
+                <c:pt idx="24">
+                  <c:v>1.0000000000000001E-15</c:v>
+                </c:pt>
+                <c:pt idx="25">
+                  <c:v>1.0000000000000001E-15</c:v>
+                </c:pt>
+                <c:pt idx="26">
+                  <c:v>1.0000000000000001E-15</c:v>
+                </c:pt>
+                <c:pt idx="27">
+                  <c:v>1.0000000000000001E-15</c:v>
+                </c:pt>
+                <c:pt idx="28">
+                  <c:v>1.0000000000000001E-15</c:v>
+                </c:pt>
+                <c:pt idx="29">
+                  <c:v>1.0000000000000001E-15</c:v>
+                </c:pt>
+                <c:pt idx="30">
+                  <c:v>1.0000000000000001E-15</c:v>
+                </c:pt>
+                <c:pt idx="31">
+                  <c:v>1.0000000000000001E-15</c:v>
+                </c:pt>
+                <c:pt idx="32">
+                  <c:v>1.0000000000000001E-15</c:v>
+                </c:pt>
+                <c:pt idx="33">
+                  <c:v>1.0000000000000001E-15</c:v>
+                </c:pt>
+                <c:pt idx="34">
+                  <c:v>1.0000000000000001E-15</c:v>
+                </c:pt>
+                <c:pt idx="35">
+                  <c:v>1.0000000000000001E-15</c:v>
+                </c:pt>
+                <c:pt idx="36">
+                  <c:v>1.0000000000000001E-15</c:v>
+                </c:pt>
+                <c:pt idx="37">
+                  <c:v>1.0000000000000001E-15</c:v>
+                </c:pt>
+                <c:pt idx="38">
+                  <c:v>1.0000000000000001E-15</c:v>
+                </c:pt>
+                <c:pt idx="39">
+                  <c:v>1.0000000000000001E-15</c:v>
+                </c:pt>
+              </c:numCache>
+            </c:numRef>
+          </c:yVal>
+          <c:smooth val="1"/>
+        </c:ser>
+        <c:ser>
+          <c:idx val="8"/>
+          <c:order val="2"/>
+          <c:tx>
+            <c:strRef>
+              <c:f>Sheet1!$C$353:$D$353</c:f>
+              <c:strCache>
+                <c:ptCount val="1"/>
+                <c:pt idx="0">
+                  <c:v>Reflector - Be (0, 0, 160.0)</c:v>
+                </c:pt>
+              </c:strCache>
+            </c:strRef>
+          </c:tx>
+          <c:spPr>
+            <a:ln w="19050" cap="rnd">
+              <a:solidFill>
+                <a:schemeClr val="accent3">
+                  <a:lumMod val="60000"/>
+                </a:schemeClr>
+              </a:solidFill>
+              <a:round/>
+            </a:ln>
+            <a:effectLst/>
+          </c:spPr>
+          <c:marker>
+            <c:symbol val="none"/>
+          </c:marker>
+          <c:errBars>
+            <c:errDir val="y"/>
+            <c:errBarType val="both"/>
+            <c:errValType val="cust"/>
+            <c:noEndCap val="0"/>
+            <c:plus>
+              <c:numRef>
+                <c:f>Sheet1!$G$355:$G$394</c:f>
+                <c:numCache>
+                  <c:formatCode>General</c:formatCode>
+                  <c:ptCount val="40"/>
+                  <c:pt idx="0">
+                    <c:v>0</c:v>
+                  </c:pt>
+                  <c:pt idx="1">
+                    <c:v>0</c:v>
+                  </c:pt>
+                  <c:pt idx="2">
+                    <c:v>3.6810100000000001E-10</c:v>
+                  </c:pt>
+                  <c:pt idx="3">
+                    <c:v>5.8159637399999987E-10</c:v>
+                  </c:pt>
+                  <c:pt idx="4">
+                    <c:v>4.3935813450000001E-10</c:v>
+                  </c:pt>
+                  <c:pt idx="5">
+                    <c:v>1.1672393183E-9</c:v>
+                  </c:pt>
+                  <c:pt idx="6">
+                    <c:v>1.1592259669999999E-9</c:v>
+                  </c:pt>
+                  <c:pt idx="7">
+                    <c:v>4.2696079009999998E-10</c:v>
+                  </c:pt>
+                  <c:pt idx="8">
+                    <c:v>0</c:v>
+                  </c:pt>
+                  <c:pt idx="9">
+                    <c:v>5.9766571339999995E-10</c:v>
+                  </c:pt>
+                  <c:pt idx="10">
+                    <c:v>3.78562E-10</c:v>
+                  </c:pt>
+                  <c:pt idx="11">
+                    <c:v>5.0783647199999995E-10</c:v>
+                  </c:pt>
+                  <c:pt idx="12">
+                    <c:v>0</c:v>
+                  </c:pt>
+                  <c:pt idx="13">
+                    <c:v>1.5756209040000001E-10</c:v>
+                  </c:pt>
+                  <c:pt idx="14">
+                    <c:v>6.7070342669999991E-10</c:v>
+                  </c:pt>
+                  <c:pt idx="15">
+                    <c:v>3.57716E-10</c:v>
+                  </c:pt>
+                  <c:pt idx="16">
+                    <c:v>6.5122025759999994E-10</c:v>
+                  </c:pt>
+                  <c:pt idx="17">
+                    <c:v>5.4613254219999995E-10</c:v>
+                  </c:pt>
+                  <c:pt idx="18">
+                    <c:v>4.2797595599999997E-10</c:v>
+                  </c:pt>
+                  <c:pt idx="19">
+                    <c:v>1.2924472707E-9</c:v>
+                  </c:pt>
+                  <c:pt idx="20">
+                    <c:v>1.5725781455999999E-9</c:v>
+                  </c:pt>
+                  <c:pt idx="21">
+                    <c:v>1.1840742034999998E-9</c:v>
+                  </c:pt>
+                  <c:pt idx="22">
+                    <c:v>1.3752962146000001E-9</c:v>
+                  </c:pt>
+                  <c:pt idx="23">
+                    <c:v>1.2832070118000001E-9</c:v>
+                  </c:pt>
+                  <c:pt idx="24">
+                    <c:v>1.1900791644999999E-9</c:v>
+                  </c:pt>
+                  <c:pt idx="25">
+                    <c:v>1.1291453054E-9</c:v>
+                  </c:pt>
+                  <c:pt idx="26">
+                    <c:v>1.102331E-9</c:v>
+                  </c:pt>
+                  <c:pt idx="27">
+                    <c:v>1.4784781030999998E-9</c:v>
+                  </c:pt>
+                  <c:pt idx="28">
+                    <c:v>0</c:v>
+                  </c:pt>
+                  <c:pt idx="29">
+                    <c:v>0</c:v>
+                  </c:pt>
+                  <c:pt idx="30">
+                    <c:v>0</c:v>
+                  </c:pt>
+                  <c:pt idx="31">
+                    <c:v>0</c:v>
+                  </c:pt>
+                  <c:pt idx="32">
+                    <c:v>0</c:v>
+                  </c:pt>
+                  <c:pt idx="33">
+                    <c:v>0</c:v>
+                  </c:pt>
+                  <c:pt idx="34">
+                    <c:v>0</c:v>
+                  </c:pt>
+                  <c:pt idx="35">
+                    <c:v>0</c:v>
+                  </c:pt>
+                  <c:pt idx="36">
+                    <c:v>0</c:v>
+                  </c:pt>
+                  <c:pt idx="37">
+                    <c:v>0</c:v>
+                  </c:pt>
+                  <c:pt idx="38">
+                    <c:v>0</c:v>
+                  </c:pt>
+                  <c:pt idx="39">
+                    <c:v>0</c:v>
+                  </c:pt>
+                </c:numCache>
+              </c:numRef>
+            </c:plus>
+            <c:minus>
+              <c:numRef>
+                <c:f>Sheet1!$G$355:$G$394</c:f>
+                <c:numCache>
+                  <c:formatCode>General</c:formatCode>
+                  <c:ptCount val="40"/>
+                  <c:pt idx="0">
+                    <c:v>0</c:v>
+                  </c:pt>
+                  <c:pt idx="1">
+                    <c:v>0</c:v>
+                  </c:pt>
+                  <c:pt idx="2">
+                    <c:v>3.6810100000000001E-10</c:v>
+                  </c:pt>
+                  <c:pt idx="3">
+                    <c:v>5.8159637399999987E-10</c:v>
+                  </c:pt>
+                  <c:pt idx="4">
+                    <c:v>4.3935813450000001E-10</c:v>
+                  </c:pt>
+                  <c:pt idx="5">
+                    <c:v>1.1672393183E-9</c:v>
+                  </c:pt>
+                  <c:pt idx="6">
+                    <c:v>1.1592259669999999E-9</c:v>
+                  </c:pt>
+                  <c:pt idx="7">
+                    <c:v>4.2696079009999998E-10</c:v>
+                  </c:pt>
+                  <c:pt idx="8">
+                    <c:v>0</c:v>
+                  </c:pt>
+                  <c:pt idx="9">
+                    <c:v>5.9766571339999995E-10</c:v>
+                  </c:pt>
+                  <c:pt idx="10">
+                    <c:v>3.78562E-10</c:v>
+                  </c:pt>
+                  <c:pt idx="11">
+                    <c:v>5.0783647199999995E-10</c:v>
+                  </c:pt>
+                  <c:pt idx="12">
+                    <c:v>0</c:v>
+                  </c:pt>
+                  <c:pt idx="13">
+                    <c:v>1.5756209040000001E-10</c:v>
+                  </c:pt>
+                  <c:pt idx="14">
+                    <c:v>6.7070342669999991E-10</c:v>
+                  </c:pt>
+                  <c:pt idx="15">
+                    <c:v>3.57716E-10</c:v>
+                  </c:pt>
+                  <c:pt idx="16">
+                    <c:v>6.5122025759999994E-10</c:v>
+                  </c:pt>
+                  <c:pt idx="17">
+                    <c:v>5.4613254219999995E-10</c:v>
+                  </c:pt>
+                  <c:pt idx="18">
+                    <c:v>4.2797595599999997E-10</c:v>
+                  </c:pt>
+                  <c:pt idx="19">
+                    <c:v>1.2924472707E-9</c:v>
+                  </c:pt>
+                  <c:pt idx="20">
+                    <c:v>1.5725781455999999E-9</c:v>
+                  </c:pt>
+                  <c:pt idx="21">
+                    <c:v>1.1840742034999998E-9</c:v>
+                  </c:pt>
+                  <c:pt idx="22">
+                    <c:v>1.3752962146000001E-9</c:v>
+                  </c:pt>
+                  <c:pt idx="23">
+                    <c:v>1.2832070118000001E-9</c:v>
+                  </c:pt>
+                  <c:pt idx="24">
+                    <c:v>1.1900791644999999E-9</c:v>
+                  </c:pt>
+                  <c:pt idx="25">
+                    <c:v>1.1291453054E-9</c:v>
+                  </c:pt>
+                  <c:pt idx="26">
+                    <c:v>1.102331E-9</c:v>
+                  </c:pt>
+                  <c:pt idx="27">
+                    <c:v>1.4784781030999998E-9</c:v>
+                  </c:pt>
+                  <c:pt idx="28">
+                    <c:v>0</c:v>
+                  </c:pt>
+                  <c:pt idx="29">
+                    <c:v>0</c:v>
+                  </c:pt>
+                  <c:pt idx="30">
+                    <c:v>0</c:v>
+                  </c:pt>
+                  <c:pt idx="31">
+                    <c:v>0</c:v>
+                  </c:pt>
+                  <c:pt idx="32">
+                    <c:v>0</c:v>
+                  </c:pt>
+                  <c:pt idx="33">
+                    <c:v>0</c:v>
+                  </c:pt>
+                  <c:pt idx="34">
+                    <c:v>0</c:v>
+                  </c:pt>
+                  <c:pt idx="35">
+                    <c:v>0</c:v>
+                  </c:pt>
+                  <c:pt idx="36">
+                    <c:v>0</c:v>
+                  </c:pt>
+                  <c:pt idx="37">
+                    <c:v>0</c:v>
+                  </c:pt>
+                  <c:pt idx="38">
+                    <c:v>0</c:v>
+                  </c:pt>
+                  <c:pt idx="39">
+                    <c:v>0</c:v>
+                  </c:pt>
+                </c:numCache>
+              </c:numRef>
+            </c:minus>
+            <c:spPr>
+              <a:noFill/>
+              <a:ln w="9525" cap="flat" cmpd="sng" algn="ctr">
+                <a:solidFill>
+                  <a:schemeClr val="tx1">
+                    <a:lumMod val="65000"/>
+                    <a:lumOff val="35000"/>
+                  </a:schemeClr>
+                </a:solidFill>
+                <a:round/>
+              </a:ln>
+              <a:effectLst/>
+            </c:spPr>
+          </c:errBars>
+          <c:xVal>
+            <c:numRef>
+              <c:f>Sheet1!$C$355:$C$394</c:f>
+              <c:numCache>
+                <c:formatCode>0.00E+00</c:formatCode>
+                <c:ptCount val="40"/>
+                <c:pt idx="0">
+                  <c:v>8.4599999999999997E-10</c:v>
+                </c:pt>
+                <c:pt idx="1">
+                  <c:v>2.5494999999999999E-9</c:v>
+                </c:pt>
+                <c:pt idx="2">
+                  <c:v>5.1339999999999998E-9</c:v>
+                </c:pt>
+                <c:pt idx="3">
+                  <c:v>1.0340500000000001E-8</c:v>
+                </c:pt>
+                <c:pt idx="4">
+                  <c:v>2.082E-8</c:v>
+                </c:pt>
+                <c:pt idx="5">
+                  <c:v>4.1925E-8</c:v>
+                </c:pt>
+                <c:pt idx="6">
+                  <c:v>8.4415000000000005E-8</c:v>
+                </c:pt>
+                <c:pt idx="7">
+                  <c:v>1.7000000000000001E-7</c:v>
+                </c:pt>
+                <c:pt idx="8">
+                  <c:v>3.4234999999999999E-7</c:v>
+                </c:pt>
+                <c:pt idx="9">
+                  <c:v>6.8945000000000002E-7</c:v>
+                </c:pt>
+                <c:pt idx="10">
+                  <c:v>1.3882000000000001E-6</c:v>
+                </c:pt>
+                <c:pt idx="11">
+                  <c:v>2.7954999999999997E-6</c:v>
+                </c:pt>
+                <c:pt idx="12">
+                  <c:v>5.6300000000000003E-6</c:v>
+                </c:pt>
+                <c:pt idx="13">
+                  <c:v>1.1337E-5</c:v>
+                </c:pt>
+                <c:pt idx="14">
+                  <c:v>2.283E-5</c:v>
+                </c:pt>
+                <c:pt idx="15">
+                  <c:v>4.5974999999999999E-5</c:v>
+                </c:pt>
+                <c:pt idx="16">
+                  <c:v>9.256999999999999E-5</c:v>
+                </c:pt>
+                <c:pt idx="17">
+                  <c:v>1.8645000000000001E-4</c:v>
+                </c:pt>
+                <c:pt idx="18">
+                  <c:v>3.7544999999999999E-4</c:v>
+                </c:pt>
+                <c:pt idx="19">
+                  <c:v>7.5584999999999997E-4</c:v>
+                </c:pt>
+                <c:pt idx="20">
+                  <c:v>1.5225E-3</c:v>
+                </c:pt>
+                <c:pt idx="21">
+                  <c:v>3.0660000000000001E-3</c:v>
+                </c:pt>
+                <c:pt idx="22">
+                  <c:v>6.1739999999999998E-3</c:v>
+                </c:pt>
+                <c:pt idx="23">
+                  <c:v>1.2435499999999999E-2</c:v>
+                </c:pt>
+                <c:pt idx="24">
+                  <c:v>2.504E-2</c:v>
+                </c:pt>
+                <c:pt idx="25">
+                  <c:v>5.0419999999999993E-2</c:v>
+                </c:pt>
+                <c:pt idx="26">
+                  <c:v>0.10153999999999999</c:v>
+                </c:pt>
+                <c:pt idx="27">
+                  <c:v>0.20444999999999999</c:v>
+                </c:pt>
+                <c:pt idx="28">
+                  <c:v>0.41170000000000001</c:v>
+                </c:pt>
+                <c:pt idx="29">
+                  <c:v>0.82910000000000006</c:v>
+                </c:pt>
+                <c:pt idx="30">
+                  <c:v>1.6695</c:v>
+                </c:pt>
+                <c:pt idx="31">
+                  <c:v>2.8650000000000002</c:v>
+                </c:pt>
+                <c:pt idx="32">
+                  <c:v>4.2575000000000003</c:v>
+                </c:pt>
+                <c:pt idx="33">
+                  <c:v>5.9965000000000002</c:v>
+                </c:pt>
+                <c:pt idx="34">
+                  <c:v>8.4885000000000002</c:v>
+                </c:pt>
+                <c:pt idx="35">
+                  <c:v>11</c:v>
+                </c:pt>
+                <c:pt idx="36">
+                  <c:v>13</c:v>
+                </c:pt>
+                <c:pt idx="37">
+                  <c:v>15</c:v>
+                </c:pt>
+                <c:pt idx="38">
+                  <c:v>17</c:v>
+                </c:pt>
+                <c:pt idx="39">
+                  <c:v>19</c:v>
+                </c:pt>
+              </c:numCache>
+            </c:numRef>
+          </c:xVal>
+          <c:yVal>
+            <c:numRef>
+              <c:f>Sheet1!$E$355:$E$394</c:f>
+              <c:numCache>
+                <c:formatCode>0.00E+00</c:formatCode>
+                <c:ptCount val="40"/>
+                <c:pt idx="0">
+                  <c:v>1.0000000000000001E-15</c:v>
+                </c:pt>
+                <c:pt idx="1">
+                  <c:v>1.0000000000000001E-15</c:v>
+                </c:pt>
+                <c:pt idx="2">
+                  <c:v>3.6810100000000001E-10</c:v>
+                </c:pt>
+                <c:pt idx="3">
+                  <c:v>9.8709499999999989E-10</c:v>
+                </c:pt>
+                <c:pt idx="4">
+                  <c:v>6.5351499999999999E-10</c:v>
+                </c:pt>
+                <c:pt idx="5">
+                  <c:v>3.3901809999999999E-9</c:v>
+                </c:pt>
+                <c:pt idx="6">
+                  <c:v>2.6526909999999998E-9</c:v>
+                </c:pt>
+                <c:pt idx="7">
+                  <c:v>7.3147299999999998E-10</c:v>
+                </c:pt>
+                <c:pt idx="8">
+                  <c:v>1.0000000000000001E-15</c:v>
+                </c:pt>
+                <c:pt idx="9">
+                  <c:v>7.9869800000000003E-10</c:v>
+                </c:pt>
+                <c:pt idx="10">
+                  <c:v>3.78562E-10</c:v>
+                </c:pt>
+                <c:pt idx="11">
+                  <c:v>7.9052999999999996E-10</c:v>
+                </c:pt>
+                <c:pt idx="12">
+                  <c:v>1.0000000000000001E-15</c:v>
+                </c:pt>
+                <c:pt idx="13">
+                  <c:v>2.1637200000000002E-10</c:v>
+                </c:pt>
+                <c:pt idx="14">
+                  <c:v>1.233591E-9</c:v>
+                </c:pt>
+                <c:pt idx="15">
+                  <c:v>3.57716E-10</c:v>
+                </c:pt>
+                <c:pt idx="16">
+                  <c:v>8.3265599999999996E-10</c:v>
+                </c:pt>
+                <c:pt idx="17">
+                  <c:v>7.2230199999999999E-10</c:v>
+                </c:pt>
+                <c:pt idx="18">
+                  <c:v>7.3916399999999999E-10</c:v>
+                </c:pt>
+                <c:pt idx="19">
+                  <c:v>2.099151E-9</c:v>
+                </c:pt>
+                <c:pt idx="20">
+                  <c:v>4.254811E-9</c:v>
+                </c:pt>
+                <c:pt idx="21">
+                  <c:v>2.8635409999999997E-9</c:v>
+                </c:pt>
+                <c:pt idx="22">
+                  <c:v>3.0794810000000001E-9</c:v>
+                </c:pt>
+                <c:pt idx="23">
+                  <c:v>2.5674409999999999E-9</c:v>
+                </c:pt>
+                <c:pt idx="24">
+                  <c:v>2.053631E-9</c:v>
+                </c:pt>
+                <c:pt idx="25">
+                  <c:v>1.4124909999999999E-9</c:v>
+                </c:pt>
+                <c:pt idx="26">
+                  <c:v>1.102331E-9</c:v>
+                </c:pt>
+                <c:pt idx="27">
+                  <c:v>2.0879509999999999E-9</c:v>
+                </c:pt>
+                <c:pt idx="28">
+                  <c:v>1.0000000000000001E-15</c:v>
+                </c:pt>
+                <c:pt idx="29">
+                  <c:v>1.0000000000000001E-15</c:v>
+                </c:pt>
+                <c:pt idx="30">
+                  <c:v>1.0000000000000001E-15</c:v>
+                </c:pt>
+                <c:pt idx="31">
+                  <c:v>1.0000000000000001E-15</c:v>
+                </c:pt>
+                <c:pt idx="32">
+                  <c:v>1.0000000000000001E-15</c:v>
+                </c:pt>
+                <c:pt idx="33">
+                  <c:v>1.0000000000000001E-15</c:v>
+                </c:pt>
+                <c:pt idx="34">
+                  <c:v>1.0000000000000001E-15</c:v>
+                </c:pt>
+                <c:pt idx="35">
+                  <c:v>1.0000000000000001E-15</c:v>
+                </c:pt>
+                <c:pt idx="36">
+                  <c:v>1.0000000000000001E-15</c:v>
+                </c:pt>
+                <c:pt idx="37">
+                  <c:v>1.0000000000000001E-15</c:v>
+                </c:pt>
+                <c:pt idx="38">
+                  <c:v>1.0000000000000001E-15</c:v>
+                </c:pt>
+                <c:pt idx="39">
+                  <c:v>1.0000000000000001E-15</c:v>
+                </c:pt>
+              </c:numCache>
+            </c:numRef>
+          </c:yVal>
+          <c:smooth val="1"/>
+        </c:ser>
+        <c:dLbls>
+          <c:showLegendKey val="0"/>
+          <c:showVal val="0"/>
+          <c:showCatName val="0"/>
+          <c:showSerName val="0"/>
+          <c:showPercent val="0"/>
+          <c:showBubbleSize val="0"/>
+        </c:dLbls>
+        <c:axId val="333614432"/>
+        <c:axId val="333614992"/>
+      </c:scatterChart>
+      <c:valAx>
+        <c:axId val="333614432"/>
+        <c:scaling>
+          <c:logBase val="10"/>
+          <c:orientation val="minMax"/>
+        </c:scaling>
+        <c:delete val="0"/>
+        <c:axPos val="b"/>
+        <c:majorGridlines>
+          <c:spPr>
+            <a:ln w="9525" cap="flat" cmpd="sng" algn="ctr">
+              <a:solidFill>
+                <a:schemeClr val="tx1">
+                  <a:lumMod val="15000"/>
+                  <a:lumOff val="85000"/>
+                </a:schemeClr>
+              </a:solidFill>
+              <a:round/>
+            </a:ln>
+            <a:effectLst/>
+          </c:spPr>
+        </c:majorGridlines>
+        <c:title>
+          <c:tx>
+            <c:rich>
+              <a:bodyPr rot="0" spcFirstLastPara="1" vertOverflow="ellipsis" vert="horz" wrap="square" anchor="ctr" anchorCtr="1"/>
+              <a:lstStyle/>
+              <a:p>
+                <a:pPr>
+                  <a:defRPr sz="1000" b="0" i="0" u="none" strike="noStrike" kern="1200" baseline="0">
+                    <a:solidFill>
+                      <a:schemeClr val="tx1">
+                        <a:lumMod val="65000"/>
+                        <a:lumOff val="35000"/>
+                      </a:schemeClr>
+                    </a:solidFill>
+                    <a:latin typeface="+mn-lt"/>
+                    <a:ea typeface="+mn-ea"/>
+                    <a:cs typeface="+mn-cs"/>
+                  </a:defRPr>
+                </a:pPr>
+                <a:r>
+                  <a:rPr lang="en-US" dirty="0" smtClean="0"/>
+                  <a:t>Energy (MeV)</a:t>
+                </a:r>
+                <a:endParaRPr lang="en-US" dirty="0"/>
+              </a:p>
+            </c:rich>
+          </c:tx>
+          <c:overlay val="0"/>
+          <c:spPr>
+            <a:noFill/>
+            <a:ln>
+              <a:noFill/>
+            </a:ln>
+            <a:effectLst/>
+          </c:spPr>
+          <c:txPr>
+            <a:bodyPr rot="0" spcFirstLastPara="1" vertOverflow="ellipsis" vert="horz" wrap="square" anchor="ctr" anchorCtr="1"/>
+            <a:lstStyle/>
+            <a:p>
+              <a:pPr>
+                <a:defRPr sz="1000" b="0" i="0" u="none" strike="noStrike" kern="1200" baseline="0">
+                  <a:solidFill>
+                    <a:schemeClr val="tx1">
+                      <a:lumMod val="65000"/>
+                      <a:lumOff val="35000"/>
+                    </a:schemeClr>
+                  </a:solidFill>
+                  <a:latin typeface="+mn-lt"/>
+                  <a:ea typeface="+mn-ea"/>
+                  <a:cs typeface="+mn-cs"/>
+                </a:defRPr>
+              </a:pPr>
+              <a:endParaRPr lang="en-US"/>
+            </a:p>
+          </c:txPr>
+        </c:title>
+        <c:numFmt formatCode="0.E+0" sourceLinked="0"/>
+        <c:majorTickMark val="none"/>
+        <c:minorTickMark val="none"/>
+        <c:tickLblPos val="low"/>
+        <c:spPr>
+          <a:noFill/>
+          <a:ln w="9525" cap="flat" cmpd="sng" algn="ctr">
+            <a:solidFill>
+              <a:schemeClr val="tx1">
+                <a:lumMod val="25000"/>
+                <a:lumOff val="75000"/>
+              </a:schemeClr>
+            </a:solidFill>
+            <a:round/>
+          </a:ln>
+          <a:effectLst/>
+        </c:spPr>
+        <c:txPr>
+          <a:bodyPr rot="-60000000" spcFirstLastPara="1" vertOverflow="ellipsis" vert="horz" wrap="square" anchor="ctr" anchorCtr="1"/>
+          <a:lstStyle/>
+          <a:p>
+            <a:pPr>
+              <a:defRPr sz="900" b="0" i="0" u="none" strike="noStrike" kern="1200" baseline="0">
+                <a:solidFill>
+                  <a:schemeClr val="tx1">
+                    <a:lumMod val="65000"/>
+                    <a:lumOff val="35000"/>
+                  </a:schemeClr>
+                </a:solidFill>
+                <a:latin typeface="+mn-lt"/>
+                <a:ea typeface="+mn-ea"/>
+                <a:cs typeface="+mn-cs"/>
+              </a:defRPr>
+            </a:pPr>
+            <a:endParaRPr lang="en-US"/>
+          </a:p>
+        </c:txPr>
+        <c:crossAx val="333614992"/>
+        <c:crosses val="autoZero"/>
+        <c:crossBetween val="midCat"/>
+      </c:valAx>
+      <c:valAx>
+        <c:axId val="333614992"/>
+        <c:scaling>
+          <c:logBase val="10"/>
+          <c:orientation val="minMax"/>
+          <c:max val="1.0000000000000004E-6"/>
+          <c:min val="1.0000000000000006E-10"/>
+        </c:scaling>
+        <c:delete val="0"/>
+        <c:axPos val="l"/>
+        <c:majorGridlines>
+          <c:spPr>
+            <a:ln w="9525" cap="flat" cmpd="sng" algn="ctr">
+              <a:solidFill>
+                <a:schemeClr val="tx1">
+                  <a:lumMod val="15000"/>
+                  <a:lumOff val="85000"/>
+                </a:schemeClr>
+              </a:solidFill>
+              <a:round/>
+            </a:ln>
+            <a:effectLst/>
+          </c:spPr>
+        </c:majorGridlines>
+        <c:title>
+          <c:tx>
+            <c:rich>
+              <a:bodyPr rot="-5400000" spcFirstLastPara="1" vertOverflow="ellipsis" vert="horz" wrap="square" anchor="ctr" anchorCtr="1"/>
+              <a:lstStyle/>
+              <a:p>
+                <a:pPr>
+                  <a:defRPr sz="1000" b="0" i="0" u="none" strike="noStrike" kern="1200" baseline="0">
+                    <a:solidFill>
+                      <a:schemeClr val="tx1">
+                        <a:lumMod val="65000"/>
+                        <a:lumOff val="35000"/>
+                      </a:schemeClr>
+                    </a:solidFill>
+                    <a:latin typeface="+mn-lt"/>
+                    <a:ea typeface="+mn-ea"/>
+                    <a:cs typeface="+mn-cs"/>
+                  </a:defRPr>
+                </a:pPr>
+                <a:r>
+                  <a:rPr lang="en-US" dirty="0" smtClean="0"/>
+                  <a:t>Relative Flux</a:t>
+                </a:r>
+                <a:endParaRPr lang="en-US" dirty="0"/>
+              </a:p>
+            </c:rich>
+          </c:tx>
+          <c:overlay val="0"/>
+          <c:spPr>
+            <a:noFill/>
+            <a:ln>
+              <a:noFill/>
+            </a:ln>
+            <a:effectLst/>
+          </c:spPr>
+          <c:txPr>
+            <a:bodyPr rot="-5400000" spcFirstLastPara="1" vertOverflow="ellipsis" vert="horz" wrap="square" anchor="ctr" anchorCtr="1"/>
+            <a:lstStyle/>
+            <a:p>
+              <a:pPr>
+                <a:defRPr sz="1000" b="0" i="0" u="none" strike="noStrike" kern="1200" baseline="0">
+                  <a:solidFill>
+                    <a:schemeClr val="tx1">
+                      <a:lumMod val="65000"/>
+                      <a:lumOff val="35000"/>
+                    </a:schemeClr>
+                  </a:solidFill>
+                  <a:latin typeface="+mn-lt"/>
+                  <a:ea typeface="+mn-ea"/>
+                  <a:cs typeface="+mn-cs"/>
+                </a:defRPr>
+              </a:pPr>
+              <a:endParaRPr lang="en-US"/>
+            </a:p>
+          </c:txPr>
+        </c:title>
+        <c:numFmt formatCode="0.E+00" sourceLinked="0"/>
+        <c:majorTickMark val="none"/>
+        <c:minorTickMark val="none"/>
+        <c:tickLblPos val="low"/>
+        <c:spPr>
+          <a:noFill/>
+          <a:ln w="9525" cap="flat" cmpd="sng" algn="ctr">
+            <a:solidFill>
+              <a:schemeClr val="tx1">
+                <a:lumMod val="25000"/>
+                <a:lumOff val="75000"/>
+              </a:schemeClr>
+            </a:solidFill>
+            <a:round/>
+          </a:ln>
+          <a:effectLst/>
+        </c:spPr>
+        <c:txPr>
+          <a:bodyPr rot="-60000000" spcFirstLastPara="1" vertOverflow="ellipsis" vert="horz" wrap="square" anchor="ctr" anchorCtr="1"/>
+          <a:lstStyle/>
+          <a:p>
+            <a:pPr>
+              <a:defRPr sz="900" b="0" i="0" u="none" strike="noStrike" kern="1200" baseline="0">
+                <a:solidFill>
+                  <a:schemeClr val="tx1">
+                    <a:lumMod val="65000"/>
+                    <a:lumOff val="35000"/>
+                  </a:schemeClr>
+                </a:solidFill>
+                <a:latin typeface="+mn-lt"/>
+                <a:ea typeface="+mn-ea"/>
+                <a:cs typeface="+mn-cs"/>
+              </a:defRPr>
+            </a:pPr>
+            <a:endParaRPr lang="en-US"/>
+          </a:p>
+        </c:txPr>
+        <c:crossAx val="333614432"/>
+        <c:crosses val="autoZero"/>
+        <c:crossBetween val="midCat"/>
+      </c:valAx>
+      <c:spPr>
+        <a:noFill/>
+        <a:ln>
+          <a:noFill/>
+        </a:ln>
+        <a:effectLst/>
+      </c:spPr>
+    </c:plotArea>
+    <c:legend>
+      <c:legendPos val="l"/>
+      <c:layout>
+        <c:manualLayout>
+          <c:xMode val="edge"/>
+          <c:yMode val="edge"/>
+          <c:x val="8.4068266728498195E-2"/>
+          <c:y val="2.8971046587926517E-2"/>
+          <c:w val="0.23836439529840978"/>
+          <c:h val="0.13183686023622046"/>
         </c:manualLayout>
       </c:layout>
       <c:overlay val="1"/>
@@ -3950,7 +5988,563 @@
 </cs:colorStyle>
 </file>
 
+<file path=ppt/charts/colors2.xml><?xml version="1.0" encoding="utf-8"?>
+<cs:colorStyle xmlns:cs="http://schemas.microsoft.com/office/drawing/2012/chartStyle" xmlns:a="http://schemas.openxmlformats.org/drawingml/2006/main" meth="cycle" id="10">
+  <a:schemeClr val="accent1"/>
+  <a:schemeClr val="accent2"/>
+  <a:schemeClr val="accent3"/>
+  <a:schemeClr val="accent4"/>
+  <a:schemeClr val="accent5"/>
+  <a:schemeClr val="accent6"/>
+  <cs:variation/>
+  <cs:variation>
+    <a:lumMod val="60000"/>
+  </cs:variation>
+  <cs:variation>
+    <a:lumMod val="80000"/>
+    <a:lumOff val="20000"/>
+  </cs:variation>
+  <cs:variation>
+    <a:lumMod val="80000"/>
+  </cs:variation>
+  <cs:variation>
+    <a:lumMod val="60000"/>
+    <a:lumOff val="40000"/>
+  </cs:variation>
+  <cs:variation>
+    <a:lumMod val="50000"/>
+  </cs:variation>
+  <cs:variation>
+    <a:lumMod val="70000"/>
+    <a:lumOff val="30000"/>
+  </cs:variation>
+  <cs:variation>
+    <a:lumMod val="70000"/>
+  </cs:variation>
+  <cs:variation>
+    <a:lumMod val="50000"/>
+    <a:lumOff val="50000"/>
+  </cs:variation>
+</cs:colorStyle>
+</file>
+
 <file path=ppt/charts/style1.xml><?xml version="1.0" encoding="utf-8"?>
+<cs:chartStyle xmlns:cs="http://schemas.microsoft.com/office/drawing/2012/chartStyle" xmlns:a="http://schemas.openxmlformats.org/drawingml/2006/main" id="240">
+  <cs:axisTitle>
+    <cs:lnRef idx="0"/>
+    <cs:fillRef idx="0"/>
+    <cs:effectRef idx="0"/>
+    <cs:fontRef idx="minor">
+      <a:schemeClr val="tx1">
+        <a:lumMod val="65000"/>
+        <a:lumOff val="35000"/>
+      </a:schemeClr>
+    </cs:fontRef>
+    <cs:defRPr sz="1000" kern="1200"/>
+  </cs:axisTitle>
+  <cs:categoryAxis>
+    <cs:lnRef idx="0"/>
+    <cs:fillRef idx="0"/>
+    <cs:effectRef idx="0"/>
+    <cs:fontRef idx="minor">
+      <a:schemeClr val="tx1">
+        <a:lumMod val="65000"/>
+        <a:lumOff val="35000"/>
+      </a:schemeClr>
+    </cs:fontRef>
+    <cs:spPr>
+      <a:ln w="9525" cap="flat" cmpd="sng" algn="ctr">
+        <a:solidFill>
+          <a:schemeClr val="tx1">
+            <a:lumMod val="25000"/>
+            <a:lumOff val="75000"/>
+          </a:schemeClr>
+        </a:solidFill>
+        <a:round/>
+      </a:ln>
+    </cs:spPr>
+    <cs:defRPr sz="900" kern="1200"/>
+  </cs:categoryAxis>
+  <cs:chartArea mods="allowNoFillOverride allowNoLineOverride">
+    <cs:lnRef idx="0"/>
+    <cs:fillRef idx="0"/>
+    <cs:effectRef idx="0"/>
+    <cs:fontRef idx="minor">
+      <a:schemeClr val="tx1"/>
+    </cs:fontRef>
+    <cs:spPr>
+      <a:solidFill>
+        <a:schemeClr val="bg1"/>
+      </a:solidFill>
+      <a:ln w="9525" cap="flat" cmpd="sng" algn="ctr">
+        <a:solidFill>
+          <a:schemeClr val="tx1">
+            <a:lumMod val="15000"/>
+            <a:lumOff val="85000"/>
+          </a:schemeClr>
+        </a:solidFill>
+        <a:round/>
+      </a:ln>
+    </cs:spPr>
+    <cs:defRPr sz="1000" kern="1200"/>
+  </cs:chartArea>
+  <cs:dataLabel>
+    <cs:lnRef idx="0"/>
+    <cs:fillRef idx="0"/>
+    <cs:effectRef idx="0"/>
+    <cs:fontRef idx="minor">
+      <a:schemeClr val="tx1">
+        <a:lumMod val="75000"/>
+        <a:lumOff val="25000"/>
+      </a:schemeClr>
+    </cs:fontRef>
+    <cs:defRPr sz="900" kern="1200"/>
+  </cs:dataLabel>
+  <cs:dataLabelCallout>
+    <cs:lnRef idx="0"/>
+    <cs:fillRef idx="0"/>
+    <cs:effectRef idx="0"/>
+    <cs:fontRef idx="minor">
+      <a:schemeClr val="dk1">
+        <a:lumMod val="65000"/>
+        <a:lumOff val="35000"/>
+      </a:schemeClr>
+    </cs:fontRef>
+    <cs:spPr>
+      <a:solidFill>
+        <a:schemeClr val="lt1"/>
+      </a:solidFill>
+      <a:ln>
+        <a:solidFill>
+          <a:schemeClr val="dk1">
+            <a:lumMod val="25000"/>
+            <a:lumOff val="75000"/>
+          </a:schemeClr>
+        </a:solidFill>
+      </a:ln>
+    </cs:spPr>
+    <cs:defRPr sz="900" kern="1200"/>
+    <cs:bodyPr rot="0" spcFirstLastPara="1" vertOverflow="clip" horzOverflow="clip" vert="horz" wrap="square" lIns="36576" tIns="18288" rIns="36576" bIns="18288" anchor="ctr" anchorCtr="1">
+      <a:spAutoFit/>
+    </cs:bodyPr>
+  </cs:dataLabelCallout>
+  <cs:dataPoint>
+    <cs:lnRef idx="0"/>
+    <cs:fillRef idx="1">
+      <cs:styleClr val="auto"/>
+    </cs:fillRef>
+    <cs:effectRef idx="0"/>
+    <cs:fontRef idx="minor">
+      <a:schemeClr val="tx1"/>
+    </cs:fontRef>
+  </cs:dataPoint>
+  <cs:dataPoint3D>
+    <cs:lnRef idx="0"/>
+    <cs:fillRef idx="1">
+      <cs:styleClr val="auto"/>
+    </cs:fillRef>
+    <cs:effectRef idx="0"/>
+    <cs:fontRef idx="minor">
+      <a:schemeClr val="tx1"/>
+    </cs:fontRef>
+  </cs:dataPoint3D>
+  <cs:dataPointLine>
+    <cs:lnRef idx="0">
+      <cs:styleClr val="auto"/>
+    </cs:lnRef>
+    <cs:fillRef idx="1"/>
+    <cs:effectRef idx="0"/>
+    <cs:fontRef idx="minor">
+      <a:schemeClr val="tx1"/>
+    </cs:fontRef>
+    <cs:spPr>
+      <a:ln w="19050" cap="rnd">
+        <a:solidFill>
+          <a:schemeClr val="phClr"/>
+        </a:solidFill>
+        <a:round/>
+      </a:ln>
+    </cs:spPr>
+  </cs:dataPointLine>
+  <cs:dataPointMarker>
+    <cs:lnRef idx="0">
+      <cs:styleClr val="auto"/>
+    </cs:lnRef>
+    <cs:fillRef idx="1">
+      <cs:styleClr val="auto"/>
+    </cs:fillRef>
+    <cs:effectRef idx="0"/>
+    <cs:fontRef idx="minor">
+      <a:schemeClr val="tx1"/>
+    </cs:fontRef>
+    <cs:spPr>
+      <a:ln w="9525">
+        <a:solidFill>
+          <a:schemeClr val="phClr"/>
+        </a:solidFill>
+      </a:ln>
+    </cs:spPr>
+  </cs:dataPointMarker>
+  <cs:dataPointMarkerLayout symbol="circle" size="5"/>
+  <cs:dataPointWireframe>
+    <cs:lnRef idx="0">
+      <cs:styleClr val="auto"/>
+    </cs:lnRef>
+    <cs:fillRef idx="0"/>
+    <cs:effectRef idx="0"/>
+    <cs:fontRef idx="minor">
+      <a:schemeClr val="dk1"/>
+    </cs:fontRef>
+    <cs:spPr>
+      <a:ln w="9525" cap="rnd">
+        <a:solidFill>
+          <a:schemeClr val="phClr"/>
+        </a:solidFill>
+        <a:round/>
+      </a:ln>
+    </cs:spPr>
+  </cs:dataPointWireframe>
+  <cs:dataTable>
+    <cs:lnRef idx="0"/>
+    <cs:fillRef idx="0"/>
+    <cs:effectRef idx="0"/>
+    <cs:fontRef idx="minor">
+      <a:schemeClr val="tx1">
+        <a:lumMod val="65000"/>
+        <a:lumOff val="35000"/>
+      </a:schemeClr>
+    </cs:fontRef>
+    <cs:spPr>
+      <a:noFill/>
+      <a:ln w="9525" cap="flat" cmpd="sng" algn="ctr">
+        <a:solidFill>
+          <a:schemeClr val="tx1">
+            <a:lumMod val="15000"/>
+            <a:lumOff val="85000"/>
+          </a:schemeClr>
+        </a:solidFill>
+        <a:round/>
+      </a:ln>
+    </cs:spPr>
+    <cs:defRPr sz="900" kern="1200"/>
+  </cs:dataTable>
+  <cs:downBar>
+    <cs:lnRef idx="0"/>
+    <cs:fillRef idx="0"/>
+    <cs:effectRef idx="0"/>
+    <cs:fontRef idx="minor">
+      <a:schemeClr val="tx1"/>
+    </cs:fontRef>
+    <cs:spPr>
+      <a:solidFill>
+        <a:schemeClr val="dk1">
+          <a:lumMod val="75000"/>
+          <a:lumOff val="25000"/>
+        </a:schemeClr>
+      </a:solidFill>
+      <a:ln w="9525" cap="flat" cmpd="sng" algn="ctr">
+        <a:solidFill>
+          <a:schemeClr val="tx1">
+            <a:lumMod val="65000"/>
+            <a:lumOff val="35000"/>
+          </a:schemeClr>
+        </a:solidFill>
+        <a:round/>
+      </a:ln>
+    </cs:spPr>
+  </cs:downBar>
+  <cs:dropLine>
+    <cs:lnRef idx="0"/>
+    <cs:fillRef idx="0"/>
+    <cs:effectRef idx="0"/>
+    <cs:fontRef idx="minor">
+      <a:schemeClr val="tx1"/>
+    </cs:fontRef>
+    <cs:spPr>
+      <a:ln w="9525" cap="flat" cmpd="sng" algn="ctr">
+        <a:solidFill>
+          <a:schemeClr val="tx1">
+            <a:lumMod val="35000"/>
+            <a:lumOff val="65000"/>
+          </a:schemeClr>
+        </a:solidFill>
+        <a:round/>
+      </a:ln>
+    </cs:spPr>
+  </cs:dropLine>
+  <cs:errorBar>
+    <cs:lnRef idx="0"/>
+    <cs:fillRef idx="0"/>
+    <cs:effectRef idx="0"/>
+    <cs:fontRef idx="minor">
+      <a:schemeClr val="tx1"/>
+    </cs:fontRef>
+    <cs:spPr>
+      <a:ln w="9525" cap="flat" cmpd="sng" algn="ctr">
+        <a:solidFill>
+          <a:schemeClr val="tx1">
+            <a:lumMod val="65000"/>
+            <a:lumOff val="35000"/>
+          </a:schemeClr>
+        </a:solidFill>
+        <a:round/>
+      </a:ln>
+    </cs:spPr>
+  </cs:errorBar>
+  <cs:floor>
+    <cs:lnRef idx="0"/>
+    <cs:fillRef idx="0"/>
+    <cs:effectRef idx="0"/>
+    <cs:fontRef idx="minor">
+      <a:schemeClr val="tx1"/>
+    </cs:fontRef>
+    <cs:spPr>
+      <a:noFill/>
+      <a:ln>
+        <a:noFill/>
+      </a:ln>
+    </cs:spPr>
+  </cs:floor>
+  <cs:gridlineMajor>
+    <cs:lnRef idx="0"/>
+    <cs:fillRef idx="0"/>
+    <cs:effectRef idx="0"/>
+    <cs:fontRef idx="minor">
+      <a:schemeClr val="tx1"/>
+    </cs:fontRef>
+    <cs:spPr>
+      <a:ln w="9525" cap="flat" cmpd="sng" algn="ctr">
+        <a:solidFill>
+          <a:schemeClr val="tx1">
+            <a:lumMod val="15000"/>
+            <a:lumOff val="85000"/>
+          </a:schemeClr>
+        </a:solidFill>
+        <a:round/>
+      </a:ln>
+    </cs:spPr>
+  </cs:gridlineMajor>
+  <cs:gridlineMinor>
+    <cs:lnRef idx="0"/>
+    <cs:fillRef idx="0"/>
+    <cs:effectRef idx="0"/>
+    <cs:fontRef idx="minor">
+      <a:schemeClr val="tx1"/>
+    </cs:fontRef>
+    <cs:spPr>
+      <a:ln w="9525" cap="flat" cmpd="sng" algn="ctr">
+        <a:solidFill>
+          <a:schemeClr val="tx1">
+            <a:lumMod val="5000"/>
+            <a:lumOff val="95000"/>
+          </a:schemeClr>
+        </a:solidFill>
+        <a:round/>
+      </a:ln>
+    </cs:spPr>
+  </cs:gridlineMinor>
+  <cs:hiLoLine>
+    <cs:lnRef idx="0"/>
+    <cs:fillRef idx="0"/>
+    <cs:effectRef idx="0"/>
+    <cs:fontRef idx="minor">
+      <a:schemeClr val="tx1"/>
+    </cs:fontRef>
+    <cs:spPr>
+      <a:ln w="9525" cap="flat" cmpd="sng" algn="ctr">
+        <a:solidFill>
+          <a:schemeClr val="tx1">
+            <a:lumMod val="50000"/>
+            <a:lumOff val="50000"/>
+          </a:schemeClr>
+        </a:solidFill>
+        <a:round/>
+      </a:ln>
+    </cs:spPr>
+  </cs:hiLoLine>
+  <cs:leaderLine>
+    <cs:lnRef idx="0"/>
+    <cs:fillRef idx="0"/>
+    <cs:effectRef idx="0"/>
+    <cs:fontRef idx="minor">
+      <a:schemeClr val="tx1"/>
+    </cs:fontRef>
+    <cs:spPr>
+      <a:ln w="9525" cap="flat" cmpd="sng" algn="ctr">
+        <a:solidFill>
+          <a:schemeClr val="tx1">
+            <a:lumMod val="35000"/>
+            <a:lumOff val="65000"/>
+          </a:schemeClr>
+        </a:solidFill>
+        <a:round/>
+      </a:ln>
+    </cs:spPr>
+  </cs:leaderLine>
+  <cs:legend>
+    <cs:lnRef idx="0"/>
+    <cs:fillRef idx="0"/>
+    <cs:effectRef idx="0"/>
+    <cs:fontRef idx="minor">
+      <a:schemeClr val="tx1">
+        <a:lumMod val="65000"/>
+        <a:lumOff val="35000"/>
+      </a:schemeClr>
+    </cs:fontRef>
+    <cs:defRPr sz="900" kern="1200"/>
+  </cs:legend>
+  <cs:plotArea mods="allowNoFillOverride allowNoLineOverride">
+    <cs:lnRef idx="0"/>
+    <cs:fillRef idx="0"/>
+    <cs:effectRef idx="0"/>
+    <cs:fontRef idx="minor">
+      <a:schemeClr val="tx1"/>
+    </cs:fontRef>
+  </cs:plotArea>
+  <cs:plotArea3D mods="allowNoFillOverride allowNoLineOverride">
+    <cs:lnRef idx="0"/>
+    <cs:fillRef idx="0"/>
+    <cs:effectRef idx="0"/>
+    <cs:fontRef idx="minor">
+      <a:schemeClr val="tx1"/>
+    </cs:fontRef>
+  </cs:plotArea3D>
+  <cs:seriesAxis>
+    <cs:lnRef idx="0"/>
+    <cs:fillRef idx="0"/>
+    <cs:effectRef idx="0"/>
+    <cs:fontRef idx="minor">
+      <a:schemeClr val="tx1">
+        <a:lumMod val="65000"/>
+        <a:lumOff val="35000"/>
+      </a:schemeClr>
+    </cs:fontRef>
+    <cs:defRPr sz="900" kern="1200"/>
+  </cs:seriesAxis>
+  <cs:seriesLine>
+    <cs:lnRef idx="0"/>
+    <cs:fillRef idx="0"/>
+    <cs:effectRef idx="0"/>
+    <cs:fontRef idx="minor">
+      <a:schemeClr val="tx1"/>
+    </cs:fontRef>
+    <cs:spPr>
+      <a:ln w="9525" cap="flat" cmpd="sng" algn="ctr">
+        <a:solidFill>
+          <a:schemeClr val="tx1">
+            <a:lumMod val="35000"/>
+            <a:lumOff val="65000"/>
+          </a:schemeClr>
+        </a:solidFill>
+        <a:round/>
+      </a:ln>
+    </cs:spPr>
+  </cs:seriesLine>
+  <cs:title>
+    <cs:lnRef idx="0"/>
+    <cs:fillRef idx="0"/>
+    <cs:effectRef idx="0"/>
+    <cs:fontRef idx="minor">
+      <a:schemeClr val="tx1">
+        <a:lumMod val="65000"/>
+        <a:lumOff val="35000"/>
+      </a:schemeClr>
+    </cs:fontRef>
+    <cs:defRPr sz="1400" b="0" kern="1200" spc="0" baseline="0"/>
+  </cs:title>
+  <cs:trendline>
+    <cs:lnRef idx="0">
+      <cs:styleClr val="auto"/>
+    </cs:lnRef>
+    <cs:fillRef idx="0"/>
+    <cs:effectRef idx="0"/>
+    <cs:fontRef idx="minor">
+      <a:schemeClr val="tx1"/>
+    </cs:fontRef>
+    <cs:spPr>
+      <a:ln w="19050" cap="rnd">
+        <a:solidFill>
+          <a:schemeClr val="phClr"/>
+        </a:solidFill>
+        <a:prstDash val="sysDot"/>
+      </a:ln>
+    </cs:spPr>
+  </cs:trendline>
+  <cs:trendlineLabel>
+    <cs:lnRef idx="0"/>
+    <cs:fillRef idx="0"/>
+    <cs:effectRef idx="0"/>
+    <cs:fontRef idx="minor">
+      <a:schemeClr val="tx1">
+        <a:lumMod val="65000"/>
+        <a:lumOff val="35000"/>
+      </a:schemeClr>
+    </cs:fontRef>
+    <cs:defRPr sz="900" kern="1200"/>
+  </cs:trendlineLabel>
+  <cs:upBar>
+    <cs:lnRef idx="0"/>
+    <cs:fillRef idx="0"/>
+    <cs:effectRef idx="0"/>
+    <cs:fontRef idx="minor">
+      <a:schemeClr val="tx1"/>
+    </cs:fontRef>
+    <cs:spPr>
+      <a:solidFill>
+        <a:schemeClr val="lt1"/>
+      </a:solidFill>
+      <a:ln w="9525" cap="flat" cmpd="sng" algn="ctr">
+        <a:solidFill>
+          <a:schemeClr val="tx1">
+            <a:lumMod val="65000"/>
+            <a:lumOff val="35000"/>
+          </a:schemeClr>
+        </a:solidFill>
+        <a:round/>
+      </a:ln>
+    </cs:spPr>
+  </cs:upBar>
+  <cs:valueAxis>
+    <cs:lnRef idx="0"/>
+    <cs:fillRef idx="0"/>
+    <cs:effectRef idx="0"/>
+    <cs:fontRef idx="minor">
+      <a:schemeClr val="tx1">
+        <a:lumMod val="65000"/>
+        <a:lumOff val="35000"/>
+      </a:schemeClr>
+    </cs:fontRef>
+    <cs:spPr>
+      <a:ln w="9525" cap="flat" cmpd="sng" algn="ctr">
+        <a:solidFill>
+          <a:schemeClr val="tx1">
+            <a:lumMod val="25000"/>
+            <a:lumOff val="75000"/>
+          </a:schemeClr>
+        </a:solidFill>
+        <a:round/>
+      </a:ln>
+    </cs:spPr>
+    <cs:defRPr sz="900" kern="1200"/>
+  </cs:valueAxis>
+  <cs:wall>
+    <cs:lnRef idx="0"/>
+    <cs:fillRef idx="0"/>
+    <cs:effectRef idx="0"/>
+    <cs:fontRef idx="minor">
+      <a:schemeClr val="tx1"/>
+    </cs:fontRef>
+    <cs:spPr>
+      <a:noFill/>
+      <a:ln>
+        <a:noFill/>
+      </a:ln>
+    </cs:spPr>
+  </cs:wall>
+</cs:chartStyle>
+</file>
+
+<file path=ppt/charts/style2.xml><?xml version="1.0" encoding="utf-8"?>
 <cs:chartStyle xmlns:cs="http://schemas.microsoft.com/office/drawing/2012/chartStyle" xmlns:a="http://schemas.openxmlformats.org/drawingml/2006/main" id="240">
   <cs:axisTitle>
     <cs:lnRef idx="0"/>
@@ -8495,7 +11089,6 @@
               <a:rPr lang="en-US" dirty="0" smtClean="0"/>
               <a:t>Core Layout</a:t>
             </a:r>
-            <a:endParaRPr lang="en-US" dirty="0" smtClean="0"/>
           </a:p>
         </p:txBody>
       </p:sp>
@@ -9119,25 +11712,10 @@
           <a:bodyPr/>
           <a:lstStyle/>
           <a:p>
-            <a:endParaRPr lang="en-US" dirty="0"/>
-          </a:p>
-        </p:txBody>
-      </p:sp>
-      <p:sp>
-        <p:nvSpPr>
-          <p:cNvPr id="3" name="Content Placeholder 2"/>
-          <p:cNvSpPr>
-            <a:spLocks noGrp="1"/>
-          </p:cNvSpPr>
-          <p:nvPr>
-            <p:ph sz="half" idx="1"/>
-          </p:nvPr>
-        </p:nvSpPr>
-        <p:spPr/>
-        <p:txBody>
-          <a:bodyPr/>
-          <a:lstStyle/>
-          <a:p>
+            <a:r>
+              <a:rPr lang="en-US" dirty="0" smtClean="0"/>
+              <a:t>Spectrum in Reflector and Shield</a:t>
+            </a:r>
             <a:endParaRPr lang="en-US" dirty="0"/>
           </a:p>
         </p:txBody>
@@ -9171,10 +11749,197 @@
           </a:p>
         </p:txBody>
       </p:sp>
+      <p:graphicFrame>
+        <p:nvGraphicFramePr>
+          <p:cNvPr id="10" name="Content Placeholder 9"/>
+          <p:cNvGraphicFramePr>
+            <a:graphicFrameLocks noGrp="1"/>
+          </p:cNvGraphicFramePr>
+          <p:nvPr>
+            <p:ph sz="half" idx="1"/>
+            <p:extLst>
+              <p:ext uri="{D42A27DB-BD31-4B8C-83A1-F6EECF244321}">
+                <p14:modId xmlns:p14="http://schemas.microsoft.com/office/powerpoint/2010/main" val="2952880345"/>
+              </p:ext>
+            </p:extLst>
+          </p:nvPr>
+        </p:nvGraphicFramePr>
+        <p:xfrm>
+          <a:off x="533400" y="1600200"/>
+          <a:ext cx="8001000" cy="4525963"/>
+        </p:xfrm>
+        <a:graphic>
+          <a:graphicData uri="http://schemas.openxmlformats.org/drawingml/2006/chart">
+            <c:chart xmlns:c="http://schemas.openxmlformats.org/drawingml/2006/chart" xmlns:r="http://schemas.openxmlformats.org/officeDocument/2006/relationships" r:id="rId2"/>
+          </a:graphicData>
+        </a:graphic>
+      </p:graphicFrame>
     </p:spTree>
     <p:extLst>
       <p:ext uri="{BB962C8B-B14F-4D97-AF65-F5344CB8AC3E}">
         <p14:creationId xmlns:p14="http://schemas.microsoft.com/office/powerpoint/2010/main" val="4051237288"/>
+      </p:ext>
+    </p:extLst>
+  </p:cSld>
+  <p:clrMapOvr>
+    <a:masterClrMapping/>
+  </p:clrMapOvr>
+</p:sld>
+</file>
+
+<file path=ppt/slides/slide7.xml><?xml version="1.0" encoding="utf-8"?>
+<p:sld xmlns:a="http://schemas.openxmlformats.org/drawingml/2006/main" xmlns:r="http://schemas.openxmlformats.org/officeDocument/2006/relationships" xmlns:p="http://schemas.openxmlformats.org/presentationml/2006/main">
+  <p:cSld>
+    <p:spTree>
+      <p:nvGrpSpPr>
+        <p:cNvPr id="1" name=""/>
+        <p:cNvGrpSpPr/>
+        <p:nvPr/>
+      </p:nvGrpSpPr>
+      <p:grpSpPr>
+        <a:xfrm>
+          <a:off x="0" y="0"/>
+          <a:ext cx="0" cy="0"/>
+          <a:chOff x="0" y="0"/>
+          <a:chExt cx="0" cy="0"/>
+        </a:xfrm>
+      </p:grpSpPr>
+      <p:sp>
+        <p:nvSpPr>
+          <p:cNvPr id="2" name="Title 1"/>
+          <p:cNvSpPr>
+            <a:spLocks noGrp="1"/>
+          </p:cNvSpPr>
+          <p:nvPr>
+            <p:ph type="title"/>
+          </p:nvPr>
+        </p:nvSpPr>
+        <p:spPr/>
+        <p:txBody>
+          <a:bodyPr/>
+          <a:lstStyle/>
+          <a:p>
+            <a:r>
+              <a:rPr lang="en-US" dirty="0" smtClean="0"/>
+              <a:t>Moving Forward</a:t>
+            </a:r>
+            <a:endParaRPr lang="en-US" dirty="0"/>
+          </a:p>
+        </p:txBody>
+      </p:sp>
+      <p:sp>
+        <p:nvSpPr>
+          <p:cNvPr id="3" name="Content Placeholder 2"/>
+          <p:cNvSpPr>
+            <a:spLocks noGrp="1"/>
+          </p:cNvSpPr>
+          <p:nvPr>
+            <p:ph sz="half" idx="1"/>
+          </p:nvPr>
+        </p:nvSpPr>
+        <p:spPr/>
+        <p:txBody>
+          <a:bodyPr/>
+          <a:lstStyle/>
+          <a:p>
+            <a:r>
+              <a:rPr lang="en-US" dirty="0" smtClean="0"/>
+              <a:t>Fuel Composition</a:t>
+            </a:r>
+          </a:p>
+          <a:p>
+            <a:r>
+              <a:rPr lang="en-US" dirty="0" smtClean="0"/>
+              <a:t>Fuel Element Lattice geometry</a:t>
+            </a:r>
+          </a:p>
+          <a:p>
+            <a:pPr lvl="1"/>
+            <a:r>
+              <a:rPr lang="en-US" dirty="0" smtClean="0"/>
+              <a:t>Pitch to Pin ratio</a:t>
+            </a:r>
+          </a:p>
+          <a:p>
+            <a:r>
+              <a:rPr lang="en-US" dirty="0" smtClean="0"/>
+              <a:t>Assembly geometries</a:t>
+            </a:r>
+          </a:p>
+          <a:p>
+            <a:pPr lvl="1"/>
+            <a:r>
+              <a:rPr lang="en-US" dirty="0" smtClean="0"/>
+              <a:t>Move enriched fuel to improve spectrum shape</a:t>
+            </a:r>
+          </a:p>
+          <a:p>
+            <a:endParaRPr lang="en-US" dirty="0" smtClean="0"/>
+          </a:p>
+        </p:txBody>
+      </p:sp>
+      <p:pic>
+        <p:nvPicPr>
+          <p:cNvPr id="6" name="Content Placeholder 5"/>
+          <p:cNvPicPr>
+            <a:picLocks noGrp="1" noChangeAspect="1"/>
+          </p:cNvPicPr>
+          <p:nvPr>
+            <p:ph sz="half" idx="2"/>
+          </p:nvPr>
+        </p:nvPicPr>
+        <p:blipFill>
+          <a:blip r:embed="rId2">
+            <a:extLst>
+              <a:ext uri="{28A0092B-C50C-407E-A947-70E740481C1C}">
+                <a14:useLocalDpi xmlns:a14="http://schemas.microsoft.com/office/drawing/2010/main" val="0"/>
+              </a:ext>
+            </a:extLst>
+          </a:blip>
+          <a:stretch>
+            <a:fillRect/>
+          </a:stretch>
+        </p:blipFill>
+        <p:spPr>
+          <a:xfrm>
+            <a:off x="4724400" y="1600200"/>
+            <a:ext cx="3962400" cy="4223848"/>
+          </a:xfrm>
+        </p:spPr>
+      </p:pic>
+      <p:sp>
+        <p:nvSpPr>
+          <p:cNvPr id="5" name="Slide Number Placeholder 4"/>
+          <p:cNvSpPr>
+            <a:spLocks noGrp="1"/>
+          </p:cNvSpPr>
+          <p:nvPr>
+            <p:ph type="sldNum" sz="quarter" idx="12"/>
+          </p:nvPr>
+        </p:nvSpPr>
+        <p:spPr/>
+        <p:txBody>
+          <a:bodyPr/>
+          <a:lstStyle/>
+          <a:p>
+            <a:pPr>
+              <a:defRPr/>
+            </a:pPr>
+            <a:fld id="{56039845-206E-4D43-9E5F-DD43C0647861}" type="slidenum">
+              <a:rPr lang="en-US" smtClean="0"/>
+              <a:pPr>
+                <a:defRPr/>
+              </a:pPr>
+              <a:t>7</a:t>
+            </a:fld>
+            <a:endParaRPr lang="en-US" dirty="0"/>
+          </a:p>
+        </p:txBody>
+      </p:sp>
+    </p:spTree>
+    <p:extLst>
+      <p:ext uri="{BB962C8B-B14F-4D97-AF65-F5344CB8AC3E}">
+        <p14:creationId xmlns:p14="http://schemas.microsoft.com/office/powerpoint/2010/main" val="377970903"/>
       </p:ext>
     </p:extLst>
   </p:cSld>
@@ -10718,4 +13483,256 @@
     </a:bgFillStyleLst>
   </a:fmtScheme>
 </a:themeOverride>
+</file>
+
+<file path=ppt/theme/themeOverride2.xml><?xml version="1.0" encoding="utf-8"?>
+<a:themeOverride xmlns:a="http://schemas.openxmlformats.org/drawingml/2006/main">
+  <a:clrScheme name="Office">
+    <a:dk1>
+      <a:sysClr val="windowText" lastClr="000000"/>
+    </a:dk1>
+    <a:lt1>
+      <a:sysClr val="window" lastClr="FFFFFF"/>
+    </a:lt1>
+    <a:dk2>
+      <a:srgbClr val="44546A"/>
+    </a:dk2>
+    <a:lt2>
+      <a:srgbClr val="E7E6E6"/>
+    </a:lt2>
+    <a:accent1>
+      <a:srgbClr val="5B9BD5"/>
+    </a:accent1>
+    <a:accent2>
+      <a:srgbClr val="ED7D31"/>
+    </a:accent2>
+    <a:accent3>
+      <a:srgbClr val="A5A5A5"/>
+    </a:accent3>
+    <a:accent4>
+      <a:srgbClr val="FFC000"/>
+    </a:accent4>
+    <a:accent5>
+      <a:srgbClr val="4472C4"/>
+    </a:accent5>
+    <a:accent6>
+      <a:srgbClr val="70AD47"/>
+    </a:accent6>
+    <a:hlink>
+      <a:srgbClr val="0563C1"/>
+    </a:hlink>
+    <a:folHlink>
+      <a:srgbClr val="954F72"/>
+    </a:folHlink>
+  </a:clrScheme>
+  <a:fontScheme name="Office">
+    <a:majorFont>
+      <a:latin typeface="Calibri Light" panose="020F0302020204030204"/>
+      <a:ea typeface=""/>
+      <a:cs typeface=""/>
+      <a:font script="Jpan" typeface="ＭＳ Ｐゴシック"/>
+      <a:font script="Hang" typeface="맑은 고딕"/>
+      <a:font script="Hans" typeface="宋体"/>
+      <a:font script="Hant" typeface="新細明體"/>
+      <a:font script="Arab" typeface="Times New Roman"/>
+      <a:font script="Hebr" typeface="Times New Roman"/>
+      <a:font script="Thai" typeface="Tahoma"/>
+      <a:font script="Ethi" typeface="Nyala"/>
+      <a:font script="Beng" typeface="Vrinda"/>
+      <a:font script="Gujr" typeface="Shruti"/>
+      <a:font script="Khmr" typeface="MoolBoran"/>
+      <a:font script="Knda" typeface="Tunga"/>
+      <a:font script="Guru" typeface="Raavi"/>
+      <a:font script="Cans" typeface="Euphemia"/>
+      <a:font script="Cher" typeface="Plantagenet Cherokee"/>
+      <a:font script="Yiii" typeface="Microsoft Yi Baiti"/>
+      <a:font script="Tibt" typeface="Microsoft Himalaya"/>
+      <a:font script="Thaa" typeface="MV Boli"/>
+      <a:font script="Deva" typeface="Mangal"/>
+      <a:font script="Telu" typeface="Gautami"/>
+      <a:font script="Taml" typeface="Latha"/>
+      <a:font script="Syrc" typeface="Estrangelo Edessa"/>
+      <a:font script="Orya" typeface="Kalinga"/>
+      <a:font script="Mlym" typeface="Kartika"/>
+      <a:font script="Laoo" typeface="DokChampa"/>
+      <a:font script="Sinh" typeface="Iskoola Pota"/>
+      <a:font script="Mong" typeface="Mongolian Baiti"/>
+      <a:font script="Viet" typeface="Times New Roman"/>
+      <a:font script="Uigh" typeface="Microsoft Uighur"/>
+      <a:font script="Geor" typeface="Sylfaen"/>
+    </a:majorFont>
+    <a:minorFont>
+      <a:latin typeface="Calibri" panose="020F0502020204030204"/>
+      <a:ea typeface=""/>
+      <a:cs typeface=""/>
+      <a:font script="Jpan" typeface="ＭＳ Ｐゴシック"/>
+      <a:font script="Hang" typeface="맑은 고딕"/>
+      <a:font script="Hans" typeface="宋体"/>
+      <a:font script="Hant" typeface="新細明體"/>
+      <a:font script="Arab" typeface="Arial"/>
+      <a:font script="Hebr" typeface="Arial"/>
+      <a:font script="Thai" typeface="Tahoma"/>
+      <a:font script="Ethi" typeface="Nyala"/>
+      <a:font script="Beng" typeface="Vrinda"/>
+      <a:font script="Gujr" typeface="Shruti"/>
+      <a:font script="Khmr" typeface="DaunPenh"/>
+      <a:font script="Knda" typeface="Tunga"/>
+      <a:font script="Guru" typeface="Raavi"/>
+      <a:font script="Cans" typeface="Euphemia"/>
+      <a:font script="Cher" typeface="Plantagenet Cherokee"/>
+      <a:font script="Yiii" typeface="Microsoft Yi Baiti"/>
+      <a:font script="Tibt" typeface="Microsoft Himalaya"/>
+      <a:font script="Thaa" typeface="MV Boli"/>
+      <a:font script="Deva" typeface="Mangal"/>
+      <a:font script="Telu" typeface="Gautami"/>
+      <a:font script="Taml" typeface="Latha"/>
+      <a:font script="Syrc" typeface="Estrangelo Edessa"/>
+      <a:font script="Orya" typeface="Kalinga"/>
+      <a:font script="Mlym" typeface="Kartika"/>
+      <a:font script="Laoo" typeface="DokChampa"/>
+      <a:font script="Sinh" typeface="Iskoola Pota"/>
+      <a:font script="Mong" typeface="Mongolian Baiti"/>
+      <a:font script="Viet" typeface="Arial"/>
+      <a:font script="Uigh" typeface="Microsoft Uighur"/>
+      <a:font script="Geor" typeface="Sylfaen"/>
+    </a:minorFont>
+  </a:fontScheme>
+  <a:fmtScheme name="Office">
+    <a:fillStyleLst>
+      <a:solidFill>
+        <a:schemeClr val="phClr"/>
+      </a:solidFill>
+      <a:gradFill rotWithShape="1">
+        <a:gsLst>
+          <a:gs pos="0">
+            <a:schemeClr val="phClr">
+              <a:lumMod val="110000"/>
+              <a:satMod val="105000"/>
+              <a:tint val="67000"/>
+            </a:schemeClr>
+          </a:gs>
+          <a:gs pos="50000">
+            <a:schemeClr val="phClr">
+              <a:lumMod val="105000"/>
+              <a:satMod val="103000"/>
+              <a:tint val="73000"/>
+            </a:schemeClr>
+          </a:gs>
+          <a:gs pos="100000">
+            <a:schemeClr val="phClr">
+              <a:lumMod val="105000"/>
+              <a:satMod val="109000"/>
+              <a:tint val="81000"/>
+            </a:schemeClr>
+          </a:gs>
+        </a:gsLst>
+        <a:lin ang="5400000" scaled="0"/>
+      </a:gradFill>
+      <a:gradFill rotWithShape="1">
+        <a:gsLst>
+          <a:gs pos="0">
+            <a:schemeClr val="phClr">
+              <a:satMod val="103000"/>
+              <a:lumMod val="102000"/>
+              <a:tint val="94000"/>
+            </a:schemeClr>
+          </a:gs>
+          <a:gs pos="50000">
+            <a:schemeClr val="phClr">
+              <a:satMod val="110000"/>
+              <a:lumMod val="100000"/>
+              <a:shade val="100000"/>
+            </a:schemeClr>
+          </a:gs>
+          <a:gs pos="100000">
+            <a:schemeClr val="phClr">
+              <a:lumMod val="99000"/>
+              <a:satMod val="120000"/>
+              <a:shade val="78000"/>
+            </a:schemeClr>
+          </a:gs>
+        </a:gsLst>
+        <a:lin ang="5400000" scaled="0"/>
+      </a:gradFill>
+    </a:fillStyleLst>
+    <a:lnStyleLst>
+      <a:ln w="6350" cap="flat" cmpd="sng" algn="ctr">
+        <a:solidFill>
+          <a:schemeClr val="phClr"/>
+        </a:solidFill>
+        <a:prstDash val="solid"/>
+        <a:miter lim="800000"/>
+      </a:ln>
+      <a:ln w="12700" cap="flat" cmpd="sng" algn="ctr">
+        <a:solidFill>
+          <a:schemeClr val="phClr"/>
+        </a:solidFill>
+        <a:prstDash val="solid"/>
+        <a:miter lim="800000"/>
+      </a:ln>
+      <a:ln w="19050" cap="flat" cmpd="sng" algn="ctr">
+        <a:solidFill>
+          <a:schemeClr val="phClr"/>
+        </a:solidFill>
+        <a:prstDash val="solid"/>
+        <a:miter lim="800000"/>
+      </a:ln>
+    </a:lnStyleLst>
+    <a:effectStyleLst>
+      <a:effectStyle>
+        <a:effectLst/>
+      </a:effectStyle>
+      <a:effectStyle>
+        <a:effectLst/>
+      </a:effectStyle>
+      <a:effectStyle>
+        <a:effectLst>
+          <a:outerShdw blurRad="57150" dist="19050" dir="5400000" algn="ctr" rotWithShape="0">
+            <a:srgbClr val="000000">
+              <a:alpha val="63000"/>
+            </a:srgbClr>
+          </a:outerShdw>
+        </a:effectLst>
+      </a:effectStyle>
+    </a:effectStyleLst>
+    <a:bgFillStyleLst>
+      <a:solidFill>
+        <a:schemeClr val="phClr"/>
+      </a:solidFill>
+      <a:solidFill>
+        <a:schemeClr val="phClr">
+          <a:tint val="95000"/>
+          <a:satMod val="170000"/>
+        </a:schemeClr>
+      </a:solidFill>
+      <a:gradFill rotWithShape="1">
+        <a:gsLst>
+          <a:gs pos="0">
+            <a:schemeClr val="phClr">
+              <a:tint val="93000"/>
+              <a:satMod val="150000"/>
+              <a:shade val="98000"/>
+              <a:lumMod val="102000"/>
+            </a:schemeClr>
+          </a:gs>
+          <a:gs pos="50000">
+            <a:schemeClr val="phClr">
+              <a:tint val="98000"/>
+              <a:satMod val="130000"/>
+              <a:shade val="90000"/>
+              <a:lumMod val="103000"/>
+            </a:schemeClr>
+          </a:gs>
+          <a:gs pos="100000">
+            <a:schemeClr val="phClr">
+              <a:shade val="63000"/>
+              <a:satMod val="120000"/>
+            </a:schemeClr>
+          </a:gs>
+        </a:gsLst>
+        <a:lin ang="5400000" scaled="0"/>
+      </a:gradFill>
+    </a:bgFillStyleLst>
+  </a:fmtScheme>
+</a:themeOverride>
 </file>
--- a/presentations/mid_PP/mid.pptx
+++ b/presentations/mid_PP/mid.pptx
@@ -5,32 +5,23 @@
     <p:sldMasterId id="2147483649" r:id="rId1"/>
   </p:sldMasterIdLst>
   <p:notesMasterIdLst>
-    <p:notesMasterId r:id="rId5"/>
+    <p:notesMasterId r:id="rId10"/>
   </p:notesMasterIdLst>
   <p:handoutMasterIdLst>
-    <p:handoutMasterId r:id="rId6"/>
+    <p:handoutMasterId r:id="rId11"/>
   </p:handoutMasterIdLst>
   <p:sldIdLst>
     <p:sldId id="576" r:id="rId2"/>
     <p:sldId id="523" r:id="rId3"/>
     <p:sldId id="558" r:id="rId4"/>
+    <p:sldId id="577" r:id="rId5"/>
+    <p:sldId id="578" r:id="rId6"/>
+    <p:sldId id="579" r:id="rId7"/>
+    <p:sldId id="580" r:id="rId8"/>
+    <p:sldId id="581" r:id="rId9"/>
   </p:sldIdLst>
   <p:sldSz cx="9144000" cy="6858000" type="screen4x3"/>
   <p:notesSz cx="6950075" cy="9236075"/>
-  <p:embeddedFontLst>
-    <p:embeddedFont>
-      <p:font typeface="Tahoma" panose="020B0604030504040204" pitchFamily="34" charset="0"/>
-      <p:regular r:id="rId7"/>
-      <p:bold r:id="rId8"/>
-    </p:embeddedFont>
-    <p:embeddedFont>
-      <p:font typeface="Verdana" panose="020B0604030504040204" pitchFamily="34" charset="0"/>
-      <p:regular r:id="rId9"/>
-      <p:bold r:id="rId10"/>
-      <p:italic r:id="rId11"/>
-      <p:boldItalic r:id="rId12"/>
-    </p:embeddedFont>
-  </p:embeddedFontLst>
   <p:defaultTextStyle>
     <a:defPPr>
       <a:defRPr lang="en-US"/>
@@ -158,7 +149,7 @@
   </p:defaultTextStyle>
   <p:extLst>
     <p:ext uri="{EFAFB233-063F-42B5-8137-9DF3F51BA10A}">
-      <p15:sldGuideLst xmlns:p15="http://schemas.microsoft.com/office/powerpoint/2012/main">
+      <p15:sldGuideLst xmlns:p15="http://schemas.microsoft.com/office/powerpoint/2012/main" xmlns="">
         <p15:guide id="1" orient="horz" pos="2160">
           <p15:clr>
             <a:srgbClr val="A4A3A4"/>
@@ -258,7 +249,7 @@
             <a:fld id="{3649C4A7-F7E0-4FB8-8F05-6ADADEF3AE08}" type="datetimeFigureOut">
               <a:rPr lang="en-US" smtClean="0"/>
               <a:pPr/>
-              <a:t>10/21/2015</a:t>
+              <a:t>10/22/15</a:t>
             </a:fld>
             <a:endParaRPr lang="en-US"/>
           </a:p>
@@ -3015,14 +3006,14 @@
           </a:ln>
           <a:effectLst/>
           <a:extLst>
-            <a:ext uri="{909E8E84-426E-40DD-AFC4-6F175D3DCCD1}">
+            <a:ext uri="{909E8E84-426E-40dd-AFC4-6F175D3DCCD1}">
               <a14:hiddenFill xmlns:a14="http://schemas.microsoft.com/office/drawing/2010/main">
                 <a:solidFill>
                   <a:schemeClr val="accent1"/>
                 </a:solidFill>
               </a14:hiddenFill>
             </a:ext>
-            <a:ext uri="{91240B29-F687-4F45-9708-019B960494DF}">
+            <a:ext uri="{91240B29-F687-4f45-9708-019B960494DF}">
               <a14:hiddenLine xmlns:a14="http://schemas.microsoft.com/office/drawing/2010/main" w="9525">
                 <a:solidFill>
                   <a:schemeClr val="tx1"/>
@@ -3032,7 +3023,7 @@
                 <a:tailEnd/>
               </a14:hiddenLine>
             </a:ext>
-            <a:ext uri="{AF507438-7753-43E0-B8FC-AC1667EBCBE1}">
+            <a:ext uri="{AF507438-7753-43e0-B8FC-AC1667EBCBE1}">
               <a14:hiddenEffects xmlns:a14="http://schemas.microsoft.com/office/drawing/2010/main">
                 <a:effectLst>
                   <a:outerShdw dist="35921" dir="2700000" algn="ctr" rotWithShape="0">
@@ -3548,7 +3539,7 @@
         <p:spPr bwMode="auto">
           <a:xfrm>
             <a:off x="1143000" y="1447800"/>
-            <a:ext cx="7162800" cy="1938992"/>
+            <a:ext cx="7162800" cy="1569660"/>
           </a:xfrm>
           <a:prstGeom prst="rect">
             <a:avLst/>
@@ -3591,7 +3582,7 @@
                 </a:effectLst>
                 <a:latin typeface="Verdana" pitchFamily="34" charset="0"/>
               </a:rPr>
-              <a:t>Using Depleted Uranium in a Soaring Temperature Expeditious Reactor (DUSTER)</a:t>
+              <a:t>Depleted Uranium Soaring Temperature Expeditious Reactor (DUSTER)</a:t>
             </a:r>
             <a:endParaRPr lang="en-US" sz="2400" b="1" dirty="0">
               <a:solidFill>
@@ -3938,7 +3929,7 @@
           </a:prstGeom>
           <a:noFill/>
           <a:extLst>
-            <a:ext uri="{909E8E84-426E-40DD-AFC4-6F175D3DCCD1}">
+            <a:ext uri="{909E8E84-426E-40dd-AFC4-6F175D3DCCD1}">
               <a14:hiddenFill xmlns:a14="http://schemas.microsoft.com/office/drawing/2010/main">
                 <a:solidFill>
                   <a:srgbClr val="FFFFFF"/>
@@ -3956,7 +3947,7 @@
   <p:timing>
     <p:tnLst>
       <p:par>
-        <p:cTn id="1" dur="indefinite" restart="never" nodeType="tmRoot"/>
+        <p:cTn xmlns:p14="http://schemas.microsoft.com/office/powerpoint/2010/main" id="1" dur="indefinite" restart="never" nodeType="tmRoot"/>
       </p:par>
     </p:tnLst>
   </p:timing>
@@ -4003,6 +3994,21 @@
           <a:bodyPr/>
           <a:lstStyle/>
           <a:p>
+            <a:r>
+              <a:rPr lang="en-US" dirty="0" smtClean="0"/>
+              <a:t>Depletion Analysis</a:t>
+            </a:r>
+            <a:br>
+              <a:rPr lang="en-US" dirty="0" smtClean="0"/>
+            </a:br>
+            <a:r>
+              <a:rPr lang="en-US" dirty="0" smtClean="0"/>
+              <a:t>What has been accomplished </a:t>
+            </a:r>
+            <a:r>
+              <a:rPr lang="en-US" smtClean="0"/>
+              <a:t>so far?</a:t>
+            </a:r>
             <a:endParaRPr lang="en-US" dirty="0"/>
           </a:p>
         </p:txBody>
@@ -4021,6 +4027,45 @@
         <p:txBody>
           <a:bodyPr/>
           <a:lstStyle/>
+          <a:p>
+            <a:r>
+              <a:rPr lang="en-US" dirty="0" smtClean="0"/>
+              <a:t>Validation of the burn card implemented in MCNP</a:t>
+            </a:r>
+          </a:p>
+          <a:p>
+            <a:r>
+              <a:rPr lang="en-US" dirty="0" smtClean="0"/>
+              <a:t>Initial burn on a single pin of depleted uranium Reflecting boundaries</a:t>
+            </a:r>
+          </a:p>
+          <a:p>
+            <a:pPr lvl="1"/>
+            <a:r>
+              <a:rPr lang="en-US" dirty="0" smtClean="0"/>
+              <a:t>Assuming uniform power distribution</a:t>
+            </a:r>
+          </a:p>
+          <a:p>
+            <a:r>
+              <a:rPr lang="en-US" dirty="0" smtClean="0"/>
+              <a:t>Initial burn on a single pin of LEU</a:t>
+            </a:r>
+          </a:p>
+          <a:p>
+            <a:pPr lvl="1"/>
+            <a:r>
+              <a:rPr lang="en-US" dirty="0"/>
+              <a:t>Reflecting boundaries</a:t>
+            </a:r>
+          </a:p>
+          <a:p>
+            <a:pPr lvl="1"/>
+            <a:r>
+              <a:rPr lang="en-US" dirty="0"/>
+              <a:t>Assuming uniform power distribution</a:t>
+            </a:r>
+          </a:p>
           <a:p>
             <a:endParaRPr lang="en-US" dirty="0"/>
           </a:p>
@@ -4058,7 +4103,7 @@
   <p:timing>
     <p:tnLst>
       <p:par>
-        <p:cTn id="1" dur="indefinite" restart="never" nodeType="tmRoot"/>
+        <p:cTn xmlns:p14="http://schemas.microsoft.com/office/powerpoint/2010/main" id="1" dur="indefinite" restart="never" nodeType="tmRoot"/>
       </p:par>
     </p:tnLst>
   </p:timing>
@@ -4082,6 +4127,34 @@
           <a:chExt cx="0" cy="0"/>
         </a:xfrm>
       </p:grpSpPr>
+      <p:pic>
+        <p:nvPicPr>
+          <p:cNvPr id="2" name="Content Placeholder 1" descr="Screenshot 2015-10-22 10.52.19.png"/>
+          <p:cNvPicPr>
+            <a:picLocks noGrp="1" noChangeAspect="1"/>
+          </p:cNvPicPr>
+          <p:nvPr>
+            <p:ph sz="half" idx="2"/>
+          </p:nvPr>
+        </p:nvPicPr>
+        <p:blipFill rotWithShape="1">
+          <a:blip r:embed="rId3">
+            <a:extLst>
+              <a:ext uri="{28A0092B-C50C-407E-A947-70E740481C1C}">
+                <a14:useLocalDpi xmlns:a14="http://schemas.microsoft.com/office/drawing/2010/main" val="0"/>
+              </a:ext>
+            </a:extLst>
+          </a:blip>
+          <a:srcRect t="-1888" b="3129"/>
+          <a:stretch/>
+        </p:blipFill>
+        <p:spPr>
+          <a:xfrm>
+            <a:off x="4757092" y="1600201"/>
+            <a:ext cx="3929707" cy="4191000"/>
+          </a:xfrm>
+        </p:spPr>
+      </p:pic>
       <p:sp>
         <p:nvSpPr>
           <p:cNvPr id="157697" name="Title 1"/>
@@ -4097,48 +4170,43 @@
           <a:bodyPr/>
           <a:lstStyle/>
           <a:p>
-            <a:endParaRPr lang="en-US" dirty="0" smtClean="0"/>
-          </a:p>
-        </p:txBody>
-      </p:sp>
-      <p:sp>
-        <p:nvSpPr>
-          <p:cNvPr id="9" name="Content Placeholder 8"/>
-          <p:cNvSpPr>
-            <a:spLocks noGrp="1"/>
-          </p:cNvSpPr>
+            <a:r>
+              <a:rPr lang="en-US" dirty="0" smtClean="0"/>
+              <a:t>Initial Validation Test</a:t>
+            </a:r>
+          </a:p>
+        </p:txBody>
+      </p:sp>
+      <p:pic>
+        <p:nvPicPr>
+          <p:cNvPr id="3" name="Content Placeholder 2" descr="Screenshot 2015-10-22 10.52.01.png"/>
+          <p:cNvPicPr>
+            <a:picLocks noGrp="1" noChangeAspect="1"/>
+          </p:cNvPicPr>
           <p:nvPr>
             <p:ph sz="half" idx="1"/>
           </p:nvPr>
-        </p:nvSpPr>
-        <p:spPr/>
-        <p:txBody>
-          <a:bodyPr/>
-          <a:lstStyle/>
-          <a:p>
-            <a:endParaRPr lang="en-US"/>
-          </a:p>
-        </p:txBody>
-      </p:sp>
-      <p:sp>
-        <p:nvSpPr>
-          <p:cNvPr id="10" name="Content Placeholder 9"/>
-          <p:cNvSpPr>
-            <a:spLocks noGrp="1"/>
-          </p:cNvSpPr>
-          <p:nvPr>
-            <p:ph sz="half" idx="2"/>
-          </p:nvPr>
-        </p:nvSpPr>
-        <p:spPr/>
-        <p:txBody>
-          <a:bodyPr/>
-          <a:lstStyle/>
-          <a:p>
-            <a:endParaRPr lang="en-US" dirty="0"/>
-          </a:p>
-        </p:txBody>
-      </p:sp>
+        </p:nvPicPr>
+        <p:blipFill>
+          <a:blip r:embed="rId4">
+            <a:extLst>
+              <a:ext uri="{28A0092B-C50C-407E-A947-70E740481C1C}">
+                <a14:useLocalDpi xmlns:a14="http://schemas.microsoft.com/office/drawing/2010/main" val="0"/>
+              </a:ext>
+            </a:extLst>
+          </a:blip>
+          <a:srcRect t="-2959" b="-2959"/>
+          <a:stretch>
+            <a:fillRect/>
+          </a:stretch>
+        </p:blipFill>
+        <p:spPr>
+          <a:xfrm>
+            <a:off x="620106" y="1676400"/>
+            <a:ext cx="3875694" cy="4343399"/>
+          </a:xfrm>
+        </p:spPr>
+      </p:pic>
       <p:sp>
         <p:nvSpPr>
           <p:cNvPr id="157699" name="Slide Number Placeholder 3"/>
@@ -4171,10 +4239,707 @@
   <p:timing>
     <p:tnLst>
       <p:par>
-        <p:cTn id="1" dur="indefinite" restart="never" nodeType="tmRoot"/>
+        <p:cTn xmlns:p14="http://schemas.microsoft.com/office/powerpoint/2010/main" id="1" dur="indefinite" restart="never" nodeType="tmRoot"/>
       </p:par>
     </p:tnLst>
   </p:timing>
+</p:sld>
+</file>
+
+<file path=ppt/slides/slide4.xml><?xml version="1.0" encoding="utf-8"?>
+<p:sld xmlns:a="http://schemas.openxmlformats.org/drawingml/2006/main" xmlns:r="http://schemas.openxmlformats.org/officeDocument/2006/relationships" xmlns:p="http://schemas.openxmlformats.org/presentationml/2006/main">
+  <p:cSld>
+    <p:spTree>
+      <p:nvGrpSpPr>
+        <p:cNvPr id="1" name=""/>
+        <p:cNvGrpSpPr/>
+        <p:nvPr/>
+      </p:nvGrpSpPr>
+      <p:grpSpPr>
+        <a:xfrm>
+          <a:off x="0" y="0"/>
+          <a:ext cx="0" cy="0"/>
+          <a:chOff x="0" y="0"/>
+          <a:chExt cx="0" cy="0"/>
+        </a:xfrm>
+      </p:grpSpPr>
+      <p:sp>
+        <p:nvSpPr>
+          <p:cNvPr id="6" name="Title 5"/>
+          <p:cNvSpPr>
+            <a:spLocks noGrp="1"/>
+          </p:cNvSpPr>
+          <p:nvPr>
+            <p:ph type="title"/>
+          </p:nvPr>
+        </p:nvSpPr>
+        <p:spPr/>
+        <p:txBody>
+          <a:bodyPr/>
+          <a:lstStyle/>
+          <a:p>
+            <a:r>
+              <a:rPr lang="en-US" dirty="0" smtClean="0"/>
+              <a:t>Validation Test Results</a:t>
+            </a:r>
+            <a:endParaRPr lang="en-US" dirty="0"/>
+          </a:p>
+        </p:txBody>
+      </p:sp>
+      <p:pic>
+        <p:nvPicPr>
+          <p:cNvPr id="2" name="Content Placeholder 1" descr="Screenshot 2015-10-22 15.30.21.png"/>
+          <p:cNvPicPr>
+            <a:picLocks noGrp="1" noChangeAspect="1"/>
+          </p:cNvPicPr>
+          <p:nvPr>
+            <p:ph idx="1"/>
+          </p:nvPr>
+        </p:nvPicPr>
+        <p:blipFill>
+          <a:blip r:embed="rId2">
+            <a:extLst>
+              <a:ext uri="{28A0092B-C50C-407E-A947-70E740481C1C}">
+                <a14:useLocalDpi xmlns:a14="http://schemas.microsoft.com/office/drawing/2010/main" val="0"/>
+              </a:ext>
+            </a:extLst>
+          </a:blip>
+          <a:srcRect l="-33544" r="-33544"/>
+          <a:stretch>
+            <a:fillRect/>
+          </a:stretch>
+        </p:blipFill>
+        <p:spPr/>
+      </p:pic>
+      <p:sp>
+        <p:nvSpPr>
+          <p:cNvPr id="5" name="Slide Number Placeholder 4"/>
+          <p:cNvSpPr>
+            <a:spLocks noGrp="1"/>
+          </p:cNvSpPr>
+          <p:nvPr>
+            <p:ph type="sldNum" sz="quarter" idx="10"/>
+          </p:nvPr>
+        </p:nvSpPr>
+        <p:spPr/>
+        <p:txBody>
+          <a:bodyPr/>
+          <a:lstStyle/>
+          <a:p>
+            <a:pPr>
+              <a:defRPr/>
+            </a:pPr>
+            <a:fld id="{56039845-206E-4D43-9E5F-DD43C0647861}" type="slidenum">
+              <a:rPr lang="en-US" smtClean="0"/>
+              <a:pPr>
+                <a:defRPr/>
+              </a:pPr>
+              <a:t>4</a:t>
+            </a:fld>
+            <a:endParaRPr lang="en-US" dirty="0"/>
+          </a:p>
+        </p:txBody>
+      </p:sp>
+    </p:spTree>
+    <p:extLst>
+      <p:ext uri="{BB962C8B-B14F-4D97-AF65-F5344CB8AC3E}">
+        <p14:creationId xmlns:p14="http://schemas.microsoft.com/office/powerpoint/2010/main" val="48632203"/>
+      </p:ext>
+    </p:extLst>
+  </p:cSld>
+  <p:clrMapOvr>
+    <a:masterClrMapping/>
+  </p:clrMapOvr>
+</p:sld>
+</file>
+
+<file path=ppt/slides/slide5.xml><?xml version="1.0" encoding="utf-8"?>
+<p:sld xmlns:a="http://schemas.openxmlformats.org/drawingml/2006/main" xmlns:r="http://schemas.openxmlformats.org/officeDocument/2006/relationships" xmlns:p="http://schemas.openxmlformats.org/presentationml/2006/main">
+  <p:cSld>
+    <p:spTree>
+      <p:nvGrpSpPr>
+        <p:cNvPr id="1" name=""/>
+        <p:cNvGrpSpPr/>
+        <p:nvPr/>
+      </p:nvGrpSpPr>
+      <p:grpSpPr>
+        <a:xfrm>
+          <a:off x="0" y="0"/>
+          <a:ext cx="0" cy="0"/>
+          <a:chOff x="0" y="0"/>
+          <a:chExt cx="0" cy="0"/>
+        </a:xfrm>
+      </p:grpSpPr>
+      <p:sp>
+        <p:nvSpPr>
+          <p:cNvPr id="8" name="Title 7"/>
+          <p:cNvSpPr>
+            <a:spLocks noGrp="1"/>
+          </p:cNvSpPr>
+          <p:nvPr>
+            <p:ph type="title"/>
+          </p:nvPr>
+        </p:nvSpPr>
+        <p:spPr/>
+        <p:txBody>
+          <a:bodyPr/>
+          <a:lstStyle/>
+          <a:p>
+            <a:r>
+              <a:rPr lang="en-US" dirty="0" smtClean="0"/>
+              <a:t>Burn of the Depleted and LEU Fuel</a:t>
+            </a:r>
+            <a:endParaRPr lang="en-US" dirty="0"/>
+          </a:p>
+        </p:txBody>
+      </p:sp>
+      <p:sp>
+        <p:nvSpPr>
+          <p:cNvPr id="9" name="Content Placeholder 8"/>
+          <p:cNvSpPr>
+            <a:spLocks noGrp="1"/>
+          </p:cNvSpPr>
+          <p:nvPr>
+            <p:ph sz="half" idx="1"/>
+          </p:nvPr>
+        </p:nvSpPr>
+        <p:spPr>
+          <a:xfrm>
+            <a:off x="457200" y="1600200"/>
+            <a:ext cx="4038600" cy="4571999"/>
+          </a:xfrm>
+        </p:spPr>
+        <p:txBody>
+          <a:bodyPr>
+            <a:normAutofit fontScale="92500" lnSpcReduction="20000"/>
+          </a:bodyPr>
+          <a:lstStyle/>
+          <a:p>
+            <a:r>
+              <a:rPr lang="en-US" dirty="0"/>
+              <a:t>Burned for 30 years</a:t>
+            </a:r>
+          </a:p>
+          <a:p>
+            <a:r>
+              <a:rPr lang="en-US" dirty="0"/>
+              <a:t>This initial run is assuming a constant power profile</a:t>
+            </a:r>
+          </a:p>
+          <a:p>
+            <a:r>
+              <a:rPr lang="en-US" dirty="0"/>
+              <a:t>In fact the power profile will not be constant throughout the core lifetime</a:t>
+            </a:r>
+          </a:p>
+          <a:p>
+            <a:pPr lvl="1"/>
+            <a:r>
+              <a:rPr lang="en-US" dirty="0"/>
+              <a:t>Initially the power fraction in the depleted uranium will be small</a:t>
+            </a:r>
+          </a:p>
+          <a:p>
+            <a:pPr lvl="1"/>
+            <a:r>
+              <a:rPr lang="en-US" dirty="0"/>
+              <a:t>This will increase as the U-238 is converted to Pu-239</a:t>
+            </a:r>
+          </a:p>
+          <a:p>
+            <a:pPr marL="0" indent="0">
+              <a:buNone/>
+            </a:pPr>
+            <a:endParaRPr lang="en-US" dirty="0" smtClean="0"/>
+          </a:p>
+        </p:txBody>
+      </p:sp>
+      <p:pic>
+        <p:nvPicPr>
+          <p:cNvPr id="11" name="Content Placeholder 10" descr="Screenshot 2015-10-22 11.05.44.png"/>
+          <p:cNvPicPr>
+            <a:picLocks noGrp="1" noChangeAspect="1"/>
+          </p:cNvPicPr>
+          <p:nvPr>
+            <p:ph sz="half" idx="2"/>
+          </p:nvPr>
+        </p:nvPicPr>
+        <p:blipFill>
+          <a:blip r:embed="rId2">
+            <a:extLst>
+              <a:ext uri="{28A0092B-C50C-407E-A947-70E740481C1C}">
+                <a14:useLocalDpi xmlns:a14="http://schemas.microsoft.com/office/drawing/2010/main" val="0"/>
+              </a:ext>
+            </a:extLst>
+          </a:blip>
+          <a:srcRect t="-6574" b="-6574"/>
+          <a:stretch>
+            <a:fillRect/>
+          </a:stretch>
+        </p:blipFill>
+        <p:spPr>
+          <a:xfrm>
+            <a:off x="4648200" y="1600201"/>
+            <a:ext cx="3886200" cy="4355172"/>
+          </a:xfrm>
+        </p:spPr>
+      </p:pic>
+      <p:sp>
+        <p:nvSpPr>
+          <p:cNvPr id="4" name="Slide Number Placeholder 3"/>
+          <p:cNvSpPr>
+            <a:spLocks noGrp="1"/>
+          </p:cNvSpPr>
+          <p:nvPr>
+            <p:ph type="sldNum" sz="quarter" idx="12"/>
+          </p:nvPr>
+        </p:nvSpPr>
+        <p:spPr/>
+        <p:txBody>
+          <a:bodyPr/>
+          <a:lstStyle/>
+          <a:p>
+            <a:pPr>
+              <a:defRPr/>
+            </a:pPr>
+            <a:fld id="{639E97B8-4532-408E-A5F7-ACF05B64D361}" type="slidenum">
+              <a:rPr lang="en-US" smtClean="0"/>
+              <a:pPr>
+                <a:defRPr/>
+              </a:pPr>
+              <a:t>5</a:t>
+            </a:fld>
+            <a:endParaRPr lang="en-US" dirty="0"/>
+          </a:p>
+        </p:txBody>
+      </p:sp>
+    </p:spTree>
+    <p:extLst>
+      <p:ext uri="{BB962C8B-B14F-4D97-AF65-F5344CB8AC3E}">
+        <p14:creationId xmlns:p14="http://schemas.microsoft.com/office/powerpoint/2010/main" val="146621590"/>
+      </p:ext>
+    </p:extLst>
+  </p:cSld>
+  <p:clrMapOvr>
+    <a:masterClrMapping/>
+  </p:clrMapOvr>
+</p:sld>
+</file>
+
+<file path=ppt/slides/slide6.xml><?xml version="1.0" encoding="utf-8"?>
+<p:sld xmlns:a="http://schemas.openxmlformats.org/drawingml/2006/main" xmlns:r="http://schemas.openxmlformats.org/officeDocument/2006/relationships" xmlns:p="http://schemas.openxmlformats.org/presentationml/2006/main">
+  <p:cSld>
+    <p:spTree>
+      <p:nvGrpSpPr>
+        <p:cNvPr id="1" name=""/>
+        <p:cNvGrpSpPr/>
+        <p:nvPr/>
+      </p:nvGrpSpPr>
+      <p:grpSpPr>
+        <a:xfrm>
+          <a:off x="0" y="0"/>
+          <a:ext cx="0" cy="0"/>
+          <a:chOff x="0" y="0"/>
+          <a:chExt cx="0" cy="0"/>
+        </a:xfrm>
+      </p:grpSpPr>
+      <p:sp>
+        <p:nvSpPr>
+          <p:cNvPr id="2" name="Title 1"/>
+          <p:cNvSpPr>
+            <a:spLocks noGrp="1"/>
+          </p:cNvSpPr>
+          <p:nvPr>
+            <p:ph type="title"/>
+          </p:nvPr>
+        </p:nvSpPr>
+        <p:spPr/>
+        <p:txBody>
+          <a:bodyPr/>
+          <a:lstStyle/>
+          <a:p>
+            <a:r>
+              <a:rPr lang="en-US" dirty="0" smtClean="0"/>
+              <a:t>Burn of the </a:t>
+            </a:r>
+            <a:r>
+              <a:rPr lang="en-US" dirty="0"/>
+              <a:t>D</a:t>
+            </a:r>
+            <a:r>
+              <a:rPr lang="en-US" dirty="0" smtClean="0"/>
+              <a:t>epleted </a:t>
+            </a:r>
+            <a:r>
+              <a:rPr lang="en-US" dirty="0"/>
+              <a:t>U</a:t>
+            </a:r>
+            <a:r>
+              <a:rPr lang="en-US" dirty="0" smtClean="0"/>
+              <a:t>ranium</a:t>
+            </a:r>
+            <a:endParaRPr lang="en-US" dirty="0"/>
+          </a:p>
+        </p:txBody>
+      </p:sp>
+      <p:pic>
+        <p:nvPicPr>
+          <p:cNvPr id="9" name="Content Placeholder 8" descr="Pu-239.png"/>
+          <p:cNvPicPr>
+            <a:picLocks noGrp="1" noChangeAspect="1"/>
+          </p:cNvPicPr>
+          <p:nvPr>
+            <p:ph sz="half" idx="2"/>
+          </p:nvPr>
+        </p:nvPicPr>
+        <p:blipFill>
+          <a:blip r:embed="rId2">
+            <a:extLst>
+              <a:ext uri="{28A0092B-C50C-407E-A947-70E740481C1C}">
+                <a14:useLocalDpi xmlns:a14="http://schemas.microsoft.com/office/drawing/2010/main" val="0"/>
+              </a:ext>
+            </a:extLst>
+          </a:blip>
+          <a:srcRect t="-32631" b="-32631"/>
+          <a:stretch>
+            <a:fillRect/>
+          </a:stretch>
+        </p:blipFill>
+        <p:spPr/>
+      </p:pic>
+      <p:sp>
+        <p:nvSpPr>
+          <p:cNvPr id="5" name="Slide Number Placeholder 4"/>
+          <p:cNvSpPr>
+            <a:spLocks noGrp="1"/>
+          </p:cNvSpPr>
+          <p:nvPr>
+            <p:ph type="sldNum" sz="quarter" idx="12"/>
+          </p:nvPr>
+        </p:nvSpPr>
+        <p:spPr/>
+        <p:txBody>
+          <a:bodyPr/>
+          <a:lstStyle/>
+          <a:p>
+            <a:pPr>
+              <a:defRPr/>
+            </a:pPr>
+            <a:fld id="{56039845-206E-4D43-9E5F-DD43C0647861}" type="slidenum">
+              <a:rPr lang="en-US" smtClean="0"/>
+              <a:pPr>
+                <a:defRPr/>
+              </a:pPr>
+              <a:t>6</a:t>
+            </a:fld>
+            <a:endParaRPr lang="en-US" dirty="0"/>
+          </a:p>
+        </p:txBody>
+      </p:sp>
+      <p:pic>
+        <p:nvPicPr>
+          <p:cNvPr id="11" name="Content Placeholder 10" descr="U-238.png"/>
+          <p:cNvPicPr>
+            <a:picLocks noGrp="1" noChangeAspect="1"/>
+          </p:cNvPicPr>
+          <p:nvPr>
+            <p:ph sz="half" idx="1"/>
+          </p:nvPr>
+        </p:nvPicPr>
+        <p:blipFill>
+          <a:blip r:embed="rId3">
+            <a:extLst>
+              <a:ext uri="{28A0092B-C50C-407E-A947-70E740481C1C}">
+                <a14:useLocalDpi xmlns:a14="http://schemas.microsoft.com/office/drawing/2010/main" val="0"/>
+              </a:ext>
+            </a:extLst>
+          </a:blip>
+          <a:srcRect t="-32427" b="-32427"/>
+          <a:stretch>
+            <a:fillRect/>
+          </a:stretch>
+        </p:blipFill>
+        <p:spPr/>
+      </p:pic>
+    </p:spTree>
+    <p:extLst>
+      <p:ext uri="{BB962C8B-B14F-4D97-AF65-F5344CB8AC3E}">
+        <p14:creationId xmlns:p14="http://schemas.microsoft.com/office/powerpoint/2010/main" val="105699533"/>
+      </p:ext>
+    </p:extLst>
+  </p:cSld>
+  <p:clrMapOvr>
+    <a:masterClrMapping/>
+  </p:clrMapOvr>
+</p:sld>
+</file>
+
+<file path=ppt/slides/slide7.xml><?xml version="1.0" encoding="utf-8"?>
+<p:sld xmlns:a="http://schemas.openxmlformats.org/drawingml/2006/main" xmlns:r="http://schemas.openxmlformats.org/officeDocument/2006/relationships" xmlns:p="http://schemas.openxmlformats.org/presentationml/2006/main">
+  <p:cSld>
+    <p:spTree>
+      <p:nvGrpSpPr>
+        <p:cNvPr id="1" name=""/>
+        <p:cNvGrpSpPr/>
+        <p:nvPr/>
+      </p:nvGrpSpPr>
+      <p:grpSpPr>
+        <a:xfrm>
+          <a:off x="0" y="0"/>
+          <a:ext cx="0" cy="0"/>
+          <a:chOff x="0" y="0"/>
+          <a:chExt cx="0" cy="0"/>
+        </a:xfrm>
+      </p:grpSpPr>
+      <p:sp>
+        <p:nvSpPr>
+          <p:cNvPr id="2" name="Title 1"/>
+          <p:cNvSpPr>
+            <a:spLocks noGrp="1"/>
+          </p:cNvSpPr>
+          <p:nvPr>
+            <p:ph type="title"/>
+          </p:nvPr>
+        </p:nvSpPr>
+        <p:spPr/>
+        <p:txBody>
+          <a:bodyPr/>
+          <a:lstStyle/>
+          <a:p>
+            <a:r>
+              <a:rPr lang="en-US" dirty="0" smtClean="0"/>
+              <a:t>Burn of the LEU</a:t>
+            </a:r>
+            <a:endParaRPr lang="en-US" dirty="0"/>
+          </a:p>
+        </p:txBody>
+      </p:sp>
+      <p:pic>
+        <p:nvPicPr>
+          <p:cNvPr id="7" name="Content Placeholder 6" descr="u-235.png"/>
+          <p:cNvPicPr>
+            <a:picLocks noGrp="1" noChangeAspect="1"/>
+          </p:cNvPicPr>
+          <p:nvPr>
+            <p:ph sz="half" idx="1"/>
+          </p:nvPr>
+        </p:nvPicPr>
+        <p:blipFill>
+          <a:blip r:embed="rId2">
+            <a:extLst>
+              <a:ext uri="{28A0092B-C50C-407E-A947-70E740481C1C}">
+                <a14:useLocalDpi xmlns:a14="http://schemas.microsoft.com/office/drawing/2010/main" val="0"/>
+              </a:ext>
+            </a:extLst>
+          </a:blip>
+          <a:srcRect t="-32358" b="-32358"/>
+          <a:stretch>
+            <a:fillRect/>
+          </a:stretch>
+        </p:blipFill>
+        <p:spPr/>
+      </p:pic>
+      <p:pic>
+        <p:nvPicPr>
+          <p:cNvPr id="6" name="Content Placeholder 5" descr="Pu-239.png"/>
+          <p:cNvPicPr>
+            <a:picLocks noGrp="1" noChangeAspect="1"/>
+          </p:cNvPicPr>
+          <p:nvPr>
+            <p:ph sz="half" idx="2"/>
+          </p:nvPr>
+        </p:nvPicPr>
+        <p:blipFill>
+          <a:blip r:embed="rId3">
+            <a:extLst>
+              <a:ext uri="{28A0092B-C50C-407E-A947-70E740481C1C}">
+                <a14:useLocalDpi xmlns:a14="http://schemas.microsoft.com/office/drawing/2010/main" val="0"/>
+              </a:ext>
+            </a:extLst>
+          </a:blip>
+          <a:srcRect t="-32562" b="-32562"/>
+          <a:stretch>
+            <a:fillRect/>
+          </a:stretch>
+        </p:blipFill>
+        <p:spPr/>
+      </p:pic>
+      <p:sp>
+        <p:nvSpPr>
+          <p:cNvPr id="5" name="Slide Number Placeholder 4"/>
+          <p:cNvSpPr>
+            <a:spLocks noGrp="1"/>
+          </p:cNvSpPr>
+          <p:nvPr>
+            <p:ph type="sldNum" sz="quarter" idx="12"/>
+          </p:nvPr>
+        </p:nvSpPr>
+        <p:spPr/>
+        <p:txBody>
+          <a:bodyPr/>
+          <a:lstStyle/>
+          <a:p>
+            <a:pPr>
+              <a:defRPr/>
+            </a:pPr>
+            <a:fld id="{56039845-206E-4D43-9E5F-DD43C0647861}" type="slidenum">
+              <a:rPr lang="en-US" smtClean="0"/>
+              <a:pPr>
+                <a:defRPr/>
+              </a:pPr>
+              <a:t>7</a:t>
+            </a:fld>
+            <a:endParaRPr lang="en-US" dirty="0"/>
+          </a:p>
+        </p:txBody>
+      </p:sp>
+    </p:spTree>
+    <p:extLst>
+      <p:ext uri="{BB962C8B-B14F-4D97-AF65-F5344CB8AC3E}">
+        <p14:creationId xmlns:p14="http://schemas.microsoft.com/office/powerpoint/2010/main" val="3644947947"/>
+      </p:ext>
+    </p:extLst>
+  </p:cSld>
+  <p:clrMapOvr>
+    <a:masterClrMapping/>
+  </p:clrMapOvr>
+</p:sld>
+</file>
+
+<file path=ppt/slides/slide8.xml><?xml version="1.0" encoding="utf-8"?>
+<p:sld xmlns:a="http://schemas.openxmlformats.org/drawingml/2006/main" xmlns:r="http://schemas.openxmlformats.org/officeDocument/2006/relationships" xmlns:p="http://schemas.openxmlformats.org/presentationml/2006/main">
+  <p:cSld>
+    <p:spTree>
+      <p:nvGrpSpPr>
+        <p:cNvPr id="1" name=""/>
+        <p:cNvGrpSpPr/>
+        <p:nvPr/>
+      </p:nvGrpSpPr>
+      <p:grpSpPr>
+        <a:xfrm>
+          <a:off x="0" y="0"/>
+          <a:ext cx="0" cy="0"/>
+          <a:chOff x="0" y="0"/>
+          <a:chExt cx="0" cy="0"/>
+        </a:xfrm>
+      </p:grpSpPr>
+      <p:sp>
+        <p:nvSpPr>
+          <p:cNvPr id="2" name="Title 1"/>
+          <p:cNvSpPr>
+            <a:spLocks noGrp="1"/>
+          </p:cNvSpPr>
+          <p:nvPr>
+            <p:ph type="title"/>
+          </p:nvPr>
+        </p:nvSpPr>
+        <p:spPr/>
+        <p:txBody>
+          <a:bodyPr/>
+          <a:lstStyle/>
+          <a:p>
+            <a:r>
+              <a:rPr lang="en-US" dirty="0" smtClean="0"/>
+              <a:t>What’s next?</a:t>
+            </a:r>
+            <a:endParaRPr lang="en-US" dirty="0"/>
+          </a:p>
+        </p:txBody>
+      </p:sp>
+      <p:sp>
+        <p:nvSpPr>
+          <p:cNvPr id="6" name="Content Placeholder 5"/>
+          <p:cNvSpPr>
+            <a:spLocks noGrp="1"/>
+          </p:cNvSpPr>
+          <p:nvPr>
+            <p:ph idx="1"/>
+          </p:nvPr>
+        </p:nvSpPr>
+        <p:spPr/>
+        <p:txBody>
+          <a:bodyPr>
+            <a:normAutofit fontScale="92500" lnSpcReduction="10000"/>
+          </a:bodyPr>
+          <a:lstStyle/>
+          <a:p>
+            <a:r>
+              <a:rPr lang="en-US" dirty="0" smtClean="0"/>
+              <a:t>Hopefully burn the entire core to determine an estimate of the core lifetime	</a:t>
+            </a:r>
+          </a:p>
+          <a:p>
+            <a:pPr lvl="1"/>
+            <a:r>
+              <a:rPr lang="en-US" dirty="0" smtClean="0"/>
+              <a:t>This will be decided through the multiplication factor, not the integrity of the </a:t>
+            </a:r>
+            <a:r>
+              <a:rPr lang="en-US" dirty="0" smtClean="0"/>
+              <a:t>materials</a:t>
+            </a:r>
+          </a:p>
+          <a:p>
+            <a:r>
+              <a:rPr lang="en-US" dirty="0" smtClean="0"/>
+              <a:t>Run depletion calculations using different power fractions to determine spatial differences in the fuel compositions</a:t>
+            </a:r>
+          </a:p>
+          <a:p>
+            <a:r>
+              <a:rPr lang="en-US" dirty="0" smtClean="0"/>
+              <a:t>Analyze EOL fuel compositions</a:t>
+            </a:r>
+          </a:p>
+          <a:p>
+            <a:pPr lvl="1"/>
+            <a:r>
+              <a:rPr lang="en-US" dirty="0" smtClean="0"/>
+              <a:t>Core lifetime may be uncertain so a sensitivity analysis may be needed</a:t>
+            </a:r>
+            <a:endParaRPr lang="en-US" dirty="0"/>
+          </a:p>
+        </p:txBody>
+      </p:sp>
+      <p:sp>
+        <p:nvSpPr>
+          <p:cNvPr id="5" name="Slide Number Placeholder 4"/>
+          <p:cNvSpPr>
+            <a:spLocks noGrp="1"/>
+          </p:cNvSpPr>
+          <p:nvPr>
+            <p:ph type="sldNum" sz="quarter" idx="10"/>
+          </p:nvPr>
+        </p:nvSpPr>
+        <p:spPr/>
+        <p:txBody>
+          <a:bodyPr/>
+          <a:lstStyle/>
+          <a:p>
+            <a:pPr>
+              <a:defRPr/>
+            </a:pPr>
+            <a:fld id="{56039845-206E-4D43-9E5F-DD43C0647861}" type="slidenum">
+              <a:rPr lang="en-US" smtClean="0"/>
+              <a:pPr>
+                <a:defRPr/>
+              </a:pPr>
+              <a:t>8</a:t>
+            </a:fld>
+            <a:endParaRPr lang="en-US" dirty="0"/>
+          </a:p>
+        </p:txBody>
+      </p:sp>
+    </p:spTree>
+    <p:extLst>
+      <p:ext uri="{BB962C8B-B14F-4D97-AF65-F5344CB8AC3E}">
+        <p14:creationId xmlns:p14="http://schemas.microsoft.com/office/powerpoint/2010/main" val="2776806330"/>
+      </p:ext>
+    </p:extLst>
+  </p:cSld>
+  <p:clrMapOvr>
+    <a:masterClrMapping/>
+  </p:clrMapOvr>
 </p:sld>
 </file>
 

--- a/presentations/mid_PP/mid.pptx
+++ b/presentations/mid_PP/mid.pptx
@@ -27,6 +27,20 @@
   </p:sldIdLst>
   <p:sldSz cx="9144000" cy="6858000" type="screen4x3"/>
   <p:notesSz cx="6950075" cy="9236075"/>
+  <p:embeddedFontLst>
+    <p:embeddedFont>
+      <p:font typeface="Verdana" panose="020B0604030504040204" pitchFamily="34" charset="0"/>
+      <p:regular r:id="rId17"/>
+      <p:bold r:id="rId18"/>
+      <p:italic r:id="rId19"/>
+      <p:boldItalic r:id="rId20"/>
+    </p:embeddedFont>
+    <p:embeddedFont>
+      <p:font typeface="Tahoma" panose="020B0604030504040204" pitchFamily="34" charset="0"/>
+      <p:regular r:id="rId21"/>
+      <p:bold r:id="rId22"/>
+    </p:embeddedFont>
+  </p:embeddedFontLst>
   <p:defaultTextStyle>
     <a:defPPr>
       <a:defRPr lang="en-US"/>
@@ -154,7 +168,7 @@
   </p:defaultTextStyle>
   <p:extLst>
     <p:ext uri="{EFAFB233-063F-42B5-8137-9DF3F51BA10A}">
-      <p15:sldGuideLst xmlns:p15="http://schemas.microsoft.com/office/powerpoint/2012/main" xmlns="">
+      <p15:sldGuideLst xmlns:p15="http://schemas.microsoft.com/office/powerpoint/2012/main">
         <p15:guide id="1" orient="horz" pos="2160">
           <p15:clr>
             <a:srgbClr val="A4A3A4"/>
@@ -230,124 +244,124 @@
                   <c:formatCode>General</c:formatCode>
                   <c:ptCount val="40"/>
                   <c:pt idx="0">
-                    <c:v>0.0</c:v>
+                    <c:v>0</c:v>
                   </c:pt>
                   <c:pt idx="1">
-                    <c:v>0.0</c:v>
+                    <c:v>0</c:v>
                   </c:pt>
                   <c:pt idx="2">
-                    <c:v>0.0</c:v>
+                    <c:v>0</c:v>
                   </c:pt>
                   <c:pt idx="3">
-                    <c:v>0.0</c:v>
+                    <c:v>0</c:v>
                   </c:pt>
                   <c:pt idx="4">
-                    <c:v>0.0</c:v>
+                    <c:v>0</c:v>
                   </c:pt>
                   <c:pt idx="5">
-                    <c:v>0.0</c:v>
+                    <c:v>0</c:v>
                   </c:pt>
                   <c:pt idx="6">
-                    <c:v>0.0</c:v>
+                    <c:v>0</c:v>
                   </c:pt>
                   <c:pt idx="7">
-                    <c:v>0.0</c:v>
+                    <c:v>0</c:v>
                   </c:pt>
                   <c:pt idx="8">
-                    <c:v>0.0</c:v>
+                    <c:v>0</c:v>
                   </c:pt>
                   <c:pt idx="9">
-                    <c:v>0.0</c:v>
+                    <c:v>0</c:v>
                   </c:pt>
                   <c:pt idx="10">
-                    <c:v>0.0</c:v>
+                    <c:v>0</c:v>
                   </c:pt>
                   <c:pt idx="11">
-                    <c:v>0.0</c:v>
+                    <c:v>0</c:v>
                   </c:pt>
                   <c:pt idx="12">
-                    <c:v>0.0</c:v>
+                    <c:v>0</c:v>
                   </c:pt>
                   <c:pt idx="13">
-                    <c:v>0.0</c:v>
+                    <c:v>0</c:v>
                   </c:pt>
                   <c:pt idx="14">
-                    <c:v>0.0</c:v>
+                    <c:v>0</c:v>
                   </c:pt>
                   <c:pt idx="15">
-                    <c:v>0.0</c:v>
+                    <c:v>0</c:v>
                   </c:pt>
                   <c:pt idx="16">
-                    <c:v>2.73394E-10</c:v>
+                    <c:v>2.7339400000000001E-10</c:v>
                   </c:pt>
                   <c:pt idx="17">
-                    <c:v>3.571046297E-10</c:v>
+                    <c:v>3.5710462969999998E-10</c:v>
                   </c:pt>
                   <c:pt idx="18">
-                    <c:v>8.905722966E-10</c:v>
+                    <c:v>8.9057229659999999E-10</c:v>
                   </c:pt>
                   <c:pt idx="19">
-                    <c:v>2.6601461026E-9</c:v>
+                    <c:v>2.6601461026000001E-9</c:v>
                   </c:pt>
                   <c:pt idx="20">
-                    <c:v>5.8779672679E-9</c:v>
+                    <c:v>5.8779672678999999E-9</c:v>
                   </c:pt>
                   <c:pt idx="21">
-                    <c:v>1.07494112352E-8</c:v>
+                    <c:v>1.0749411235200001E-8</c:v>
                   </c:pt>
                   <c:pt idx="22">
                     <c:v>1.89909825201E-8</c:v>
                   </c:pt>
                   <c:pt idx="23">
-                    <c:v>3.05997500125E-8</c:v>
+                    <c:v>3.0599750012499998E-8</c:v>
                   </c:pt>
                   <c:pt idx="24">
-                    <c:v>4.60551500086E-8</c:v>
+                    <c:v>4.6055150008599998E-8</c:v>
                   </c:pt>
                   <c:pt idx="25">
-                    <c:v>6.00096000075E-8</c:v>
+                    <c:v>6.0009600007499998E-8</c:v>
                   </c:pt>
                   <c:pt idx="26">
-                    <c:v>7.24786370077E-8</c:v>
+                    <c:v>7.2478637007699996E-8</c:v>
                   </c:pt>
                   <c:pt idx="27">
-                    <c:v>7.1152380009E-8</c:v>
+                    <c:v>7.1152380009000006E-8</c:v>
                   </c:pt>
                   <c:pt idx="28">
-                    <c:v>6.59754900105E-8</c:v>
+                    <c:v>6.5975490010500003E-8</c:v>
                   </c:pt>
                   <c:pt idx="29">
-                    <c:v>4.50514070163E-8</c:v>
+                    <c:v>4.5051407016300003E-8</c:v>
                   </c:pt>
                   <c:pt idx="30">
-                    <c:v>2.1807520035E-8</c:v>
+                    <c:v>2.1807520034999999E-8</c:v>
                   </c:pt>
                   <c:pt idx="31">
-                    <c:v>1.38057408544E-8</c:v>
+                    <c:v>1.3805740854399999E-8</c:v>
                   </c:pt>
                   <c:pt idx="32">
-                    <c:v>9.95485287570001E-9</c:v>
+                    <c:v>9.9548528757000093E-9</c:v>
                   </c:pt>
                   <c:pt idx="33">
-                    <c:v>6.7704462527E-9</c:v>
+                    <c:v>6.7704462526999998E-9</c:v>
                   </c:pt>
                   <c:pt idx="34">
-                    <c:v>3.4663738662E-9</c:v>
+                    <c:v>3.4663738662000001E-9</c:v>
                   </c:pt>
                   <c:pt idx="35">
                     <c:v>1.8465838461E-9</c:v>
                   </c:pt>
                   <c:pt idx="36">
-                    <c:v>0.0</c:v>
+                    <c:v>0</c:v>
                   </c:pt>
                   <c:pt idx="37">
-                    <c:v>0.0</c:v>
+                    <c:v>0</c:v>
                   </c:pt>
                   <c:pt idx="38">
-                    <c:v>0.0</c:v>
+                    <c:v>0</c:v>
                   </c:pt>
                   <c:pt idx="39">
-                    <c:v>0.0</c:v>
+                    <c:v>0</c:v>
                   </c:pt>
                 </c:numCache>
               </c:numRef>
@@ -359,124 +373,124 @@
                   <c:formatCode>General</c:formatCode>
                   <c:ptCount val="40"/>
                   <c:pt idx="0">
-                    <c:v>0.0</c:v>
+                    <c:v>0</c:v>
                   </c:pt>
                   <c:pt idx="1">
-                    <c:v>0.0</c:v>
+                    <c:v>0</c:v>
                   </c:pt>
                   <c:pt idx="2">
-                    <c:v>0.0</c:v>
+                    <c:v>0</c:v>
                   </c:pt>
                   <c:pt idx="3">
-                    <c:v>0.0</c:v>
+                    <c:v>0</c:v>
                   </c:pt>
                   <c:pt idx="4">
-                    <c:v>0.0</c:v>
+                    <c:v>0</c:v>
                   </c:pt>
                   <c:pt idx="5">
-                    <c:v>0.0</c:v>
+                    <c:v>0</c:v>
                   </c:pt>
                   <c:pt idx="6">
-                    <c:v>0.0</c:v>
+                    <c:v>0</c:v>
                   </c:pt>
                   <c:pt idx="7">
-                    <c:v>0.0</c:v>
+                    <c:v>0</c:v>
                   </c:pt>
                   <c:pt idx="8">
-                    <c:v>0.0</c:v>
+                    <c:v>0</c:v>
                   </c:pt>
                   <c:pt idx="9">
-                    <c:v>0.0</c:v>
+                    <c:v>0</c:v>
                   </c:pt>
                   <c:pt idx="10">
-                    <c:v>0.0</c:v>
+                    <c:v>0</c:v>
                   </c:pt>
                   <c:pt idx="11">
-                    <c:v>0.0</c:v>
+                    <c:v>0</c:v>
                   </c:pt>
                   <c:pt idx="12">
-                    <c:v>0.0</c:v>
+                    <c:v>0</c:v>
                   </c:pt>
                   <c:pt idx="13">
-                    <c:v>0.0</c:v>
+                    <c:v>0</c:v>
                   </c:pt>
                   <c:pt idx="14">
-                    <c:v>0.0</c:v>
+                    <c:v>0</c:v>
                   </c:pt>
                   <c:pt idx="15">
-                    <c:v>0.0</c:v>
+                    <c:v>0</c:v>
                   </c:pt>
                   <c:pt idx="16">
-                    <c:v>2.73394E-10</c:v>
+                    <c:v>2.7339400000000001E-10</c:v>
                   </c:pt>
                   <c:pt idx="17">
-                    <c:v>3.571046297E-10</c:v>
+                    <c:v>3.5710462969999998E-10</c:v>
                   </c:pt>
                   <c:pt idx="18">
-                    <c:v>8.905722966E-10</c:v>
+                    <c:v>8.9057229659999999E-10</c:v>
                   </c:pt>
                   <c:pt idx="19">
-                    <c:v>2.6601461026E-9</c:v>
+                    <c:v>2.6601461026000001E-9</c:v>
                   </c:pt>
                   <c:pt idx="20">
-                    <c:v>5.8779672679E-9</c:v>
+                    <c:v>5.8779672678999999E-9</c:v>
                   </c:pt>
                   <c:pt idx="21">
-                    <c:v>1.07494112352E-8</c:v>
+                    <c:v>1.0749411235200001E-8</c:v>
                   </c:pt>
                   <c:pt idx="22">
                     <c:v>1.89909825201E-8</c:v>
                   </c:pt>
                   <c:pt idx="23">
-                    <c:v>3.05997500125E-8</c:v>
+                    <c:v>3.0599750012499998E-8</c:v>
                   </c:pt>
                   <c:pt idx="24">
-                    <c:v>4.60551500086E-8</c:v>
+                    <c:v>4.6055150008599998E-8</c:v>
                   </c:pt>
                   <c:pt idx="25">
-                    <c:v>6.00096000075E-8</c:v>
+                    <c:v>6.0009600007499998E-8</c:v>
                   </c:pt>
                   <c:pt idx="26">
-                    <c:v>7.24786370077E-8</c:v>
+                    <c:v>7.2478637007699996E-8</c:v>
                   </c:pt>
                   <c:pt idx="27">
-                    <c:v>7.1152380009E-8</c:v>
+                    <c:v>7.1152380009000006E-8</c:v>
                   </c:pt>
                   <c:pt idx="28">
-                    <c:v>6.59754900105E-8</c:v>
+                    <c:v>6.5975490010500003E-8</c:v>
                   </c:pt>
                   <c:pt idx="29">
-                    <c:v>4.50514070163E-8</c:v>
+                    <c:v>4.5051407016300003E-8</c:v>
                   </c:pt>
                   <c:pt idx="30">
-                    <c:v>2.1807520035E-8</c:v>
+                    <c:v>2.1807520034999999E-8</c:v>
                   </c:pt>
                   <c:pt idx="31">
-                    <c:v>1.38057408544E-8</c:v>
+                    <c:v>1.3805740854399999E-8</c:v>
                   </c:pt>
                   <c:pt idx="32">
-                    <c:v>9.95485287570001E-9</c:v>
+                    <c:v>9.9548528757000093E-9</c:v>
                   </c:pt>
                   <c:pt idx="33">
-                    <c:v>6.7704462527E-9</c:v>
+                    <c:v>6.7704462526999998E-9</c:v>
                   </c:pt>
                   <c:pt idx="34">
-                    <c:v>3.4663738662E-9</c:v>
+                    <c:v>3.4663738662000001E-9</c:v>
                   </c:pt>
                   <c:pt idx="35">
                     <c:v>1.8465838461E-9</c:v>
                   </c:pt>
                   <c:pt idx="36">
-                    <c:v>0.0</c:v>
+                    <c:v>0</c:v>
                   </c:pt>
                   <c:pt idx="37">
-                    <c:v>0.0</c:v>
+                    <c:v>0</c:v>
                   </c:pt>
                   <c:pt idx="38">
-                    <c:v>0.0</c:v>
+                    <c:v>0</c:v>
                   </c:pt>
                   <c:pt idx="39">
-                    <c:v>0.0</c:v>
+                    <c:v>0</c:v>
                   </c:pt>
                 </c:numCache>
               </c:numRef>
@@ -502,16 +516,16 @@
                 <c:formatCode>0.00E+00</c:formatCode>
                 <c:ptCount val="40"/>
                 <c:pt idx="0">
-                  <c:v>8.46E-10</c:v>
+                  <c:v>8.4599999999999997E-10</c:v>
                 </c:pt>
                 <c:pt idx="1">
-                  <c:v>2.5495E-9</c:v>
+                  <c:v>2.5494999999999999E-9</c:v>
                 </c:pt>
                 <c:pt idx="2">
-                  <c:v>5.134E-9</c:v>
+                  <c:v>5.1339999999999998E-9</c:v>
                 </c:pt>
                 <c:pt idx="3">
-                  <c:v>1.03405E-8</c:v>
+                  <c:v>1.0340499999999999E-8</c:v>
                 </c:pt>
                 <c:pt idx="4">
                   <c:v>2.082E-8</c:v>
@@ -520,25 +534,25 @@
                   <c:v>4.1925E-8</c:v>
                 </c:pt>
                 <c:pt idx="6">
-                  <c:v>8.4415E-8</c:v>
+                  <c:v>8.4415000000000005E-8</c:v>
                 </c:pt>
                 <c:pt idx="7">
-                  <c:v>1.7E-7</c:v>
+                  <c:v>1.6999999999999999E-7</c:v>
                 </c:pt>
                 <c:pt idx="8">
-                  <c:v>3.4235E-7</c:v>
+                  <c:v>3.4234999999999999E-7</c:v>
                 </c:pt>
                 <c:pt idx="9">
-                  <c:v>6.8945E-7</c:v>
+                  <c:v>6.8945000000000002E-7</c:v>
                 </c:pt>
                 <c:pt idx="10">
-                  <c:v>1.3882E-6</c:v>
+                  <c:v>1.3881999999999999E-6</c:v>
                 </c:pt>
                 <c:pt idx="11">
-                  <c:v>2.7955E-6</c:v>
+                  <c:v>2.7955000000000002E-6</c:v>
                 </c:pt>
                 <c:pt idx="12">
-                  <c:v>5.63E-6</c:v>
+                  <c:v>5.6300000000000003E-6</c:v>
                 </c:pt>
                 <c:pt idx="13">
                   <c:v>1.1337E-5</c:v>
@@ -547,79 +561,79 @@
                   <c:v>2.283E-5</c:v>
                 </c:pt>
                 <c:pt idx="15">
-                  <c:v>4.5975E-5</c:v>
+                  <c:v>4.5974999999999999E-5</c:v>
                 </c:pt>
                 <c:pt idx="16">
-                  <c:v>9.257E-5</c:v>
+                  <c:v>9.2570000000000003E-5</c:v>
                 </c:pt>
                 <c:pt idx="17">
-                  <c:v>0.00018645</c:v>
+                  <c:v>1.8645000000000001E-4</c:v>
                 </c:pt>
                 <c:pt idx="18">
-                  <c:v>0.00037545</c:v>
+                  <c:v>3.7544999999999999E-4</c:v>
                 </c:pt>
                 <c:pt idx="19">
-                  <c:v>0.00075585</c:v>
+                  <c:v>7.5584999999999997E-4</c:v>
                 </c:pt>
                 <c:pt idx="20">
-                  <c:v>0.0015225</c:v>
+                  <c:v>1.5225E-3</c:v>
                 </c:pt>
                 <c:pt idx="21">
-                  <c:v>0.003066</c:v>
+                  <c:v>3.0660000000000001E-3</c:v>
                 </c:pt>
                 <c:pt idx="22">
-                  <c:v>0.006174</c:v>
+                  <c:v>6.1739999999999998E-3</c:v>
                 </c:pt>
                 <c:pt idx="23">
-                  <c:v>0.0124355</c:v>
+                  <c:v>1.24355E-2</c:v>
                 </c:pt>
                 <c:pt idx="24">
-                  <c:v>0.02504</c:v>
+                  <c:v>2.504E-2</c:v>
                 </c:pt>
                 <c:pt idx="25">
-                  <c:v>0.05042</c:v>
+                  <c:v>5.042E-2</c:v>
                 </c:pt>
                 <c:pt idx="26">
-                  <c:v>0.10154</c:v>
+                  <c:v>0.10154000000000001</c:v>
                 </c:pt>
                 <c:pt idx="27">
-                  <c:v>0.20445</c:v>
+                  <c:v>0.20444999999999999</c:v>
                 </c:pt>
                 <c:pt idx="28">
-                  <c:v>0.4117</c:v>
+                  <c:v>0.41170000000000001</c:v>
                 </c:pt>
                 <c:pt idx="29">
-                  <c:v>0.8291</c:v>
+                  <c:v>0.82909999999999995</c:v>
                 </c:pt>
                 <c:pt idx="30">
                   <c:v>1.6695</c:v>
                 </c:pt>
                 <c:pt idx="31">
-                  <c:v>2.865</c:v>
+                  <c:v>2.8650000000000002</c:v>
                 </c:pt>
                 <c:pt idx="32">
-                  <c:v>4.257499999999998</c:v>
+                  <c:v>4.2574999999999976</c:v>
                 </c:pt>
                 <c:pt idx="33">
-                  <c:v>5.9965</c:v>
+                  <c:v>5.9965000000000002</c:v>
                 </c:pt>
                 <c:pt idx="34">
-                  <c:v>8.4885</c:v>
+                  <c:v>8.4885000000000002</c:v>
                 </c:pt>
                 <c:pt idx="35">
-                  <c:v>11.0</c:v>
+                  <c:v>11</c:v>
                 </c:pt>
                 <c:pt idx="36">
-                  <c:v>13.0</c:v>
+                  <c:v>13</c:v>
                 </c:pt>
                 <c:pt idx="37">
-                  <c:v>15.0</c:v>
+                  <c:v>15</c:v>
                 </c:pt>
                 <c:pt idx="38">
-                  <c:v>17.0</c:v>
+                  <c:v>17</c:v>
                 </c:pt>
                 <c:pt idx="39">
-                  <c:v>19.0</c:v>
+                  <c:v>19</c:v>
                 </c:pt>
               </c:numCache>
             </c:numRef>
@@ -631,124 +645,124 @@
                 <c:formatCode>0.00E+00</c:formatCode>
                 <c:ptCount val="40"/>
                 <c:pt idx="0">
-                  <c:v>1.0E-15</c:v>
+                  <c:v>1.0000000000000001E-15</c:v>
                 </c:pt>
                 <c:pt idx="1">
-                  <c:v>1.0E-15</c:v>
+                  <c:v>1.0000000000000001E-15</c:v>
                 </c:pt>
                 <c:pt idx="2">
-                  <c:v>1.0E-15</c:v>
+                  <c:v>1.0000000000000001E-15</c:v>
                 </c:pt>
                 <c:pt idx="3">
-                  <c:v>1.0E-15</c:v>
+                  <c:v>1.0000000000000001E-15</c:v>
                 </c:pt>
                 <c:pt idx="4">
-                  <c:v>1.0E-15</c:v>
+                  <c:v>1.0000000000000001E-15</c:v>
                 </c:pt>
                 <c:pt idx="5">
-                  <c:v>1.0E-15</c:v>
+                  <c:v>1.0000000000000001E-15</c:v>
                 </c:pt>
                 <c:pt idx="6">
-                  <c:v>1.0E-15</c:v>
+                  <c:v>1.0000000000000001E-15</c:v>
                 </c:pt>
                 <c:pt idx="7">
-                  <c:v>1.0E-15</c:v>
+                  <c:v>1.0000000000000001E-15</c:v>
                 </c:pt>
                 <c:pt idx="8">
-                  <c:v>1.0E-15</c:v>
+                  <c:v>1.0000000000000001E-15</c:v>
                 </c:pt>
                 <c:pt idx="9">
-                  <c:v>1.0E-15</c:v>
+                  <c:v>1.0000000000000001E-15</c:v>
                 </c:pt>
                 <c:pt idx="10">
-                  <c:v>1.0E-15</c:v>
+                  <c:v>1.0000000000000001E-15</c:v>
                 </c:pt>
                 <c:pt idx="11">
-                  <c:v>1.0E-15</c:v>
+                  <c:v>1.0000000000000001E-15</c:v>
                 </c:pt>
                 <c:pt idx="12">
-                  <c:v>1.0E-15</c:v>
+                  <c:v>1.0000000000000001E-15</c:v>
                 </c:pt>
                 <c:pt idx="13">
-                  <c:v>1.0E-15</c:v>
+                  <c:v>1.0000000000000001E-15</c:v>
                 </c:pt>
                 <c:pt idx="14">
-                  <c:v>1.0E-15</c:v>
+                  <c:v>1.0000000000000001E-15</c:v>
                 </c:pt>
                 <c:pt idx="15">
-                  <c:v>1.0E-15</c:v>
+                  <c:v>1.0000000000000001E-15</c:v>
                 </c:pt>
                 <c:pt idx="16">
-                  <c:v>2.73394E-10</c:v>
+                  <c:v>2.7339400000000001E-10</c:v>
                 </c:pt>
                 <c:pt idx="17">
-                  <c:v>4.76203E-10</c:v>
+                  <c:v>4.7620299999999999E-10</c:v>
                 </c:pt>
                 <c:pt idx="18">
-                  <c:v>2.280011E-9</c:v>
+                  <c:v>2.2800110000000002E-9</c:v>
                 </c:pt>
                 <c:pt idx="19">
-                  <c:v>1.8654601E-8</c:v>
+                  <c:v>1.8654600999999999E-8</c:v>
                 </c:pt>
                 <c:pt idx="20">
-                  <c:v>8.6568001E-8</c:v>
+                  <c:v>8.6568001000000002E-8</c:v>
                 </c:pt>
                 <c:pt idx="21">
-                  <c:v>3.05381001E-7</c:v>
+                  <c:v>3.0538100099999998E-7</c:v>
                 </c:pt>
                 <c:pt idx="22">
                   <c:v>9.44825001E-7</c:v>
                 </c:pt>
                 <c:pt idx="23">
-                  <c:v>2.447980001E-6</c:v>
+                  <c:v>2.4479800009999999E-6</c:v>
                 </c:pt>
                 <c:pt idx="24">
-                  <c:v>5.355250001E-6</c:v>
+                  <c:v>5.3552500010000004E-6</c:v>
                 </c:pt>
                 <c:pt idx="25">
-                  <c:v>8.001280001E-6</c:v>
+                  <c:v>8.0012800009999997E-6</c:v>
                 </c:pt>
                 <c:pt idx="26">
-                  <c:v>9.412810001E-6</c:v>
+                  <c:v>9.4128100010000001E-6</c:v>
                 </c:pt>
                 <c:pt idx="27">
-                  <c:v>7.905820001E-6</c:v>
+                  <c:v>7.9058200009999998E-6</c:v>
                 </c:pt>
                 <c:pt idx="28">
-                  <c:v>6.283380001E-6</c:v>
+                  <c:v>6.2833800009999996E-6</c:v>
                 </c:pt>
                 <c:pt idx="29">
                   <c:v>2.763890001E-6</c:v>
                 </c:pt>
                 <c:pt idx="30">
-                  <c:v>6.23072001E-7</c:v>
+                  <c:v>6.2307200099999999E-7</c:v>
                 </c:pt>
                 <c:pt idx="31">
-                  <c:v>2.53782001E-7</c:v>
+                  <c:v>2.5378200099999999E-7</c:v>
                 </c:pt>
                 <c:pt idx="32">
-                  <c:v>1.31504001E-7</c:v>
+                  <c:v>1.3150400099999999E-7</c:v>
                 </c:pt>
                 <c:pt idx="33">
-                  <c:v>6.5924501E-8</c:v>
+                  <c:v>6.5924501000000006E-8</c:v>
                 </c:pt>
                 <c:pt idx="34">
-                  <c:v>1.8616401E-8</c:v>
+                  <c:v>1.8616401000000002E-8</c:v>
                 </c:pt>
                 <c:pt idx="35">
-                  <c:v>4.569621E-9</c:v>
+                  <c:v>4.5696209999999997E-9</c:v>
                 </c:pt>
                 <c:pt idx="36">
-                  <c:v>1.0E-15</c:v>
+                  <c:v>1.0000000000000001E-15</c:v>
                 </c:pt>
                 <c:pt idx="37">
-                  <c:v>1.0E-15</c:v>
+                  <c:v>1.0000000000000001E-15</c:v>
                 </c:pt>
                 <c:pt idx="38">
-                  <c:v>1.0E-15</c:v>
+                  <c:v>1.0000000000000001E-15</c:v>
                 </c:pt>
                 <c:pt idx="39">
-                  <c:v>1.0E-15</c:v>
+                  <c:v>1.0000000000000001E-15</c:v>
                 </c:pt>
               </c:numCache>
             </c:numRef>
@@ -793,88 +807,88 @@
                   <c:formatCode>General</c:formatCode>
                   <c:ptCount val="40"/>
                   <c:pt idx="0">
-                    <c:v>0.0</c:v>
+                    <c:v>0</c:v>
                   </c:pt>
                   <c:pt idx="1">
-                    <c:v>0.0</c:v>
+                    <c:v>0</c:v>
                   </c:pt>
                   <c:pt idx="2">
-                    <c:v>0.0</c:v>
+                    <c:v>0</c:v>
                   </c:pt>
                   <c:pt idx="3">
-                    <c:v>0.0</c:v>
+                    <c:v>0</c:v>
                   </c:pt>
                   <c:pt idx="4">
-                    <c:v>0.0</c:v>
+                    <c:v>0</c:v>
                   </c:pt>
                   <c:pt idx="5">
-                    <c:v>0.0</c:v>
+                    <c:v>0</c:v>
                   </c:pt>
                   <c:pt idx="6">
-                    <c:v>0.0</c:v>
+                    <c:v>0</c:v>
                   </c:pt>
                   <c:pt idx="7">
-                    <c:v>0.0</c:v>
+                    <c:v>0</c:v>
                   </c:pt>
                   <c:pt idx="8">
-                    <c:v>0.0</c:v>
+                    <c:v>0</c:v>
                   </c:pt>
                   <c:pt idx="9">
-                    <c:v>0.0</c:v>
+                    <c:v>0</c:v>
                   </c:pt>
                   <c:pt idx="10">
-                    <c:v>0.0</c:v>
+                    <c:v>0</c:v>
                   </c:pt>
                   <c:pt idx="11">
-                    <c:v>0.0</c:v>
+                    <c:v>0</c:v>
                   </c:pt>
                   <c:pt idx="12">
-                    <c:v>0.0</c:v>
+                    <c:v>0</c:v>
                   </c:pt>
                   <c:pt idx="13">
-                    <c:v>0.0</c:v>
+                    <c:v>0</c:v>
                   </c:pt>
                   <c:pt idx="14">
-                    <c:v>0.0</c:v>
+                    <c:v>0</c:v>
                   </c:pt>
                   <c:pt idx="15">
-                    <c:v>0.0</c:v>
+                    <c:v>0</c:v>
                   </c:pt>
                   <c:pt idx="16">
-                    <c:v>0.0</c:v>
+                    <c:v>0</c:v>
                   </c:pt>
                   <c:pt idx="17">
-                    <c:v>0.0</c:v>
+                    <c:v>0</c:v>
                   </c:pt>
                   <c:pt idx="18">
-                    <c:v>8.81956000000001E-10</c:v>
+                    <c:v>8.8195600000000102E-10</c:v>
                   </c:pt>
                   <c:pt idx="19">
                     <c:v>1.2226098325E-9</c:v>
                   </c:pt>
                   <c:pt idx="20">
-                    <c:v>2.4065402331E-9</c:v>
+                    <c:v>2.4065402330999998E-9</c:v>
                   </c:pt>
                   <c:pt idx="21">
-                    <c:v>5.8282631195E-9</c:v>
+                    <c:v>5.8282631195000001E-9</c:v>
                   </c:pt>
                   <c:pt idx="22">
-                    <c:v>1.25124915327E-8</c:v>
+                    <c:v>1.2512491532700001E-8</c:v>
                   </c:pt>
                   <c:pt idx="23">
-                    <c:v>2.26629030177E-8</c:v>
+                    <c:v>2.2662903017699999E-8</c:v>
                   </c:pt>
                   <c:pt idx="24">
-                    <c:v>3.84538740107E-8</c:v>
+                    <c:v>3.8453874010699999E-8</c:v>
                   </c:pt>
                   <c:pt idx="25">
-                    <c:v>5.83999260078E-8</c:v>
+                    <c:v>5.8399926007799999E-8</c:v>
                   </c:pt>
                   <c:pt idx="26">
-                    <c:v>8.00603100067E-8</c:v>
+                    <c:v>8.0060310006699994E-8</c:v>
                   </c:pt>
                   <c:pt idx="27">
-                    <c:v>9.50448600067001E-8</c:v>
+                    <c:v>9.5044860006700094E-8</c:v>
                   </c:pt>
                   <c:pt idx="28">
                     <c:v>1.032309000069E-7</c:v>
@@ -883,13 +897,13 @@
                     <c:v>8.85674600089004E-8</c:v>
                   </c:pt>
                   <c:pt idx="30">
-                    <c:v>6.38330250131E-8</c:v>
+                    <c:v>6.3833025013099998E-8</c:v>
                   </c:pt>
                   <c:pt idx="31">
-                    <c:v>4.34546540197E-8</c:v>
+                    <c:v>4.3454654019699998E-8</c:v>
                   </c:pt>
                   <c:pt idx="32">
-                    <c:v>3.06504000275E-8</c:v>
+                    <c:v>3.0650400027499998E-8</c:v>
                   </c:pt>
                   <c:pt idx="33">
                     <c:v>1.99731096408E-8</c:v>
@@ -898,19 +912,19 @@
                     <c:v>1.02345285805E-8</c:v>
                   </c:pt>
                   <c:pt idx="35">
-                    <c:v>2.5357798701E-9</c:v>
+                    <c:v>2.5357798701000001E-9</c:v>
                   </c:pt>
                   <c:pt idx="36">
-                    <c:v>1.4736549265E-9</c:v>
+                    <c:v>1.4736549264999999E-9</c:v>
                   </c:pt>
                   <c:pt idx="37">
-                    <c:v>0.0</c:v>
+                    <c:v>0</c:v>
                   </c:pt>
                   <c:pt idx="38">
-                    <c:v>0.0</c:v>
+                    <c:v>0</c:v>
                   </c:pt>
                   <c:pt idx="39">
-                    <c:v>0.0</c:v>
+                    <c:v>0</c:v>
                   </c:pt>
                 </c:numCache>
               </c:numRef>
@@ -922,88 +936,88 @@
                   <c:formatCode>General</c:formatCode>
                   <c:ptCount val="40"/>
                   <c:pt idx="0">
-                    <c:v>0.0</c:v>
+                    <c:v>0</c:v>
                   </c:pt>
                   <c:pt idx="1">
-                    <c:v>0.0</c:v>
+                    <c:v>0</c:v>
                   </c:pt>
                   <c:pt idx="2">
-                    <c:v>0.0</c:v>
+                    <c:v>0</c:v>
                   </c:pt>
                   <c:pt idx="3">
-                    <c:v>0.0</c:v>
+                    <c:v>0</c:v>
                   </c:pt>
                   <c:pt idx="4">
-                    <c:v>0.0</c:v>
+                    <c:v>0</c:v>
                   </c:pt>
                   <c:pt idx="5">
-                    <c:v>0.0</c:v>
+                    <c:v>0</c:v>
                   </c:pt>
                   <c:pt idx="6">
-                    <c:v>0.0</c:v>
+                    <c:v>0</c:v>
                   </c:pt>
                   <c:pt idx="7">
-                    <c:v>0.0</c:v>
+                    <c:v>0</c:v>
                   </c:pt>
                   <c:pt idx="8">
-                    <c:v>0.0</c:v>
+                    <c:v>0</c:v>
                   </c:pt>
                   <c:pt idx="9">
-                    <c:v>0.0</c:v>
+                    <c:v>0</c:v>
                   </c:pt>
                   <c:pt idx="10">
-                    <c:v>0.0</c:v>
+                    <c:v>0</c:v>
                   </c:pt>
                   <c:pt idx="11">
-                    <c:v>0.0</c:v>
+                    <c:v>0</c:v>
                   </c:pt>
                   <c:pt idx="12">
-                    <c:v>0.0</c:v>
+                    <c:v>0</c:v>
                   </c:pt>
                   <c:pt idx="13">
-                    <c:v>0.0</c:v>
+                    <c:v>0</c:v>
                   </c:pt>
                   <c:pt idx="14">
-                    <c:v>0.0</c:v>
+                    <c:v>0</c:v>
                   </c:pt>
                   <c:pt idx="15">
-                    <c:v>0.0</c:v>
+                    <c:v>0</c:v>
                   </c:pt>
                   <c:pt idx="16">
-                    <c:v>0.0</c:v>
+                    <c:v>0</c:v>
                   </c:pt>
                   <c:pt idx="17">
-                    <c:v>0.0</c:v>
+                    <c:v>0</c:v>
                   </c:pt>
                   <c:pt idx="18">
-                    <c:v>8.81956000000001E-10</c:v>
+                    <c:v>8.8195600000000102E-10</c:v>
                   </c:pt>
                   <c:pt idx="19">
                     <c:v>1.2226098325E-9</c:v>
                   </c:pt>
                   <c:pt idx="20">
-                    <c:v>2.4065402331E-9</c:v>
+                    <c:v>2.4065402330999998E-9</c:v>
                   </c:pt>
                   <c:pt idx="21">
-                    <c:v>5.8282631195E-9</c:v>
+                    <c:v>5.8282631195000001E-9</c:v>
                   </c:pt>
                   <c:pt idx="22">
-                    <c:v>1.25124915327E-8</c:v>
+                    <c:v>1.2512491532700001E-8</c:v>
                   </c:pt>
                   <c:pt idx="23">
-                    <c:v>2.26629030177E-8</c:v>
+                    <c:v>2.2662903017699999E-8</c:v>
                   </c:pt>
                   <c:pt idx="24">
-                    <c:v>3.84538740107E-8</c:v>
+                    <c:v>3.8453874010699999E-8</c:v>
                   </c:pt>
                   <c:pt idx="25">
-                    <c:v>5.83999260078E-8</c:v>
+                    <c:v>5.8399926007799999E-8</c:v>
                   </c:pt>
                   <c:pt idx="26">
-                    <c:v>8.00603100067E-8</c:v>
+                    <c:v>8.0060310006699994E-8</c:v>
                   </c:pt>
                   <c:pt idx="27">
-                    <c:v>9.50448600067001E-8</c:v>
+                    <c:v>9.5044860006700094E-8</c:v>
                   </c:pt>
                   <c:pt idx="28">
                     <c:v>1.032309000069E-7</c:v>
@@ -1012,13 +1026,13 @@
                     <c:v>8.85674600089004E-8</c:v>
                   </c:pt>
                   <c:pt idx="30">
-                    <c:v>6.38330250131E-8</c:v>
+                    <c:v>6.3833025013099998E-8</c:v>
                   </c:pt>
                   <c:pt idx="31">
-                    <c:v>4.34546540197E-8</c:v>
+                    <c:v>4.3454654019699998E-8</c:v>
                   </c:pt>
                   <c:pt idx="32">
-                    <c:v>3.06504000275E-8</c:v>
+                    <c:v>3.0650400027499998E-8</c:v>
                   </c:pt>
                   <c:pt idx="33">
                     <c:v>1.99731096408E-8</c:v>
@@ -1027,19 +1041,19 @@
                     <c:v>1.02345285805E-8</c:v>
                   </c:pt>
                   <c:pt idx="35">
-                    <c:v>2.5357798701E-9</c:v>
+                    <c:v>2.5357798701000001E-9</c:v>
                   </c:pt>
                   <c:pt idx="36">
-                    <c:v>1.4736549265E-9</c:v>
+                    <c:v>1.4736549264999999E-9</c:v>
                   </c:pt>
                   <c:pt idx="37">
-                    <c:v>0.0</c:v>
+                    <c:v>0</c:v>
                   </c:pt>
                   <c:pt idx="38">
-                    <c:v>0.0</c:v>
+                    <c:v>0</c:v>
                   </c:pt>
                   <c:pt idx="39">
-                    <c:v>0.0</c:v>
+                    <c:v>0</c:v>
                   </c:pt>
                 </c:numCache>
               </c:numRef>
@@ -1065,16 +1079,16 @@
                 <c:formatCode>0.00E+00</c:formatCode>
                 <c:ptCount val="40"/>
                 <c:pt idx="0">
-                  <c:v>8.46E-10</c:v>
+                  <c:v>8.4599999999999997E-10</c:v>
                 </c:pt>
                 <c:pt idx="1">
-                  <c:v>2.5495E-9</c:v>
+                  <c:v>2.5494999999999999E-9</c:v>
                 </c:pt>
                 <c:pt idx="2">
-                  <c:v>5.134E-9</c:v>
+                  <c:v>5.1339999999999998E-9</c:v>
                 </c:pt>
                 <c:pt idx="3">
-                  <c:v>1.03405E-8</c:v>
+                  <c:v>1.0340499999999999E-8</c:v>
                 </c:pt>
                 <c:pt idx="4">
                   <c:v>2.082E-8</c:v>
@@ -1083,25 +1097,25 @@
                   <c:v>4.1925E-8</c:v>
                 </c:pt>
                 <c:pt idx="6">
-                  <c:v>8.4415E-8</c:v>
+                  <c:v>8.4415000000000005E-8</c:v>
                 </c:pt>
                 <c:pt idx="7">
-                  <c:v>1.7E-7</c:v>
+                  <c:v>1.6999999999999999E-7</c:v>
                 </c:pt>
                 <c:pt idx="8">
-                  <c:v>3.4235E-7</c:v>
+                  <c:v>3.4234999999999999E-7</c:v>
                 </c:pt>
                 <c:pt idx="9">
-                  <c:v>6.8945E-7</c:v>
+                  <c:v>6.8945000000000002E-7</c:v>
                 </c:pt>
                 <c:pt idx="10">
-                  <c:v>1.3882E-6</c:v>
+                  <c:v>1.3881999999999999E-6</c:v>
                 </c:pt>
                 <c:pt idx="11">
-                  <c:v>2.7955E-6</c:v>
+                  <c:v>2.7955000000000002E-6</c:v>
                 </c:pt>
                 <c:pt idx="12">
-                  <c:v>5.63E-6</c:v>
+                  <c:v>5.6300000000000003E-6</c:v>
                 </c:pt>
                 <c:pt idx="13">
                   <c:v>1.1337E-5</c:v>
@@ -1110,79 +1124,79 @@
                   <c:v>2.283E-5</c:v>
                 </c:pt>
                 <c:pt idx="15">
-                  <c:v>4.5975E-5</c:v>
+                  <c:v>4.5974999999999999E-5</c:v>
                 </c:pt>
                 <c:pt idx="16">
-                  <c:v>9.257E-5</c:v>
+                  <c:v>9.2570000000000003E-5</c:v>
                 </c:pt>
                 <c:pt idx="17">
-                  <c:v>0.00018645</c:v>
+                  <c:v>1.8645000000000001E-4</c:v>
                 </c:pt>
                 <c:pt idx="18">
-                  <c:v>0.00037545</c:v>
+                  <c:v>3.7544999999999999E-4</c:v>
                 </c:pt>
                 <c:pt idx="19">
-                  <c:v>0.00075585</c:v>
+                  <c:v>7.5584999999999997E-4</c:v>
                 </c:pt>
                 <c:pt idx="20">
-                  <c:v>0.0015225</c:v>
+                  <c:v>1.5225E-3</c:v>
                 </c:pt>
                 <c:pt idx="21">
-                  <c:v>0.003066</c:v>
+                  <c:v>3.0660000000000001E-3</c:v>
                 </c:pt>
                 <c:pt idx="22">
-                  <c:v>0.006174</c:v>
+                  <c:v>6.1739999999999998E-3</c:v>
                 </c:pt>
                 <c:pt idx="23">
-                  <c:v>0.0124355</c:v>
+                  <c:v>1.24355E-2</c:v>
                 </c:pt>
                 <c:pt idx="24">
-                  <c:v>0.02504</c:v>
+                  <c:v>2.504E-2</c:v>
                 </c:pt>
                 <c:pt idx="25">
-                  <c:v>0.05042</c:v>
+                  <c:v>5.042E-2</c:v>
                 </c:pt>
                 <c:pt idx="26">
-                  <c:v>0.10154</c:v>
+                  <c:v>0.10154000000000001</c:v>
                 </c:pt>
                 <c:pt idx="27">
-                  <c:v>0.20445</c:v>
+                  <c:v>0.20444999999999999</c:v>
                 </c:pt>
                 <c:pt idx="28">
-                  <c:v>0.4117</c:v>
+                  <c:v>0.41170000000000001</c:v>
                 </c:pt>
                 <c:pt idx="29">
-                  <c:v>0.8291</c:v>
+                  <c:v>0.82909999999999995</c:v>
                 </c:pt>
                 <c:pt idx="30">
                   <c:v>1.6695</c:v>
                 </c:pt>
                 <c:pt idx="31">
-                  <c:v>2.865</c:v>
+                  <c:v>2.8650000000000002</c:v>
                 </c:pt>
                 <c:pt idx="32">
-                  <c:v>4.257499999999998</c:v>
+                  <c:v>4.2574999999999976</c:v>
                 </c:pt>
                 <c:pt idx="33">
-                  <c:v>5.9965</c:v>
+                  <c:v>5.9965000000000002</c:v>
                 </c:pt>
                 <c:pt idx="34">
-                  <c:v>8.4885</c:v>
+                  <c:v>8.4885000000000002</c:v>
                 </c:pt>
                 <c:pt idx="35">
-                  <c:v>11.0</c:v>
+                  <c:v>11</c:v>
                 </c:pt>
                 <c:pt idx="36">
-                  <c:v>13.0</c:v>
+                  <c:v>13</c:v>
                 </c:pt>
                 <c:pt idx="37">
-                  <c:v>15.0</c:v>
+                  <c:v>15</c:v>
                 </c:pt>
                 <c:pt idx="38">
-                  <c:v>17.0</c:v>
+                  <c:v>17</c:v>
                 </c:pt>
                 <c:pt idx="39">
-                  <c:v>19.0</c:v>
+                  <c:v>19</c:v>
                 </c:pt>
               </c:numCache>
             </c:numRef>
@@ -1194,79 +1208,79 @@
                 <c:formatCode>0.00E+00</c:formatCode>
                 <c:ptCount val="40"/>
                 <c:pt idx="0">
-                  <c:v>1.0E-15</c:v>
+                  <c:v>1.0000000000000001E-15</c:v>
                 </c:pt>
                 <c:pt idx="1">
-                  <c:v>1.0E-15</c:v>
+                  <c:v>1.0000000000000001E-15</c:v>
                 </c:pt>
                 <c:pt idx="2">
-                  <c:v>1.0E-15</c:v>
+                  <c:v>1.0000000000000001E-15</c:v>
                 </c:pt>
                 <c:pt idx="3">
-                  <c:v>1.0E-15</c:v>
+                  <c:v>1.0000000000000001E-15</c:v>
                 </c:pt>
                 <c:pt idx="4">
-                  <c:v>1.0E-15</c:v>
+                  <c:v>1.0000000000000001E-15</c:v>
                 </c:pt>
                 <c:pt idx="5">
-                  <c:v>1.0E-15</c:v>
+                  <c:v>1.0000000000000001E-15</c:v>
                 </c:pt>
                 <c:pt idx="6">
-                  <c:v>1.0E-15</c:v>
+                  <c:v>1.0000000000000001E-15</c:v>
                 </c:pt>
                 <c:pt idx="7">
-                  <c:v>1.0E-15</c:v>
+                  <c:v>1.0000000000000001E-15</c:v>
                 </c:pt>
                 <c:pt idx="8">
-                  <c:v>1.0E-15</c:v>
+                  <c:v>1.0000000000000001E-15</c:v>
                 </c:pt>
                 <c:pt idx="9">
-                  <c:v>1.0E-15</c:v>
+                  <c:v>1.0000000000000001E-15</c:v>
                 </c:pt>
                 <c:pt idx="10">
-                  <c:v>1.0E-15</c:v>
+                  <c:v>1.0000000000000001E-15</c:v>
                 </c:pt>
                 <c:pt idx="11">
-                  <c:v>1.0E-15</c:v>
+                  <c:v>1.0000000000000001E-15</c:v>
                 </c:pt>
                 <c:pt idx="12">
-                  <c:v>1.0E-15</c:v>
+                  <c:v>1.0000000000000001E-15</c:v>
                 </c:pt>
                 <c:pt idx="13">
-                  <c:v>1.0E-15</c:v>
+                  <c:v>1.0000000000000001E-15</c:v>
                 </c:pt>
                 <c:pt idx="14">
-                  <c:v>1.0E-15</c:v>
+                  <c:v>1.0000000000000001E-15</c:v>
                 </c:pt>
                 <c:pt idx="15">
-                  <c:v>1.0E-15</c:v>
+                  <c:v>1.0000000000000001E-15</c:v>
                 </c:pt>
                 <c:pt idx="16">
-                  <c:v>1.0E-15</c:v>
+                  <c:v>1.0000000000000001E-15</c:v>
                 </c:pt>
                 <c:pt idx="17">
-                  <c:v>1.0E-15</c:v>
+                  <c:v>1.0000000000000001E-15</c:v>
                 </c:pt>
                 <c:pt idx="18">
-                  <c:v>8.81956000000001E-10</c:v>
+                  <c:v>8.8195600000000102E-10</c:v>
                 </c:pt>
                 <c:pt idx="19">
-                  <c:v>2.098901E-9</c:v>
+                  <c:v>2.0989010000000002E-9</c:v>
                 </c:pt>
                 <c:pt idx="20">
-                  <c:v>1.3902601E-8</c:v>
+                  <c:v>1.3902601000000001E-8</c:v>
                 </c:pt>
                 <c:pt idx="21">
-                  <c:v>8.38599010000001E-8</c:v>
+                  <c:v>8.3859901000000102E-8</c:v>
                 </c:pt>
                 <c:pt idx="22">
-                  <c:v>3.82645001E-7</c:v>
+                  <c:v>3.8264500100000003E-7</c:v>
                 </c:pt>
                 <c:pt idx="23">
-                  <c:v>1.280390001E-6</c:v>
+                  <c:v>1.2803900010000001E-6</c:v>
                 </c:pt>
                 <c:pt idx="24">
-                  <c:v>3.593820001E-6</c:v>
+                  <c:v>3.5938200009999998E-6</c:v>
                 </c:pt>
                 <c:pt idx="25">
                   <c:v>7.487170001E-6</c:v>
@@ -1275,43 +1289,43 @@
                   <c:v>1.1949300001E-5</c:v>
                 </c:pt>
                 <c:pt idx="27">
-                  <c:v>1.4185800001E-5</c:v>
+                  <c:v>1.4185800000999999E-5</c:v>
                 </c:pt>
                 <c:pt idx="28">
                   <c:v>1.4961000001E-5</c:v>
                 </c:pt>
                 <c:pt idx="29">
-                  <c:v>9.951400001E-6</c:v>
+                  <c:v>9.9514000009999996E-6</c:v>
                 </c:pt>
                 <c:pt idx="30">
-                  <c:v>4.872750001E-6</c:v>
+                  <c:v>4.8727500010000004E-6</c:v>
                 </c:pt>
                 <c:pt idx="31">
-                  <c:v>2.205820001E-6</c:v>
+                  <c:v>2.2058200010000002E-6</c:v>
                 </c:pt>
                 <c:pt idx="32">
-                  <c:v>1.114560001E-6</c:v>
+                  <c:v>1.1145600009999999E-6</c:v>
                 </c:pt>
                 <c:pt idx="33">
                   <c:v>4.89537001E-7</c:v>
                 </c:pt>
                 <c:pt idx="34">
-                  <c:v>1.27137001E-7</c:v>
+                  <c:v>1.2713700100000001E-7</c:v>
                 </c:pt>
                 <c:pt idx="35">
-                  <c:v>8.073161E-9</c:v>
+                  <c:v>8.0731610000000006E-9</c:v>
                 </c:pt>
                 <c:pt idx="36">
                   <c:v>2.056741E-9</c:v>
                 </c:pt>
                 <c:pt idx="37">
-                  <c:v>1.0E-15</c:v>
+                  <c:v>1.0000000000000001E-15</c:v>
                 </c:pt>
                 <c:pt idx="38">
-                  <c:v>1.0E-15</c:v>
+                  <c:v>1.0000000000000001E-15</c:v>
                 </c:pt>
                 <c:pt idx="39">
-                  <c:v>1.0E-15</c:v>
+                  <c:v>1.0000000000000001E-15</c:v>
                 </c:pt>
               </c:numCache>
             </c:numRef>
@@ -1356,100 +1370,100 @@
                   <c:formatCode>General</c:formatCode>
                   <c:ptCount val="40"/>
                   <c:pt idx="0">
-                    <c:v>0.0</c:v>
+                    <c:v>0</c:v>
                   </c:pt>
                   <c:pt idx="1">
-                    <c:v>0.0</c:v>
+                    <c:v>0</c:v>
                   </c:pt>
                   <c:pt idx="2">
-                    <c:v>0.0</c:v>
+                    <c:v>0</c:v>
                   </c:pt>
                   <c:pt idx="3">
-                    <c:v>0.0</c:v>
+                    <c:v>0</c:v>
                   </c:pt>
                   <c:pt idx="4">
                     <c:v>2.73947E-10</c:v>
                   </c:pt>
                   <c:pt idx="5">
-                    <c:v>6.768039438E-10</c:v>
+                    <c:v>6.7680394379999996E-10</c:v>
                   </c:pt>
                   <c:pt idx="6">
-                    <c:v>9.075860559E-10</c:v>
+                    <c:v>9.0758605589999998E-10</c:v>
                   </c:pt>
                   <c:pt idx="7">
-                    <c:v>4.677119626E-10</c:v>
+                    <c:v>4.6771196259999997E-10</c:v>
                   </c:pt>
                   <c:pt idx="8">
-                    <c:v>6.731919045E-10</c:v>
+                    <c:v>6.7319190449999996E-10</c:v>
                   </c:pt>
                   <c:pt idx="9">
-                    <c:v>4.47540506E-10</c:v>
+                    <c:v>4.4754050600000001E-10</c:v>
                   </c:pt>
                   <c:pt idx="10">
-                    <c:v>9.923620771E-10</c:v>
+                    <c:v>9.9236207709999993E-10</c:v>
                   </c:pt>
                   <c:pt idx="11">
                     <c:v>5.821058448E-10</c:v>
                   </c:pt>
                   <c:pt idx="12">
-                    <c:v>4.35083E-10</c:v>
+                    <c:v>4.3508299999999999E-10</c:v>
                   </c:pt>
                   <c:pt idx="13">
-                    <c:v>3.945890225E-10</c:v>
+                    <c:v>3.9458902250000002E-10</c:v>
                   </c:pt>
                   <c:pt idx="14">
-                    <c:v>4.580077656E-10</c:v>
+                    <c:v>4.5800776559999998E-10</c:v>
                   </c:pt>
                   <c:pt idx="15">
-                    <c:v>7.89708222E-10</c:v>
+                    <c:v>7.8970822199999997E-10</c:v>
                   </c:pt>
                   <c:pt idx="16">
                     <c:v>1.1466211809E-9</c:v>
                   </c:pt>
                   <c:pt idx="17">
-                    <c:v>9.61467033E-10</c:v>
+                    <c:v>9.6146703300000003E-10</c:v>
                   </c:pt>
                   <c:pt idx="18">
-                    <c:v>1.6970702354E-9</c:v>
+                    <c:v>1.6970702354000001E-9</c:v>
                   </c:pt>
                   <c:pt idx="19">
-                    <c:v>2.1478137477E-9</c:v>
+                    <c:v>2.1478137477000001E-9</c:v>
                   </c:pt>
                   <c:pt idx="20">
                     <c:v>3.6768464821E-9</c:v>
                   </c:pt>
                   <c:pt idx="21">
-                    <c:v>6.2591633135E-9</c:v>
+                    <c:v>6.2591633135000003E-9</c:v>
                   </c:pt>
                   <c:pt idx="22">
-                    <c:v>1.04198318389E-8</c:v>
+                    <c:v>1.0419831838900001E-8</c:v>
                   </c:pt>
                   <c:pt idx="23">
-                    <c:v>1.57063608248E-8</c:v>
+                    <c:v>1.5706360824800001E-8</c:v>
                   </c:pt>
                   <c:pt idx="24">
-                    <c:v>2.25498580173E-8</c:v>
+                    <c:v>2.2549858017300001E-8</c:v>
                   </c:pt>
                   <c:pt idx="25">
-                    <c:v>2.88621840156E-8</c:v>
+                    <c:v>2.8862184015600001E-8</c:v>
                   </c:pt>
                   <c:pt idx="26">
-                    <c:v>3.31949500163E-8</c:v>
+                    <c:v>3.3194950016300002E-8</c:v>
                   </c:pt>
                   <c:pt idx="27">
-                    <c:v>3.32662790191E-8</c:v>
+                    <c:v>3.3266279019099999E-8</c:v>
                   </c:pt>
                   <c:pt idx="28">
-                    <c:v>3.02999060229E-8</c:v>
+                    <c:v>3.0299906022900002E-8</c:v>
                   </c:pt>
                   <c:pt idx="29">
-                    <c:v>2.07799584362E-8</c:v>
+                    <c:v>2.0779958436199999E-8</c:v>
                   </c:pt>
                   <c:pt idx="30">
-                    <c:v>1.03762890735E-8</c:v>
+                    <c:v>1.0376289073499999E-8</c:v>
                   </c:pt>
                   <c:pt idx="31">
-                    <c:v>5.6268419463E-9</c:v>
+                    <c:v>5.6268419463000002E-9</c:v>
                   </c:pt>
                   <c:pt idx="32">
                     <c:v>5.09691216E-9</c:v>
@@ -1461,19 +1475,19 @@
                     <c:v>1.008089859E-9</c:v>
                   </c:pt>
                   <c:pt idx="35">
-                    <c:v>0.0</c:v>
+                    <c:v>0</c:v>
                   </c:pt>
                   <c:pt idx="36">
-                    <c:v>5.03659E-10</c:v>
+                    <c:v>5.0365899999999999E-10</c:v>
                   </c:pt>
                   <c:pt idx="37">
-                    <c:v>0.0</c:v>
+                    <c:v>0</c:v>
                   </c:pt>
                   <c:pt idx="38">
-                    <c:v>0.0</c:v>
+                    <c:v>0</c:v>
                   </c:pt>
                   <c:pt idx="39">
-                    <c:v>0.0</c:v>
+                    <c:v>0</c:v>
                   </c:pt>
                 </c:numCache>
               </c:numRef>
@@ -1485,100 +1499,100 @@
                   <c:formatCode>General</c:formatCode>
                   <c:ptCount val="40"/>
                   <c:pt idx="0">
-                    <c:v>0.0</c:v>
+                    <c:v>0</c:v>
                   </c:pt>
                   <c:pt idx="1">
-                    <c:v>0.0</c:v>
+                    <c:v>0</c:v>
                   </c:pt>
                   <c:pt idx="2">
-                    <c:v>0.0</c:v>
+                    <c:v>0</c:v>
                   </c:pt>
                   <c:pt idx="3">
-                    <c:v>0.0</c:v>
+                    <c:v>0</c:v>
                   </c:pt>
                   <c:pt idx="4">
                     <c:v>2.73947E-10</c:v>
                   </c:pt>
                   <c:pt idx="5">
-                    <c:v>6.768039438E-10</c:v>
+                    <c:v>6.7680394379999996E-10</c:v>
                   </c:pt>
                   <c:pt idx="6">
-                    <c:v>9.075860559E-10</c:v>
+                    <c:v>9.0758605589999998E-10</c:v>
                   </c:pt>
                   <c:pt idx="7">
-                    <c:v>4.677119626E-10</c:v>
+                    <c:v>4.6771196259999997E-10</c:v>
                   </c:pt>
                   <c:pt idx="8">
-                    <c:v>6.731919045E-10</c:v>
+                    <c:v>6.7319190449999996E-10</c:v>
                   </c:pt>
                   <c:pt idx="9">
-                    <c:v>4.47540506E-10</c:v>
+                    <c:v>4.4754050600000001E-10</c:v>
                   </c:pt>
                   <c:pt idx="10">
-                    <c:v>9.923620771E-10</c:v>
+                    <c:v>9.9236207709999993E-10</c:v>
                   </c:pt>
                   <c:pt idx="11">
                     <c:v>5.821058448E-10</c:v>
                   </c:pt>
                   <c:pt idx="12">
-                    <c:v>4.35083E-10</c:v>
+                    <c:v>4.3508299999999999E-10</c:v>
                   </c:pt>
                   <c:pt idx="13">
-                    <c:v>3.945890225E-10</c:v>
+                    <c:v>3.9458902250000002E-10</c:v>
                   </c:pt>
                   <c:pt idx="14">
-                    <c:v>4.580077656E-10</c:v>
+                    <c:v>4.5800776559999998E-10</c:v>
                   </c:pt>
                   <c:pt idx="15">
-                    <c:v>7.89708222E-10</c:v>
+                    <c:v>7.8970822199999997E-10</c:v>
                   </c:pt>
                   <c:pt idx="16">
                     <c:v>1.1466211809E-9</c:v>
                   </c:pt>
                   <c:pt idx="17">
-                    <c:v>9.61467033E-10</c:v>
+                    <c:v>9.6146703300000003E-10</c:v>
                   </c:pt>
                   <c:pt idx="18">
-                    <c:v>1.6970702354E-9</c:v>
+                    <c:v>1.6970702354000001E-9</c:v>
                   </c:pt>
                   <c:pt idx="19">
-                    <c:v>2.1478137477E-9</c:v>
+                    <c:v>2.1478137477000001E-9</c:v>
                   </c:pt>
                   <c:pt idx="20">
                     <c:v>3.6768464821E-9</c:v>
                   </c:pt>
                   <c:pt idx="21">
-                    <c:v>6.2591633135E-9</c:v>
+                    <c:v>6.2591633135000003E-9</c:v>
                   </c:pt>
                   <c:pt idx="22">
-                    <c:v>1.04198318389E-8</c:v>
+                    <c:v>1.0419831838900001E-8</c:v>
                   </c:pt>
                   <c:pt idx="23">
-                    <c:v>1.57063608248E-8</c:v>
+                    <c:v>1.5706360824800001E-8</c:v>
                   </c:pt>
                   <c:pt idx="24">
-                    <c:v>2.25498580173E-8</c:v>
+                    <c:v>2.2549858017300001E-8</c:v>
                   </c:pt>
                   <c:pt idx="25">
-                    <c:v>2.88621840156E-8</c:v>
+                    <c:v>2.8862184015600001E-8</c:v>
                   </c:pt>
                   <c:pt idx="26">
-                    <c:v>3.31949500163E-8</c:v>
+                    <c:v>3.3194950016300002E-8</c:v>
                   </c:pt>
                   <c:pt idx="27">
-                    <c:v>3.32662790191E-8</c:v>
+                    <c:v>3.3266279019099999E-8</c:v>
                   </c:pt>
                   <c:pt idx="28">
-                    <c:v>3.02999060229E-8</c:v>
+                    <c:v>3.0299906022900002E-8</c:v>
                   </c:pt>
                   <c:pt idx="29">
-                    <c:v>2.07799584362E-8</c:v>
+                    <c:v>2.0779958436199999E-8</c:v>
                   </c:pt>
                   <c:pt idx="30">
-                    <c:v>1.03762890735E-8</c:v>
+                    <c:v>1.0376289073499999E-8</c:v>
                   </c:pt>
                   <c:pt idx="31">
-                    <c:v>5.6268419463E-9</c:v>
+                    <c:v>5.6268419463000002E-9</c:v>
                   </c:pt>
                   <c:pt idx="32">
                     <c:v>5.09691216E-9</c:v>
@@ -1590,19 +1604,19 @@
                     <c:v>1.008089859E-9</c:v>
                   </c:pt>
                   <c:pt idx="35">
-                    <c:v>0.0</c:v>
+                    <c:v>0</c:v>
                   </c:pt>
                   <c:pt idx="36">
-                    <c:v>5.03659E-10</c:v>
+                    <c:v>5.0365899999999999E-10</c:v>
                   </c:pt>
                   <c:pt idx="37">
-                    <c:v>0.0</c:v>
+                    <c:v>0</c:v>
                   </c:pt>
                   <c:pt idx="38">
-                    <c:v>0.0</c:v>
+                    <c:v>0</c:v>
                   </c:pt>
                   <c:pt idx="39">
-                    <c:v>0.0</c:v>
+                    <c:v>0</c:v>
                   </c:pt>
                 </c:numCache>
               </c:numRef>
@@ -1628,16 +1642,16 @@
                 <c:formatCode>0.00E+00</c:formatCode>
                 <c:ptCount val="40"/>
                 <c:pt idx="0">
-                  <c:v>8.46E-10</c:v>
+                  <c:v>8.4599999999999997E-10</c:v>
                 </c:pt>
                 <c:pt idx="1">
-                  <c:v>2.5495E-9</c:v>
+                  <c:v>2.5494999999999999E-9</c:v>
                 </c:pt>
                 <c:pt idx="2">
-                  <c:v>5.134E-9</c:v>
+                  <c:v>5.1339999999999998E-9</c:v>
                 </c:pt>
                 <c:pt idx="3">
-                  <c:v>1.03405E-8</c:v>
+                  <c:v>1.0340499999999999E-8</c:v>
                 </c:pt>
                 <c:pt idx="4">
                   <c:v>2.082E-8</c:v>
@@ -1646,25 +1660,25 @@
                   <c:v>4.1925E-8</c:v>
                 </c:pt>
                 <c:pt idx="6">
-                  <c:v>8.4415E-8</c:v>
+                  <c:v>8.4415000000000005E-8</c:v>
                 </c:pt>
                 <c:pt idx="7">
-                  <c:v>1.7E-7</c:v>
+                  <c:v>1.6999999999999999E-7</c:v>
                 </c:pt>
                 <c:pt idx="8">
-                  <c:v>3.4235E-7</c:v>
+                  <c:v>3.4234999999999999E-7</c:v>
                 </c:pt>
                 <c:pt idx="9">
-                  <c:v>6.8945E-7</c:v>
+                  <c:v>6.8945000000000002E-7</c:v>
                 </c:pt>
                 <c:pt idx="10">
-                  <c:v>1.3882E-6</c:v>
+                  <c:v>1.3881999999999999E-6</c:v>
                 </c:pt>
                 <c:pt idx="11">
-                  <c:v>2.7955E-6</c:v>
+                  <c:v>2.7955000000000002E-6</c:v>
                 </c:pt>
                 <c:pt idx="12">
-                  <c:v>5.63E-6</c:v>
+                  <c:v>5.6300000000000003E-6</c:v>
                 </c:pt>
                 <c:pt idx="13">
                   <c:v>1.1337E-5</c:v>
@@ -1673,79 +1687,79 @@
                   <c:v>2.283E-5</c:v>
                 </c:pt>
                 <c:pt idx="15">
-                  <c:v>4.5975E-5</c:v>
+                  <c:v>4.5974999999999999E-5</c:v>
                 </c:pt>
                 <c:pt idx="16">
-                  <c:v>9.257E-5</c:v>
+                  <c:v>9.2570000000000003E-5</c:v>
                 </c:pt>
                 <c:pt idx="17">
-                  <c:v>0.00018645</c:v>
+                  <c:v>1.8645000000000001E-4</c:v>
                 </c:pt>
                 <c:pt idx="18">
-                  <c:v>0.00037545</c:v>
+                  <c:v>3.7544999999999999E-4</c:v>
                 </c:pt>
                 <c:pt idx="19">
-                  <c:v>0.00075585</c:v>
+                  <c:v>7.5584999999999997E-4</c:v>
                 </c:pt>
                 <c:pt idx="20">
-                  <c:v>0.0015225</c:v>
+                  <c:v>1.5225E-3</c:v>
                 </c:pt>
                 <c:pt idx="21">
-                  <c:v>0.003066</c:v>
+                  <c:v>3.0660000000000001E-3</c:v>
                 </c:pt>
                 <c:pt idx="22">
-                  <c:v>0.006174</c:v>
+                  <c:v>6.1739999999999998E-3</c:v>
                 </c:pt>
                 <c:pt idx="23">
-                  <c:v>0.0124355</c:v>
+                  <c:v>1.24355E-2</c:v>
                 </c:pt>
                 <c:pt idx="24">
-                  <c:v>0.02504</c:v>
+                  <c:v>2.504E-2</c:v>
                 </c:pt>
                 <c:pt idx="25">
-                  <c:v>0.05042</c:v>
+                  <c:v>5.042E-2</c:v>
                 </c:pt>
                 <c:pt idx="26">
-                  <c:v>0.10154</c:v>
+                  <c:v>0.10154000000000001</c:v>
                 </c:pt>
                 <c:pt idx="27">
-                  <c:v>0.20445</c:v>
+                  <c:v>0.20444999999999999</c:v>
                 </c:pt>
                 <c:pt idx="28">
-                  <c:v>0.4117</c:v>
+                  <c:v>0.41170000000000001</c:v>
                 </c:pt>
                 <c:pt idx="29">
-                  <c:v>0.8291</c:v>
+                  <c:v>0.82909999999999995</c:v>
                 </c:pt>
                 <c:pt idx="30">
                   <c:v>1.6695</c:v>
                 </c:pt>
                 <c:pt idx="31">
-                  <c:v>2.865</c:v>
+                  <c:v>2.8650000000000002</c:v>
                 </c:pt>
                 <c:pt idx="32">
-                  <c:v>4.257499999999998</c:v>
+                  <c:v>4.2574999999999976</c:v>
                 </c:pt>
                 <c:pt idx="33">
-                  <c:v>5.9965</c:v>
+                  <c:v>5.9965000000000002</c:v>
                 </c:pt>
                 <c:pt idx="34">
-                  <c:v>8.4885</c:v>
+                  <c:v>8.4885000000000002</c:v>
                 </c:pt>
                 <c:pt idx="35">
-                  <c:v>11.0</c:v>
+                  <c:v>11</c:v>
                 </c:pt>
                 <c:pt idx="36">
-                  <c:v>13.0</c:v>
+                  <c:v>13</c:v>
                 </c:pt>
                 <c:pt idx="37">
-                  <c:v>15.0</c:v>
+                  <c:v>15</c:v>
                 </c:pt>
                 <c:pt idx="38">
-                  <c:v>17.0</c:v>
+                  <c:v>17</c:v>
                 </c:pt>
                 <c:pt idx="39">
-                  <c:v>19.0</c:v>
+                  <c:v>19</c:v>
                 </c:pt>
               </c:numCache>
             </c:numRef>
@@ -1757,76 +1771,76 @@
                 <c:formatCode>0.00E+00</c:formatCode>
                 <c:ptCount val="40"/>
                 <c:pt idx="0">
-                  <c:v>1.0E-15</c:v>
+                  <c:v>1.0000000000000001E-15</c:v>
                 </c:pt>
                 <c:pt idx="1">
-                  <c:v>1.0E-15</c:v>
+                  <c:v>1.0000000000000001E-15</c:v>
                 </c:pt>
                 <c:pt idx="2">
-                  <c:v>1.0E-15</c:v>
+                  <c:v>1.0000000000000001E-15</c:v>
                 </c:pt>
                 <c:pt idx="3">
-                  <c:v>1.0E-15</c:v>
+                  <c:v>1.0000000000000001E-15</c:v>
                 </c:pt>
                 <c:pt idx="4">
                   <c:v>2.73947E-10</c:v>
                 </c:pt>
                 <c:pt idx="5">
-                  <c:v>9.20446E-10</c:v>
+                  <c:v>9.2044600000000003E-10</c:v>
                 </c:pt>
                 <c:pt idx="6">
-                  <c:v>1.629711E-9</c:v>
+                  <c:v>1.6297110000000001E-9</c:v>
                 </c:pt>
                 <c:pt idx="7">
-                  <c:v>6.46994E-10</c:v>
+                  <c:v>6.4699399999999999E-10</c:v>
                 </c:pt>
                 <c:pt idx="8">
                   <c:v>1.141971E-9</c:v>
                 </c:pt>
                 <c:pt idx="9">
-                  <c:v>7.63721E-10</c:v>
+                  <c:v>7.6372100000000003E-10</c:v>
                 </c:pt>
                 <c:pt idx="10">
-                  <c:v>2.396431E-9</c:v>
+                  <c:v>2.3964310000000001E-9</c:v>
                 </c:pt>
                 <c:pt idx="11">
-                  <c:v>1.092541E-9</c:v>
+                  <c:v>1.0925409999999999E-9</c:v>
                 </c:pt>
                 <c:pt idx="12">
-                  <c:v>4.35083E-10</c:v>
+                  <c:v>4.3508299999999999E-10</c:v>
                 </c:pt>
                 <c:pt idx="13">
-                  <c:v>5.57723E-10</c:v>
+                  <c:v>5.5772300000000004E-10</c:v>
                 </c:pt>
                 <c:pt idx="14">
-                  <c:v>5.17874E-10</c:v>
+                  <c:v>5.1787400000000003E-10</c:v>
                 </c:pt>
                 <c:pt idx="15">
-                  <c:v>1.512851E-9</c:v>
+                  <c:v>1.5128509999999999E-9</c:v>
                 </c:pt>
                 <c:pt idx="16">
-                  <c:v>3.221751E-9</c:v>
+                  <c:v>3.2217509999999999E-9</c:v>
                 </c:pt>
                 <c:pt idx="17">
-                  <c:v>2.446481E-9</c:v>
+                  <c:v>2.4464809999999999E-9</c:v>
                 </c:pt>
                 <c:pt idx="18">
-                  <c:v>6.859621E-9</c:v>
+                  <c:v>6.8596209999999998E-9</c:v>
                 </c:pt>
                 <c:pt idx="19">
                   <c:v>1.1442801E-8</c:v>
                 </c:pt>
                 <c:pt idx="20">
-                  <c:v>3.2799701E-8</c:v>
+                  <c:v>3.2799701000000003E-8</c:v>
                 </c:pt>
                 <c:pt idx="21">
-                  <c:v>9.8569501E-8</c:v>
+                  <c:v>9.8569501000000005E-8</c:v>
                 </c:pt>
                 <c:pt idx="22">
-                  <c:v>2.67862001E-7</c:v>
+                  <c:v>2.6786200100000002E-7</c:v>
                 </c:pt>
                 <c:pt idx="23">
-                  <c:v>6.33321001E-7</c:v>
+                  <c:v>6.3332100099999999E-7</c:v>
                 </c:pt>
                 <c:pt idx="24">
                   <c:v>1.303460001E-6</c:v>
@@ -1835,7 +1849,7 @@
                   <c:v>1.850140001E-6</c:v>
                 </c:pt>
                 <c:pt idx="26">
-                  <c:v>2.036500001E-6</c:v>
+                  <c:v>2.0365000009999998E-6</c:v>
                 </c:pt>
                 <c:pt idx="27">
                   <c:v>1.741690001E-6</c:v>
@@ -1844,37 +1858,37 @@
                   <c:v>1.323140001E-6</c:v>
                 </c:pt>
                 <c:pt idx="29">
-                  <c:v>5.74032001E-7</c:v>
+                  <c:v>5.7403200099999997E-7</c:v>
                 </c:pt>
                 <c:pt idx="30">
-                  <c:v>1.41174001E-7</c:v>
+                  <c:v>1.4117400099999999E-7</c:v>
                 </c:pt>
                 <c:pt idx="31">
-                  <c:v>4.4551401E-8</c:v>
+                  <c:v>4.4551400999999998E-8</c:v>
                 </c:pt>
                 <c:pt idx="32">
-                  <c:v>3.1855701E-8</c:v>
+                  <c:v>3.1855700999999998E-8</c:v>
                 </c:pt>
                 <c:pt idx="33">
                   <c:v>1.3645801E-8</c:v>
                 </c:pt>
                 <c:pt idx="34">
-                  <c:v>2.526541E-9</c:v>
+                  <c:v>2.5265410000000002E-9</c:v>
                 </c:pt>
                 <c:pt idx="35">
-                  <c:v>1.0E-15</c:v>
+                  <c:v>1.0000000000000001E-15</c:v>
                 </c:pt>
                 <c:pt idx="36">
-                  <c:v>5.03659E-10</c:v>
+                  <c:v>5.0365899999999999E-10</c:v>
                 </c:pt>
                 <c:pt idx="37">
-                  <c:v>1.0E-15</c:v>
+                  <c:v>1.0000000000000001E-15</c:v>
                 </c:pt>
                 <c:pt idx="38">
-                  <c:v>1.0E-15</c:v>
+                  <c:v>1.0000000000000001E-15</c:v>
                 </c:pt>
                 <c:pt idx="39">
-                  <c:v>1.0E-15</c:v>
+                  <c:v>1.0000000000000001E-15</c:v>
                 </c:pt>
               </c:numCache>
             </c:numRef>
@@ -1919,124 +1933,124 @@
                   <c:formatCode>General</c:formatCode>
                   <c:ptCount val="40"/>
                   <c:pt idx="0">
-                    <c:v>0.0</c:v>
+                    <c:v>0</c:v>
                   </c:pt>
                   <c:pt idx="1">
-                    <c:v>0.0</c:v>
+                    <c:v>0</c:v>
                   </c:pt>
                   <c:pt idx="2">
-                    <c:v>0.0</c:v>
+                    <c:v>0</c:v>
                   </c:pt>
                   <c:pt idx="3">
-                    <c:v>0.0</c:v>
+                    <c:v>0</c:v>
                   </c:pt>
                   <c:pt idx="4">
-                    <c:v>0.0</c:v>
+                    <c:v>0</c:v>
                   </c:pt>
                   <c:pt idx="5">
-                    <c:v>0.0</c:v>
+                    <c:v>0</c:v>
                   </c:pt>
                   <c:pt idx="6">
-                    <c:v>0.0</c:v>
+                    <c:v>0</c:v>
                   </c:pt>
                   <c:pt idx="7">
-                    <c:v>0.0</c:v>
+                    <c:v>0</c:v>
                   </c:pt>
                   <c:pt idx="8">
-                    <c:v>0.0</c:v>
+                    <c:v>0</c:v>
                   </c:pt>
                   <c:pt idx="9">
-                    <c:v>0.0</c:v>
+                    <c:v>0</c:v>
                   </c:pt>
                   <c:pt idx="10">
-                    <c:v>0.0</c:v>
+                    <c:v>0</c:v>
                   </c:pt>
                   <c:pt idx="11">
-                    <c:v>0.0</c:v>
+                    <c:v>0</c:v>
                   </c:pt>
                   <c:pt idx="12">
-                    <c:v>0.0</c:v>
+                    <c:v>0</c:v>
                   </c:pt>
                   <c:pt idx="13">
-                    <c:v>0.0</c:v>
+                    <c:v>0</c:v>
                   </c:pt>
                   <c:pt idx="14">
-                    <c:v>0.0</c:v>
+                    <c:v>0</c:v>
                   </c:pt>
                   <c:pt idx="15">
-                    <c:v>0.0</c:v>
+                    <c:v>0</c:v>
                   </c:pt>
                   <c:pt idx="16">
-                    <c:v>0.0</c:v>
+                    <c:v>0</c:v>
                   </c:pt>
                   <c:pt idx="17">
-                    <c:v>0.0</c:v>
+                    <c:v>0</c:v>
                   </c:pt>
                   <c:pt idx="18">
-                    <c:v>0.0</c:v>
+                    <c:v>0</c:v>
                   </c:pt>
                   <c:pt idx="19">
-                    <c:v>8.351278317E-10</c:v>
+                    <c:v>8.3512783170000003E-10</c:v>
                   </c:pt>
                   <c:pt idx="20">
-                    <c:v>2.9521224323E-9</c:v>
+                    <c:v>2.9521224322999999E-9</c:v>
                   </c:pt>
                   <c:pt idx="21">
-                    <c:v>6.1328128656E-9</c:v>
+                    <c:v>6.1328128656000003E-9</c:v>
                   </c:pt>
                   <c:pt idx="22">
                     <c:v>1.17834574338E-8</c:v>
                   </c:pt>
                   <c:pt idx="23">
-                    <c:v>2.15629700187E-8</c:v>
+                    <c:v>2.1562970018699999E-8</c:v>
                   </c:pt>
                   <c:pt idx="24">
-                    <c:v>3.3583560012E-8</c:v>
+                    <c:v>3.3583560011999999E-8</c:v>
                   </c:pt>
                   <c:pt idx="25">
-                    <c:v>4.84860460094E-8</c:v>
+                    <c:v>4.8486046009399997E-8</c:v>
                   </c:pt>
                   <c:pt idx="26">
-                    <c:v>6.39226160083E-8</c:v>
+                    <c:v>6.3922616008300002E-8</c:v>
                   </c:pt>
                   <c:pt idx="27">
-                    <c:v>7.37612100087E-8</c:v>
+                    <c:v>7.3761210008699996E-8</c:v>
                   </c:pt>
                   <c:pt idx="28">
-                    <c:v>7.90344100091E-8</c:v>
+                    <c:v>7.9034410009100002E-8</c:v>
                   </c:pt>
                   <c:pt idx="29">
-                    <c:v>6.5867160012E-8</c:v>
+                    <c:v>6.5867160011999997E-8</c:v>
                   </c:pt>
                   <c:pt idx="30">
-                    <c:v>4.91289750175E-8</c:v>
+                    <c:v>4.9128975017500003E-8</c:v>
                   </c:pt>
                   <c:pt idx="31">
-                    <c:v>3.36504320256E-8</c:v>
+                    <c:v>3.3650432025600001E-8</c:v>
                   </c:pt>
                   <c:pt idx="32">
                     <c:v>2.31553328368E-8</c:v>
                   </c:pt>
                   <c:pt idx="33">
-                    <c:v>1.5230880056E-8</c:v>
+                    <c:v>1.5230880055999999E-8</c:v>
                   </c:pt>
                   <c:pt idx="34">
-                    <c:v>7.2074908963E-9</c:v>
+                    <c:v>7.2074908963000002E-9</c:v>
                   </c:pt>
                   <c:pt idx="35">
-                    <c:v>2.5552243686E-9</c:v>
+                    <c:v>2.5552243686000001E-9</c:v>
                   </c:pt>
                   <c:pt idx="36">
-                    <c:v>1.6536970503E-9</c:v>
+                    <c:v>1.6536970503000001E-9</c:v>
                   </c:pt>
                   <c:pt idx="37">
                     <c:v>1.127501E-9</c:v>
                   </c:pt>
                   <c:pt idx="38">
-                    <c:v>0.0</c:v>
+                    <c:v>0</c:v>
                   </c:pt>
                   <c:pt idx="39">
-                    <c:v>0.0</c:v>
+                    <c:v>0</c:v>
                   </c:pt>
                 </c:numCache>
               </c:numRef>
@@ -2048,124 +2062,124 @@
                   <c:formatCode>General</c:formatCode>
                   <c:ptCount val="40"/>
                   <c:pt idx="0">
-                    <c:v>0.0</c:v>
+                    <c:v>0</c:v>
                   </c:pt>
                   <c:pt idx="1">
-                    <c:v>0.0</c:v>
+                    <c:v>0</c:v>
                   </c:pt>
                   <c:pt idx="2">
-                    <c:v>0.0</c:v>
+                    <c:v>0</c:v>
                   </c:pt>
                   <c:pt idx="3">
-                    <c:v>0.0</c:v>
+                    <c:v>0</c:v>
                   </c:pt>
                   <c:pt idx="4">
-                    <c:v>0.0</c:v>
+                    <c:v>0</c:v>
                   </c:pt>
                   <c:pt idx="5">
-                    <c:v>0.0</c:v>
+                    <c:v>0</c:v>
                   </c:pt>
                   <c:pt idx="6">
-                    <c:v>0.0</c:v>
+                    <c:v>0</c:v>
                   </c:pt>
                   <c:pt idx="7">
-                    <c:v>0.0</c:v>
+                    <c:v>0</c:v>
                   </c:pt>
                   <c:pt idx="8">
-                    <c:v>0.0</c:v>
+                    <c:v>0</c:v>
                   </c:pt>
                   <c:pt idx="9">
-                    <c:v>0.0</c:v>
+                    <c:v>0</c:v>
                   </c:pt>
                   <c:pt idx="10">
-                    <c:v>0.0</c:v>
+                    <c:v>0</c:v>
                   </c:pt>
                   <c:pt idx="11">
-                    <c:v>0.0</c:v>
+                    <c:v>0</c:v>
                   </c:pt>
                   <c:pt idx="12">
-                    <c:v>0.0</c:v>
+                    <c:v>0</c:v>
                   </c:pt>
                   <c:pt idx="13">
-                    <c:v>0.0</c:v>
+                    <c:v>0</c:v>
                   </c:pt>
                   <c:pt idx="14">
-                    <c:v>0.0</c:v>
+                    <c:v>0</c:v>
                   </c:pt>
                   <c:pt idx="15">
-                    <c:v>0.0</c:v>
+                    <c:v>0</c:v>
                   </c:pt>
                   <c:pt idx="16">
-                    <c:v>0.0</c:v>
+                    <c:v>0</c:v>
                   </c:pt>
                   <c:pt idx="17">
-                    <c:v>0.0</c:v>
+                    <c:v>0</c:v>
                   </c:pt>
                   <c:pt idx="18">
-                    <c:v>0.0</c:v>
+                    <c:v>0</c:v>
                   </c:pt>
                   <c:pt idx="19">
-                    <c:v>8.351278317E-10</c:v>
+                    <c:v>8.3512783170000003E-10</c:v>
                   </c:pt>
                   <c:pt idx="20">
-                    <c:v>2.9521224323E-9</c:v>
+                    <c:v>2.9521224322999999E-9</c:v>
                   </c:pt>
                   <c:pt idx="21">
-                    <c:v>6.1328128656E-9</c:v>
+                    <c:v>6.1328128656000003E-9</c:v>
                   </c:pt>
                   <c:pt idx="22">
                     <c:v>1.17834574338E-8</c:v>
                   </c:pt>
                   <c:pt idx="23">
-                    <c:v>2.15629700187E-8</c:v>
+                    <c:v>2.1562970018699999E-8</c:v>
                   </c:pt>
                   <c:pt idx="24">
-                    <c:v>3.3583560012E-8</c:v>
+                    <c:v>3.3583560011999999E-8</c:v>
                   </c:pt>
                   <c:pt idx="25">
-                    <c:v>4.84860460094E-8</c:v>
+                    <c:v>4.8486046009399997E-8</c:v>
                   </c:pt>
                   <c:pt idx="26">
-                    <c:v>6.39226160083E-8</c:v>
+                    <c:v>6.3922616008300002E-8</c:v>
                   </c:pt>
                   <c:pt idx="27">
-                    <c:v>7.37612100087E-8</c:v>
+                    <c:v>7.3761210008699996E-8</c:v>
                   </c:pt>
                   <c:pt idx="28">
-                    <c:v>7.90344100091E-8</c:v>
+                    <c:v>7.9034410009100002E-8</c:v>
                   </c:pt>
                   <c:pt idx="29">
-                    <c:v>6.5867160012E-8</c:v>
+                    <c:v>6.5867160011999997E-8</c:v>
                   </c:pt>
                   <c:pt idx="30">
-                    <c:v>4.91289750175E-8</c:v>
+                    <c:v>4.9128975017500003E-8</c:v>
                   </c:pt>
                   <c:pt idx="31">
-                    <c:v>3.36504320256E-8</c:v>
+                    <c:v>3.3650432025600001E-8</c:v>
                   </c:pt>
                   <c:pt idx="32">
                     <c:v>2.31553328368E-8</c:v>
                   </c:pt>
                   <c:pt idx="33">
-                    <c:v>1.5230880056E-8</c:v>
+                    <c:v>1.5230880055999999E-8</c:v>
                   </c:pt>
                   <c:pt idx="34">
-                    <c:v>7.2074908963E-9</c:v>
+                    <c:v>7.2074908963000002E-9</c:v>
                   </c:pt>
                   <c:pt idx="35">
-                    <c:v>2.5552243686E-9</c:v>
+                    <c:v>2.5552243686000001E-9</c:v>
                   </c:pt>
                   <c:pt idx="36">
-                    <c:v>1.6536970503E-9</c:v>
+                    <c:v>1.6536970503000001E-9</c:v>
                   </c:pt>
                   <c:pt idx="37">
                     <c:v>1.127501E-9</c:v>
                   </c:pt>
                   <c:pt idx="38">
-                    <c:v>0.0</c:v>
+                    <c:v>0</c:v>
                   </c:pt>
                   <c:pt idx="39">
-                    <c:v>0.0</c:v>
+                    <c:v>0</c:v>
                   </c:pt>
                 </c:numCache>
               </c:numRef>
@@ -2191,16 +2205,16 @@
                 <c:formatCode>0.00E+00</c:formatCode>
                 <c:ptCount val="40"/>
                 <c:pt idx="0">
-                  <c:v>8.46E-10</c:v>
+                  <c:v>8.4599999999999997E-10</c:v>
                 </c:pt>
                 <c:pt idx="1">
-                  <c:v>2.5495E-9</c:v>
+                  <c:v>2.5494999999999999E-9</c:v>
                 </c:pt>
                 <c:pt idx="2">
-                  <c:v>5.134E-9</c:v>
+                  <c:v>5.1339999999999998E-9</c:v>
                 </c:pt>
                 <c:pt idx="3">
-                  <c:v>1.03405E-8</c:v>
+                  <c:v>1.0340499999999999E-8</c:v>
                 </c:pt>
                 <c:pt idx="4">
                   <c:v>2.082E-8</c:v>
@@ -2209,25 +2223,25 @@
                   <c:v>4.1925E-8</c:v>
                 </c:pt>
                 <c:pt idx="6">
-                  <c:v>8.4415E-8</c:v>
+                  <c:v>8.4415000000000005E-8</c:v>
                 </c:pt>
                 <c:pt idx="7">
-                  <c:v>1.7E-7</c:v>
+                  <c:v>1.6999999999999999E-7</c:v>
                 </c:pt>
                 <c:pt idx="8">
-                  <c:v>3.4235E-7</c:v>
+                  <c:v>3.4234999999999999E-7</c:v>
                 </c:pt>
                 <c:pt idx="9">
-                  <c:v>6.8945E-7</c:v>
+                  <c:v>6.8945000000000002E-7</c:v>
                 </c:pt>
                 <c:pt idx="10">
-                  <c:v>1.3882E-6</c:v>
+                  <c:v>1.3881999999999999E-6</c:v>
                 </c:pt>
                 <c:pt idx="11">
-                  <c:v>2.7955E-6</c:v>
+                  <c:v>2.7955000000000002E-6</c:v>
                 </c:pt>
                 <c:pt idx="12">
-                  <c:v>5.63E-6</c:v>
+                  <c:v>5.6300000000000003E-6</c:v>
                 </c:pt>
                 <c:pt idx="13">
                   <c:v>1.1337E-5</c:v>
@@ -2236,79 +2250,79 @@
                   <c:v>2.283E-5</c:v>
                 </c:pt>
                 <c:pt idx="15">
-                  <c:v>4.5975E-5</c:v>
+                  <c:v>4.5974999999999999E-5</c:v>
                 </c:pt>
                 <c:pt idx="16">
-                  <c:v>9.257E-5</c:v>
+                  <c:v>9.2570000000000003E-5</c:v>
                 </c:pt>
                 <c:pt idx="17">
-                  <c:v>0.00018645</c:v>
+                  <c:v>1.8645000000000001E-4</c:v>
                 </c:pt>
                 <c:pt idx="18">
-                  <c:v>0.00037545</c:v>
+                  <c:v>3.7544999999999999E-4</c:v>
                 </c:pt>
                 <c:pt idx="19">
-                  <c:v>0.00075585</c:v>
+                  <c:v>7.5584999999999997E-4</c:v>
                 </c:pt>
                 <c:pt idx="20">
-                  <c:v>0.0015225</c:v>
+                  <c:v>1.5225E-3</c:v>
                 </c:pt>
                 <c:pt idx="21">
-                  <c:v>0.003066</c:v>
+                  <c:v>3.0660000000000001E-3</c:v>
                 </c:pt>
                 <c:pt idx="22">
-                  <c:v>0.006174</c:v>
+                  <c:v>6.1739999999999998E-3</c:v>
                 </c:pt>
                 <c:pt idx="23">
-                  <c:v>0.0124355</c:v>
+                  <c:v>1.24355E-2</c:v>
                 </c:pt>
                 <c:pt idx="24">
-                  <c:v>0.02504</c:v>
+                  <c:v>2.504E-2</c:v>
                 </c:pt>
                 <c:pt idx="25">
-                  <c:v>0.05042</c:v>
+                  <c:v>5.042E-2</c:v>
                 </c:pt>
                 <c:pt idx="26">
-                  <c:v>0.10154</c:v>
+                  <c:v>0.10154000000000001</c:v>
                 </c:pt>
                 <c:pt idx="27">
-                  <c:v>0.20445</c:v>
+                  <c:v>0.20444999999999999</c:v>
                 </c:pt>
                 <c:pt idx="28">
-                  <c:v>0.4117</c:v>
+                  <c:v>0.41170000000000001</c:v>
                 </c:pt>
                 <c:pt idx="29">
-                  <c:v>0.8291</c:v>
+                  <c:v>0.82909999999999995</c:v>
                 </c:pt>
                 <c:pt idx="30">
                   <c:v>1.6695</c:v>
                 </c:pt>
                 <c:pt idx="31">
-                  <c:v>2.865</c:v>
+                  <c:v>2.8650000000000002</c:v>
                 </c:pt>
                 <c:pt idx="32">
-                  <c:v>4.257499999999998</c:v>
+                  <c:v>4.2574999999999976</c:v>
                 </c:pt>
                 <c:pt idx="33">
-                  <c:v>5.9965</c:v>
+                  <c:v>5.9965000000000002</c:v>
                 </c:pt>
                 <c:pt idx="34">
-                  <c:v>8.4885</c:v>
+                  <c:v>8.4885000000000002</c:v>
                 </c:pt>
                 <c:pt idx="35">
-                  <c:v>11.0</c:v>
+                  <c:v>11</c:v>
                 </c:pt>
                 <c:pt idx="36">
-                  <c:v>13.0</c:v>
+                  <c:v>13</c:v>
                 </c:pt>
                 <c:pt idx="37">
-                  <c:v>15.0</c:v>
+                  <c:v>15</c:v>
                 </c:pt>
                 <c:pt idx="38">
-                  <c:v>17.0</c:v>
+                  <c:v>17</c:v>
                 </c:pt>
                 <c:pt idx="39">
-                  <c:v>19.0</c:v>
+                  <c:v>19</c:v>
                 </c:pt>
               </c:numCache>
             </c:numRef>
@@ -2320,97 +2334,97 @@
                 <c:formatCode>0.00E+00</c:formatCode>
                 <c:ptCount val="40"/>
                 <c:pt idx="0">
-                  <c:v>1.0E-15</c:v>
+                  <c:v>1.0000000000000001E-15</c:v>
                 </c:pt>
                 <c:pt idx="1">
-                  <c:v>1.0E-15</c:v>
+                  <c:v>1.0000000000000001E-15</c:v>
                 </c:pt>
                 <c:pt idx="2">
-                  <c:v>1.0E-15</c:v>
+                  <c:v>1.0000000000000001E-15</c:v>
                 </c:pt>
                 <c:pt idx="3">
-                  <c:v>1.0E-15</c:v>
+                  <c:v>1.0000000000000001E-15</c:v>
                 </c:pt>
                 <c:pt idx="4">
-                  <c:v>1.0E-15</c:v>
+                  <c:v>1.0000000000000001E-15</c:v>
                 </c:pt>
                 <c:pt idx="5">
-                  <c:v>1.0E-15</c:v>
+                  <c:v>1.0000000000000001E-15</c:v>
                 </c:pt>
                 <c:pt idx="6">
-                  <c:v>1.0E-15</c:v>
+                  <c:v>1.0000000000000001E-15</c:v>
                 </c:pt>
                 <c:pt idx="7">
-                  <c:v>1.0E-15</c:v>
+                  <c:v>1.0000000000000001E-15</c:v>
                 </c:pt>
                 <c:pt idx="8">
-                  <c:v>1.0E-15</c:v>
+                  <c:v>1.0000000000000001E-15</c:v>
                 </c:pt>
                 <c:pt idx="9">
-                  <c:v>1.0E-15</c:v>
+                  <c:v>1.0000000000000001E-15</c:v>
                 </c:pt>
                 <c:pt idx="10">
-                  <c:v>1.0E-15</c:v>
+                  <c:v>1.0000000000000001E-15</c:v>
                 </c:pt>
                 <c:pt idx="11">
-                  <c:v>1.0E-15</c:v>
+                  <c:v>1.0000000000000001E-15</c:v>
                 </c:pt>
                 <c:pt idx="12">
-                  <c:v>1.0E-15</c:v>
+                  <c:v>1.0000000000000001E-15</c:v>
                 </c:pt>
                 <c:pt idx="13">
-                  <c:v>1.0E-15</c:v>
+                  <c:v>1.0000000000000001E-15</c:v>
                 </c:pt>
                 <c:pt idx="14">
-                  <c:v>1.0E-15</c:v>
+                  <c:v>1.0000000000000001E-15</c:v>
                 </c:pt>
                 <c:pt idx="15">
-                  <c:v>1.0E-15</c:v>
+                  <c:v>1.0000000000000001E-15</c:v>
                 </c:pt>
                 <c:pt idx="16">
-                  <c:v>1.0E-15</c:v>
+                  <c:v>1.0000000000000001E-15</c:v>
                 </c:pt>
                 <c:pt idx="17">
-                  <c:v>1.0E-15</c:v>
+                  <c:v>1.0000000000000001E-15</c:v>
                 </c:pt>
                 <c:pt idx="18">
-                  <c:v>1.0E-15</c:v>
+                  <c:v>1.0000000000000001E-15</c:v>
                 </c:pt>
                 <c:pt idx="19">
-                  <c:v>1.844771E-9</c:v>
+                  <c:v>1.8447709999999999E-9</c:v>
                 </c:pt>
                 <c:pt idx="20">
-                  <c:v>1.9383601E-8</c:v>
+                  <c:v>1.9383600999999999E-8</c:v>
                 </c:pt>
                 <c:pt idx="21">
                   <c:v>9.3488001E-8</c:v>
                 </c:pt>
                 <c:pt idx="22">
-                  <c:v>3.48623001E-7</c:v>
+                  <c:v>3.4862300099999999E-7</c:v>
                 </c:pt>
                 <c:pt idx="23">
-                  <c:v>1.153100001E-6</c:v>
+                  <c:v>1.1531000009999999E-6</c:v>
                 </c:pt>
                 <c:pt idx="24">
-                  <c:v>2.798630001E-6</c:v>
+                  <c:v>2.7986300010000001E-6</c:v>
                 </c:pt>
                 <c:pt idx="25">
-                  <c:v>5.158090001E-6</c:v>
+                  <c:v>5.1580900010000003E-6</c:v>
                 </c:pt>
                 <c:pt idx="26">
-                  <c:v>7.701520001E-6</c:v>
+                  <c:v>7.7015200010000007E-6</c:v>
                 </c:pt>
                 <c:pt idx="27">
-                  <c:v>8.478300001E-6</c:v>
+                  <c:v>8.4783000010000001E-6</c:v>
                 </c:pt>
                 <c:pt idx="28">
-                  <c:v>8.685100001E-6</c:v>
+                  <c:v>8.6851000009999995E-6</c:v>
                 </c:pt>
                 <c:pt idx="29">
                   <c:v>5.488930001E-6</c:v>
                 </c:pt>
                 <c:pt idx="30">
-                  <c:v>2.807370001E-6</c:v>
+                  <c:v>2.8073700009999999E-6</c:v>
                 </c:pt>
                 <c:pt idx="31">
                   <c:v>1.314470001E-6</c:v>
@@ -2419,25 +2433,25 @@
                   <c:v>6.29221001E-7</c:v>
                 </c:pt>
                 <c:pt idx="33">
-                  <c:v>2.71980001E-7</c:v>
+                  <c:v>2.7198000099999998E-7</c:v>
                 </c:pt>
                 <c:pt idx="34">
-                  <c:v>6.7803301E-8</c:v>
+                  <c:v>6.7803300999999995E-8</c:v>
                 </c:pt>
                 <c:pt idx="35">
-                  <c:v>6.894831E-9</c:v>
+                  <c:v>6.8948309999999998E-9</c:v>
                 </c:pt>
                 <c:pt idx="36">
-                  <c:v>2.334741E-9</c:v>
+                  <c:v>2.3347410000000001E-9</c:v>
                 </c:pt>
                 <c:pt idx="37">
                   <c:v>1.127501E-9</c:v>
                 </c:pt>
                 <c:pt idx="38">
-                  <c:v>1.0E-15</c:v>
+                  <c:v>1.0000000000000001E-15</c:v>
                 </c:pt>
                 <c:pt idx="39">
-                  <c:v>1.0E-15</c:v>
+                  <c:v>1.0000000000000001E-15</c:v>
                 </c:pt>
               </c:numCache>
             </c:numRef>
@@ -2484,61 +2498,61 @@
                   <c:formatCode>General</c:formatCode>
                   <c:ptCount val="40"/>
                   <c:pt idx="0">
-                    <c:v>0.0</c:v>
+                    <c:v>0</c:v>
                   </c:pt>
                   <c:pt idx="1">
-                    <c:v>0.0</c:v>
+                    <c:v>0</c:v>
                   </c:pt>
                   <c:pt idx="2">
-                    <c:v>0.0</c:v>
+                    <c:v>0</c:v>
                   </c:pt>
                   <c:pt idx="3">
-                    <c:v>0.0</c:v>
+                    <c:v>0</c:v>
                   </c:pt>
                   <c:pt idx="4">
-                    <c:v>5.75326E-10</c:v>
+                    <c:v>5.7532599999999998E-10</c:v>
                   </c:pt>
                   <c:pt idx="5">
-                    <c:v>0.0</c:v>
+                    <c:v>0</c:v>
                   </c:pt>
                   <c:pt idx="6">
-                    <c:v>0.0</c:v>
+                    <c:v>0</c:v>
                   </c:pt>
                   <c:pt idx="7">
-                    <c:v>0.0</c:v>
+                    <c:v>0</c:v>
                   </c:pt>
                   <c:pt idx="8">
-                    <c:v>0.0</c:v>
+                    <c:v>0</c:v>
                   </c:pt>
                   <c:pt idx="9">
-                    <c:v>0.0</c:v>
+                    <c:v>0</c:v>
                   </c:pt>
                   <c:pt idx="10">
-                    <c:v>0.0</c:v>
+                    <c:v>0</c:v>
                   </c:pt>
                   <c:pt idx="11">
-                    <c:v>0.0</c:v>
+                    <c:v>0</c:v>
                   </c:pt>
                   <c:pt idx="12">
-                    <c:v>0.0</c:v>
+                    <c:v>0</c:v>
                   </c:pt>
                   <c:pt idx="13">
-                    <c:v>0.0</c:v>
+                    <c:v>0</c:v>
                   </c:pt>
                   <c:pt idx="14">
-                    <c:v>0.0</c:v>
+                    <c:v>0</c:v>
                   </c:pt>
                   <c:pt idx="15">
-                    <c:v>0.0</c:v>
+                    <c:v>0</c:v>
                   </c:pt>
                   <c:pt idx="16">
-                    <c:v>0.0</c:v>
+                    <c:v>0</c:v>
                   </c:pt>
                   <c:pt idx="17">
-                    <c:v>3.08887E-10</c:v>
+                    <c:v>3.0888699999999998E-10</c:v>
                   </c:pt>
                   <c:pt idx="18">
-                    <c:v>4.59705324E-10</c:v>
+                    <c:v>4.5970532400000002E-10</c:v>
                   </c:pt>
                   <c:pt idx="19">
                     <c:v>1.4910361104E-9</c:v>
@@ -2550,58 +2564,58 @@
                     <c:v>4.9267861929E-9</c:v>
                   </c:pt>
                   <c:pt idx="22">
-                    <c:v>7.6892694498E-9</c:v>
+                    <c:v>7.6892694498000002E-9</c:v>
                   </c:pt>
                   <c:pt idx="23">
                     <c:v>1.24102641299E-8</c:v>
                   </c:pt>
                   <c:pt idx="24">
-                    <c:v>1.70018772231E-8</c:v>
+                    <c:v>1.7001877223100001E-8</c:v>
                   </c:pt>
                   <c:pt idx="25">
-                    <c:v>2.0256012021E-8</c:v>
+                    <c:v>2.0256012021000002E-8</c:v>
                   </c:pt>
                   <c:pt idx="26">
-                    <c:v>2.27869107233E-8</c:v>
+                    <c:v>2.2786910723300001E-8</c:v>
                   </c:pt>
                   <c:pt idx="27">
-                    <c:v>2.12949208296E-8</c:v>
+                    <c:v>2.1294920829600001E-8</c:v>
                   </c:pt>
                   <c:pt idx="28">
-                    <c:v>1.92223624356E-8</c:v>
+                    <c:v>1.9222362435599999E-8</c:v>
                   </c:pt>
                   <c:pt idx="29">
-                    <c:v>1.19376626619E-8</c:v>
+                    <c:v>1.1937662661900001E-8</c:v>
                   </c:pt>
                   <c:pt idx="30">
-                    <c:v>5.8503963276E-9</c:v>
+                    <c:v>5.8503963276000004E-9</c:v>
                   </c:pt>
                   <c:pt idx="31">
-                    <c:v>3.4213733265E-9</c:v>
+                    <c:v>3.4213733265000002E-9</c:v>
                   </c:pt>
                   <c:pt idx="32">
-                    <c:v>2.2616459037E-9</c:v>
+                    <c:v>2.2616459036999998E-9</c:v>
                   </c:pt>
                   <c:pt idx="33">
-                    <c:v>2.1223381498E-9</c:v>
+                    <c:v>2.1223381497999999E-9</c:v>
                   </c:pt>
                   <c:pt idx="34">
-                    <c:v>1.3695978804E-9</c:v>
+                    <c:v>1.3695978803999999E-9</c:v>
                   </c:pt>
                   <c:pt idx="35">
-                    <c:v>3.30077E-10</c:v>
+                    <c:v>3.3007699999999999E-10</c:v>
                   </c:pt>
                   <c:pt idx="36">
-                    <c:v>0.0</c:v>
+                    <c:v>0</c:v>
                   </c:pt>
                   <c:pt idx="37">
-                    <c:v>0.0</c:v>
+                    <c:v>0</c:v>
                   </c:pt>
                   <c:pt idx="38">
-                    <c:v>0.0</c:v>
+                    <c:v>0</c:v>
                   </c:pt>
                   <c:pt idx="39">
-                    <c:v>0.0</c:v>
+                    <c:v>0</c:v>
                   </c:pt>
                 </c:numCache>
               </c:numRef>
@@ -2613,61 +2627,61 @@
                   <c:formatCode>General</c:formatCode>
                   <c:ptCount val="40"/>
                   <c:pt idx="0">
-                    <c:v>0.0</c:v>
+                    <c:v>0</c:v>
                   </c:pt>
                   <c:pt idx="1">
-                    <c:v>0.0</c:v>
+                    <c:v>0</c:v>
                   </c:pt>
                   <c:pt idx="2">
-                    <c:v>0.0</c:v>
+                    <c:v>0</c:v>
                   </c:pt>
                   <c:pt idx="3">
-                    <c:v>0.0</c:v>
+                    <c:v>0</c:v>
                   </c:pt>
                   <c:pt idx="4">
-                    <c:v>5.75326E-10</c:v>
+                    <c:v>5.7532599999999998E-10</c:v>
                   </c:pt>
                   <c:pt idx="5">
-                    <c:v>0.0</c:v>
+                    <c:v>0</c:v>
                   </c:pt>
                   <c:pt idx="6">
-                    <c:v>0.0</c:v>
+                    <c:v>0</c:v>
                   </c:pt>
                   <c:pt idx="7">
-                    <c:v>0.0</c:v>
+                    <c:v>0</c:v>
                   </c:pt>
                   <c:pt idx="8">
-                    <c:v>0.0</c:v>
+                    <c:v>0</c:v>
                   </c:pt>
                   <c:pt idx="9">
-                    <c:v>0.0</c:v>
+                    <c:v>0</c:v>
                   </c:pt>
                   <c:pt idx="10">
-                    <c:v>0.0</c:v>
+                    <c:v>0</c:v>
                   </c:pt>
                   <c:pt idx="11">
-                    <c:v>0.0</c:v>
+                    <c:v>0</c:v>
                   </c:pt>
                   <c:pt idx="12">
-                    <c:v>0.0</c:v>
+                    <c:v>0</c:v>
                   </c:pt>
                   <c:pt idx="13">
-                    <c:v>0.0</c:v>
+                    <c:v>0</c:v>
                   </c:pt>
                   <c:pt idx="14">
-                    <c:v>0.0</c:v>
+                    <c:v>0</c:v>
                   </c:pt>
                   <c:pt idx="15">
-                    <c:v>0.0</c:v>
+                    <c:v>0</c:v>
                   </c:pt>
                   <c:pt idx="16">
-                    <c:v>0.0</c:v>
+                    <c:v>0</c:v>
                   </c:pt>
                   <c:pt idx="17">
-                    <c:v>3.08887E-10</c:v>
+                    <c:v>3.0888699999999998E-10</c:v>
                   </c:pt>
                   <c:pt idx="18">
-                    <c:v>4.59705324E-10</c:v>
+                    <c:v>4.5970532400000002E-10</c:v>
                   </c:pt>
                   <c:pt idx="19">
                     <c:v>1.4910361104E-9</c:v>
@@ -2679,58 +2693,58 @@
                     <c:v>4.9267861929E-9</c:v>
                   </c:pt>
                   <c:pt idx="22">
-                    <c:v>7.6892694498E-9</c:v>
+                    <c:v>7.6892694498000002E-9</c:v>
                   </c:pt>
                   <c:pt idx="23">
                     <c:v>1.24102641299E-8</c:v>
                   </c:pt>
                   <c:pt idx="24">
-                    <c:v>1.70018772231E-8</c:v>
+                    <c:v>1.7001877223100001E-8</c:v>
                   </c:pt>
                   <c:pt idx="25">
-                    <c:v>2.0256012021E-8</c:v>
+                    <c:v>2.0256012021000002E-8</c:v>
                   </c:pt>
                   <c:pt idx="26">
-                    <c:v>2.27869107233E-8</c:v>
+                    <c:v>2.2786910723300001E-8</c:v>
                   </c:pt>
                   <c:pt idx="27">
-                    <c:v>2.12949208296E-8</c:v>
+                    <c:v>2.1294920829600001E-8</c:v>
                   </c:pt>
                   <c:pt idx="28">
-                    <c:v>1.92223624356E-8</c:v>
+                    <c:v>1.9222362435599999E-8</c:v>
                   </c:pt>
                   <c:pt idx="29">
-                    <c:v>1.19376626619E-8</c:v>
+                    <c:v>1.1937662661900001E-8</c:v>
                   </c:pt>
                   <c:pt idx="30">
-                    <c:v>5.8503963276E-9</c:v>
+                    <c:v>5.8503963276000004E-9</c:v>
                   </c:pt>
                   <c:pt idx="31">
-                    <c:v>3.4213733265E-9</c:v>
+                    <c:v>3.4213733265000002E-9</c:v>
                   </c:pt>
                   <c:pt idx="32">
-                    <c:v>2.2616459037E-9</c:v>
+                    <c:v>2.2616459036999998E-9</c:v>
                   </c:pt>
                   <c:pt idx="33">
-                    <c:v>2.1223381498E-9</c:v>
+                    <c:v>2.1223381497999999E-9</c:v>
                   </c:pt>
                   <c:pt idx="34">
-                    <c:v>1.3695978804E-9</c:v>
+                    <c:v>1.3695978803999999E-9</c:v>
                   </c:pt>
                   <c:pt idx="35">
-                    <c:v>3.30077E-10</c:v>
+                    <c:v>3.3007699999999999E-10</c:v>
                   </c:pt>
                   <c:pt idx="36">
-                    <c:v>0.0</c:v>
+                    <c:v>0</c:v>
                   </c:pt>
                   <c:pt idx="37">
-                    <c:v>0.0</c:v>
+                    <c:v>0</c:v>
                   </c:pt>
                   <c:pt idx="38">
-                    <c:v>0.0</c:v>
+                    <c:v>0</c:v>
                   </c:pt>
                   <c:pt idx="39">
-                    <c:v>0.0</c:v>
+                    <c:v>0</c:v>
                   </c:pt>
                 </c:numCache>
               </c:numRef>
@@ -2756,16 +2770,16 @@
                 <c:formatCode>0.00E+00</c:formatCode>
                 <c:ptCount val="40"/>
                 <c:pt idx="0">
-                  <c:v>8.46E-10</c:v>
+                  <c:v>8.4599999999999997E-10</c:v>
                 </c:pt>
                 <c:pt idx="1">
-                  <c:v>2.5495E-9</c:v>
+                  <c:v>2.5494999999999999E-9</c:v>
                 </c:pt>
                 <c:pt idx="2">
-                  <c:v>5.134E-9</c:v>
+                  <c:v>5.1339999999999998E-9</c:v>
                 </c:pt>
                 <c:pt idx="3">
-                  <c:v>1.03405E-8</c:v>
+                  <c:v>1.0340499999999999E-8</c:v>
                 </c:pt>
                 <c:pt idx="4">
                   <c:v>2.082E-8</c:v>
@@ -2774,25 +2788,25 @@
                   <c:v>4.1925E-8</c:v>
                 </c:pt>
                 <c:pt idx="6">
-                  <c:v>8.4415E-8</c:v>
+                  <c:v>8.4415000000000005E-8</c:v>
                 </c:pt>
                 <c:pt idx="7">
-                  <c:v>1.7E-7</c:v>
+                  <c:v>1.6999999999999999E-7</c:v>
                 </c:pt>
                 <c:pt idx="8">
-                  <c:v>3.4235E-7</c:v>
+                  <c:v>3.4234999999999999E-7</c:v>
                 </c:pt>
                 <c:pt idx="9">
-                  <c:v>6.8945E-7</c:v>
+                  <c:v>6.8945000000000002E-7</c:v>
                 </c:pt>
                 <c:pt idx="10">
-                  <c:v>1.3882E-6</c:v>
+                  <c:v>1.3881999999999999E-6</c:v>
                 </c:pt>
                 <c:pt idx="11">
-                  <c:v>2.7955E-6</c:v>
+                  <c:v>2.7955000000000002E-6</c:v>
                 </c:pt>
                 <c:pt idx="12">
-                  <c:v>5.63E-6</c:v>
+                  <c:v>5.6300000000000003E-6</c:v>
                 </c:pt>
                 <c:pt idx="13">
                   <c:v>1.1337E-5</c:v>
@@ -2801,79 +2815,79 @@
                   <c:v>2.283E-5</c:v>
                 </c:pt>
                 <c:pt idx="15">
-                  <c:v>4.5975E-5</c:v>
+                  <c:v>4.5974999999999999E-5</c:v>
                 </c:pt>
                 <c:pt idx="16">
-                  <c:v>9.257E-5</c:v>
+                  <c:v>9.2570000000000003E-5</c:v>
                 </c:pt>
                 <c:pt idx="17">
-                  <c:v>0.00018645</c:v>
+                  <c:v>1.8645000000000001E-4</c:v>
                 </c:pt>
                 <c:pt idx="18">
-                  <c:v>0.00037545</c:v>
+                  <c:v>3.7544999999999999E-4</c:v>
                 </c:pt>
                 <c:pt idx="19">
-                  <c:v>0.00075585</c:v>
+                  <c:v>7.5584999999999997E-4</c:v>
                 </c:pt>
                 <c:pt idx="20">
-                  <c:v>0.0015225</c:v>
+                  <c:v>1.5225E-3</c:v>
                 </c:pt>
                 <c:pt idx="21">
-                  <c:v>0.003066</c:v>
+                  <c:v>3.0660000000000001E-3</c:v>
                 </c:pt>
                 <c:pt idx="22">
-                  <c:v>0.006174</c:v>
+                  <c:v>6.1739999999999998E-3</c:v>
                 </c:pt>
                 <c:pt idx="23">
-                  <c:v>0.0124355</c:v>
+                  <c:v>1.24355E-2</c:v>
                 </c:pt>
                 <c:pt idx="24">
-                  <c:v>0.02504</c:v>
+                  <c:v>2.504E-2</c:v>
                 </c:pt>
                 <c:pt idx="25">
-                  <c:v>0.05042</c:v>
+                  <c:v>5.042E-2</c:v>
                 </c:pt>
                 <c:pt idx="26">
-                  <c:v>0.10154</c:v>
+                  <c:v>0.10154000000000001</c:v>
                 </c:pt>
                 <c:pt idx="27">
-                  <c:v>0.20445</c:v>
+                  <c:v>0.20444999999999999</c:v>
                 </c:pt>
                 <c:pt idx="28">
-                  <c:v>0.4117</c:v>
+                  <c:v>0.41170000000000001</c:v>
                 </c:pt>
                 <c:pt idx="29">
-                  <c:v>0.8291</c:v>
+                  <c:v>0.82909999999999995</c:v>
                 </c:pt>
                 <c:pt idx="30">
                   <c:v>1.6695</c:v>
                 </c:pt>
                 <c:pt idx="31">
-                  <c:v>2.865</c:v>
+                  <c:v>2.8650000000000002</c:v>
                 </c:pt>
                 <c:pt idx="32">
-                  <c:v>4.257499999999998</c:v>
+                  <c:v>4.2574999999999976</c:v>
                 </c:pt>
                 <c:pt idx="33">
-                  <c:v>5.9965</c:v>
+                  <c:v>5.9965000000000002</c:v>
                 </c:pt>
                 <c:pt idx="34">
-                  <c:v>8.4885</c:v>
+                  <c:v>8.4885000000000002</c:v>
                 </c:pt>
                 <c:pt idx="35">
-                  <c:v>11.0</c:v>
+                  <c:v>11</c:v>
                 </c:pt>
                 <c:pt idx="36">
-                  <c:v>13.0</c:v>
+                  <c:v>13</c:v>
                 </c:pt>
                 <c:pt idx="37">
-                  <c:v>15.0</c:v>
+                  <c:v>15</c:v>
                 </c:pt>
                 <c:pt idx="38">
-                  <c:v>17.0</c:v>
+                  <c:v>17</c:v>
                 </c:pt>
                 <c:pt idx="39">
-                  <c:v>19.0</c:v>
+                  <c:v>19</c:v>
                 </c:pt>
               </c:numCache>
             </c:numRef>
@@ -2885,124 +2899,124 @@
                 <c:formatCode>0.00E+00</c:formatCode>
                 <c:ptCount val="40"/>
                 <c:pt idx="0">
-                  <c:v>1.0E-15</c:v>
+                  <c:v>1.0000000000000001E-15</c:v>
                 </c:pt>
                 <c:pt idx="1">
-                  <c:v>1.0E-15</c:v>
+                  <c:v>1.0000000000000001E-15</c:v>
                 </c:pt>
                 <c:pt idx="2">
-                  <c:v>1.0E-15</c:v>
+                  <c:v>1.0000000000000001E-15</c:v>
                 </c:pt>
                 <c:pt idx="3">
-                  <c:v>1.0E-15</c:v>
+                  <c:v>1.0000000000000001E-15</c:v>
                 </c:pt>
                 <c:pt idx="4">
-                  <c:v>5.75326E-10</c:v>
+                  <c:v>5.7532599999999998E-10</c:v>
                 </c:pt>
                 <c:pt idx="5">
-                  <c:v>1.0E-15</c:v>
+                  <c:v>1.0000000000000001E-15</c:v>
                 </c:pt>
                 <c:pt idx="6">
-                  <c:v>1.0E-15</c:v>
+                  <c:v>1.0000000000000001E-15</c:v>
                 </c:pt>
                 <c:pt idx="7">
-                  <c:v>1.0E-15</c:v>
+                  <c:v>1.0000000000000001E-15</c:v>
                 </c:pt>
                 <c:pt idx="8">
-                  <c:v>1.0E-15</c:v>
+                  <c:v>1.0000000000000001E-15</c:v>
                 </c:pt>
                 <c:pt idx="9">
-                  <c:v>1.0E-15</c:v>
+                  <c:v>1.0000000000000001E-15</c:v>
                 </c:pt>
                 <c:pt idx="10">
-                  <c:v>1.0E-15</c:v>
+                  <c:v>1.0000000000000001E-15</c:v>
                 </c:pt>
                 <c:pt idx="11">
-                  <c:v>1.0E-15</c:v>
+                  <c:v>1.0000000000000001E-15</c:v>
                 </c:pt>
                 <c:pt idx="12">
-                  <c:v>1.0E-15</c:v>
+                  <c:v>1.0000000000000001E-15</c:v>
                 </c:pt>
                 <c:pt idx="13">
-                  <c:v>1.0E-15</c:v>
+                  <c:v>1.0000000000000001E-15</c:v>
                 </c:pt>
                 <c:pt idx="14">
-                  <c:v>1.0E-15</c:v>
+                  <c:v>1.0000000000000001E-15</c:v>
                 </c:pt>
                 <c:pt idx="15">
-                  <c:v>1.0E-15</c:v>
+                  <c:v>1.0000000000000001E-15</c:v>
                 </c:pt>
                 <c:pt idx="16">
-                  <c:v>1.0E-15</c:v>
+                  <c:v>1.0000000000000001E-15</c:v>
                 </c:pt>
                 <c:pt idx="17">
-                  <c:v>3.08887E-10</c:v>
+                  <c:v>3.0888699999999998E-10</c:v>
                 </c:pt>
                 <c:pt idx="18">
-                  <c:v>6.40615E-10</c:v>
+                  <c:v>6.4061499999999996E-10</c:v>
                 </c:pt>
                 <c:pt idx="19">
-                  <c:v>5.860991E-9</c:v>
+                  <c:v>5.8609909999999999E-9</c:v>
                 </c:pt>
                 <c:pt idx="20">
-                  <c:v>2.0088601E-8</c:v>
+                  <c:v>2.0088601000000001E-8</c:v>
                 </c:pt>
                 <c:pt idx="21">
-                  <c:v>6.7582801E-8</c:v>
+                  <c:v>6.7582800999999997E-8</c:v>
                 </c:pt>
                 <c:pt idx="22">
-                  <c:v>1.54403001E-7</c:v>
+                  <c:v>1.5440300100000001E-7</c:v>
                 </c:pt>
                 <c:pt idx="23">
-                  <c:v>4.15059001E-7</c:v>
+                  <c:v>4.1505900099999999E-7</c:v>
                 </c:pt>
                 <c:pt idx="24">
-                  <c:v>7.36012001E-7</c:v>
+                  <c:v>7.3601200100000004E-7</c:v>
                 </c:pt>
                 <c:pt idx="25">
-                  <c:v>9.64572001E-7</c:v>
+                  <c:v>9.6457200100000002E-7</c:v>
                 </c:pt>
                 <c:pt idx="26">
-                  <c:v>9.77979001E-7</c:v>
+                  <c:v>9.7797900099999995E-7</c:v>
                 </c:pt>
                 <c:pt idx="27">
-                  <c:v>7.19423001E-7</c:v>
+                  <c:v>7.1942300100000005E-7</c:v>
                 </c:pt>
                 <c:pt idx="28">
-                  <c:v>5.39954001E-7</c:v>
+                  <c:v>5.3995400100000002E-7</c:v>
                 </c:pt>
                 <c:pt idx="29">
-                  <c:v>1.92854001E-7</c:v>
+                  <c:v>1.9285400099999999E-7</c:v>
                 </c:pt>
                 <c:pt idx="30">
                   <c:v>4.5849501E-8</c:v>
                 </c:pt>
                 <c:pt idx="31">
-                  <c:v>1.5105401E-8</c:v>
+                  <c:v>1.5105401000000001E-8</c:v>
                 </c:pt>
                 <c:pt idx="32">
-                  <c:v>8.293531E-9</c:v>
+                  <c:v>8.2935310000000007E-9</c:v>
                 </c:pt>
                 <c:pt idx="33">
                   <c:v>6.474491E-9</c:v>
                 </c:pt>
                 <c:pt idx="34">
-                  <c:v>2.759061E-9</c:v>
+                  <c:v>2.7590610000000001E-9</c:v>
                 </c:pt>
                 <c:pt idx="35">
-                  <c:v>3.30077E-10</c:v>
+                  <c:v>3.3007699999999999E-10</c:v>
                 </c:pt>
                 <c:pt idx="36">
-                  <c:v>1.0E-15</c:v>
+                  <c:v>1.0000000000000001E-15</c:v>
                 </c:pt>
                 <c:pt idx="37">
-                  <c:v>1.0E-15</c:v>
+                  <c:v>1.0000000000000001E-15</c:v>
                 </c:pt>
                 <c:pt idx="38">
-                  <c:v>1.0E-15</c:v>
+                  <c:v>1.0000000000000001E-15</c:v>
                 </c:pt>
                 <c:pt idx="39">
-                  <c:v>1.0E-15</c:v>
+                  <c:v>1.0000000000000001E-15</c:v>
                 </c:pt>
               </c:numCache>
             </c:numRef>
@@ -3049,124 +3063,124 @@
                   <c:formatCode>General</c:formatCode>
                   <c:ptCount val="40"/>
                   <c:pt idx="0">
-                    <c:v>0.0</c:v>
+                    <c:v>0</c:v>
                   </c:pt>
                   <c:pt idx="1">
-                    <c:v>0.0</c:v>
+                    <c:v>0</c:v>
                   </c:pt>
                   <c:pt idx="2">
-                    <c:v>0.0</c:v>
+                    <c:v>0</c:v>
                   </c:pt>
                   <c:pt idx="3">
-                    <c:v>0.0</c:v>
+                    <c:v>0</c:v>
                   </c:pt>
                   <c:pt idx="4">
-                    <c:v>0.0</c:v>
+                    <c:v>0</c:v>
                   </c:pt>
                   <c:pt idx="5">
                     <c:v>1.04283E-10</c:v>
                   </c:pt>
                   <c:pt idx="6">
-                    <c:v>0.0</c:v>
+                    <c:v>0</c:v>
                   </c:pt>
                   <c:pt idx="7">
-                    <c:v>0.0</c:v>
+                    <c:v>0</c:v>
                   </c:pt>
                   <c:pt idx="8">
-                    <c:v>0.0</c:v>
+                    <c:v>0</c:v>
                   </c:pt>
                   <c:pt idx="9">
                     <c:v>1.76125E-10</c:v>
                   </c:pt>
                   <c:pt idx="10">
-                    <c:v>4.18872E-10</c:v>
+                    <c:v>4.1887199999999999E-10</c:v>
                   </c:pt>
                   <c:pt idx="11">
-                    <c:v>0.0</c:v>
+                    <c:v>0</c:v>
                   </c:pt>
                   <c:pt idx="12">
-                    <c:v>0.0</c:v>
+                    <c:v>0</c:v>
                   </c:pt>
                   <c:pt idx="13">
-                    <c:v>0.0</c:v>
+                    <c:v>0</c:v>
                   </c:pt>
                   <c:pt idx="14">
-                    <c:v>0.0</c:v>
+                    <c:v>0</c:v>
                   </c:pt>
                   <c:pt idx="15">
-                    <c:v>0.0</c:v>
+                    <c:v>0</c:v>
                   </c:pt>
                   <c:pt idx="16">
-                    <c:v>0.0</c:v>
+                    <c:v>0</c:v>
                   </c:pt>
                   <c:pt idx="17">
-                    <c:v>0.0</c:v>
+                    <c:v>0</c:v>
                   </c:pt>
                   <c:pt idx="18">
                     <c:v>1.16142E-10</c:v>
                   </c:pt>
                   <c:pt idx="19">
-                    <c:v>9.173121552E-10</c:v>
+                    <c:v>9.1731215519999996E-10</c:v>
                   </c:pt>
                   <c:pt idx="20">
-                    <c:v>4.76727E-10</c:v>
+                    <c:v>4.7672700000000004E-10</c:v>
                   </c:pt>
                   <c:pt idx="21">
-                    <c:v>6.484471964E-10</c:v>
+                    <c:v>6.4844719639999997E-10</c:v>
                   </c:pt>
                   <c:pt idx="22">
                     <c:v>1.0102416658E-9</c:v>
                   </c:pt>
                   <c:pt idx="23">
-                    <c:v>1.1637542241E-9</c:v>
+                    <c:v>1.1637542240999999E-9</c:v>
                   </c:pt>
                   <c:pt idx="24">
-                    <c:v>1.9086747801E-9</c:v>
+                    <c:v>1.9086747800999999E-9</c:v>
                   </c:pt>
                   <c:pt idx="25">
-                    <c:v>2.2124402E-9</c:v>
+                    <c:v>2.2124401999999999E-9</c:v>
                   </c:pt>
                   <c:pt idx="26">
-                    <c:v>1.8781976949E-9</c:v>
+                    <c:v>1.8781976948999998E-9</c:v>
                   </c:pt>
                   <c:pt idx="27">
                     <c:v>1.6409165681E-9</c:v>
                   </c:pt>
                   <c:pt idx="28">
-                    <c:v>1.7139691611E-9</c:v>
+                    <c:v>1.7139691611000001E-9</c:v>
                   </c:pt>
                   <c:pt idx="29">
-                    <c:v>6.0203E-10</c:v>
+                    <c:v>6.0203000000000004E-10</c:v>
                   </c:pt>
                   <c:pt idx="30">
-                    <c:v>3.68174E-10</c:v>
+                    <c:v>3.6817400000000002E-10</c:v>
                   </c:pt>
                   <c:pt idx="31">
-                    <c:v>5.02989E-10</c:v>
+                    <c:v>5.0298900000000003E-10</c:v>
                   </c:pt>
                   <c:pt idx="32">
-                    <c:v>0.0</c:v>
+                    <c:v>0</c:v>
                   </c:pt>
                   <c:pt idx="33">
-                    <c:v>0.0</c:v>
+                    <c:v>0</c:v>
                   </c:pt>
                   <c:pt idx="34">
-                    <c:v>0.0</c:v>
+                    <c:v>0</c:v>
                   </c:pt>
                   <c:pt idx="35">
-                    <c:v>0.0</c:v>
+                    <c:v>0</c:v>
                   </c:pt>
                   <c:pt idx="36">
-                    <c:v>0.0</c:v>
+                    <c:v>0</c:v>
                   </c:pt>
                   <c:pt idx="37">
-                    <c:v>0.0</c:v>
+                    <c:v>0</c:v>
                   </c:pt>
                   <c:pt idx="38">
-                    <c:v>0.0</c:v>
+                    <c:v>0</c:v>
                   </c:pt>
                   <c:pt idx="39">
-                    <c:v>0.0</c:v>
+                    <c:v>0</c:v>
                   </c:pt>
                 </c:numCache>
               </c:numRef>
@@ -3178,124 +3192,124 @@
                   <c:formatCode>General</c:formatCode>
                   <c:ptCount val="40"/>
                   <c:pt idx="0">
-                    <c:v>0.0</c:v>
+                    <c:v>0</c:v>
                   </c:pt>
                   <c:pt idx="1">
-                    <c:v>0.0</c:v>
+                    <c:v>0</c:v>
                   </c:pt>
                   <c:pt idx="2">
-                    <c:v>0.0</c:v>
+                    <c:v>0</c:v>
                   </c:pt>
                   <c:pt idx="3">
-                    <c:v>0.0</c:v>
+                    <c:v>0</c:v>
                   </c:pt>
                   <c:pt idx="4">
-                    <c:v>0.0</c:v>
+                    <c:v>0</c:v>
                   </c:pt>
                   <c:pt idx="5">
                     <c:v>1.04283E-10</c:v>
                   </c:pt>
                   <c:pt idx="6">
-                    <c:v>0.0</c:v>
+                    <c:v>0</c:v>
                   </c:pt>
                   <c:pt idx="7">
-                    <c:v>0.0</c:v>
+                    <c:v>0</c:v>
                   </c:pt>
                   <c:pt idx="8">
-                    <c:v>0.0</c:v>
+                    <c:v>0</c:v>
                   </c:pt>
                   <c:pt idx="9">
                     <c:v>1.76125E-10</c:v>
                   </c:pt>
                   <c:pt idx="10">
-                    <c:v>4.18872E-10</c:v>
+                    <c:v>4.1887199999999999E-10</c:v>
                   </c:pt>
                   <c:pt idx="11">
-                    <c:v>0.0</c:v>
+                    <c:v>0</c:v>
                   </c:pt>
                   <c:pt idx="12">
-                    <c:v>0.0</c:v>
+                    <c:v>0</c:v>
                   </c:pt>
                   <c:pt idx="13">
-                    <c:v>0.0</c:v>
+                    <c:v>0</c:v>
                   </c:pt>
                   <c:pt idx="14">
-                    <c:v>0.0</c:v>
+                    <c:v>0</c:v>
                   </c:pt>
                   <c:pt idx="15">
-                    <c:v>0.0</c:v>
+                    <c:v>0</c:v>
                   </c:pt>
                   <c:pt idx="16">
-                    <c:v>0.0</c:v>
+                    <c:v>0</c:v>
                   </c:pt>
                   <c:pt idx="17">
-                    <c:v>0.0</c:v>
+                    <c:v>0</c:v>
                   </c:pt>
                   <c:pt idx="18">
                     <c:v>1.16142E-10</c:v>
                   </c:pt>
                   <c:pt idx="19">
-                    <c:v>9.173121552E-10</c:v>
+                    <c:v>9.1731215519999996E-10</c:v>
                   </c:pt>
                   <c:pt idx="20">
-                    <c:v>4.76727E-10</c:v>
+                    <c:v>4.7672700000000004E-10</c:v>
                   </c:pt>
                   <c:pt idx="21">
-                    <c:v>6.484471964E-10</c:v>
+                    <c:v>6.4844719639999997E-10</c:v>
                   </c:pt>
                   <c:pt idx="22">
                     <c:v>1.0102416658E-9</c:v>
                   </c:pt>
                   <c:pt idx="23">
-                    <c:v>1.1637542241E-9</c:v>
+                    <c:v>1.1637542240999999E-9</c:v>
                   </c:pt>
                   <c:pt idx="24">
-                    <c:v>1.9086747801E-9</c:v>
+                    <c:v>1.9086747800999999E-9</c:v>
                   </c:pt>
                   <c:pt idx="25">
-                    <c:v>2.2124402E-9</c:v>
+                    <c:v>2.2124401999999999E-9</c:v>
                   </c:pt>
                   <c:pt idx="26">
-                    <c:v>1.8781976949E-9</c:v>
+                    <c:v>1.8781976948999998E-9</c:v>
                   </c:pt>
                   <c:pt idx="27">
                     <c:v>1.6409165681E-9</c:v>
                   </c:pt>
                   <c:pt idx="28">
-                    <c:v>1.7139691611E-9</c:v>
+                    <c:v>1.7139691611000001E-9</c:v>
                   </c:pt>
                   <c:pt idx="29">
-                    <c:v>6.0203E-10</c:v>
+                    <c:v>6.0203000000000004E-10</c:v>
                   </c:pt>
                   <c:pt idx="30">
-                    <c:v>3.68174E-10</c:v>
+                    <c:v>3.6817400000000002E-10</c:v>
                   </c:pt>
                   <c:pt idx="31">
-                    <c:v>5.02989E-10</c:v>
+                    <c:v>5.0298900000000003E-10</c:v>
                   </c:pt>
                   <c:pt idx="32">
-                    <c:v>0.0</c:v>
+                    <c:v>0</c:v>
                   </c:pt>
                   <c:pt idx="33">
-                    <c:v>0.0</c:v>
+                    <c:v>0</c:v>
                   </c:pt>
                   <c:pt idx="34">
-                    <c:v>0.0</c:v>
+                    <c:v>0</c:v>
                   </c:pt>
                   <c:pt idx="35">
-                    <c:v>0.0</c:v>
+                    <c:v>0</c:v>
                   </c:pt>
                   <c:pt idx="36">
-                    <c:v>0.0</c:v>
+                    <c:v>0</c:v>
                   </c:pt>
                   <c:pt idx="37">
-                    <c:v>0.0</c:v>
+                    <c:v>0</c:v>
                   </c:pt>
                   <c:pt idx="38">
-                    <c:v>0.0</c:v>
+                    <c:v>0</c:v>
                   </c:pt>
                   <c:pt idx="39">
-                    <c:v>0.0</c:v>
+                    <c:v>0</c:v>
                   </c:pt>
                 </c:numCache>
               </c:numRef>
@@ -3321,16 +3335,16 @@
                 <c:formatCode>0.00E+00</c:formatCode>
                 <c:ptCount val="40"/>
                 <c:pt idx="0">
-                  <c:v>8.46E-10</c:v>
+                  <c:v>8.4599999999999997E-10</c:v>
                 </c:pt>
                 <c:pt idx="1">
-                  <c:v>2.5495E-9</c:v>
+                  <c:v>2.5494999999999999E-9</c:v>
                 </c:pt>
                 <c:pt idx="2">
-                  <c:v>5.134E-9</c:v>
+                  <c:v>5.1339999999999998E-9</c:v>
                 </c:pt>
                 <c:pt idx="3">
-                  <c:v>1.03405E-8</c:v>
+                  <c:v>1.0340499999999999E-8</c:v>
                 </c:pt>
                 <c:pt idx="4">
                   <c:v>2.082E-8</c:v>
@@ -3339,25 +3353,25 @@
                   <c:v>4.1925E-8</c:v>
                 </c:pt>
                 <c:pt idx="6">
-                  <c:v>8.4415E-8</c:v>
+                  <c:v>8.4415000000000005E-8</c:v>
                 </c:pt>
                 <c:pt idx="7">
-                  <c:v>1.7E-7</c:v>
+                  <c:v>1.6999999999999999E-7</c:v>
                 </c:pt>
                 <c:pt idx="8">
-                  <c:v>3.4235E-7</c:v>
+                  <c:v>3.4234999999999999E-7</c:v>
                 </c:pt>
                 <c:pt idx="9">
-                  <c:v>6.8945E-7</c:v>
+                  <c:v>6.8945000000000002E-7</c:v>
                 </c:pt>
                 <c:pt idx="10">
-                  <c:v>1.3882E-6</c:v>
+                  <c:v>1.3881999999999999E-6</c:v>
                 </c:pt>
                 <c:pt idx="11">
-                  <c:v>2.7955E-6</c:v>
+                  <c:v>2.7955000000000002E-6</c:v>
                 </c:pt>
                 <c:pt idx="12">
-                  <c:v>5.63E-6</c:v>
+                  <c:v>5.6300000000000003E-6</c:v>
                 </c:pt>
                 <c:pt idx="13">
                   <c:v>1.1337E-5</c:v>
@@ -3366,79 +3380,79 @@
                   <c:v>2.283E-5</c:v>
                 </c:pt>
                 <c:pt idx="15">
-                  <c:v>4.5975E-5</c:v>
+                  <c:v>4.5974999999999999E-5</c:v>
                 </c:pt>
                 <c:pt idx="16">
-                  <c:v>9.257E-5</c:v>
+                  <c:v>9.2570000000000003E-5</c:v>
                 </c:pt>
                 <c:pt idx="17">
-                  <c:v>0.00018645</c:v>
+                  <c:v>1.8645000000000001E-4</c:v>
                 </c:pt>
                 <c:pt idx="18">
-                  <c:v>0.00037545</c:v>
+                  <c:v>3.7544999999999999E-4</c:v>
                 </c:pt>
                 <c:pt idx="19">
-                  <c:v>0.00075585</c:v>
+                  <c:v>7.5584999999999997E-4</c:v>
                 </c:pt>
                 <c:pt idx="20">
-                  <c:v>0.0015225</c:v>
+                  <c:v>1.5225E-3</c:v>
                 </c:pt>
                 <c:pt idx="21">
-                  <c:v>0.003066</c:v>
+                  <c:v>3.0660000000000001E-3</c:v>
                 </c:pt>
                 <c:pt idx="22">
-                  <c:v>0.006174</c:v>
+                  <c:v>6.1739999999999998E-3</c:v>
                 </c:pt>
                 <c:pt idx="23">
-                  <c:v>0.0124355</c:v>
+                  <c:v>1.24355E-2</c:v>
                 </c:pt>
                 <c:pt idx="24">
-                  <c:v>0.02504</c:v>
+                  <c:v>2.504E-2</c:v>
                 </c:pt>
                 <c:pt idx="25">
-                  <c:v>0.05042</c:v>
+                  <c:v>5.042E-2</c:v>
                 </c:pt>
                 <c:pt idx="26">
-                  <c:v>0.10154</c:v>
+                  <c:v>0.10154000000000001</c:v>
                 </c:pt>
                 <c:pt idx="27">
-                  <c:v>0.20445</c:v>
+                  <c:v>0.20444999999999999</c:v>
                 </c:pt>
                 <c:pt idx="28">
-                  <c:v>0.4117</c:v>
+                  <c:v>0.41170000000000001</c:v>
                 </c:pt>
                 <c:pt idx="29">
-                  <c:v>0.8291</c:v>
+                  <c:v>0.82909999999999995</c:v>
                 </c:pt>
                 <c:pt idx="30">
                   <c:v>1.6695</c:v>
                 </c:pt>
                 <c:pt idx="31">
-                  <c:v>2.865</c:v>
+                  <c:v>2.8650000000000002</c:v>
                 </c:pt>
                 <c:pt idx="32">
-                  <c:v>4.257499999999998</c:v>
+                  <c:v>4.2574999999999976</c:v>
                 </c:pt>
                 <c:pt idx="33">
-                  <c:v>5.9965</c:v>
+                  <c:v>5.9965000000000002</c:v>
                 </c:pt>
                 <c:pt idx="34">
-                  <c:v>8.4885</c:v>
+                  <c:v>8.4885000000000002</c:v>
                 </c:pt>
                 <c:pt idx="35">
-                  <c:v>11.0</c:v>
+                  <c:v>11</c:v>
                 </c:pt>
                 <c:pt idx="36">
-                  <c:v>13.0</c:v>
+                  <c:v>13</c:v>
                 </c:pt>
                 <c:pt idx="37">
-                  <c:v>15.0</c:v>
+                  <c:v>15</c:v>
                 </c:pt>
                 <c:pt idx="38">
-                  <c:v>17.0</c:v>
+                  <c:v>17</c:v>
                 </c:pt>
                 <c:pt idx="39">
-                  <c:v>19.0</c:v>
+                  <c:v>19</c:v>
                 </c:pt>
               </c:numCache>
             </c:numRef>
@@ -3450,124 +3464,124 @@
                 <c:formatCode>0.00E+00</c:formatCode>
                 <c:ptCount val="40"/>
                 <c:pt idx="0">
-                  <c:v>1.0E-15</c:v>
+                  <c:v>1.0000000000000001E-15</c:v>
                 </c:pt>
                 <c:pt idx="1">
-                  <c:v>1.0E-15</c:v>
+                  <c:v>1.0000000000000001E-15</c:v>
                 </c:pt>
                 <c:pt idx="2">
-                  <c:v>1.0E-15</c:v>
+                  <c:v>1.0000000000000001E-15</c:v>
                 </c:pt>
                 <c:pt idx="3">
-                  <c:v>1.0E-15</c:v>
+                  <c:v>1.0000000000000001E-15</c:v>
                 </c:pt>
                 <c:pt idx="4">
-                  <c:v>1.0E-15</c:v>
+                  <c:v>1.0000000000000001E-15</c:v>
                 </c:pt>
                 <c:pt idx="5">
                   <c:v>1.04283E-10</c:v>
                 </c:pt>
                 <c:pt idx="6">
-                  <c:v>1.0E-15</c:v>
+                  <c:v>1.0000000000000001E-15</c:v>
                 </c:pt>
                 <c:pt idx="7">
-                  <c:v>1.0E-15</c:v>
+                  <c:v>1.0000000000000001E-15</c:v>
                 </c:pt>
                 <c:pt idx="8">
-                  <c:v>1.0E-15</c:v>
+                  <c:v>1.0000000000000001E-15</c:v>
                 </c:pt>
                 <c:pt idx="9">
                   <c:v>1.76125E-10</c:v>
                 </c:pt>
                 <c:pt idx="10">
-                  <c:v>4.18872E-10</c:v>
+                  <c:v>4.1887199999999999E-10</c:v>
                 </c:pt>
                 <c:pt idx="11">
-                  <c:v>1.0E-15</c:v>
+                  <c:v>1.0000000000000001E-15</c:v>
                 </c:pt>
                 <c:pt idx="12">
-                  <c:v>1.0E-15</c:v>
+                  <c:v>1.0000000000000001E-15</c:v>
                 </c:pt>
                 <c:pt idx="13">
-                  <c:v>1.0E-15</c:v>
+                  <c:v>1.0000000000000001E-15</c:v>
                 </c:pt>
                 <c:pt idx="14">
-                  <c:v>1.0E-15</c:v>
+                  <c:v>1.0000000000000001E-15</c:v>
                 </c:pt>
                 <c:pt idx="15">
-                  <c:v>1.0E-15</c:v>
+                  <c:v>1.0000000000000001E-15</c:v>
                 </c:pt>
                 <c:pt idx="16">
-                  <c:v>1.0E-15</c:v>
+                  <c:v>1.0000000000000001E-15</c:v>
                 </c:pt>
                 <c:pt idx="17">
-                  <c:v>1.0E-15</c:v>
+                  <c:v>1.0000000000000001E-15</c:v>
                 </c:pt>
                 <c:pt idx="18">
                   <c:v>1.16142E-10</c:v>
                 </c:pt>
                 <c:pt idx="19">
-                  <c:v>1.997631E-9</c:v>
+                  <c:v>1.9976310000000002E-9</c:v>
                 </c:pt>
                 <c:pt idx="20">
-                  <c:v>4.76727E-10</c:v>
+                  <c:v>4.7672700000000004E-10</c:v>
                 </c:pt>
                 <c:pt idx="21">
-                  <c:v>1.485901E-9</c:v>
+                  <c:v>1.4859009999999999E-9</c:v>
                 </c:pt>
                 <c:pt idx="22">
-                  <c:v>3.240031E-9</c:v>
+                  <c:v>3.2400309999999999E-9</c:v>
                 </c:pt>
                 <c:pt idx="23">
-                  <c:v>4.184661E-9</c:v>
+                  <c:v>4.1846610000000002E-9</c:v>
                 </c:pt>
                 <c:pt idx="24">
-                  <c:v>9.833461E-9</c:v>
+                  <c:v>9.8334610000000008E-9</c:v>
                 </c:pt>
                 <c:pt idx="25">
                   <c:v>1.1062201E-8</c:v>
                 </c:pt>
                 <c:pt idx="26">
-                  <c:v>5.542041E-9</c:v>
+                  <c:v>5.5420409999999999E-9</c:v>
                 </c:pt>
                 <c:pt idx="27">
-                  <c:v>4.339901E-9</c:v>
+                  <c:v>4.3399010000000002E-9</c:v>
                 </c:pt>
                 <c:pt idx="28">
-                  <c:v>3.468871E-9</c:v>
+                  <c:v>3.4688710000000001E-9</c:v>
                 </c:pt>
                 <c:pt idx="29">
-                  <c:v>6.0203E-10</c:v>
+                  <c:v>6.0203000000000004E-10</c:v>
                 </c:pt>
                 <c:pt idx="30">
-                  <c:v>3.68174E-10</c:v>
+                  <c:v>3.6817400000000002E-10</c:v>
                 </c:pt>
                 <c:pt idx="31">
-                  <c:v>5.02989E-10</c:v>
+                  <c:v>5.0298900000000003E-10</c:v>
                 </c:pt>
                 <c:pt idx="32">
-                  <c:v>1.0E-15</c:v>
+                  <c:v>1.0000000000000001E-15</c:v>
                 </c:pt>
                 <c:pt idx="33">
-                  <c:v>1.0E-15</c:v>
+                  <c:v>1.0000000000000001E-15</c:v>
                 </c:pt>
                 <c:pt idx="34">
-                  <c:v>1.0E-15</c:v>
+                  <c:v>1.0000000000000001E-15</c:v>
                 </c:pt>
                 <c:pt idx="35">
-                  <c:v>1.0E-15</c:v>
+                  <c:v>1.0000000000000001E-15</c:v>
                 </c:pt>
                 <c:pt idx="36">
-                  <c:v>1.0E-15</c:v>
+                  <c:v>1.0000000000000001E-15</c:v>
                 </c:pt>
                 <c:pt idx="37">
-                  <c:v>1.0E-15</c:v>
+                  <c:v>1.0000000000000001E-15</c:v>
                 </c:pt>
                 <c:pt idx="38">
-                  <c:v>1.0E-15</c:v>
+                  <c:v>1.0000000000000001E-15</c:v>
                 </c:pt>
                 <c:pt idx="39">
-                  <c:v>1.0E-15</c:v>
+                  <c:v>1.0000000000000001E-15</c:v>
                 </c:pt>
               </c:numCache>
             </c:numRef>
@@ -3582,13 +3596,13 @@
           <c:showPercent val="0"/>
           <c:showBubbleSize val="0"/>
         </c:dLbls>
-        <c:axId val="2121363416"/>
-        <c:axId val="2121625144"/>
+        <c:axId val="338633904"/>
+        <c:axId val="338631104"/>
       </c:scatterChart>
       <c:valAx>
-        <c:axId val="2121363416"/>
+        <c:axId val="338633904"/>
         <c:scaling>
-          <c:logBase val="10.0"/>
+          <c:logBase val="10"/>
           <c:orientation val="minMax"/>
         </c:scaling>
         <c:delete val="0"/>
@@ -3634,7 +3648,6 @@
               </a:p>
             </c:rich>
           </c:tx>
-          <c:layout/>
           <c:overlay val="0"/>
           <c:spPr>
             <a:noFill/>
@@ -3681,17 +3694,17 @@
             <a:endParaRPr lang="en-US"/>
           </a:p>
         </c:txPr>
-        <c:crossAx val="2121625144"/>
+        <c:crossAx val="338631104"/>
         <c:crosses val="autoZero"/>
         <c:crossBetween val="midCat"/>
       </c:valAx>
       <c:valAx>
-        <c:axId val="2121625144"/>
+        <c:axId val="338631104"/>
         <c:scaling>
-          <c:logBase val="10.0"/>
+          <c:logBase val="10"/>
           <c:orientation val="minMax"/>
-          <c:max val="0.0001"/>
-          <c:min val="1.0E-10"/>
+          <c:max val="1E-4"/>
+          <c:min val="1E-10"/>
         </c:scaling>
         <c:delete val="0"/>
         <c:axPos val="l"/>
@@ -3736,7 +3749,6 @@
               </a:p>
             </c:rich>
           </c:tx>
-          <c:layout/>
           <c:overlay val="0"/>
           <c:spPr>
             <a:noFill/>
@@ -3783,7 +3795,7 @@
             <a:endParaRPr lang="en-US"/>
           </a:p>
         </c:txPr>
-        <c:crossAx val="2121363416"/>
+        <c:crossAx val="338633904"/>
         <c:crosses val="autoZero"/>
         <c:crossBetween val="midCat"/>
       </c:valAx>
@@ -3801,10 +3813,10 @@
         <c:manualLayout>
           <c:xMode val="edge"/>
           <c:yMode val="edge"/>
-          <c:x val="0.0954692556634304"/>
-          <c:y val="0.0498043799212598"/>
-          <c:w val="0.175735196192339"/>
-          <c:h val="0.263673720472441"/>
+          <c:x val="9.5469255663430397E-2"/>
+          <c:y val="4.98043799212598E-2"/>
+          <c:w val="0.17573519619233899"/>
+          <c:h val="0.26367372047244098"/>
         </c:manualLayout>
       </c:layout>
       <c:overlay val="1"/>
@@ -3922,10 +3934,10 @@
                   <c:formatCode>General</c:formatCode>
                   <c:ptCount val="40"/>
                   <c:pt idx="0">
-                    <c:v>7.744781352E-10</c:v>
+                    <c:v>7.7447813520000003E-10</c:v>
                   </c:pt>
                   <c:pt idx="1">
-                    <c:v>1.0449209246E-9</c:v>
+                    <c:v>1.0449209246000001E-9</c:v>
                   </c:pt>
                   <c:pt idx="2">
                     <c:v>2.1815106885E-9</c:v>
@@ -3934,112 +3946,112 @@
                     <c:v>5.1340774338E-9</c:v>
                   </c:pt>
                   <c:pt idx="4">
-                    <c:v>8.2065833571E-9</c:v>
+                    <c:v>8.2065833570999996E-9</c:v>
                   </c:pt>
                   <c:pt idx="5">
-                    <c:v>1.11645163439E-8</c:v>
+                    <c:v>1.1164516343899999E-8</c:v>
                   </c:pt>
                   <c:pt idx="6">
-                    <c:v>1.12050167463E-8</c:v>
+                    <c:v>1.1205016746299999E-8</c:v>
                   </c:pt>
                   <c:pt idx="7">
-                    <c:v>6.5921828109E-9</c:v>
+                    <c:v>6.5921828109000004E-9</c:v>
                   </c:pt>
                   <c:pt idx="8">
-                    <c:v>4.6066863416E-9</c:v>
+                    <c:v>4.6066863416000003E-9</c:v>
                   </c:pt>
                   <c:pt idx="9">
-                    <c:v>4.6533602479E-9</c:v>
+                    <c:v>4.6533602478999996E-9</c:v>
                   </c:pt>
                   <c:pt idx="10">
-                    <c:v>4.7054437144E-9</c:v>
+                    <c:v>4.7054437143999999E-9</c:v>
                   </c:pt>
                   <c:pt idx="11">
-                    <c:v>5.2243137492E-9</c:v>
+                    <c:v>5.2243137491999998E-9</c:v>
                   </c:pt>
                   <c:pt idx="12">
-                    <c:v>5.6800764144E-9</c:v>
+                    <c:v>5.6800764143999999E-9</c:v>
                   </c:pt>
                   <c:pt idx="13">
-                    <c:v>4.9365676759E-9</c:v>
+                    <c:v>4.9365676759000003E-9</c:v>
                   </c:pt>
                   <c:pt idx="14">
-                    <c:v>5.7272783874E-9</c:v>
+                    <c:v>5.7272783874000003E-9</c:v>
                   </c:pt>
                   <c:pt idx="15">
                     <c:v>6.1580660677E-9</c:v>
                   </c:pt>
                   <c:pt idx="16">
-                    <c:v>6.3269271198E-9</c:v>
+                    <c:v>6.3269271197999999E-9</c:v>
                   </c:pt>
                   <c:pt idx="17">
-                    <c:v>7.2097641693E-9</c:v>
+                    <c:v>7.2097641693000004E-9</c:v>
                   </c:pt>
                   <c:pt idx="18">
-                    <c:v>6.9755412906E-9</c:v>
+                    <c:v>6.9755412905999998E-9</c:v>
                   </c:pt>
                   <c:pt idx="19">
                     <c:v>7.9416480676E-9</c:v>
                   </c:pt>
                   <c:pt idx="20">
-                    <c:v>7.6153987637E-9</c:v>
+                    <c:v>7.6153987636999998E-9</c:v>
                   </c:pt>
                   <c:pt idx="21">
-                    <c:v>7.9672160577E-9</c:v>
+                    <c:v>7.9672160577000007E-9</c:v>
                   </c:pt>
                   <c:pt idx="22">
-                    <c:v>7.8378916641E-9</c:v>
+                    <c:v>7.8378916640999998E-9</c:v>
                   </c:pt>
                   <c:pt idx="23">
-                    <c:v>8.4984270618E-9</c:v>
+                    <c:v>8.4984270618000001E-9</c:v>
                   </c:pt>
                   <c:pt idx="24">
                     <c:v>8.1886693643E-9</c:v>
                   </c:pt>
                   <c:pt idx="25">
-                    <c:v>8.2137174742E-9</c:v>
+                    <c:v>8.2137174741999994E-9</c:v>
                   </c:pt>
                   <c:pt idx="26">
-                    <c:v>8.5048820823E-9</c:v>
+                    <c:v>8.5048820823000004E-9</c:v>
                   </c:pt>
                   <c:pt idx="27">
-                    <c:v>7.991894496E-9</c:v>
+                    <c:v>7.9918944960000002E-9</c:v>
                   </c:pt>
                   <c:pt idx="28">
-                    <c:v>6.8261072732E-9</c:v>
+                    <c:v>6.8261072731999996E-9</c:v>
                   </c:pt>
                   <c:pt idx="29">
-                    <c:v>5.1032546838E-9</c:v>
+                    <c:v>5.1032546837999998E-9</c:v>
                   </c:pt>
                   <c:pt idx="30">
-                    <c:v>4.3281444949E-9</c:v>
+                    <c:v>4.3281444949000002E-9</c:v>
                   </c:pt>
                   <c:pt idx="31">
-                    <c:v>1.890144474E-9</c:v>
+                    <c:v>1.8901444739999999E-9</c:v>
                   </c:pt>
                   <c:pt idx="32">
-                    <c:v>9.939259691E-10</c:v>
+                    <c:v>9.9392596909999992E-10</c:v>
                   </c:pt>
                   <c:pt idx="33">
-                    <c:v>9.50337971E-10</c:v>
+                    <c:v>9.5033797100000005E-10</c:v>
                   </c:pt>
                   <c:pt idx="34">
                     <c:v>1.77219E-10</c:v>
                   </c:pt>
                   <c:pt idx="35">
-                    <c:v>5.14435E-10</c:v>
+                    <c:v>5.1443499999999999E-10</c:v>
                   </c:pt>
                   <c:pt idx="36">
-                    <c:v>0.0</c:v>
+                    <c:v>0</c:v>
                   </c:pt>
                   <c:pt idx="37">
-                    <c:v>0.0</c:v>
+                    <c:v>0</c:v>
                   </c:pt>
                   <c:pt idx="38">
-                    <c:v>0.0</c:v>
+                    <c:v>0</c:v>
                   </c:pt>
                   <c:pt idx="39">
-                    <c:v>0.0</c:v>
+                    <c:v>0</c:v>
                   </c:pt>
                 </c:numCache>
               </c:numRef>
@@ -4051,10 +4063,10 @@
                   <c:formatCode>General</c:formatCode>
                   <c:ptCount val="40"/>
                   <c:pt idx="0">
-                    <c:v>7.744781352E-10</c:v>
+                    <c:v>7.7447813520000003E-10</c:v>
                   </c:pt>
                   <c:pt idx="1">
-                    <c:v>1.0449209246E-9</c:v>
+                    <c:v>1.0449209246000001E-9</c:v>
                   </c:pt>
                   <c:pt idx="2">
                     <c:v>2.1815106885E-9</c:v>
@@ -4063,112 +4075,112 @@
                     <c:v>5.1340774338E-9</c:v>
                   </c:pt>
                   <c:pt idx="4">
-                    <c:v>8.2065833571E-9</c:v>
+                    <c:v>8.2065833570999996E-9</c:v>
                   </c:pt>
                   <c:pt idx="5">
-                    <c:v>1.11645163439E-8</c:v>
+                    <c:v>1.1164516343899999E-8</c:v>
                   </c:pt>
                   <c:pt idx="6">
-                    <c:v>1.12050167463E-8</c:v>
+                    <c:v>1.1205016746299999E-8</c:v>
                   </c:pt>
                   <c:pt idx="7">
-                    <c:v>6.5921828109E-9</c:v>
+                    <c:v>6.5921828109000004E-9</c:v>
                   </c:pt>
                   <c:pt idx="8">
-                    <c:v>4.6066863416E-9</c:v>
+                    <c:v>4.6066863416000003E-9</c:v>
                   </c:pt>
                   <c:pt idx="9">
-                    <c:v>4.6533602479E-9</c:v>
+                    <c:v>4.6533602478999996E-9</c:v>
                   </c:pt>
                   <c:pt idx="10">
-                    <c:v>4.7054437144E-9</c:v>
+                    <c:v>4.7054437143999999E-9</c:v>
                   </c:pt>
                   <c:pt idx="11">
-                    <c:v>5.2243137492E-9</c:v>
+                    <c:v>5.2243137491999998E-9</c:v>
                   </c:pt>
                   <c:pt idx="12">
-                    <c:v>5.6800764144E-9</c:v>
+                    <c:v>5.6800764143999999E-9</c:v>
                   </c:pt>
                   <c:pt idx="13">
-                    <c:v>4.9365676759E-9</c:v>
+                    <c:v>4.9365676759000003E-9</c:v>
                   </c:pt>
                   <c:pt idx="14">
-                    <c:v>5.7272783874E-9</c:v>
+                    <c:v>5.7272783874000003E-9</c:v>
                   </c:pt>
                   <c:pt idx="15">
                     <c:v>6.1580660677E-9</c:v>
                   </c:pt>
                   <c:pt idx="16">
-                    <c:v>6.3269271198E-9</c:v>
+                    <c:v>6.3269271197999999E-9</c:v>
                   </c:pt>
                   <c:pt idx="17">
-                    <c:v>7.2097641693E-9</c:v>
+                    <c:v>7.2097641693000004E-9</c:v>
                   </c:pt>
                   <c:pt idx="18">
-                    <c:v>6.9755412906E-9</c:v>
+                    <c:v>6.9755412905999998E-9</c:v>
                   </c:pt>
                   <c:pt idx="19">
                     <c:v>7.9416480676E-9</c:v>
                   </c:pt>
                   <c:pt idx="20">
-                    <c:v>7.6153987637E-9</c:v>
+                    <c:v>7.6153987636999998E-9</c:v>
                   </c:pt>
                   <c:pt idx="21">
-                    <c:v>7.9672160577E-9</c:v>
+                    <c:v>7.9672160577000007E-9</c:v>
                   </c:pt>
                   <c:pt idx="22">
-                    <c:v>7.8378916641E-9</c:v>
+                    <c:v>7.8378916640999998E-9</c:v>
                   </c:pt>
                   <c:pt idx="23">
-                    <c:v>8.4984270618E-9</c:v>
+                    <c:v>8.4984270618000001E-9</c:v>
                   </c:pt>
                   <c:pt idx="24">
                     <c:v>8.1886693643E-9</c:v>
                   </c:pt>
                   <c:pt idx="25">
-                    <c:v>8.2137174742E-9</c:v>
+                    <c:v>8.2137174741999994E-9</c:v>
                   </c:pt>
                   <c:pt idx="26">
-                    <c:v>8.5048820823E-9</c:v>
+                    <c:v>8.5048820823000004E-9</c:v>
                   </c:pt>
                   <c:pt idx="27">
-                    <c:v>7.991894496E-9</c:v>
+                    <c:v>7.9918944960000002E-9</c:v>
                   </c:pt>
                   <c:pt idx="28">
-                    <c:v>6.8261072732E-9</c:v>
+                    <c:v>6.8261072731999996E-9</c:v>
                   </c:pt>
                   <c:pt idx="29">
-                    <c:v>5.1032546838E-9</c:v>
+                    <c:v>5.1032546837999998E-9</c:v>
                   </c:pt>
                   <c:pt idx="30">
-                    <c:v>4.3281444949E-9</c:v>
+                    <c:v>4.3281444949000002E-9</c:v>
                   </c:pt>
                   <c:pt idx="31">
-                    <c:v>1.890144474E-9</c:v>
+                    <c:v>1.8901444739999999E-9</c:v>
                   </c:pt>
                   <c:pt idx="32">
-                    <c:v>9.939259691E-10</c:v>
+                    <c:v>9.9392596909999992E-10</c:v>
                   </c:pt>
                   <c:pt idx="33">
-                    <c:v>9.50337971E-10</c:v>
+                    <c:v>9.5033797100000005E-10</c:v>
                   </c:pt>
                   <c:pt idx="34">
                     <c:v>1.77219E-10</c:v>
                   </c:pt>
                   <c:pt idx="35">
-                    <c:v>5.14435E-10</c:v>
+                    <c:v>5.1443499999999999E-10</c:v>
                   </c:pt>
                   <c:pt idx="36">
-                    <c:v>0.0</c:v>
+                    <c:v>0</c:v>
                   </c:pt>
                   <c:pt idx="37">
-                    <c:v>0.0</c:v>
+                    <c:v>0</c:v>
                   </c:pt>
                   <c:pt idx="38">
-                    <c:v>0.0</c:v>
+                    <c:v>0</c:v>
                   </c:pt>
                   <c:pt idx="39">
-                    <c:v>0.0</c:v>
+                    <c:v>0</c:v>
                   </c:pt>
                 </c:numCache>
               </c:numRef>
@@ -4194,16 +4206,16 @@
                 <c:formatCode>0.00E+00</c:formatCode>
                 <c:ptCount val="40"/>
                 <c:pt idx="0">
-                  <c:v>8.46E-10</c:v>
+                  <c:v>8.4599999999999997E-10</c:v>
                 </c:pt>
                 <c:pt idx="1">
-                  <c:v>2.5495E-9</c:v>
+                  <c:v>2.5494999999999999E-9</c:v>
                 </c:pt>
                 <c:pt idx="2">
-                  <c:v>5.134E-9</c:v>
+                  <c:v>5.1339999999999998E-9</c:v>
                 </c:pt>
                 <c:pt idx="3">
-                  <c:v>1.03405E-8</c:v>
+                  <c:v>1.0340499999999999E-8</c:v>
                 </c:pt>
                 <c:pt idx="4">
                   <c:v>2.082E-8</c:v>
@@ -4212,25 +4224,25 @@
                   <c:v>4.1925E-8</c:v>
                 </c:pt>
                 <c:pt idx="6">
-                  <c:v>8.4415E-8</c:v>
+                  <c:v>8.4415000000000005E-8</c:v>
                 </c:pt>
                 <c:pt idx="7">
-                  <c:v>1.7E-7</c:v>
+                  <c:v>1.6999999999999999E-7</c:v>
                 </c:pt>
                 <c:pt idx="8">
-                  <c:v>3.4235E-7</c:v>
+                  <c:v>3.4234999999999999E-7</c:v>
                 </c:pt>
                 <c:pt idx="9">
-                  <c:v>6.8945E-7</c:v>
+                  <c:v>6.8945000000000002E-7</c:v>
                 </c:pt>
                 <c:pt idx="10">
-                  <c:v>1.3882E-6</c:v>
+                  <c:v>1.3881999999999999E-6</c:v>
                 </c:pt>
                 <c:pt idx="11">
-                  <c:v>2.7955E-6</c:v>
+                  <c:v>2.7955000000000002E-6</c:v>
                 </c:pt>
                 <c:pt idx="12">
-                  <c:v>5.63E-6</c:v>
+                  <c:v>5.6300000000000003E-6</c:v>
                 </c:pt>
                 <c:pt idx="13">
                   <c:v>1.1337E-5</c:v>
@@ -4239,79 +4251,79 @@
                   <c:v>2.283E-5</c:v>
                 </c:pt>
                 <c:pt idx="15">
-                  <c:v>4.5975E-5</c:v>
+                  <c:v>4.5974999999999999E-5</c:v>
                 </c:pt>
                 <c:pt idx="16">
-                  <c:v>9.257E-5</c:v>
+                  <c:v>9.2570000000000003E-5</c:v>
                 </c:pt>
                 <c:pt idx="17">
-                  <c:v>0.00018645</c:v>
+                  <c:v>1.8645000000000001E-4</c:v>
                 </c:pt>
                 <c:pt idx="18">
-                  <c:v>0.00037545</c:v>
+                  <c:v>3.7544999999999999E-4</c:v>
                 </c:pt>
                 <c:pt idx="19">
-                  <c:v>0.00075585</c:v>
+                  <c:v>7.5584999999999997E-4</c:v>
                 </c:pt>
                 <c:pt idx="20">
-                  <c:v>0.0015225</c:v>
+                  <c:v>1.5225E-3</c:v>
                 </c:pt>
                 <c:pt idx="21">
-                  <c:v>0.003066</c:v>
+                  <c:v>3.0660000000000001E-3</c:v>
                 </c:pt>
                 <c:pt idx="22">
-                  <c:v>0.006174</c:v>
+                  <c:v>6.1739999999999998E-3</c:v>
                 </c:pt>
                 <c:pt idx="23">
-                  <c:v>0.0124355</c:v>
+                  <c:v>1.24355E-2</c:v>
                 </c:pt>
                 <c:pt idx="24">
-                  <c:v>0.02504</c:v>
+                  <c:v>2.504E-2</c:v>
                 </c:pt>
                 <c:pt idx="25">
-                  <c:v>0.05042</c:v>
+                  <c:v>5.042E-2</c:v>
                 </c:pt>
                 <c:pt idx="26">
-                  <c:v>0.10154</c:v>
+                  <c:v>0.10154000000000001</c:v>
                 </c:pt>
                 <c:pt idx="27">
-                  <c:v>0.20445</c:v>
+                  <c:v>0.20444999999999999</c:v>
                 </c:pt>
                 <c:pt idx="28">
-                  <c:v>0.4117</c:v>
+                  <c:v>0.41170000000000001</c:v>
                 </c:pt>
                 <c:pt idx="29">
-                  <c:v>0.8291</c:v>
+                  <c:v>0.82909999999999995</c:v>
                 </c:pt>
                 <c:pt idx="30">
                   <c:v>1.6695</c:v>
                 </c:pt>
                 <c:pt idx="31">
-                  <c:v>2.865</c:v>
+                  <c:v>2.8650000000000002</c:v>
                 </c:pt>
                 <c:pt idx="32">
-                  <c:v>4.257499999999998</c:v>
+                  <c:v>4.2574999999999976</c:v>
                 </c:pt>
                 <c:pt idx="33">
-                  <c:v>5.9965</c:v>
+                  <c:v>5.9965000000000002</c:v>
                 </c:pt>
                 <c:pt idx="34">
-                  <c:v>8.4885</c:v>
+                  <c:v>8.4885000000000002</c:v>
                 </c:pt>
                 <c:pt idx="35">
-                  <c:v>11.0</c:v>
+                  <c:v>11</c:v>
                 </c:pt>
                 <c:pt idx="36">
-                  <c:v>13.0</c:v>
+                  <c:v>13</c:v>
                 </c:pt>
                 <c:pt idx="37">
-                  <c:v>15.0</c:v>
+                  <c:v>15</c:v>
                 </c:pt>
                 <c:pt idx="38">
-                  <c:v>17.0</c:v>
+                  <c:v>17</c:v>
                 </c:pt>
                 <c:pt idx="39">
-                  <c:v>19.0</c:v>
+                  <c:v>19</c:v>
                 </c:pt>
               </c:numCache>
             </c:numRef>
@@ -4326,121 +4338,121 @@
                   <c:v>1.275491E-9</c:v>
                 </c:pt>
                 <c:pt idx="1">
-                  <c:v>2.648051E-9</c:v>
+                  <c:v>2.6480510000000001E-9</c:v>
                 </c:pt>
                 <c:pt idx="2">
-                  <c:v>1.1573001E-8</c:v>
+                  <c:v>1.1573001000000001E-8</c:v>
                 </c:pt>
                 <c:pt idx="3">
-                  <c:v>5.4734301E-8</c:v>
+                  <c:v>5.4734300999999999E-8</c:v>
                 </c:pt>
                 <c:pt idx="4">
                   <c:v>1.43723001E-7</c:v>
                 </c:pt>
                 <c:pt idx="5">
-                  <c:v>2.54317001E-7</c:v>
+                  <c:v>2.5431700099999999E-7</c:v>
                 </c:pt>
                 <c:pt idx="6">
-                  <c:v>2.42009001E-7</c:v>
+                  <c:v>2.4200900100000001E-7</c:v>
                 </c:pt>
                 <c:pt idx="7">
-                  <c:v>9.2978601E-8</c:v>
+                  <c:v>9.2978600999999997E-8</c:v>
                 </c:pt>
                 <c:pt idx="8">
-                  <c:v>4.5341401E-8</c:v>
+                  <c:v>4.5341401000000001E-8</c:v>
                 </c:pt>
                 <c:pt idx="9">
-                  <c:v>4.3126601E-8</c:v>
+                  <c:v>4.3126601000000002E-8</c:v>
                 </c:pt>
                 <c:pt idx="10">
-                  <c:v>4.1131501E-8</c:v>
+                  <c:v>4.1131500999999997E-8</c:v>
                 </c:pt>
                 <c:pt idx="11">
                   <c:v>4.7841701E-8</c:v>
                 </c:pt>
                 <c:pt idx="12">
-                  <c:v>6.0170301E-8</c:v>
+                  <c:v>6.0170300999999995E-8</c:v>
                 </c:pt>
                 <c:pt idx="13">
-                  <c:v>5.1476201E-8</c:v>
+                  <c:v>5.1476200999999998E-8</c:v>
                 </c:pt>
                 <c:pt idx="14">
-                  <c:v>6.5529501E-8</c:v>
+                  <c:v>6.5529500999999995E-8</c:v>
                 </c:pt>
                 <c:pt idx="15">
-                  <c:v>7.0217401E-8</c:v>
+                  <c:v>7.0217400999999998E-8</c:v>
                 </c:pt>
                 <c:pt idx="16">
-                  <c:v>7.9284801E-8</c:v>
+                  <c:v>7.9284801000000004E-8</c:v>
                 </c:pt>
                 <c:pt idx="17">
                   <c:v>1.04037001E-7</c:v>
                 </c:pt>
                 <c:pt idx="18">
-                  <c:v>9.8803701E-8</c:v>
+                  <c:v>9.8803701000000003E-8</c:v>
                 </c:pt>
                 <c:pt idx="19">
-                  <c:v>1.17480001E-7</c:v>
+                  <c:v>1.1748000099999999E-7</c:v>
                 </c:pt>
                 <c:pt idx="20">
-                  <c:v>1.19551001E-7</c:v>
+                  <c:v>1.1955100100000001E-7</c:v>
                 </c:pt>
                 <c:pt idx="21">
-                  <c:v>1.38080001E-7</c:v>
+                  <c:v>1.3808000100000001E-7</c:v>
                 </c:pt>
                 <c:pt idx="22">
-                  <c:v>1.22276001E-7</c:v>
+                  <c:v>1.2227600100000001E-7</c:v>
                 </c:pt>
                 <c:pt idx="23">
                   <c:v>1.37515001E-7</c:v>
                 </c:pt>
                 <c:pt idx="24">
-                  <c:v>1.27351001E-7</c:v>
+                  <c:v>1.2735100099999999E-7</c:v>
                 </c:pt>
                 <c:pt idx="25">
-                  <c:v>1.10697001E-7</c:v>
+                  <c:v>1.1069700100000001E-7</c:v>
                 </c:pt>
                 <c:pt idx="26">
                   <c:v>1.03340001E-7</c:v>
                 </c:pt>
                 <c:pt idx="27">
-                  <c:v>8.3248901E-8</c:v>
+                  <c:v>8.3248901000000005E-8</c:v>
                 </c:pt>
                 <c:pt idx="28">
-                  <c:v>6.0301301E-8</c:v>
+                  <c:v>6.0301300999999998E-8</c:v>
                 </c:pt>
                 <c:pt idx="29">
-                  <c:v>3.1155401E-8</c:v>
+                  <c:v>3.1155401000000002E-8</c:v>
                 </c:pt>
                 <c:pt idx="30">
-                  <c:v>2.2207001E-8</c:v>
+                  <c:v>2.2207000999999999E-8</c:v>
                 </c:pt>
                 <c:pt idx="31">
-                  <c:v>4.797321E-9</c:v>
+                  <c:v>4.7973209999999996E-9</c:v>
                 </c:pt>
                 <c:pt idx="32">
-                  <c:v>1.562531E-9</c:v>
+                  <c:v>1.5625310000000001E-9</c:v>
                 </c:pt>
                 <c:pt idx="33">
-                  <c:v>1.416301E-9</c:v>
+                  <c:v>1.4163010000000001E-9</c:v>
                 </c:pt>
                 <c:pt idx="34">
                   <c:v>1.77219E-10</c:v>
                 </c:pt>
                 <c:pt idx="35">
-                  <c:v>5.14435E-10</c:v>
+                  <c:v>5.1443499999999999E-10</c:v>
                 </c:pt>
                 <c:pt idx="36">
-                  <c:v>1.0E-15</c:v>
+                  <c:v>1.0000000000000001E-15</c:v>
                 </c:pt>
                 <c:pt idx="37">
-                  <c:v>1.0E-15</c:v>
+                  <c:v>1.0000000000000001E-15</c:v>
                 </c:pt>
                 <c:pt idx="38">
-                  <c:v>1.0E-15</c:v>
+                  <c:v>1.0000000000000001E-15</c:v>
                 </c:pt>
                 <c:pt idx="39">
-                  <c:v>1.0E-15</c:v>
+                  <c:v>1.0000000000000001E-15</c:v>
                 </c:pt>
               </c:numCache>
             </c:numRef>
@@ -4485,124 +4497,124 @@
                   <c:formatCode>General</c:formatCode>
                   <c:ptCount val="40"/>
                   <c:pt idx="0">
-                    <c:v>7.416251741E-10</c:v>
+                    <c:v>7.4162517409999995E-10</c:v>
                   </c:pt>
                   <c:pt idx="1">
-                    <c:v>7.877121356E-10</c:v>
+                    <c:v>7.8771213559999997E-10</c:v>
                   </c:pt>
                   <c:pt idx="2">
-                    <c:v>1.6592419025E-9</c:v>
+                    <c:v>1.6592419025000001E-9</c:v>
                   </c:pt>
                   <c:pt idx="3">
-                    <c:v>3.1452345232E-9</c:v>
+                    <c:v>3.1452345232000001E-9</c:v>
                   </c:pt>
                   <c:pt idx="4">
-                    <c:v>5.866808171E-9</c:v>
+                    <c:v>5.8668081710000004E-9</c:v>
                   </c:pt>
                   <c:pt idx="5">
-                    <c:v>7.7227260561E-9</c:v>
+                    <c:v>7.7227260561000007E-9</c:v>
                   </c:pt>
                   <c:pt idx="6">
-                    <c:v>6.937917067E-9</c:v>
+                    <c:v>6.9379170669999999E-9</c:v>
                   </c:pt>
                   <c:pt idx="7">
                     <c:v>2.8667115024E-9</c:v>
                   </c:pt>
                   <c:pt idx="8">
-                    <c:v>2.654263971E-10</c:v>
+                    <c:v>2.6542639710000002E-10</c:v>
                   </c:pt>
                   <c:pt idx="9">
-                    <c:v>0.0</c:v>
+                    <c:v>0</c:v>
                   </c:pt>
                   <c:pt idx="10">
-                    <c:v>0.0</c:v>
+                    <c:v>0</c:v>
                   </c:pt>
                   <c:pt idx="11">
-                    <c:v>0.0</c:v>
+                    <c:v>0</c:v>
                   </c:pt>
                   <c:pt idx="12">
-                    <c:v>0.0</c:v>
+                    <c:v>0</c:v>
                   </c:pt>
                   <c:pt idx="13">
-                    <c:v>0.0</c:v>
+                    <c:v>0</c:v>
                   </c:pt>
                   <c:pt idx="14">
-                    <c:v>0.0</c:v>
+                    <c:v>0</c:v>
                   </c:pt>
                   <c:pt idx="15">
-                    <c:v>0.0</c:v>
+                    <c:v>0</c:v>
                   </c:pt>
                   <c:pt idx="16">
-                    <c:v>0.0</c:v>
+                    <c:v>0</c:v>
                   </c:pt>
                   <c:pt idx="17">
-                    <c:v>0.0</c:v>
+                    <c:v>0</c:v>
                   </c:pt>
                   <c:pt idx="18">
-                    <c:v>0.0</c:v>
+                    <c:v>0</c:v>
                   </c:pt>
                   <c:pt idx="19">
-                    <c:v>0.0</c:v>
+                    <c:v>0</c:v>
                   </c:pt>
                   <c:pt idx="20">
-                    <c:v>0.0</c:v>
+                    <c:v>0</c:v>
                   </c:pt>
                   <c:pt idx="21">
-                    <c:v>0.0</c:v>
+                    <c:v>0</c:v>
                   </c:pt>
                   <c:pt idx="22">
-                    <c:v>0.0</c:v>
+                    <c:v>0</c:v>
                   </c:pt>
                   <c:pt idx="23">
-                    <c:v>0.0</c:v>
+                    <c:v>0</c:v>
                   </c:pt>
                   <c:pt idx="24">
-                    <c:v>0.0</c:v>
+                    <c:v>0</c:v>
                   </c:pt>
                   <c:pt idx="25">
-                    <c:v>0.0</c:v>
+                    <c:v>0</c:v>
                   </c:pt>
                   <c:pt idx="26">
-                    <c:v>0.0</c:v>
+                    <c:v>0</c:v>
                   </c:pt>
                   <c:pt idx="27">
-                    <c:v>0.0</c:v>
+                    <c:v>0</c:v>
                   </c:pt>
                   <c:pt idx="28">
-                    <c:v>0.0</c:v>
+                    <c:v>0</c:v>
                   </c:pt>
                   <c:pt idx="29">
-                    <c:v>0.0</c:v>
+                    <c:v>0</c:v>
                   </c:pt>
                   <c:pt idx="30">
-                    <c:v>0.0</c:v>
+                    <c:v>0</c:v>
                   </c:pt>
                   <c:pt idx="31">
-                    <c:v>0.0</c:v>
+                    <c:v>0</c:v>
                   </c:pt>
                   <c:pt idx="32">
-                    <c:v>0.0</c:v>
+                    <c:v>0</c:v>
                   </c:pt>
                   <c:pt idx="33">
-                    <c:v>0.0</c:v>
+                    <c:v>0</c:v>
                   </c:pt>
                   <c:pt idx="34">
-                    <c:v>0.0</c:v>
+                    <c:v>0</c:v>
                   </c:pt>
                   <c:pt idx="35">
-                    <c:v>0.0</c:v>
+                    <c:v>0</c:v>
                   </c:pt>
                   <c:pt idx="36">
-                    <c:v>0.0</c:v>
+                    <c:v>0</c:v>
                   </c:pt>
                   <c:pt idx="37">
-                    <c:v>0.0</c:v>
+                    <c:v>0</c:v>
                   </c:pt>
                   <c:pt idx="38">
-                    <c:v>0.0</c:v>
+                    <c:v>0</c:v>
                   </c:pt>
                   <c:pt idx="39">
-                    <c:v>0.0</c:v>
+                    <c:v>0</c:v>
                   </c:pt>
                 </c:numCache>
               </c:numRef>
@@ -4614,124 +4626,124 @@
                   <c:formatCode>General</c:formatCode>
                   <c:ptCount val="40"/>
                   <c:pt idx="0">
-                    <c:v>7.416251741E-10</c:v>
+                    <c:v>7.4162517409999995E-10</c:v>
                   </c:pt>
                   <c:pt idx="1">
-                    <c:v>7.877121356E-10</c:v>
+                    <c:v>7.8771213559999997E-10</c:v>
                   </c:pt>
                   <c:pt idx="2">
-                    <c:v>1.6592419025E-9</c:v>
+                    <c:v>1.6592419025000001E-9</c:v>
                   </c:pt>
                   <c:pt idx="3">
-                    <c:v>3.1452345232E-9</c:v>
+                    <c:v>3.1452345232000001E-9</c:v>
                   </c:pt>
                   <c:pt idx="4">
-                    <c:v>5.866808171E-9</c:v>
+                    <c:v>5.8668081710000004E-9</c:v>
                   </c:pt>
                   <c:pt idx="5">
-                    <c:v>7.7227260561E-9</c:v>
+                    <c:v>7.7227260561000007E-9</c:v>
                   </c:pt>
                   <c:pt idx="6">
-                    <c:v>6.937917067E-9</c:v>
+                    <c:v>6.9379170669999999E-9</c:v>
                   </c:pt>
                   <c:pt idx="7">
                     <c:v>2.8667115024E-9</c:v>
                   </c:pt>
                   <c:pt idx="8">
-                    <c:v>2.654263971E-10</c:v>
+                    <c:v>2.6542639710000002E-10</c:v>
                   </c:pt>
                   <c:pt idx="9">
-                    <c:v>0.0</c:v>
+                    <c:v>0</c:v>
                   </c:pt>
                   <c:pt idx="10">
-                    <c:v>0.0</c:v>
+                    <c:v>0</c:v>
                   </c:pt>
                   <c:pt idx="11">
-                    <c:v>0.0</c:v>
+                    <c:v>0</c:v>
                   </c:pt>
                   <c:pt idx="12">
-                    <c:v>0.0</c:v>
+                    <c:v>0</c:v>
                   </c:pt>
                   <c:pt idx="13">
-                    <c:v>0.0</c:v>
+                    <c:v>0</c:v>
                   </c:pt>
                   <c:pt idx="14">
-                    <c:v>0.0</c:v>
+                    <c:v>0</c:v>
                   </c:pt>
                   <c:pt idx="15">
-                    <c:v>0.0</c:v>
+                    <c:v>0</c:v>
                   </c:pt>
                   <c:pt idx="16">
-                    <c:v>0.0</c:v>
+                    <c:v>0</c:v>
                   </c:pt>
                   <c:pt idx="17">
-                    <c:v>0.0</c:v>
+                    <c:v>0</c:v>
                   </c:pt>
                   <c:pt idx="18">
-                    <c:v>0.0</c:v>
+                    <c:v>0</c:v>
                   </c:pt>
                   <c:pt idx="19">
-                    <c:v>0.0</c:v>
+                    <c:v>0</c:v>
                   </c:pt>
                   <c:pt idx="20">
-                    <c:v>0.0</c:v>
+                    <c:v>0</c:v>
                   </c:pt>
                   <c:pt idx="21">
-                    <c:v>0.0</c:v>
+                    <c:v>0</c:v>
                   </c:pt>
                   <c:pt idx="22">
-                    <c:v>0.0</c:v>
+                    <c:v>0</c:v>
                   </c:pt>
                   <c:pt idx="23">
-                    <c:v>0.0</c:v>
+                    <c:v>0</c:v>
                   </c:pt>
                   <c:pt idx="24">
-                    <c:v>0.0</c:v>
+                    <c:v>0</c:v>
                   </c:pt>
                   <c:pt idx="25">
-                    <c:v>0.0</c:v>
+                    <c:v>0</c:v>
                   </c:pt>
                   <c:pt idx="26">
-                    <c:v>0.0</c:v>
+                    <c:v>0</c:v>
                   </c:pt>
                   <c:pt idx="27">
-                    <c:v>0.0</c:v>
+                    <c:v>0</c:v>
                   </c:pt>
                   <c:pt idx="28">
-                    <c:v>0.0</c:v>
+                    <c:v>0</c:v>
                   </c:pt>
                   <c:pt idx="29">
-                    <c:v>0.0</c:v>
+                    <c:v>0</c:v>
                   </c:pt>
                   <c:pt idx="30">
-                    <c:v>0.0</c:v>
+                    <c:v>0</c:v>
                   </c:pt>
                   <c:pt idx="31">
-                    <c:v>0.0</c:v>
+                    <c:v>0</c:v>
                   </c:pt>
                   <c:pt idx="32">
-                    <c:v>0.0</c:v>
+                    <c:v>0</c:v>
                   </c:pt>
                   <c:pt idx="33">
-                    <c:v>0.0</c:v>
+                    <c:v>0</c:v>
                   </c:pt>
                   <c:pt idx="34">
-                    <c:v>0.0</c:v>
+                    <c:v>0</c:v>
                   </c:pt>
                   <c:pt idx="35">
-                    <c:v>0.0</c:v>
+                    <c:v>0</c:v>
                   </c:pt>
                   <c:pt idx="36">
-                    <c:v>0.0</c:v>
+                    <c:v>0</c:v>
                   </c:pt>
                   <c:pt idx="37">
-                    <c:v>0.0</c:v>
+                    <c:v>0</c:v>
                   </c:pt>
                   <c:pt idx="38">
-                    <c:v>0.0</c:v>
+                    <c:v>0</c:v>
                   </c:pt>
                   <c:pt idx="39">
-                    <c:v>0.0</c:v>
+                    <c:v>0</c:v>
                   </c:pt>
                 </c:numCache>
               </c:numRef>
@@ -4757,16 +4769,16 @@
                 <c:formatCode>0.00E+00</c:formatCode>
                 <c:ptCount val="40"/>
                 <c:pt idx="0">
-                  <c:v>8.46E-10</c:v>
+                  <c:v>8.4599999999999997E-10</c:v>
                 </c:pt>
                 <c:pt idx="1">
-                  <c:v>2.5495E-9</c:v>
+                  <c:v>2.5494999999999999E-9</c:v>
                 </c:pt>
                 <c:pt idx="2">
-                  <c:v>5.134E-9</c:v>
+                  <c:v>5.1339999999999998E-9</c:v>
                 </c:pt>
                 <c:pt idx="3">
-                  <c:v>1.03405E-8</c:v>
+                  <c:v>1.0340499999999999E-8</c:v>
                 </c:pt>
                 <c:pt idx="4">
                   <c:v>2.082E-8</c:v>
@@ -4775,25 +4787,25 @@
                   <c:v>4.1925E-8</c:v>
                 </c:pt>
                 <c:pt idx="6">
-                  <c:v>8.4415E-8</c:v>
+                  <c:v>8.4415000000000005E-8</c:v>
                 </c:pt>
                 <c:pt idx="7">
-                  <c:v>1.7E-7</c:v>
+                  <c:v>1.6999999999999999E-7</c:v>
                 </c:pt>
                 <c:pt idx="8">
-                  <c:v>3.4235E-7</c:v>
+                  <c:v>3.4234999999999999E-7</c:v>
                 </c:pt>
                 <c:pt idx="9">
-                  <c:v>6.8945E-7</c:v>
+                  <c:v>6.8945000000000002E-7</c:v>
                 </c:pt>
                 <c:pt idx="10">
-                  <c:v>1.3882E-6</c:v>
+                  <c:v>1.3881999999999999E-6</c:v>
                 </c:pt>
                 <c:pt idx="11">
-                  <c:v>2.7955E-6</c:v>
+                  <c:v>2.7955000000000002E-6</c:v>
                 </c:pt>
                 <c:pt idx="12">
-                  <c:v>5.63E-6</c:v>
+                  <c:v>5.6300000000000003E-6</c:v>
                 </c:pt>
                 <c:pt idx="13">
                   <c:v>1.1337E-5</c:v>
@@ -4802,79 +4814,79 @@
                   <c:v>2.283E-5</c:v>
                 </c:pt>
                 <c:pt idx="15">
-                  <c:v>4.5975E-5</c:v>
+                  <c:v>4.5974999999999999E-5</c:v>
                 </c:pt>
                 <c:pt idx="16">
-                  <c:v>9.257E-5</c:v>
+                  <c:v>9.2570000000000003E-5</c:v>
                 </c:pt>
                 <c:pt idx="17">
-                  <c:v>0.00018645</c:v>
+                  <c:v>1.8645000000000001E-4</c:v>
                 </c:pt>
                 <c:pt idx="18">
-                  <c:v>0.00037545</c:v>
+                  <c:v>3.7544999999999999E-4</c:v>
                 </c:pt>
                 <c:pt idx="19">
-                  <c:v>0.00075585</c:v>
+                  <c:v>7.5584999999999997E-4</c:v>
                 </c:pt>
                 <c:pt idx="20">
-                  <c:v>0.0015225</c:v>
+                  <c:v>1.5225E-3</c:v>
                 </c:pt>
                 <c:pt idx="21">
-                  <c:v>0.003066</c:v>
+                  <c:v>3.0660000000000001E-3</c:v>
                 </c:pt>
                 <c:pt idx="22">
-                  <c:v>0.006174</c:v>
+                  <c:v>6.1739999999999998E-3</c:v>
                 </c:pt>
                 <c:pt idx="23">
-                  <c:v>0.0124355</c:v>
+                  <c:v>1.24355E-2</c:v>
                 </c:pt>
                 <c:pt idx="24">
-                  <c:v>0.02504</c:v>
+                  <c:v>2.504E-2</c:v>
                 </c:pt>
                 <c:pt idx="25">
-                  <c:v>0.05042</c:v>
+                  <c:v>5.042E-2</c:v>
                 </c:pt>
                 <c:pt idx="26">
-                  <c:v>0.10154</c:v>
+                  <c:v>0.10154000000000001</c:v>
                 </c:pt>
                 <c:pt idx="27">
-                  <c:v>0.20445</c:v>
+                  <c:v>0.20444999999999999</c:v>
                 </c:pt>
                 <c:pt idx="28">
-                  <c:v>0.4117</c:v>
+                  <c:v>0.41170000000000001</c:v>
                 </c:pt>
                 <c:pt idx="29">
-                  <c:v>0.8291</c:v>
+                  <c:v>0.82909999999999995</c:v>
                 </c:pt>
                 <c:pt idx="30">
                   <c:v>1.6695</c:v>
                 </c:pt>
                 <c:pt idx="31">
-                  <c:v>2.865</c:v>
+                  <c:v>2.8650000000000002</c:v>
                 </c:pt>
                 <c:pt idx="32">
-                  <c:v>4.257499999999998</c:v>
+                  <c:v>4.2574999999999976</c:v>
                 </c:pt>
                 <c:pt idx="33">
-                  <c:v>5.9965</c:v>
+                  <c:v>5.9965000000000002</c:v>
                 </c:pt>
                 <c:pt idx="34">
-                  <c:v>8.4885</c:v>
+                  <c:v>8.4885000000000002</c:v>
                 </c:pt>
                 <c:pt idx="35">
-                  <c:v>11.0</c:v>
+                  <c:v>11</c:v>
                 </c:pt>
                 <c:pt idx="36">
-                  <c:v>13.0</c:v>
+                  <c:v>13</c:v>
                 </c:pt>
                 <c:pt idx="37">
-                  <c:v>15.0</c:v>
+                  <c:v>15</c:v>
                 </c:pt>
                 <c:pt idx="38">
-                  <c:v>17.0</c:v>
+                  <c:v>17</c:v>
                 </c:pt>
                 <c:pt idx="39">
-                  <c:v>19.0</c:v>
+                  <c:v>19</c:v>
                 </c:pt>
               </c:numCache>
             </c:numRef>
@@ -4889,121 +4901,121 @@
                   <c:v>1.175131E-9</c:v>
                 </c:pt>
                 <c:pt idx="1">
-                  <c:v>2.075111E-9</c:v>
+                  <c:v>2.0751110000000002E-9</c:v>
                 </c:pt>
                 <c:pt idx="2">
-                  <c:v>7.293371E-9</c:v>
+                  <c:v>7.2933710000000003E-9</c:v>
                 </c:pt>
                 <c:pt idx="3">
-                  <c:v>2.5529501E-8</c:v>
+                  <c:v>2.5529501000000001E-8</c:v>
                 </c:pt>
                 <c:pt idx="4">
-                  <c:v>8.2631101E-8</c:v>
+                  <c:v>8.2631101000000003E-8</c:v>
                 </c:pt>
                 <c:pt idx="5">
-                  <c:v>1.37660001E-7</c:v>
+                  <c:v>1.3766000100000001E-7</c:v>
                 </c:pt>
                 <c:pt idx="6">
                   <c:v>1.03551001E-7</c:v>
                 </c:pt>
                 <c:pt idx="7">
-                  <c:v>2.0131401E-8</c:v>
+                  <c:v>2.0131400999999999E-8</c:v>
                 </c:pt>
                 <c:pt idx="8">
-                  <c:v>3.74949E-10</c:v>
+                  <c:v>3.7494900000000003E-10</c:v>
                 </c:pt>
                 <c:pt idx="9">
-                  <c:v>1.0E-15</c:v>
+                  <c:v>1.0000000000000001E-15</c:v>
                 </c:pt>
                 <c:pt idx="10">
-                  <c:v>1.0E-15</c:v>
+                  <c:v>1.0000000000000001E-15</c:v>
                 </c:pt>
                 <c:pt idx="11">
-                  <c:v>1.0E-15</c:v>
+                  <c:v>1.0000000000000001E-15</c:v>
                 </c:pt>
                 <c:pt idx="12">
-                  <c:v>1.0E-15</c:v>
+                  <c:v>1.0000000000000001E-15</c:v>
                 </c:pt>
                 <c:pt idx="13">
-                  <c:v>1.0E-15</c:v>
+                  <c:v>1.0000000000000001E-15</c:v>
                 </c:pt>
                 <c:pt idx="14">
-                  <c:v>1.0E-15</c:v>
+                  <c:v>1.0000000000000001E-15</c:v>
                 </c:pt>
                 <c:pt idx="15">
-                  <c:v>1.0E-15</c:v>
+                  <c:v>1.0000000000000001E-15</c:v>
                 </c:pt>
                 <c:pt idx="16">
-                  <c:v>1.0E-15</c:v>
+                  <c:v>1.0000000000000001E-15</c:v>
                 </c:pt>
                 <c:pt idx="17">
-                  <c:v>1.0E-15</c:v>
+                  <c:v>1.0000000000000001E-15</c:v>
                 </c:pt>
                 <c:pt idx="18">
-                  <c:v>1.0E-15</c:v>
+                  <c:v>1.0000000000000001E-15</c:v>
                 </c:pt>
                 <c:pt idx="19">
-                  <c:v>1.0E-15</c:v>
+                  <c:v>1.0000000000000001E-15</c:v>
                 </c:pt>
                 <c:pt idx="20">
-                  <c:v>1.0E-15</c:v>
+                  <c:v>1.0000000000000001E-15</c:v>
                 </c:pt>
                 <c:pt idx="21">
-                  <c:v>1.0E-15</c:v>
+                  <c:v>1.0000000000000001E-15</c:v>
                 </c:pt>
                 <c:pt idx="22">
-                  <c:v>1.0E-15</c:v>
+                  <c:v>1.0000000000000001E-15</c:v>
                 </c:pt>
                 <c:pt idx="23">
-                  <c:v>1.0E-15</c:v>
+                  <c:v>1.0000000000000001E-15</c:v>
                 </c:pt>
                 <c:pt idx="24">
-                  <c:v>1.0E-15</c:v>
+                  <c:v>1.0000000000000001E-15</c:v>
                 </c:pt>
                 <c:pt idx="25">
-                  <c:v>1.0E-15</c:v>
+                  <c:v>1.0000000000000001E-15</c:v>
                 </c:pt>
                 <c:pt idx="26">
-                  <c:v>1.0E-15</c:v>
+                  <c:v>1.0000000000000001E-15</c:v>
                 </c:pt>
                 <c:pt idx="27">
-                  <c:v>1.0E-15</c:v>
+                  <c:v>1.0000000000000001E-15</c:v>
                 </c:pt>
                 <c:pt idx="28">
-                  <c:v>1.0E-15</c:v>
+                  <c:v>1.0000000000000001E-15</c:v>
                 </c:pt>
                 <c:pt idx="29">
-                  <c:v>1.0E-15</c:v>
+                  <c:v>1.0000000000000001E-15</c:v>
                 </c:pt>
                 <c:pt idx="30">
-                  <c:v>1.0E-15</c:v>
+                  <c:v>1.0000000000000001E-15</c:v>
                 </c:pt>
                 <c:pt idx="31">
-                  <c:v>1.0E-15</c:v>
+                  <c:v>1.0000000000000001E-15</c:v>
                 </c:pt>
                 <c:pt idx="32">
-                  <c:v>1.0E-15</c:v>
+                  <c:v>1.0000000000000001E-15</c:v>
                 </c:pt>
                 <c:pt idx="33">
-                  <c:v>1.0E-15</c:v>
+                  <c:v>1.0000000000000001E-15</c:v>
                 </c:pt>
                 <c:pt idx="34">
-                  <c:v>1.0E-15</c:v>
+                  <c:v>1.0000000000000001E-15</c:v>
                 </c:pt>
                 <c:pt idx="35">
-                  <c:v>1.0E-15</c:v>
+                  <c:v>1.0000000000000001E-15</c:v>
                 </c:pt>
                 <c:pt idx="36">
-                  <c:v>1.0E-15</c:v>
+                  <c:v>1.0000000000000001E-15</c:v>
                 </c:pt>
                 <c:pt idx="37">
-                  <c:v>1.0E-15</c:v>
+                  <c:v>1.0000000000000001E-15</c:v>
                 </c:pt>
                 <c:pt idx="38">
-                  <c:v>1.0E-15</c:v>
+                  <c:v>1.0000000000000001E-15</c:v>
                 </c:pt>
                 <c:pt idx="39">
-                  <c:v>1.0E-15</c:v>
+                  <c:v>1.0000000000000001E-15</c:v>
                 </c:pt>
               </c:numCache>
             </c:numRef>
@@ -5050,79 +5062,79 @@
                   <c:formatCode>General</c:formatCode>
                   <c:ptCount val="40"/>
                   <c:pt idx="0">
-                    <c:v>0.0</c:v>
+                    <c:v>0</c:v>
                   </c:pt>
                   <c:pt idx="1">
-                    <c:v>0.0</c:v>
+                    <c:v>0</c:v>
                   </c:pt>
                   <c:pt idx="2">
-                    <c:v>3.68101E-10</c:v>
+                    <c:v>3.6810100000000001E-10</c:v>
                   </c:pt>
                   <c:pt idx="3">
-                    <c:v>5.81596374E-10</c:v>
+                    <c:v>5.8159637399999997E-10</c:v>
                   </c:pt>
                   <c:pt idx="4">
-                    <c:v>4.393581345E-10</c:v>
+                    <c:v>4.3935813450000001E-10</c:v>
                   </c:pt>
                   <c:pt idx="5">
                     <c:v>1.1672393183E-9</c:v>
                   </c:pt>
                   <c:pt idx="6">
-                    <c:v>1.159225967E-9</c:v>
+                    <c:v>1.1592259669999999E-9</c:v>
                   </c:pt>
                   <c:pt idx="7">
-                    <c:v>4.269607901E-10</c:v>
+                    <c:v>4.2696079009999998E-10</c:v>
                   </c:pt>
                   <c:pt idx="8">
-                    <c:v>0.0</c:v>
+                    <c:v>0</c:v>
                   </c:pt>
                   <c:pt idx="9">
-                    <c:v>5.976657134E-10</c:v>
+                    <c:v>5.9766571339999995E-10</c:v>
                   </c:pt>
                   <c:pt idx="10">
                     <c:v>3.78562E-10</c:v>
                   </c:pt>
                   <c:pt idx="11">
-                    <c:v>5.07836472E-10</c:v>
+                    <c:v>5.0783647199999995E-10</c:v>
                   </c:pt>
                   <c:pt idx="12">
-                    <c:v>0.0</c:v>
+                    <c:v>0</c:v>
                   </c:pt>
                   <c:pt idx="13">
-                    <c:v>1.575620904E-10</c:v>
+                    <c:v>1.5756209039999999E-10</c:v>
                   </c:pt>
                   <c:pt idx="14">
-                    <c:v>6.707034267E-10</c:v>
+                    <c:v>6.7070342670000001E-10</c:v>
                   </c:pt>
                   <c:pt idx="15">
                     <c:v>3.57716E-10</c:v>
                   </c:pt>
                   <c:pt idx="16">
-                    <c:v>6.512202576E-10</c:v>
+                    <c:v>6.5122025760000005E-10</c:v>
                   </c:pt>
                   <c:pt idx="17">
-                    <c:v>5.461325422E-10</c:v>
+                    <c:v>5.4613254219999995E-10</c:v>
                   </c:pt>
                   <c:pt idx="18">
-                    <c:v>4.27975956E-10</c:v>
+                    <c:v>4.2797595600000002E-10</c:v>
                   </c:pt>
                   <c:pt idx="19">
                     <c:v>1.2924472707E-9</c:v>
                   </c:pt>
                   <c:pt idx="20">
-                    <c:v>1.5725781456E-9</c:v>
+                    <c:v>1.5725781456000001E-9</c:v>
                   </c:pt>
                   <c:pt idx="21">
                     <c:v>1.1840742035E-9</c:v>
                   </c:pt>
                   <c:pt idx="22">
-                    <c:v>1.3752962146E-9</c:v>
+                    <c:v>1.3752962146000001E-9</c:v>
                   </c:pt>
                   <c:pt idx="23">
-                    <c:v>1.2832070118E-9</c:v>
+                    <c:v>1.2832070118000001E-9</c:v>
                   </c:pt>
                   <c:pt idx="24">
-                    <c:v>1.1900791645E-9</c:v>
+                    <c:v>1.1900791644999999E-9</c:v>
                   </c:pt>
                   <c:pt idx="25">
                     <c:v>1.1291453054E-9</c:v>
@@ -5134,40 +5146,40 @@
                     <c:v>1.4784781031E-9</c:v>
                   </c:pt>
                   <c:pt idx="28">
-                    <c:v>0.0</c:v>
+                    <c:v>0</c:v>
                   </c:pt>
                   <c:pt idx="29">
-                    <c:v>0.0</c:v>
+                    <c:v>0</c:v>
                   </c:pt>
                   <c:pt idx="30">
-                    <c:v>0.0</c:v>
+                    <c:v>0</c:v>
                   </c:pt>
                   <c:pt idx="31">
-                    <c:v>0.0</c:v>
+                    <c:v>0</c:v>
                   </c:pt>
                   <c:pt idx="32">
-                    <c:v>0.0</c:v>
+                    <c:v>0</c:v>
                   </c:pt>
                   <c:pt idx="33">
-                    <c:v>0.0</c:v>
+                    <c:v>0</c:v>
                   </c:pt>
                   <c:pt idx="34">
-                    <c:v>0.0</c:v>
+                    <c:v>0</c:v>
                   </c:pt>
                   <c:pt idx="35">
-                    <c:v>0.0</c:v>
+                    <c:v>0</c:v>
                   </c:pt>
                   <c:pt idx="36">
-                    <c:v>0.0</c:v>
+                    <c:v>0</c:v>
                   </c:pt>
                   <c:pt idx="37">
-                    <c:v>0.0</c:v>
+                    <c:v>0</c:v>
                   </c:pt>
                   <c:pt idx="38">
-                    <c:v>0.0</c:v>
+                    <c:v>0</c:v>
                   </c:pt>
                   <c:pt idx="39">
-                    <c:v>0.0</c:v>
+                    <c:v>0</c:v>
                   </c:pt>
                 </c:numCache>
               </c:numRef>
@@ -5179,79 +5191,79 @@
                   <c:formatCode>General</c:formatCode>
                   <c:ptCount val="40"/>
                   <c:pt idx="0">
-                    <c:v>0.0</c:v>
+                    <c:v>0</c:v>
                   </c:pt>
                   <c:pt idx="1">
-                    <c:v>0.0</c:v>
+                    <c:v>0</c:v>
                   </c:pt>
                   <c:pt idx="2">
-                    <c:v>3.68101E-10</c:v>
+                    <c:v>3.6810100000000001E-10</c:v>
                   </c:pt>
                   <c:pt idx="3">
-                    <c:v>5.81596374E-10</c:v>
+                    <c:v>5.8159637399999997E-10</c:v>
                   </c:pt>
                   <c:pt idx="4">
-                    <c:v>4.393581345E-10</c:v>
+                    <c:v>4.3935813450000001E-10</c:v>
                   </c:pt>
                   <c:pt idx="5">
                     <c:v>1.1672393183E-9</c:v>
                   </c:pt>
                   <c:pt idx="6">
-                    <c:v>1.159225967E-9</c:v>
+                    <c:v>1.1592259669999999E-9</c:v>
                   </c:pt>
                   <c:pt idx="7">
-                    <c:v>4.269607901E-10</c:v>
+                    <c:v>4.2696079009999998E-10</c:v>
                   </c:pt>
                   <c:pt idx="8">
-                    <c:v>0.0</c:v>
+                    <c:v>0</c:v>
                   </c:pt>
                   <c:pt idx="9">
-                    <c:v>5.976657134E-10</c:v>
+                    <c:v>5.9766571339999995E-10</c:v>
                   </c:pt>
                   <c:pt idx="10">
                     <c:v>3.78562E-10</c:v>
                   </c:pt>
                   <c:pt idx="11">
-                    <c:v>5.07836472E-10</c:v>
+                    <c:v>5.0783647199999995E-10</c:v>
                   </c:pt>
                   <c:pt idx="12">
-                    <c:v>0.0</c:v>
+                    <c:v>0</c:v>
                   </c:pt>
                   <c:pt idx="13">
-                    <c:v>1.575620904E-10</c:v>
+                    <c:v>1.5756209039999999E-10</c:v>
                   </c:pt>
                   <c:pt idx="14">
-                    <c:v>6.707034267E-10</c:v>
+                    <c:v>6.7070342670000001E-10</c:v>
                   </c:pt>
                   <c:pt idx="15">
                     <c:v>3.57716E-10</c:v>
                   </c:pt>
                   <c:pt idx="16">
-                    <c:v>6.512202576E-10</c:v>
+                    <c:v>6.5122025760000005E-10</c:v>
                   </c:pt>
                   <c:pt idx="17">
-                    <c:v>5.461325422E-10</c:v>
+                    <c:v>5.4613254219999995E-10</c:v>
                   </c:pt>
                   <c:pt idx="18">
-                    <c:v>4.27975956E-10</c:v>
+                    <c:v>4.2797595600000002E-10</c:v>
                   </c:pt>
                   <c:pt idx="19">
                     <c:v>1.2924472707E-9</c:v>
                   </c:pt>
                   <c:pt idx="20">
-                    <c:v>1.5725781456E-9</c:v>
+                    <c:v>1.5725781456000001E-9</c:v>
                   </c:pt>
                   <c:pt idx="21">
                     <c:v>1.1840742035E-9</c:v>
                   </c:pt>
                   <c:pt idx="22">
-                    <c:v>1.3752962146E-9</c:v>
+                    <c:v>1.3752962146000001E-9</c:v>
                   </c:pt>
                   <c:pt idx="23">
-                    <c:v>1.2832070118E-9</c:v>
+                    <c:v>1.2832070118000001E-9</c:v>
                   </c:pt>
                   <c:pt idx="24">
-                    <c:v>1.1900791645E-9</c:v>
+                    <c:v>1.1900791644999999E-9</c:v>
                   </c:pt>
                   <c:pt idx="25">
                     <c:v>1.1291453054E-9</c:v>
@@ -5263,40 +5275,40 @@
                     <c:v>1.4784781031E-9</c:v>
                   </c:pt>
                   <c:pt idx="28">
-                    <c:v>0.0</c:v>
+                    <c:v>0</c:v>
                   </c:pt>
                   <c:pt idx="29">
-                    <c:v>0.0</c:v>
+                    <c:v>0</c:v>
                   </c:pt>
                   <c:pt idx="30">
-                    <c:v>0.0</c:v>
+                    <c:v>0</c:v>
                   </c:pt>
                   <c:pt idx="31">
-                    <c:v>0.0</c:v>
+                    <c:v>0</c:v>
                   </c:pt>
                   <c:pt idx="32">
-                    <c:v>0.0</c:v>
+                    <c:v>0</c:v>
                   </c:pt>
                   <c:pt idx="33">
-                    <c:v>0.0</c:v>
+                    <c:v>0</c:v>
                   </c:pt>
                   <c:pt idx="34">
-                    <c:v>0.0</c:v>
+                    <c:v>0</c:v>
                   </c:pt>
                   <c:pt idx="35">
-                    <c:v>0.0</c:v>
+                    <c:v>0</c:v>
                   </c:pt>
                   <c:pt idx="36">
-                    <c:v>0.0</c:v>
+                    <c:v>0</c:v>
                   </c:pt>
                   <c:pt idx="37">
-                    <c:v>0.0</c:v>
+                    <c:v>0</c:v>
                   </c:pt>
                   <c:pt idx="38">
-                    <c:v>0.0</c:v>
+                    <c:v>0</c:v>
                   </c:pt>
                   <c:pt idx="39">
-                    <c:v>0.0</c:v>
+                    <c:v>0</c:v>
                   </c:pt>
                 </c:numCache>
               </c:numRef>
@@ -5322,16 +5334,16 @@
                 <c:formatCode>0.00E+00</c:formatCode>
                 <c:ptCount val="40"/>
                 <c:pt idx="0">
-                  <c:v>8.46E-10</c:v>
+                  <c:v>8.4599999999999997E-10</c:v>
                 </c:pt>
                 <c:pt idx="1">
-                  <c:v>2.5495E-9</c:v>
+                  <c:v>2.5494999999999999E-9</c:v>
                 </c:pt>
                 <c:pt idx="2">
-                  <c:v>5.134E-9</c:v>
+                  <c:v>5.1339999999999998E-9</c:v>
                 </c:pt>
                 <c:pt idx="3">
-                  <c:v>1.03405E-8</c:v>
+                  <c:v>1.0340499999999999E-8</c:v>
                 </c:pt>
                 <c:pt idx="4">
                   <c:v>2.082E-8</c:v>
@@ -5340,25 +5352,25 @@
                   <c:v>4.1925E-8</c:v>
                 </c:pt>
                 <c:pt idx="6">
-                  <c:v>8.4415E-8</c:v>
+                  <c:v>8.4415000000000005E-8</c:v>
                 </c:pt>
                 <c:pt idx="7">
-                  <c:v>1.7E-7</c:v>
+                  <c:v>1.6999999999999999E-7</c:v>
                 </c:pt>
                 <c:pt idx="8">
-                  <c:v>3.4235E-7</c:v>
+                  <c:v>3.4234999999999999E-7</c:v>
                 </c:pt>
                 <c:pt idx="9">
-                  <c:v>6.8945E-7</c:v>
+                  <c:v>6.8945000000000002E-7</c:v>
                 </c:pt>
                 <c:pt idx="10">
-                  <c:v>1.3882E-6</c:v>
+                  <c:v>1.3881999999999999E-6</c:v>
                 </c:pt>
                 <c:pt idx="11">
-                  <c:v>2.7955E-6</c:v>
+                  <c:v>2.7955000000000002E-6</c:v>
                 </c:pt>
                 <c:pt idx="12">
-                  <c:v>5.63E-6</c:v>
+                  <c:v>5.6300000000000003E-6</c:v>
                 </c:pt>
                 <c:pt idx="13">
                   <c:v>1.1337E-5</c:v>
@@ -5367,79 +5379,79 @@
                   <c:v>2.283E-5</c:v>
                 </c:pt>
                 <c:pt idx="15">
-                  <c:v>4.5975E-5</c:v>
+                  <c:v>4.5974999999999999E-5</c:v>
                 </c:pt>
                 <c:pt idx="16">
-                  <c:v>9.257E-5</c:v>
+                  <c:v>9.2570000000000003E-5</c:v>
                 </c:pt>
                 <c:pt idx="17">
-                  <c:v>0.00018645</c:v>
+                  <c:v>1.8645000000000001E-4</c:v>
                 </c:pt>
                 <c:pt idx="18">
-                  <c:v>0.00037545</c:v>
+                  <c:v>3.7544999999999999E-4</c:v>
                 </c:pt>
                 <c:pt idx="19">
-                  <c:v>0.00075585</c:v>
+                  <c:v>7.5584999999999997E-4</c:v>
                 </c:pt>
                 <c:pt idx="20">
-                  <c:v>0.0015225</c:v>
+                  <c:v>1.5225E-3</c:v>
                 </c:pt>
                 <c:pt idx="21">
-                  <c:v>0.003066</c:v>
+                  <c:v>3.0660000000000001E-3</c:v>
                 </c:pt>
                 <c:pt idx="22">
-                  <c:v>0.006174</c:v>
+                  <c:v>6.1739999999999998E-3</c:v>
                 </c:pt>
                 <c:pt idx="23">
-                  <c:v>0.0124355</c:v>
+                  <c:v>1.24355E-2</c:v>
                 </c:pt>
                 <c:pt idx="24">
-                  <c:v>0.02504</c:v>
+                  <c:v>2.504E-2</c:v>
                 </c:pt>
                 <c:pt idx="25">
-                  <c:v>0.05042</c:v>
+                  <c:v>5.042E-2</c:v>
                 </c:pt>
                 <c:pt idx="26">
-                  <c:v>0.10154</c:v>
+                  <c:v>0.10154000000000001</c:v>
                 </c:pt>
                 <c:pt idx="27">
-                  <c:v>0.20445</c:v>
+                  <c:v>0.20444999999999999</c:v>
                 </c:pt>
                 <c:pt idx="28">
-                  <c:v>0.4117</c:v>
+                  <c:v>0.41170000000000001</c:v>
                 </c:pt>
                 <c:pt idx="29">
-                  <c:v>0.8291</c:v>
+                  <c:v>0.82909999999999995</c:v>
                 </c:pt>
                 <c:pt idx="30">
                   <c:v>1.6695</c:v>
                 </c:pt>
                 <c:pt idx="31">
-                  <c:v>2.865</c:v>
+                  <c:v>2.8650000000000002</c:v>
                 </c:pt>
                 <c:pt idx="32">
-                  <c:v>4.257499999999998</c:v>
+                  <c:v>4.2574999999999976</c:v>
                 </c:pt>
                 <c:pt idx="33">
-                  <c:v>5.9965</c:v>
+                  <c:v>5.9965000000000002</c:v>
                 </c:pt>
                 <c:pt idx="34">
-                  <c:v>8.4885</c:v>
+                  <c:v>8.4885000000000002</c:v>
                 </c:pt>
                 <c:pt idx="35">
-                  <c:v>11.0</c:v>
+                  <c:v>11</c:v>
                 </c:pt>
                 <c:pt idx="36">
-                  <c:v>13.0</c:v>
+                  <c:v>13</c:v>
                 </c:pt>
                 <c:pt idx="37">
-                  <c:v>15.0</c:v>
+                  <c:v>15</c:v>
                 </c:pt>
                 <c:pt idx="38">
-                  <c:v>17.0</c:v>
+                  <c:v>17</c:v>
                 </c:pt>
                 <c:pt idx="39">
-                  <c:v>19.0</c:v>
+                  <c:v>19</c:v>
                 </c:pt>
               </c:numCache>
             </c:numRef>
@@ -5451,46 +5463,46 @@
                 <c:formatCode>0.00E+00</c:formatCode>
                 <c:ptCount val="40"/>
                 <c:pt idx="0">
-                  <c:v>1.0E-15</c:v>
+                  <c:v>1.0000000000000001E-15</c:v>
                 </c:pt>
                 <c:pt idx="1">
-                  <c:v>1.0E-15</c:v>
+                  <c:v>1.0000000000000001E-15</c:v>
                 </c:pt>
                 <c:pt idx="2">
-                  <c:v>3.68101E-10</c:v>
+                  <c:v>3.6810100000000001E-10</c:v>
                 </c:pt>
                 <c:pt idx="3">
-                  <c:v>9.87095000000001E-10</c:v>
+                  <c:v>9.8709500000000092E-10</c:v>
                 </c:pt>
                 <c:pt idx="4">
-                  <c:v>6.53515E-10</c:v>
+                  <c:v>6.5351499999999999E-10</c:v>
                 </c:pt>
                 <c:pt idx="5">
-                  <c:v>3.390181E-9</c:v>
+                  <c:v>3.3901809999999999E-9</c:v>
                 </c:pt>
                 <c:pt idx="6">
-                  <c:v>2.652691E-9</c:v>
+                  <c:v>2.6526910000000002E-9</c:v>
                 </c:pt>
                 <c:pt idx="7">
-                  <c:v>7.31473E-10</c:v>
+                  <c:v>7.3147299999999998E-10</c:v>
                 </c:pt>
                 <c:pt idx="8">
-                  <c:v>1.0E-15</c:v>
+                  <c:v>1.0000000000000001E-15</c:v>
                 </c:pt>
                 <c:pt idx="9">
-                  <c:v>7.98698E-10</c:v>
+                  <c:v>7.9869800000000003E-10</c:v>
                 </c:pt>
                 <c:pt idx="10">
                   <c:v>3.78562E-10</c:v>
                 </c:pt>
                 <c:pt idx="11">
-                  <c:v>7.9053E-10</c:v>
+                  <c:v>7.9052999999999996E-10</c:v>
                 </c:pt>
                 <c:pt idx="12">
-                  <c:v>1.0E-15</c:v>
+                  <c:v>1.0000000000000001E-15</c:v>
                 </c:pt>
                 <c:pt idx="13">
-                  <c:v>2.16372E-10</c:v>
+                  <c:v>2.1637199999999999E-10</c:v>
                 </c:pt>
                 <c:pt idx="14">
                   <c:v>1.233591E-9</c:v>
@@ -5499,13 +5511,13 @@
                   <c:v>3.57716E-10</c:v>
                 </c:pt>
                 <c:pt idx="16">
-                  <c:v>8.32656E-10</c:v>
+                  <c:v>8.3265599999999996E-10</c:v>
                 </c:pt>
                 <c:pt idx="17">
-                  <c:v>7.22302E-10</c:v>
+                  <c:v>7.2230199999999999E-10</c:v>
                 </c:pt>
                 <c:pt idx="18">
-                  <c:v>7.39164E-10</c:v>
+                  <c:v>7.3916399999999999E-10</c:v>
                 </c:pt>
                 <c:pt idx="19">
                   <c:v>2.099151E-9</c:v>
@@ -5514,61 +5526,61 @@
                   <c:v>4.254811E-9</c:v>
                 </c:pt>
                 <c:pt idx="21">
-                  <c:v>2.863541E-9</c:v>
+                  <c:v>2.8635410000000001E-9</c:v>
                 </c:pt>
                 <c:pt idx="22">
-                  <c:v>3.079481E-9</c:v>
+                  <c:v>3.0794810000000001E-9</c:v>
                 </c:pt>
                 <c:pt idx="23">
-                  <c:v>2.567441E-9</c:v>
+                  <c:v>2.5674409999999999E-9</c:v>
                 </c:pt>
                 <c:pt idx="24">
                   <c:v>2.053631E-9</c:v>
                 </c:pt>
                 <c:pt idx="25">
-                  <c:v>1.412491E-9</c:v>
+                  <c:v>1.4124910000000001E-9</c:v>
                 </c:pt>
                 <c:pt idx="26">
                   <c:v>1.102331E-9</c:v>
                 </c:pt>
                 <c:pt idx="27">
-                  <c:v>2.087951E-9</c:v>
+                  <c:v>2.0879509999999999E-9</c:v>
                 </c:pt>
                 <c:pt idx="28">
-                  <c:v>1.0E-15</c:v>
+                  <c:v>1.0000000000000001E-15</c:v>
                 </c:pt>
                 <c:pt idx="29">
-                  <c:v>1.0E-15</c:v>
+                  <c:v>1.0000000000000001E-15</c:v>
                 </c:pt>
                 <c:pt idx="30">
-                  <c:v>1.0E-15</c:v>
+                  <c:v>1.0000000000000001E-15</c:v>
                 </c:pt>
                 <c:pt idx="31">
-                  <c:v>1.0E-15</c:v>
+                  <c:v>1.0000000000000001E-15</c:v>
                 </c:pt>
                 <c:pt idx="32">
-                  <c:v>1.0E-15</c:v>
+                  <c:v>1.0000000000000001E-15</c:v>
                 </c:pt>
                 <c:pt idx="33">
-                  <c:v>1.0E-15</c:v>
+                  <c:v>1.0000000000000001E-15</c:v>
                 </c:pt>
                 <c:pt idx="34">
-                  <c:v>1.0E-15</c:v>
+                  <c:v>1.0000000000000001E-15</c:v>
                 </c:pt>
                 <c:pt idx="35">
-                  <c:v>1.0E-15</c:v>
+                  <c:v>1.0000000000000001E-15</c:v>
                 </c:pt>
                 <c:pt idx="36">
-                  <c:v>1.0E-15</c:v>
+                  <c:v>1.0000000000000001E-15</c:v>
                 </c:pt>
                 <c:pt idx="37">
-                  <c:v>1.0E-15</c:v>
+                  <c:v>1.0000000000000001E-15</c:v>
                 </c:pt>
                 <c:pt idx="38">
-                  <c:v>1.0E-15</c:v>
+                  <c:v>1.0000000000000001E-15</c:v>
                 </c:pt>
                 <c:pt idx="39">
-                  <c:v>1.0E-15</c:v>
+                  <c:v>1.0000000000000001E-15</c:v>
                 </c:pt>
               </c:numCache>
             </c:numRef>
@@ -5583,13 +5595,13 @@
           <c:showPercent val="0"/>
           <c:showBubbleSize val="0"/>
         </c:dLbls>
-        <c:axId val="2121713848"/>
-        <c:axId val="2121721112"/>
+        <c:axId val="332470272"/>
+        <c:axId val="332468592"/>
       </c:scatterChart>
       <c:valAx>
-        <c:axId val="2121713848"/>
+        <c:axId val="332470272"/>
         <c:scaling>
-          <c:logBase val="10.0"/>
+          <c:logBase val="10"/>
           <c:orientation val="minMax"/>
         </c:scaling>
         <c:delete val="0"/>
@@ -5635,7 +5647,6 @@
               </a:p>
             </c:rich>
           </c:tx>
-          <c:layout/>
           <c:overlay val="0"/>
           <c:spPr>
             <a:noFill/>
@@ -5682,17 +5693,17 @@
             <a:endParaRPr lang="en-US"/>
           </a:p>
         </c:txPr>
-        <c:crossAx val="2121721112"/>
+        <c:crossAx val="332468592"/>
         <c:crosses val="autoZero"/>
         <c:crossBetween val="midCat"/>
       </c:valAx>
       <c:valAx>
-        <c:axId val="2121721112"/>
+        <c:axId val="332468592"/>
         <c:scaling>
-          <c:logBase val="10.0"/>
+          <c:logBase val="10"/>
           <c:orientation val="minMax"/>
-          <c:max val="1.0E-6"/>
-          <c:min val="1.0E-10"/>
+          <c:max val="9.9999999999999995E-7"/>
+          <c:min val="1E-10"/>
         </c:scaling>
         <c:delete val="0"/>
         <c:axPos val="l"/>
@@ -5737,7 +5748,6 @@
               </a:p>
             </c:rich>
           </c:tx>
-          <c:layout/>
           <c:overlay val="0"/>
           <c:spPr>
             <a:noFill/>
@@ -5784,7 +5794,7 @@
             <a:endParaRPr lang="en-US"/>
           </a:p>
         </c:txPr>
-        <c:crossAx val="2121713848"/>
+        <c:crossAx val="332470272"/>
         <c:crosses val="autoZero"/>
         <c:crossBetween val="midCat"/>
       </c:valAx>
@@ -5802,10 +5812,10 @@
         <c:manualLayout>
           <c:xMode val="edge"/>
           <c:yMode val="edge"/>
-          <c:x val="0.0840682667284982"/>
-          <c:y val="0.0289710465879265"/>
+          <c:x val="8.4068266728498195E-2"/>
+          <c:y val="2.8971046587926499E-2"/>
           <c:w val="0.23836439529841"/>
-          <c:h val="0.13183686023622"/>
+          <c:h val="0.13183686023621999"/>
         </c:manualLayout>
       </c:layout>
       <c:overlay val="1"/>
@@ -5947,7 +5957,7 @@
             <a:fld id="{3649C4A7-F7E0-4FB8-8F05-6ADADEF3AE08}" type="datetimeFigureOut">
               <a:rPr lang="en-US" smtClean="0"/>
               <a:pPr/>
-              <a:t>10/22/15</a:t>
+              <a:t>10/22/2015</a:t>
             </a:fld>
             <a:endParaRPr lang="en-US"/>
           </a:p>
@@ -8900,14 +8910,14 @@
           <a:effectLst/>
           <a:extLst>
             <a:ext uri="{909E8E84-426E-40dd-AFC4-6F175D3DCCD1}">
-              <a14:hiddenFill xmlns:a14="http://schemas.microsoft.com/office/drawing/2010/main">
+              <a14:hiddenFill xmlns:a14="http://schemas.microsoft.com/office/drawing/2010/main" xmlns="">
                 <a:solidFill>
                   <a:schemeClr val="accent1"/>
                 </a:solidFill>
               </a14:hiddenFill>
             </a:ext>
             <a:ext uri="{91240B29-F687-4f45-9708-019B960494DF}">
-              <a14:hiddenLine xmlns:a14="http://schemas.microsoft.com/office/drawing/2010/main" w="9525">
+              <a14:hiddenLine xmlns:a14="http://schemas.microsoft.com/office/drawing/2010/main" xmlns="" w="9525">
                 <a:solidFill>
                   <a:schemeClr val="tx1"/>
                 </a:solidFill>
@@ -8917,7 +8927,7 @@
               </a14:hiddenLine>
             </a:ext>
             <a:ext uri="{AF507438-7753-43e0-B8FC-AC1667EBCBE1}">
-              <a14:hiddenEffects xmlns:a14="http://schemas.microsoft.com/office/drawing/2010/main">
+              <a14:hiddenEffects xmlns:a14="http://schemas.microsoft.com/office/drawing/2010/main" xmlns="">
                 <a:effectLst>
                   <a:outerShdw dist="35921" dir="2700000" algn="ctr" rotWithShape="0">
                     <a:schemeClr val="bg2"/>
@@ -9823,7 +9833,7 @@
           <a:noFill/>
           <a:extLst>
             <a:ext uri="{909E8E84-426E-40dd-AFC4-6F175D3DCCD1}">
-              <a14:hiddenFill xmlns:a14="http://schemas.microsoft.com/office/drawing/2010/main">
+              <a14:hiddenFill xmlns:a14="http://schemas.microsoft.com/office/drawing/2010/main" xmlns="">
                 <a:solidFill>
                   <a:srgbClr val="FFFFFF"/>
                 </a:solidFill>
@@ -9840,7 +9850,7 @@
   <p:timing>
     <p:tnLst>
       <p:par>
-        <p:cTn xmlns:p14="http://schemas.microsoft.com/office/powerpoint/2010/main" id="1" dur="indefinite" restart="never" nodeType="tmRoot"/>
+        <p:cTn id="1" dur="indefinite" restart="never" nodeType="tmRoot"/>
       </p:par>
     </p:tnLst>
   </p:timing>
@@ -10273,7 +10283,7 @@
   <p:timing>
     <p:tnLst>
       <p:par>
-        <p:cTn xmlns:p14="http://schemas.microsoft.com/office/powerpoint/2010/main" id="1" dur="indefinite" restart="never" nodeType="tmRoot"/>
+        <p:cTn id="1" dur="indefinite" restart="never" nodeType="tmRoot"/>
       </p:par>
     </p:tnLst>
   </p:timing>
@@ -10698,7 +10708,7 @@
   <p:timing>
     <p:tnLst>
       <p:par>
-        <p:cTn xmlns:p14="http://schemas.microsoft.com/office/powerpoint/2010/main" id="1" dur="indefinite" restart="never" nodeType="tmRoot"/>
+        <p:cTn id="1" dur="indefinite" restart="never" nodeType="tmRoot"/>
       </p:par>
     </p:tnLst>
   </p:timing>
@@ -10834,7 +10844,7 @@
   <p:timing>
     <p:tnLst>
       <p:par>
-        <p:cTn xmlns:p14="http://schemas.microsoft.com/office/powerpoint/2010/main" id="1" dur="indefinite" restart="never" nodeType="tmRoot"/>
+        <p:cTn id="1" dur="indefinite" restart="never" nodeType="tmRoot"/>
       </p:par>
     </p:tnLst>
   </p:timing>
@@ -11188,7 +11198,7 @@
           </p:nvPr>
         </p:nvPicPr>
         <p:blipFill>
-          <a:blip r:embed="rId2">
+          <a:blip r:embed="rId2" cstate="print">
             <a:extLst>
               <a:ext uri="{28A0092B-C50C-407E-A947-70E740481C1C}">
                 <a14:useLocalDpi xmlns:a14="http://schemas.microsoft.com/office/drawing/2010/main" val="0"/>
@@ -11242,7 +11252,7 @@
           </p:nvPr>
         </p:nvPicPr>
         <p:blipFill>
-          <a:blip r:embed="rId3">
+          <a:blip r:embed="rId3" cstate="print">
             <a:extLst>
               <a:ext uri="{28A0092B-C50C-407E-A947-70E740481C1C}">
                 <a14:useLocalDpi xmlns:a14="http://schemas.microsoft.com/office/drawing/2010/main" val="0"/>
@@ -11320,7 +11330,7 @@
           </p:nvPr>
         </p:nvPicPr>
         <p:blipFill>
-          <a:blip r:embed="rId2">
+          <a:blip r:embed="rId2" cstate="print">
             <a:extLst>
               <a:ext uri="{28A0092B-C50C-407E-A947-70E740481C1C}">
                 <a14:useLocalDpi xmlns:a14="http://schemas.microsoft.com/office/drawing/2010/main" val="0"/>
@@ -11345,7 +11355,7 @@
           </p:nvPr>
         </p:nvPicPr>
         <p:blipFill>
-          <a:blip r:embed="rId3">
+          <a:blip r:embed="rId3" cstate="print">
             <a:extLst>
               <a:ext uri="{28A0092B-C50C-407E-A947-70E740481C1C}">
                 <a14:useLocalDpi xmlns:a14="http://schemas.microsoft.com/office/drawing/2010/main" val="0"/>
@@ -11435,7 +11445,15 @@
           <a:p>
             <a:r>
               <a:rPr lang="en-US" dirty="0" smtClean="0"/>
-              <a:t>What’s next?</a:t>
+              <a:t>What’s </a:t>
+            </a:r>
+            <a:r>
+              <a:rPr lang="en-US" dirty="0" smtClean="0"/>
+              <a:t>next </a:t>
+            </a:r>
+            <a:r>
+              <a:rPr lang="en-US" smtClean="0"/>
+              <a:t>for depletion?</a:t>
             </a:r>
             <a:endParaRPr lang="en-US" dirty="0"/>
           </a:p>
@@ -11726,7 +11744,7 @@
   <p:timing>
     <p:tnLst>
       <p:par>
-        <p:cTn xmlns:p14="http://schemas.microsoft.com/office/powerpoint/2010/main" id="1" dur="indefinite" restart="never" nodeType="tmRoot"/>
+        <p:cTn id="1" dur="indefinite" restart="never" nodeType="tmRoot"/>
       </p:par>
     </p:tnLst>
   </p:timing>

--- a/presentations/mid_PP/mid.pptx
+++ b/presentations/mid_PP/mid.pptx
@@ -5,10 +5,10 @@
     <p:sldMasterId id="2147483649" r:id="rId1"/>
   </p:sldMasterIdLst>
   <p:notesMasterIdLst>
-    <p:notesMasterId r:id="rId25"/>
+    <p:notesMasterId r:id="rId27"/>
   </p:notesMasterIdLst>
   <p:handoutMasterIdLst>
-    <p:handoutMasterId r:id="rId26"/>
+    <p:handoutMasterId r:id="rId28"/>
   </p:handoutMasterIdLst>
   <p:sldIdLst>
     <p:sldId id="576" r:id="rId2"/>
@@ -34,32 +34,34 @@
     <p:sldId id="595" r:id="rId22"/>
     <p:sldId id="596" r:id="rId23"/>
     <p:sldId id="597" r:id="rId24"/>
+    <p:sldId id="598" r:id="rId25"/>
+    <p:sldId id="599" r:id="rId26"/>
   </p:sldIdLst>
   <p:sldSz cx="9144000" cy="6858000" type="screen4x3"/>
   <p:notesSz cx="6950075" cy="9236075"/>
   <p:embeddedFontLst>
     <p:embeddedFont>
       <p:font typeface="Calibri" panose="020F0502020204030204" pitchFamily="34" charset="0"/>
-      <p:regular r:id="rId27"/>
-      <p:bold r:id="rId28"/>
-      <p:italic r:id="rId29"/>
-      <p:boldItalic r:id="rId30"/>
+      <p:regular r:id="rId29"/>
+      <p:bold r:id="rId30"/>
+      <p:italic r:id="rId31"/>
+      <p:boldItalic r:id="rId32"/>
     </p:embeddedFont>
     <p:embeddedFont>
       <p:font typeface="Verdana" panose="020B0604030504040204" pitchFamily="34" charset="0"/>
-      <p:regular r:id="rId31"/>
-      <p:bold r:id="rId32"/>
-      <p:italic r:id="rId33"/>
-      <p:boldItalic r:id="rId34"/>
+      <p:regular r:id="rId33"/>
+      <p:bold r:id="rId34"/>
+      <p:italic r:id="rId35"/>
+      <p:boldItalic r:id="rId36"/>
     </p:embeddedFont>
     <p:embeddedFont>
       <p:font typeface="Cambria Math" panose="02040503050406030204" pitchFamily="18" charset="0"/>
-      <p:regular r:id="rId35"/>
+      <p:regular r:id="rId37"/>
     </p:embeddedFont>
     <p:embeddedFont>
       <p:font typeface="Tahoma" panose="020B0604030504040204" pitchFamily="34" charset="0"/>
-      <p:regular r:id="rId36"/>
-      <p:bold r:id="rId37"/>
+      <p:regular r:id="rId38"/>
+      <p:bold r:id="rId39"/>
     </p:embeddedFont>
   </p:embeddedFontLst>
   <p:defaultTextStyle>
@@ -3617,11 +3619,11 @@
           <c:showPercent val="0"/>
           <c:showBubbleSize val="0"/>
         </c:dLbls>
-        <c:axId val="338633904"/>
-        <c:axId val="338631104"/>
+        <c:axId val="205466272"/>
+        <c:axId val="205466832"/>
       </c:scatterChart>
       <c:valAx>
-        <c:axId val="338633904"/>
+        <c:axId val="205466272"/>
         <c:scaling>
           <c:logBase val="10"/>
           <c:orientation val="minMax"/>
@@ -3669,7 +3671,6 @@
               </a:p>
             </c:rich>
           </c:tx>
-          <c:layout/>
           <c:overlay val="0"/>
           <c:spPr>
             <a:noFill/>
@@ -3716,12 +3717,12 @@
             <a:endParaRPr lang="en-US"/>
           </a:p>
         </c:txPr>
-        <c:crossAx val="338631104"/>
+        <c:crossAx val="205466832"/>
         <c:crosses val="autoZero"/>
         <c:crossBetween val="midCat"/>
       </c:valAx>
       <c:valAx>
-        <c:axId val="338631104"/>
+        <c:axId val="205466832"/>
         <c:scaling>
           <c:logBase val="10"/>
           <c:orientation val="minMax"/>
@@ -3771,7 +3772,6 @@
               </a:p>
             </c:rich>
           </c:tx>
-          <c:layout/>
           <c:overlay val="0"/>
           <c:spPr>
             <a:noFill/>
@@ -3818,7 +3818,7 @@
             <a:endParaRPr lang="en-US"/>
           </a:p>
         </c:txPr>
-        <c:crossAx val="338633904"/>
+        <c:crossAx val="205466272"/>
         <c:crosses val="autoZero"/>
         <c:crossBetween val="midCat"/>
       </c:valAx>
@@ -4266,8 +4266,8 @@
           <c:showPercent val="0"/>
           <c:showBubbleSize val="0"/>
         </c:dLbls>
-        <c:axId val="532651296"/>
-        <c:axId val="532651856"/>
+        <c:axId val="200096320"/>
+        <c:axId val="200096880"/>
         <c:extLst xmlns:c16r2="http://schemas.microsoft.com/office/drawing/2015/06/chart">
           <c:ext xmlns:c15="http://schemas.microsoft.com/office/drawing/2012/chart" uri="{02D57815-91ED-43cb-92C2-25804820EDAC}">
             <c15:filteredScatterSeries>
@@ -4373,7 +4373,7 @@
         </c:extLst>
       </c:scatterChart>
       <c:valAx>
-        <c:axId val="532651296"/>
+        <c:axId val="200096320"/>
         <c:scaling>
           <c:orientation val="minMax"/>
         </c:scaling>
@@ -4430,12 +4430,12 @@
             <a:endParaRPr lang="en-US"/>
           </a:p>
         </c:txPr>
-        <c:crossAx val="532651856"/>
+        <c:crossAx val="200096880"/>
         <c:crosses val="autoZero"/>
         <c:crossBetween val="midCat"/>
       </c:valAx>
       <c:valAx>
-        <c:axId val="532651856"/>
+        <c:axId val="200096880"/>
         <c:scaling>
           <c:orientation val="minMax"/>
           <c:min val="0"/>
@@ -4493,7 +4493,7 @@
             <a:endParaRPr lang="en-US"/>
           </a:p>
         </c:txPr>
-        <c:crossAx val="532651296"/>
+        <c:crossAx val="200096320"/>
         <c:crosses val="autoZero"/>
         <c:crossBetween val="midCat"/>
       </c:valAx>
@@ -4763,8 +4763,8 @@
           <c:showPercent val="0"/>
           <c:showBubbleSize val="0"/>
         </c:dLbls>
-        <c:axId val="532764864"/>
-        <c:axId val="532765424"/>
+        <c:axId val="200428208"/>
+        <c:axId val="200428768"/>
         <c:extLst xmlns:c16r2="http://schemas.microsoft.com/office/drawing/2015/06/chart">
           <c:ext xmlns:c15="http://schemas.microsoft.com/office/drawing/2012/chart" uri="{02D57815-91ED-43cb-92C2-25804820EDAC}">
             <c15:filteredScatterSeries>
@@ -4899,7 +4899,7 @@
                 </c:marker>
                 <c:xVal>
                   <c:numRef>
-                    <c:extLst xmlns:c15="http://schemas.microsoft.com/office/drawing/2012/chart" xmlns:c16r2="http://schemas.microsoft.com/office/drawing/2015/06/chart">
+                    <c:extLst xmlns:c16r2="http://schemas.microsoft.com/office/drawing/2015/06/chart" xmlns:c15="http://schemas.microsoft.com/office/drawing/2012/chart">
                       <c:ext xmlns:c15="http://schemas.microsoft.com/office/drawing/2012/chart" uri="{02D57815-91ED-43cb-92C2-25804820EDAC}">
                         <c15:formulaRef>
                           <c15:sqref>'[Analytical temp (3).xlsx]pins'!$W$11:$AA$11</c15:sqref>
@@ -4929,7 +4929,7 @@
                 </c:xVal>
                 <c:yVal>
                   <c:numRef>
-                    <c:extLst xmlns:c15="http://schemas.microsoft.com/office/drawing/2012/chart" xmlns:c16r2="http://schemas.microsoft.com/office/drawing/2015/06/chart">
+                    <c:extLst xmlns:c16r2="http://schemas.microsoft.com/office/drawing/2015/06/chart" xmlns:c15="http://schemas.microsoft.com/office/drawing/2012/chart">
                       <c:ext xmlns:c15="http://schemas.microsoft.com/office/drawing/2012/chart" uri="{02D57815-91ED-43cb-92C2-25804820EDAC}">
                         <c15:formulaRef>
                           <c15:sqref>'[Analytical temp (3).xlsx]pins'!$AF$15:$AJ$15</c15:sqref>
@@ -4958,7 +4958,7 @@
                   </c:numRef>
                 </c:yVal>
                 <c:smooth val="0"/>
-                <c:extLst xmlns:c16r2="http://schemas.microsoft.com/office/drawing/2015/06/chart" xmlns:c15="http://schemas.microsoft.com/office/drawing/2012/chart">
+                <c:extLst xmlns:c15="http://schemas.microsoft.com/office/drawing/2012/chart" xmlns:c16r2="http://schemas.microsoft.com/office/drawing/2015/06/chart">
                   <c:ext xmlns:c16="http://schemas.microsoft.com/office/drawing/2014/chart" uri="{C3380CC4-5D6E-409C-BE32-E72D297353CC}">
                     <c16:uniqueId val="{00000001-55F7-4BAC-9ED7-0A0DBC995522}"/>
                   </c:ext>
@@ -4998,7 +4998,7 @@
                 </c:marker>
                 <c:xVal>
                   <c:numRef>
-                    <c:extLst xmlns:c15="http://schemas.microsoft.com/office/drawing/2012/chart" xmlns:c16r2="http://schemas.microsoft.com/office/drawing/2015/06/chart">
+                    <c:extLst xmlns:c16r2="http://schemas.microsoft.com/office/drawing/2015/06/chart" xmlns:c15="http://schemas.microsoft.com/office/drawing/2012/chart">
                       <c:ext xmlns:c15="http://schemas.microsoft.com/office/drawing/2012/chart" uri="{02D57815-91ED-43cb-92C2-25804820EDAC}">
                         <c15:formulaRef>
                           <c15:sqref>'[Analytical temp (3).xlsx]pins'!$W$11:$AA$11</c15:sqref>
@@ -5028,7 +5028,7 @@
                 </c:xVal>
                 <c:yVal>
                   <c:numRef>
-                    <c:extLst xmlns:c15="http://schemas.microsoft.com/office/drawing/2012/chart" xmlns:c16r2="http://schemas.microsoft.com/office/drawing/2015/06/chart">
+                    <c:extLst xmlns:c16r2="http://schemas.microsoft.com/office/drawing/2015/06/chart" xmlns:c15="http://schemas.microsoft.com/office/drawing/2012/chart">
                       <c:ext xmlns:c15="http://schemas.microsoft.com/office/drawing/2012/chart" uri="{02D57815-91ED-43cb-92C2-25804820EDAC}">
                         <c15:formulaRef>
                           <c15:sqref>'[Analytical temp (3).xlsx]pins'!$AF$16:$AJ$16</c15:sqref>
@@ -5057,7 +5057,7 @@
                   </c:numRef>
                 </c:yVal>
                 <c:smooth val="0"/>
-                <c:extLst xmlns:c16r2="http://schemas.microsoft.com/office/drawing/2015/06/chart" xmlns:c15="http://schemas.microsoft.com/office/drawing/2012/chart">
+                <c:extLst xmlns:c15="http://schemas.microsoft.com/office/drawing/2012/chart" xmlns:c16r2="http://schemas.microsoft.com/office/drawing/2015/06/chart">
                   <c:ext xmlns:c16="http://schemas.microsoft.com/office/drawing/2014/chart" uri="{C3380CC4-5D6E-409C-BE32-E72D297353CC}">
                     <c16:uniqueId val="{00000002-55F7-4BAC-9ED7-0A0DBC995522}"/>
                   </c:ext>
@@ -5097,7 +5097,7 @@
                 </c:marker>
                 <c:xVal>
                   <c:numRef>
-                    <c:extLst xmlns:c15="http://schemas.microsoft.com/office/drawing/2012/chart" xmlns:c16r2="http://schemas.microsoft.com/office/drawing/2015/06/chart">
+                    <c:extLst xmlns:c16r2="http://schemas.microsoft.com/office/drawing/2015/06/chart" xmlns:c15="http://schemas.microsoft.com/office/drawing/2012/chart">
                       <c:ext xmlns:c15="http://schemas.microsoft.com/office/drawing/2012/chart" uri="{02D57815-91ED-43cb-92C2-25804820EDAC}">
                         <c15:formulaRef>
                           <c15:sqref>'[Analytical temp (3).xlsx]pins'!$W$11:$AA$11</c15:sqref>
@@ -5127,7 +5127,7 @@
                 </c:xVal>
                 <c:yVal>
                   <c:numRef>
-                    <c:extLst xmlns:c15="http://schemas.microsoft.com/office/drawing/2012/chart" xmlns:c16r2="http://schemas.microsoft.com/office/drawing/2015/06/chart">
+                    <c:extLst xmlns:c16r2="http://schemas.microsoft.com/office/drawing/2015/06/chart" xmlns:c15="http://schemas.microsoft.com/office/drawing/2012/chart">
                       <c:ext xmlns:c15="http://schemas.microsoft.com/office/drawing/2012/chart" uri="{02D57815-91ED-43cb-92C2-25804820EDAC}">
                         <c15:formulaRef>
                           <c15:sqref>'[Analytical temp (3).xlsx]pins'!$AL$14:$AP$14</c15:sqref>
@@ -5191,7 +5191,7 @@
                 </c:marker>
                 <c:xVal>
                   <c:numRef>
-                    <c:extLst xmlns:c15="http://schemas.microsoft.com/office/drawing/2012/chart" xmlns:c16r2="http://schemas.microsoft.com/office/drawing/2015/06/chart">
+                    <c:extLst xmlns:c16r2="http://schemas.microsoft.com/office/drawing/2015/06/chart" xmlns:c15="http://schemas.microsoft.com/office/drawing/2012/chart">
                       <c:ext xmlns:c15="http://schemas.microsoft.com/office/drawing/2012/chart" uri="{02D57815-91ED-43cb-92C2-25804820EDAC}">
                         <c15:formulaRef>
                           <c15:sqref>'[Analytical temp (3).xlsx]pins'!$W$11:$AA$11</c15:sqref>
@@ -5221,7 +5221,7 @@
                 </c:xVal>
                 <c:yVal>
                   <c:numRef>
-                    <c:extLst xmlns:c15="http://schemas.microsoft.com/office/drawing/2012/chart" xmlns:c16r2="http://schemas.microsoft.com/office/drawing/2015/06/chart">
+                    <c:extLst xmlns:c16r2="http://schemas.microsoft.com/office/drawing/2015/06/chart" xmlns:c15="http://schemas.microsoft.com/office/drawing/2012/chart">
                       <c:ext xmlns:c15="http://schemas.microsoft.com/office/drawing/2012/chart" uri="{02D57815-91ED-43cb-92C2-25804820EDAC}">
                         <c15:formulaRef>
                           <c15:sqref>'[Analytical temp (3).xlsx]pins'!$AL$15:$AP$15</c15:sqref>
@@ -5291,7 +5291,7 @@
                 </c:marker>
                 <c:xVal>
                   <c:numRef>
-                    <c:extLst xmlns:c15="http://schemas.microsoft.com/office/drawing/2012/chart" xmlns:c16r2="http://schemas.microsoft.com/office/drawing/2015/06/chart">
+                    <c:extLst xmlns:c16r2="http://schemas.microsoft.com/office/drawing/2015/06/chart" xmlns:c15="http://schemas.microsoft.com/office/drawing/2012/chart">
                       <c:ext xmlns:c15="http://schemas.microsoft.com/office/drawing/2012/chart" uri="{02D57815-91ED-43cb-92C2-25804820EDAC}">
                         <c15:formulaRef>
                           <c15:sqref>'[Analytical temp (3).xlsx]pins'!$W$11:$AA$11</c15:sqref>
@@ -5321,7 +5321,7 @@
                 </c:xVal>
                 <c:yVal>
                   <c:numRef>
-                    <c:extLst xmlns:c15="http://schemas.microsoft.com/office/drawing/2012/chart" xmlns:c16r2="http://schemas.microsoft.com/office/drawing/2015/06/chart">
+                    <c:extLst xmlns:c16r2="http://schemas.microsoft.com/office/drawing/2015/06/chart" xmlns:c15="http://schemas.microsoft.com/office/drawing/2012/chart">
                       <c:ext xmlns:c15="http://schemas.microsoft.com/office/drawing/2012/chart" uri="{02D57815-91ED-43cb-92C2-25804820EDAC}">
                         <c15:formulaRef>
                           <c15:sqref>'[Analytical temp (3).xlsx]pins'!$AL$16:$AP$16</c15:sqref>
@@ -5356,7 +5356,7 @@
         </c:extLst>
       </c:scatterChart>
       <c:valAx>
-        <c:axId val="532764864"/>
+        <c:axId val="200428208"/>
         <c:scaling>
           <c:orientation val="minMax"/>
         </c:scaling>
@@ -5469,12 +5469,12 @@
             <a:endParaRPr lang="en-US"/>
           </a:p>
         </c:txPr>
-        <c:crossAx val="532765424"/>
+        <c:crossAx val="200428768"/>
         <c:crosses val="autoZero"/>
         <c:crossBetween val="midCat"/>
       </c:valAx>
       <c:valAx>
-        <c:axId val="532765424"/>
+        <c:axId val="200428768"/>
         <c:scaling>
           <c:orientation val="minMax"/>
         </c:scaling>
@@ -5587,7 +5587,7 @@
             <a:endParaRPr lang="en-US"/>
           </a:p>
         </c:txPr>
-        <c:crossAx val="532764864"/>
+        <c:crossAx val="200428208"/>
         <c:crosses val="autoZero"/>
         <c:crossBetween val="midCat"/>
       </c:valAx>
@@ -5825,8 +5825,8 @@
           <c:showPercent val="0"/>
           <c:showBubbleSize val="0"/>
         </c:dLbls>
-        <c:axId val="341512704"/>
-        <c:axId val="341513264"/>
+        <c:axId val="200564432"/>
+        <c:axId val="200564992"/>
         <c:extLst xmlns:c16r2="http://schemas.microsoft.com/office/drawing/2015/06/chart">
           <c:ext xmlns:c15="http://schemas.microsoft.com/office/drawing/2012/chart" uri="{02D57815-91ED-43cb-92C2-25804820EDAC}">
             <c15:filteredScatterSeries>
@@ -5961,7 +5961,7 @@
                 </c:marker>
                 <c:xVal>
                   <c:numRef>
-                    <c:extLst xmlns:c15="http://schemas.microsoft.com/office/drawing/2012/chart" xmlns:c16r2="http://schemas.microsoft.com/office/drawing/2015/06/chart">
+                    <c:extLst xmlns:c16r2="http://schemas.microsoft.com/office/drawing/2015/06/chart" xmlns:c15="http://schemas.microsoft.com/office/drawing/2012/chart">
                       <c:ext xmlns:c15="http://schemas.microsoft.com/office/drawing/2012/chart" uri="{02D57815-91ED-43cb-92C2-25804820EDAC}">
                         <c15:formulaRef>
                           <c15:sqref>'[Analytical temp (3).xlsx]pins'!$W$11:$AA$11</c15:sqref>
@@ -5991,7 +5991,7 @@
                 </c:xVal>
                 <c:yVal>
                   <c:numRef>
-                    <c:extLst xmlns:c15="http://schemas.microsoft.com/office/drawing/2012/chart" xmlns:c16r2="http://schemas.microsoft.com/office/drawing/2015/06/chart">
+                    <c:extLst xmlns:c16r2="http://schemas.microsoft.com/office/drawing/2015/06/chart" xmlns:c15="http://schemas.microsoft.com/office/drawing/2012/chart">
                       <c:ext xmlns:c15="http://schemas.microsoft.com/office/drawing/2012/chart" uri="{02D57815-91ED-43cb-92C2-25804820EDAC}">
                         <c15:formulaRef>
                           <c15:sqref>'[Analytical temp (3).xlsx]pins'!$AF$15:$AJ$15</c15:sqref>
@@ -6020,7 +6020,7 @@
                   </c:numRef>
                 </c:yVal>
                 <c:smooth val="0"/>
-                <c:extLst xmlns:c16r2="http://schemas.microsoft.com/office/drawing/2015/06/chart" xmlns:c15="http://schemas.microsoft.com/office/drawing/2012/chart">
+                <c:extLst xmlns:c15="http://schemas.microsoft.com/office/drawing/2012/chart" xmlns:c16r2="http://schemas.microsoft.com/office/drawing/2015/06/chart">
                   <c:ext xmlns:c16="http://schemas.microsoft.com/office/drawing/2014/chart" uri="{C3380CC4-5D6E-409C-BE32-E72D297353CC}">
                     <c16:uniqueId val="{00000001-55F7-4BAC-9ED7-0A0DBC995522}"/>
                   </c:ext>
@@ -6060,7 +6060,7 @@
                 </c:marker>
                 <c:xVal>
                   <c:numRef>
-                    <c:extLst xmlns:c15="http://schemas.microsoft.com/office/drawing/2012/chart" xmlns:c16r2="http://schemas.microsoft.com/office/drawing/2015/06/chart">
+                    <c:extLst xmlns:c16r2="http://schemas.microsoft.com/office/drawing/2015/06/chart" xmlns:c15="http://schemas.microsoft.com/office/drawing/2012/chart">
                       <c:ext xmlns:c15="http://schemas.microsoft.com/office/drawing/2012/chart" uri="{02D57815-91ED-43cb-92C2-25804820EDAC}">
                         <c15:formulaRef>
                           <c15:sqref>'[Analytical temp (3).xlsx]pins'!$W$11:$AA$11</c15:sqref>
@@ -6090,7 +6090,7 @@
                 </c:xVal>
                 <c:yVal>
                   <c:numRef>
-                    <c:extLst xmlns:c15="http://schemas.microsoft.com/office/drawing/2012/chart" xmlns:c16r2="http://schemas.microsoft.com/office/drawing/2015/06/chart">
+                    <c:extLst xmlns:c16r2="http://schemas.microsoft.com/office/drawing/2015/06/chart" xmlns:c15="http://schemas.microsoft.com/office/drawing/2012/chart">
                       <c:ext xmlns:c15="http://schemas.microsoft.com/office/drawing/2012/chart" uri="{02D57815-91ED-43cb-92C2-25804820EDAC}">
                         <c15:formulaRef>
                           <c15:sqref>'[Analytical temp (3).xlsx]pins'!$AF$16:$AJ$16</c15:sqref>
@@ -6119,7 +6119,7 @@
                   </c:numRef>
                 </c:yVal>
                 <c:smooth val="0"/>
-                <c:extLst xmlns:c16r2="http://schemas.microsoft.com/office/drawing/2015/06/chart" xmlns:c15="http://schemas.microsoft.com/office/drawing/2012/chart">
+                <c:extLst xmlns:c15="http://schemas.microsoft.com/office/drawing/2012/chart" xmlns:c16r2="http://schemas.microsoft.com/office/drawing/2015/06/chart">
                   <c:ext xmlns:c16="http://schemas.microsoft.com/office/drawing/2014/chart" uri="{C3380CC4-5D6E-409C-BE32-E72D297353CC}">
                     <c16:uniqueId val="{00000002-55F7-4BAC-9ED7-0A0DBC995522}"/>
                   </c:ext>
@@ -6159,7 +6159,7 @@
                 </c:marker>
                 <c:xVal>
                   <c:numRef>
-                    <c:extLst xmlns:c15="http://schemas.microsoft.com/office/drawing/2012/chart" xmlns:c16r2="http://schemas.microsoft.com/office/drawing/2015/06/chart">
+                    <c:extLst xmlns:c16r2="http://schemas.microsoft.com/office/drawing/2015/06/chart" xmlns:c15="http://schemas.microsoft.com/office/drawing/2012/chart">
                       <c:ext xmlns:c15="http://schemas.microsoft.com/office/drawing/2012/chart" uri="{02D57815-91ED-43cb-92C2-25804820EDAC}">
                         <c15:formulaRef>
                           <c15:sqref>'[Analytical temp (3).xlsx]pins'!$W$11:$AA$11</c15:sqref>
@@ -6189,7 +6189,7 @@
                 </c:xVal>
                 <c:yVal>
                   <c:numRef>
-                    <c:extLst xmlns:c15="http://schemas.microsoft.com/office/drawing/2012/chart" xmlns:c16r2="http://schemas.microsoft.com/office/drawing/2015/06/chart">
+                    <c:extLst xmlns:c16r2="http://schemas.microsoft.com/office/drawing/2015/06/chart" xmlns:c15="http://schemas.microsoft.com/office/drawing/2012/chart">
                       <c:ext xmlns:c15="http://schemas.microsoft.com/office/drawing/2012/chart" uri="{02D57815-91ED-43cb-92C2-25804820EDAC}">
                         <c15:formulaRef>
                           <c15:sqref>'[Analytical temp (3).xlsx]pins'!$AL$14:$AP$14</c15:sqref>
@@ -6253,7 +6253,7 @@
                 </c:marker>
                 <c:xVal>
                   <c:numRef>
-                    <c:extLst xmlns:c15="http://schemas.microsoft.com/office/drawing/2012/chart" xmlns:c16r2="http://schemas.microsoft.com/office/drawing/2015/06/chart">
+                    <c:extLst xmlns:c16r2="http://schemas.microsoft.com/office/drawing/2015/06/chart" xmlns:c15="http://schemas.microsoft.com/office/drawing/2012/chart">
                       <c:ext xmlns:c15="http://schemas.microsoft.com/office/drawing/2012/chart" uri="{02D57815-91ED-43cb-92C2-25804820EDAC}">
                         <c15:formulaRef>
                           <c15:sqref>'[Analytical temp (3).xlsx]pins'!$W$11:$AA$11</c15:sqref>
@@ -6283,7 +6283,7 @@
                 </c:xVal>
                 <c:yVal>
                   <c:numRef>
-                    <c:extLst xmlns:c15="http://schemas.microsoft.com/office/drawing/2012/chart" xmlns:c16r2="http://schemas.microsoft.com/office/drawing/2015/06/chart">
+                    <c:extLst xmlns:c16r2="http://schemas.microsoft.com/office/drawing/2015/06/chart" xmlns:c15="http://schemas.microsoft.com/office/drawing/2012/chart">
                       <c:ext xmlns:c15="http://schemas.microsoft.com/office/drawing/2012/chart" uri="{02D57815-91ED-43cb-92C2-25804820EDAC}">
                         <c15:formulaRef>
                           <c15:sqref>'[Analytical temp (3).xlsx]pins'!$AL$15:$AP$15</c15:sqref>
@@ -6353,7 +6353,7 @@
                 </c:marker>
                 <c:xVal>
                   <c:numRef>
-                    <c:extLst xmlns:c15="http://schemas.microsoft.com/office/drawing/2012/chart" xmlns:c16r2="http://schemas.microsoft.com/office/drawing/2015/06/chart">
+                    <c:extLst xmlns:c16r2="http://schemas.microsoft.com/office/drawing/2015/06/chart" xmlns:c15="http://schemas.microsoft.com/office/drawing/2012/chart">
                       <c:ext xmlns:c15="http://schemas.microsoft.com/office/drawing/2012/chart" uri="{02D57815-91ED-43cb-92C2-25804820EDAC}">
                         <c15:formulaRef>
                           <c15:sqref>'[Analytical temp (3).xlsx]pins'!$W$11:$AA$11</c15:sqref>
@@ -6383,7 +6383,7 @@
                 </c:xVal>
                 <c:yVal>
                   <c:numRef>
-                    <c:extLst xmlns:c15="http://schemas.microsoft.com/office/drawing/2012/chart" xmlns:c16r2="http://schemas.microsoft.com/office/drawing/2015/06/chart">
+                    <c:extLst xmlns:c16r2="http://schemas.microsoft.com/office/drawing/2015/06/chart" xmlns:c15="http://schemas.microsoft.com/office/drawing/2012/chart">
                       <c:ext xmlns:c15="http://schemas.microsoft.com/office/drawing/2012/chart" uri="{02D57815-91ED-43cb-92C2-25804820EDAC}">
                         <c15:formulaRef>
                           <c15:sqref>'[Analytical temp (3).xlsx]pins'!$AL$16:$AP$16</c15:sqref>
@@ -6418,7 +6418,7 @@
         </c:extLst>
       </c:scatterChart>
       <c:valAx>
-        <c:axId val="341512704"/>
+        <c:axId val="200564432"/>
         <c:scaling>
           <c:orientation val="minMax"/>
         </c:scaling>
@@ -6531,12 +6531,12 @@
             <a:endParaRPr lang="en-US"/>
           </a:p>
         </c:txPr>
-        <c:crossAx val="341513264"/>
+        <c:crossAx val="200564992"/>
         <c:crosses val="autoZero"/>
         <c:crossBetween val="midCat"/>
       </c:valAx>
       <c:valAx>
-        <c:axId val="341513264"/>
+        <c:axId val="200564992"/>
         <c:scaling>
           <c:orientation val="minMax"/>
         </c:scaling>
@@ -6649,7 +6649,7 @@
             <a:endParaRPr lang="en-US"/>
           </a:p>
         </c:txPr>
-        <c:crossAx val="341512704"/>
+        <c:crossAx val="200564432"/>
         <c:crosses val="autoZero"/>
         <c:crossBetween val="midCat"/>
       </c:valAx>
@@ -6887,8 +6887,8 @@
           <c:showPercent val="0"/>
           <c:showBubbleSize val="0"/>
         </c:dLbls>
-        <c:axId val="531475936"/>
-        <c:axId val="531476496"/>
+        <c:axId val="200839360"/>
+        <c:axId val="200839920"/>
         <c:extLst xmlns:c16r2="http://schemas.microsoft.com/office/drawing/2015/06/chart">
           <c:ext xmlns:c15="http://schemas.microsoft.com/office/drawing/2012/chart" uri="{02D57815-91ED-43cb-92C2-25804820EDAC}">
             <c15:filteredScatterSeries>
@@ -7023,7 +7023,7 @@
                 </c:marker>
                 <c:xVal>
                   <c:numRef>
-                    <c:extLst xmlns:c15="http://schemas.microsoft.com/office/drawing/2012/chart" xmlns:c16r2="http://schemas.microsoft.com/office/drawing/2015/06/chart">
+                    <c:extLst xmlns:c16r2="http://schemas.microsoft.com/office/drawing/2015/06/chart" xmlns:c15="http://schemas.microsoft.com/office/drawing/2012/chart">
                       <c:ext xmlns:c15="http://schemas.microsoft.com/office/drawing/2012/chart" uri="{02D57815-91ED-43cb-92C2-25804820EDAC}">
                         <c15:formulaRef>
                           <c15:sqref>'[Analytical temp (3).xlsx]pins'!$W$11:$AA$11</c15:sqref>
@@ -7053,7 +7053,7 @@
                 </c:xVal>
                 <c:yVal>
                   <c:numRef>
-                    <c:extLst xmlns:c15="http://schemas.microsoft.com/office/drawing/2012/chart" xmlns:c16r2="http://schemas.microsoft.com/office/drawing/2015/06/chart">
+                    <c:extLst xmlns:c16r2="http://schemas.microsoft.com/office/drawing/2015/06/chart" xmlns:c15="http://schemas.microsoft.com/office/drawing/2012/chart">
                       <c:ext xmlns:c15="http://schemas.microsoft.com/office/drawing/2012/chart" uri="{02D57815-91ED-43cb-92C2-25804820EDAC}">
                         <c15:formulaRef>
                           <c15:sqref>'[Analytical temp (3).xlsx]pins'!$AF$15:$AJ$15</c15:sqref>
@@ -7082,7 +7082,7 @@
                   </c:numRef>
                 </c:yVal>
                 <c:smooth val="0"/>
-                <c:extLst xmlns:c16r2="http://schemas.microsoft.com/office/drawing/2015/06/chart" xmlns:c15="http://schemas.microsoft.com/office/drawing/2012/chart">
+                <c:extLst xmlns:c15="http://schemas.microsoft.com/office/drawing/2012/chart" xmlns:c16r2="http://schemas.microsoft.com/office/drawing/2015/06/chart">
                   <c:ext xmlns:c16="http://schemas.microsoft.com/office/drawing/2014/chart" uri="{C3380CC4-5D6E-409C-BE32-E72D297353CC}">
                     <c16:uniqueId val="{00000001-55F7-4BAC-9ED7-0A0DBC995522}"/>
                   </c:ext>
@@ -7122,7 +7122,7 @@
                 </c:marker>
                 <c:xVal>
                   <c:numRef>
-                    <c:extLst xmlns:c15="http://schemas.microsoft.com/office/drawing/2012/chart" xmlns:c16r2="http://schemas.microsoft.com/office/drawing/2015/06/chart">
+                    <c:extLst xmlns:c16r2="http://schemas.microsoft.com/office/drawing/2015/06/chart" xmlns:c15="http://schemas.microsoft.com/office/drawing/2012/chart">
                       <c:ext xmlns:c15="http://schemas.microsoft.com/office/drawing/2012/chart" uri="{02D57815-91ED-43cb-92C2-25804820EDAC}">
                         <c15:formulaRef>
                           <c15:sqref>'[Analytical temp (3).xlsx]pins'!$W$11:$AA$11</c15:sqref>
@@ -7152,7 +7152,7 @@
                 </c:xVal>
                 <c:yVal>
                   <c:numRef>
-                    <c:extLst xmlns:c15="http://schemas.microsoft.com/office/drawing/2012/chart" xmlns:c16r2="http://schemas.microsoft.com/office/drawing/2015/06/chart">
+                    <c:extLst xmlns:c16r2="http://schemas.microsoft.com/office/drawing/2015/06/chart" xmlns:c15="http://schemas.microsoft.com/office/drawing/2012/chart">
                       <c:ext xmlns:c15="http://schemas.microsoft.com/office/drawing/2012/chart" uri="{02D57815-91ED-43cb-92C2-25804820EDAC}">
                         <c15:formulaRef>
                           <c15:sqref>'[Analytical temp (3).xlsx]pins'!$AF$16:$AJ$16</c15:sqref>
@@ -7181,7 +7181,7 @@
                   </c:numRef>
                 </c:yVal>
                 <c:smooth val="0"/>
-                <c:extLst xmlns:c16r2="http://schemas.microsoft.com/office/drawing/2015/06/chart" xmlns:c15="http://schemas.microsoft.com/office/drawing/2012/chart">
+                <c:extLst xmlns:c15="http://schemas.microsoft.com/office/drawing/2012/chart" xmlns:c16r2="http://schemas.microsoft.com/office/drawing/2015/06/chart">
                   <c:ext xmlns:c16="http://schemas.microsoft.com/office/drawing/2014/chart" uri="{C3380CC4-5D6E-409C-BE32-E72D297353CC}">
                     <c16:uniqueId val="{00000002-55F7-4BAC-9ED7-0A0DBC995522}"/>
                   </c:ext>
@@ -7221,7 +7221,7 @@
                 </c:marker>
                 <c:xVal>
                   <c:numRef>
-                    <c:extLst xmlns:c15="http://schemas.microsoft.com/office/drawing/2012/chart" xmlns:c16r2="http://schemas.microsoft.com/office/drawing/2015/06/chart">
+                    <c:extLst xmlns:c16r2="http://schemas.microsoft.com/office/drawing/2015/06/chart" xmlns:c15="http://schemas.microsoft.com/office/drawing/2012/chart">
                       <c:ext xmlns:c15="http://schemas.microsoft.com/office/drawing/2012/chart" uri="{02D57815-91ED-43cb-92C2-25804820EDAC}">
                         <c15:formulaRef>
                           <c15:sqref>'[Analytical temp (3).xlsx]pins'!$W$11:$AA$11</c15:sqref>
@@ -7251,7 +7251,7 @@
                 </c:xVal>
                 <c:yVal>
                   <c:numRef>
-                    <c:extLst xmlns:c15="http://schemas.microsoft.com/office/drawing/2012/chart" xmlns:c16r2="http://schemas.microsoft.com/office/drawing/2015/06/chart">
+                    <c:extLst xmlns:c16r2="http://schemas.microsoft.com/office/drawing/2015/06/chart" xmlns:c15="http://schemas.microsoft.com/office/drawing/2012/chart">
                       <c:ext xmlns:c15="http://schemas.microsoft.com/office/drawing/2012/chart" uri="{02D57815-91ED-43cb-92C2-25804820EDAC}">
                         <c15:formulaRef>
                           <c15:sqref>'[Analytical temp (3).xlsx]pins'!$AL$14:$AP$14</c15:sqref>
@@ -7315,7 +7315,7 @@
                 </c:marker>
                 <c:xVal>
                   <c:numRef>
-                    <c:extLst xmlns:c15="http://schemas.microsoft.com/office/drawing/2012/chart" xmlns:c16r2="http://schemas.microsoft.com/office/drawing/2015/06/chart">
+                    <c:extLst xmlns:c16r2="http://schemas.microsoft.com/office/drawing/2015/06/chart" xmlns:c15="http://schemas.microsoft.com/office/drawing/2012/chart">
                       <c:ext xmlns:c15="http://schemas.microsoft.com/office/drawing/2012/chart" uri="{02D57815-91ED-43cb-92C2-25804820EDAC}">
                         <c15:formulaRef>
                           <c15:sqref>'[Analytical temp (3).xlsx]pins'!$W$11:$AA$11</c15:sqref>
@@ -7345,7 +7345,7 @@
                 </c:xVal>
                 <c:yVal>
                   <c:numRef>
-                    <c:extLst xmlns:c15="http://schemas.microsoft.com/office/drawing/2012/chart" xmlns:c16r2="http://schemas.microsoft.com/office/drawing/2015/06/chart">
+                    <c:extLst xmlns:c16r2="http://schemas.microsoft.com/office/drawing/2015/06/chart" xmlns:c15="http://schemas.microsoft.com/office/drawing/2012/chart">
                       <c:ext xmlns:c15="http://schemas.microsoft.com/office/drawing/2012/chart" uri="{02D57815-91ED-43cb-92C2-25804820EDAC}">
                         <c15:formulaRef>
                           <c15:sqref>'[Analytical temp (3).xlsx]pins'!$AL$15:$AP$15</c15:sqref>
@@ -7415,7 +7415,7 @@
                 </c:marker>
                 <c:xVal>
                   <c:numRef>
-                    <c:extLst xmlns:c15="http://schemas.microsoft.com/office/drawing/2012/chart" xmlns:c16r2="http://schemas.microsoft.com/office/drawing/2015/06/chart">
+                    <c:extLst xmlns:c16r2="http://schemas.microsoft.com/office/drawing/2015/06/chart" xmlns:c15="http://schemas.microsoft.com/office/drawing/2012/chart">
                       <c:ext xmlns:c15="http://schemas.microsoft.com/office/drawing/2012/chart" uri="{02D57815-91ED-43cb-92C2-25804820EDAC}">
                         <c15:formulaRef>
                           <c15:sqref>'[Analytical temp (3).xlsx]pins'!$W$11:$AA$11</c15:sqref>
@@ -7445,7 +7445,7 @@
                 </c:xVal>
                 <c:yVal>
                   <c:numRef>
-                    <c:extLst xmlns:c15="http://schemas.microsoft.com/office/drawing/2012/chart" xmlns:c16r2="http://schemas.microsoft.com/office/drawing/2015/06/chart">
+                    <c:extLst xmlns:c16r2="http://schemas.microsoft.com/office/drawing/2015/06/chart" xmlns:c15="http://schemas.microsoft.com/office/drawing/2012/chart">
                       <c:ext xmlns:c15="http://schemas.microsoft.com/office/drawing/2012/chart" uri="{02D57815-91ED-43cb-92C2-25804820EDAC}">
                         <c15:formulaRef>
                           <c15:sqref>'[Analytical temp (3).xlsx]pins'!$AL$16:$AP$16</c15:sqref>
@@ -7480,7 +7480,7 @@
         </c:extLst>
       </c:scatterChart>
       <c:valAx>
-        <c:axId val="531475936"/>
+        <c:axId val="200839360"/>
         <c:scaling>
           <c:orientation val="minMax"/>
         </c:scaling>
@@ -7593,12 +7593,12 @@
             <a:endParaRPr lang="en-US"/>
           </a:p>
         </c:txPr>
-        <c:crossAx val="531476496"/>
+        <c:crossAx val="200839920"/>
         <c:crosses val="autoZero"/>
         <c:crossBetween val="midCat"/>
       </c:valAx>
       <c:valAx>
-        <c:axId val="531476496"/>
+        <c:axId val="200839920"/>
         <c:scaling>
           <c:orientation val="minMax"/>
         </c:scaling>
@@ -7711,7 +7711,7 @@
             <a:endParaRPr lang="en-US"/>
           </a:p>
         </c:txPr>
-        <c:crossAx val="531475936"/>
+        <c:crossAx val="200839360"/>
         <c:crosses val="autoZero"/>
         <c:crossBetween val="midCat"/>
       </c:valAx>
@@ -7949,8 +7949,8 @@
           <c:showPercent val="0"/>
           <c:showBubbleSize val="0"/>
         </c:dLbls>
-        <c:axId val="531482656"/>
-        <c:axId val="531483216"/>
+        <c:axId val="200846080"/>
+        <c:axId val="200846640"/>
         <c:extLst xmlns:c16r2="http://schemas.microsoft.com/office/drawing/2015/06/chart">
           <c:ext xmlns:c15="http://schemas.microsoft.com/office/drawing/2012/chart" uri="{02D57815-91ED-43cb-92C2-25804820EDAC}">
             <c15:filteredScatterSeries>
@@ -8085,7 +8085,7 @@
                 </c:marker>
                 <c:xVal>
                   <c:numRef>
-                    <c:extLst xmlns:c15="http://schemas.microsoft.com/office/drawing/2012/chart" xmlns:c16r2="http://schemas.microsoft.com/office/drawing/2015/06/chart">
+                    <c:extLst xmlns:c16r2="http://schemas.microsoft.com/office/drawing/2015/06/chart" xmlns:c15="http://schemas.microsoft.com/office/drawing/2012/chart">
                       <c:ext xmlns:c15="http://schemas.microsoft.com/office/drawing/2012/chart" uri="{02D57815-91ED-43cb-92C2-25804820EDAC}">
                         <c15:formulaRef>
                           <c15:sqref>'[Analytical temp (3).xlsx]pins'!$W$11:$AA$11</c15:sqref>
@@ -8115,7 +8115,7 @@
                 </c:xVal>
                 <c:yVal>
                   <c:numRef>
-                    <c:extLst xmlns:c15="http://schemas.microsoft.com/office/drawing/2012/chart" xmlns:c16r2="http://schemas.microsoft.com/office/drawing/2015/06/chart">
+                    <c:extLst xmlns:c16r2="http://schemas.microsoft.com/office/drawing/2015/06/chart" xmlns:c15="http://schemas.microsoft.com/office/drawing/2012/chart">
                       <c:ext xmlns:c15="http://schemas.microsoft.com/office/drawing/2012/chart" uri="{02D57815-91ED-43cb-92C2-25804820EDAC}">
                         <c15:formulaRef>
                           <c15:sqref>'[Analytical temp (3).xlsx]pins'!$AF$15:$AJ$15</c15:sqref>
@@ -8144,7 +8144,7 @@
                   </c:numRef>
                 </c:yVal>
                 <c:smooth val="0"/>
-                <c:extLst xmlns:c16r2="http://schemas.microsoft.com/office/drawing/2015/06/chart" xmlns:c15="http://schemas.microsoft.com/office/drawing/2012/chart">
+                <c:extLst xmlns:c15="http://schemas.microsoft.com/office/drawing/2012/chart" xmlns:c16r2="http://schemas.microsoft.com/office/drawing/2015/06/chart">
                   <c:ext xmlns:c16="http://schemas.microsoft.com/office/drawing/2014/chart" uri="{C3380CC4-5D6E-409C-BE32-E72D297353CC}">
                     <c16:uniqueId val="{00000001-55F7-4BAC-9ED7-0A0DBC995522}"/>
                   </c:ext>
@@ -8184,7 +8184,7 @@
                 </c:marker>
                 <c:xVal>
                   <c:numRef>
-                    <c:extLst xmlns:c15="http://schemas.microsoft.com/office/drawing/2012/chart" xmlns:c16r2="http://schemas.microsoft.com/office/drawing/2015/06/chart">
+                    <c:extLst xmlns:c16r2="http://schemas.microsoft.com/office/drawing/2015/06/chart" xmlns:c15="http://schemas.microsoft.com/office/drawing/2012/chart">
                       <c:ext xmlns:c15="http://schemas.microsoft.com/office/drawing/2012/chart" uri="{02D57815-91ED-43cb-92C2-25804820EDAC}">
                         <c15:formulaRef>
                           <c15:sqref>'[Analytical temp (3).xlsx]pins'!$W$11:$AA$11</c15:sqref>
@@ -8214,7 +8214,7 @@
                 </c:xVal>
                 <c:yVal>
                   <c:numRef>
-                    <c:extLst xmlns:c15="http://schemas.microsoft.com/office/drawing/2012/chart" xmlns:c16r2="http://schemas.microsoft.com/office/drawing/2015/06/chart">
+                    <c:extLst xmlns:c16r2="http://schemas.microsoft.com/office/drawing/2015/06/chart" xmlns:c15="http://schemas.microsoft.com/office/drawing/2012/chart">
                       <c:ext xmlns:c15="http://schemas.microsoft.com/office/drawing/2012/chart" uri="{02D57815-91ED-43cb-92C2-25804820EDAC}">
                         <c15:formulaRef>
                           <c15:sqref>'[Analytical temp (3).xlsx]pins'!$AF$16:$AJ$16</c15:sqref>
@@ -8243,7 +8243,7 @@
                   </c:numRef>
                 </c:yVal>
                 <c:smooth val="0"/>
-                <c:extLst xmlns:c16r2="http://schemas.microsoft.com/office/drawing/2015/06/chart" xmlns:c15="http://schemas.microsoft.com/office/drawing/2012/chart">
+                <c:extLst xmlns:c15="http://schemas.microsoft.com/office/drawing/2012/chart" xmlns:c16r2="http://schemas.microsoft.com/office/drawing/2015/06/chart">
                   <c:ext xmlns:c16="http://schemas.microsoft.com/office/drawing/2014/chart" uri="{C3380CC4-5D6E-409C-BE32-E72D297353CC}">
                     <c16:uniqueId val="{00000002-55F7-4BAC-9ED7-0A0DBC995522}"/>
                   </c:ext>
@@ -8283,7 +8283,7 @@
                 </c:marker>
                 <c:xVal>
                   <c:numRef>
-                    <c:extLst xmlns:c15="http://schemas.microsoft.com/office/drawing/2012/chart" xmlns:c16r2="http://schemas.microsoft.com/office/drawing/2015/06/chart">
+                    <c:extLst xmlns:c16r2="http://schemas.microsoft.com/office/drawing/2015/06/chart" xmlns:c15="http://schemas.microsoft.com/office/drawing/2012/chart">
                       <c:ext xmlns:c15="http://schemas.microsoft.com/office/drawing/2012/chart" uri="{02D57815-91ED-43cb-92C2-25804820EDAC}">
                         <c15:formulaRef>
                           <c15:sqref>'[Analytical temp (3).xlsx]pins'!$W$11:$AA$11</c15:sqref>
@@ -8313,7 +8313,7 @@
                 </c:xVal>
                 <c:yVal>
                   <c:numRef>
-                    <c:extLst xmlns:c15="http://schemas.microsoft.com/office/drawing/2012/chart" xmlns:c16r2="http://schemas.microsoft.com/office/drawing/2015/06/chart">
+                    <c:extLst xmlns:c16r2="http://schemas.microsoft.com/office/drawing/2015/06/chart" xmlns:c15="http://schemas.microsoft.com/office/drawing/2012/chart">
                       <c:ext xmlns:c15="http://schemas.microsoft.com/office/drawing/2012/chart" uri="{02D57815-91ED-43cb-92C2-25804820EDAC}">
                         <c15:formulaRef>
                           <c15:sqref>'[Analytical temp (3).xlsx]pins'!$AL$14:$AP$14</c15:sqref>
@@ -8377,7 +8377,7 @@
                 </c:marker>
                 <c:xVal>
                   <c:numRef>
-                    <c:extLst xmlns:c15="http://schemas.microsoft.com/office/drawing/2012/chart" xmlns:c16r2="http://schemas.microsoft.com/office/drawing/2015/06/chart">
+                    <c:extLst xmlns:c16r2="http://schemas.microsoft.com/office/drawing/2015/06/chart" xmlns:c15="http://schemas.microsoft.com/office/drawing/2012/chart">
                       <c:ext xmlns:c15="http://schemas.microsoft.com/office/drawing/2012/chart" uri="{02D57815-91ED-43cb-92C2-25804820EDAC}">
                         <c15:formulaRef>
                           <c15:sqref>'[Analytical temp (3).xlsx]pins'!$W$11:$AA$11</c15:sqref>
@@ -8407,7 +8407,7 @@
                 </c:xVal>
                 <c:yVal>
                   <c:numRef>
-                    <c:extLst xmlns:c15="http://schemas.microsoft.com/office/drawing/2012/chart" xmlns:c16r2="http://schemas.microsoft.com/office/drawing/2015/06/chart">
+                    <c:extLst xmlns:c16r2="http://schemas.microsoft.com/office/drawing/2015/06/chart" xmlns:c15="http://schemas.microsoft.com/office/drawing/2012/chart">
                       <c:ext xmlns:c15="http://schemas.microsoft.com/office/drawing/2012/chart" uri="{02D57815-91ED-43cb-92C2-25804820EDAC}">
                         <c15:formulaRef>
                           <c15:sqref>'[Analytical temp (3).xlsx]pins'!$AL$15:$AP$15</c15:sqref>
@@ -8477,7 +8477,7 @@
                 </c:marker>
                 <c:xVal>
                   <c:numRef>
-                    <c:extLst xmlns:c15="http://schemas.microsoft.com/office/drawing/2012/chart" xmlns:c16r2="http://schemas.microsoft.com/office/drawing/2015/06/chart">
+                    <c:extLst xmlns:c16r2="http://schemas.microsoft.com/office/drawing/2015/06/chart" xmlns:c15="http://schemas.microsoft.com/office/drawing/2012/chart">
                       <c:ext xmlns:c15="http://schemas.microsoft.com/office/drawing/2012/chart" uri="{02D57815-91ED-43cb-92C2-25804820EDAC}">
                         <c15:formulaRef>
                           <c15:sqref>'[Analytical temp (3).xlsx]pins'!$W$11:$AA$11</c15:sqref>
@@ -8507,7 +8507,7 @@
                 </c:xVal>
                 <c:yVal>
                   <c:numRef>
-                    <c:extLst xmlns:c15="http://schemas.microsoft.com/office/drawing/2012/chart" xmlns:c16r2="http://schemas.microsoft.com/office/drawing/2015/06/chart">
+                    <c:extLst xmlns:c16r2="http://schemas.microsoft.com/office/drawing/2015/06/chart" xmlns:c15="http://schemas.microsoft.com/office/drawing/2012/chart">
                       <c:ext xmlns:c15="http://schemas.microsoft.com/office/drawing/2012/chart" uri="{02D57815-91ED-43cb-92C2-25804820EDAC}">
                         <c15:formulaRef>
                           <c15:sqref>'[Analytical temp (3).xlsx]pins'!$AL$16:$AP$16</c15:sqref>
@@ -8542,7 +8542,7 @@
         </c:extLst>
       </c:scatterChart>
       <c:valAx>
-        <c:axId val="531482656"/>
+        <c:axId val="200846080"/>
         <c:scaling>
           <c:orientation val="minMax"/>
         </c:scaling>
@@ -8655,12 +8655,12 @@
             <a:endParaRPr lang="en-US"/>
           </a:p>
         </c:txPr>
-        <c:crossAx val="531483216"/>
+        <c:crossAx val="200846640"/>
         <c:crosses val="autoZero"/>
         <c:crossBetween val="midCat"/>
       </c:valAx>
       <c:valAx>
-        <c:axId val="531483216"/>
+        <c:axId val="200846640"/>
         <c:scaling>
           <c:orientation val="minMax"/>
         </c:scaling>
@@ -8773,7 +8773,7 @@
             <a:endParaRPr lang="en-US"/>
           </a:p>
         </c:txPr>
-        <c:crossAx val="531482656"/>
+        <c:crossAx val="200846080"/>
         <c:crosses val="autoZero"/>
         <c:crossBetween val="midCat"/>
       </c:valAx>
@@ -10532,11 +10532,11 @@
           <c:showPercent val="0"/>
           <c:showBubbleSize val="0"/>
         </c:dLbls>
-        <c:axId val="332470272"/>
-        <c:axId val="332468592"/>
+        <c:axId val="205470192"/>
+        <c:axId val="205470752"/>
       </c:scatterChart>
       <c:valAx>
-        <c:axId val="332470272"/>
+        <c:axId val="205470192"/>
         <c:scaling>
           <c:logBase val="10"/>
           <c:orientation val="minMax"/>
@@ -10584,7 +10584,6 @@
               </a:p>
             </c:rich>
           </c:tx>
-          <c:layout/>
           <c:overlay val="0"/>
           <c:spPr>
             <a:noFill/>
@@ -10631,12 +10630,12 @@
             <a:endParaRPr lang="en-US"/>
           </a:p>
         </c:txPr>
-        <c:crossAx val="332468592"/>
+        <c:crossAx val="205470752"/>
         <c:crosses val="autoZero"/>
         <c:crossBetween val="midCat"/>
       </c:valAx>
       <c:valAx>
-        <c:axId val="332468592"/>
+        <c:axId val="205470752"/>
         <c:scaling>
           <c:logBase val="10"/>
           <c:orientation val="minMax"/>
@@ -10686,7 +10685,6 @@
               </a:p>
             </c:rich>
           </c:tx>
-          <c:layout/>
           <c:overlay val="0"/>
           <c:spPr>
             <a:noFill/>
@@ -10733,7 +10731,7 @@
             <a:endParaRPr lang="en-US"/>
           </a:p>
         </c:txPr>
-        <c:crossAx val="332470272"/>
+        <c:crossAx val="205470192"/>
         <c:crosses val="autoZero"/>
         <c:crossBetween val="midCat"/>
       </c:valAx>
@@ -11181,8 +11179,8 @@
           <c:showPercent val="0"/>
           <c:showBubbleSize val="0"/>
         </c:dLbls>
-        <c:axId val="181066592"/>
-        <c:axId val="181067152"/>
+        <c:axId val="199248400"/>
+        <c:axId val="199248960"/>
         <c:extLst xmlns:c16r2="http://schemas.microsoft.com/office/drawing/2015/06/chart">
           <c:ext xmlns:c15="http://schemas.microsoft.com/office/drawing/2012/chart" uri="{02D57815-91ED-43cb-92C2-25804820EDAC}">
             <c15:filteredScatterSeries>
@@ -11288,7 +11286,7 @@
         </c:extLst>
       </c:scatterChart>
       <c:valAx>
-        <c:axId val="181066592"/>
+        <c:axId val="199248400"/>
         <c:scaling>
           <c:orientation val="minMax"/>
         </c:scaling>
@@ -11334,7 +11332,6 @@
               </a:p>
             </c:rich>
           </c:tx>
-          <c:layout/>
           <c:overlay val="0"/>
           <c:spPr>
             <a:noFill/>
@@ -11401,12 +11398,12 @@
             <a:endParaRPr lang="en-US"/>
           </a:p>
         </c:txPr>
-        <c:crossAx val="181067152"/>
+        <c:crossAx val="199248960"/>
         <c:crosses val="autoZero"/>
         <c:crossBetween val="midCat"/>
       </c:valAx>
       <c:valAx>
-        <c:axId val="181067152"/>
+        <c:axId val="199248960"/>
         <c:scaling>
           <c:orientation val="minMax"/>
         </c:scaling>
@@ -11452,7 +11449,6 @@
               </a:p>
             </c:rich>
           </c:tx>
-          <c:layout/>
           <c:overlay val="0"/>
           <c:spPr>
             <a:noFill/>
@@ -11519,7 +11515,7 @@
             <a:endParaRPr lang="en-US"/>
           </a:p>
         </c:txPr>
-        <c:crossAx val="181066592"/>
+        <c:crossAx val="199248400"/>
         <c:crosses val="autoZero"/>
         <c:crossBetween val="midCat"/>
       </c:valAx>
@@ -11533,7 +11529,6 @@
     </c:plotArea>
     <c:legend>
       <c:legendPos val="r"/>
-      <c:layout/>
       <c:overlay val="0"/>
       <c:spPr>
         <a:noFill/>
@@ -11958,8 +11953,8 @@
           <c:showPercent val="0"/>
           <c:showBubbleSize val="0"/>
         </c:dLbls>
-        <c:axId val="181071632"/>
-        <c:axId val="181072192"/>
+        <c:axId val="199253440"/>
+        <c:axId val="148920016"/>
         <c:extLst xmlns:c16r2="http://schemas.microsoft.com/office/drawing/2015/06/chart">
           <c:ext xmlns:c15="http://schemas.microsoft.com/office/drawing/2012/chart" uri="{02D57815-91ED-43cb-92C2-25804820EDAC}">
             <c15:filteredScatterSeries>
@@ -12065,7 +12060,7 @@
         </c:extLst>
       </c:scatterChart>
       <c:valAx>
-        <c:axId val="181071632"/>
+        <c:axId val="199253440"/>
         <c:scaling>
           <c:orientation val="minMax"/>
         </c:scaling>
@@ -12111,7 +12106,6 @@
               </a:p>
             </c:rich>
           </c:tx>
-          <c:layout/>
           <c:overlay val="0"/>
           <c:spPr>
             <a:noFill/>
@@ -12178,12 +12172,12 @@
             <a:endParaRPr lang="en-US"/>
           </a:p>
         </c:txPr>
-        <c:crossAx val="181072192"/>
+        <c:crossAx val="148920016"/>
         <c:crosses val="autoZero"/>
         <c:crossBetween val="midCat"/>
       </c:valAx>
       <c:valAx>
-        <c:axId val="181072192"/>
+        <c:axId val="148920016"/>
         <c:scaling>
           <c:orientation val="minMax"/>
         </c:scaling>
@@ -12229,7 +12223,6 @@
               </a:p>
             </c:rich>
           </c:tx>
-          <c:layout/>
           <c:overlay val="0"/>
           <c:spPr>
             <a:noFill/>
@@ -12296,7 +12289,7 @@
             <a:endParaRPr lang="en-US"/>
           </a:p>
         </c:txPr>
-        <c:crossAx val="181071632"/>
+        <c:crossAx val="199253440"/>
         <c:crosses val="autoZero"/>
         <c:crossBetween val="midCat"/>
       </c:valAx>
@@ -12310,7 +12303,6 @@
     </c:plotArea>
     <c:legend>
       <c:legendPos val="r"/>
-      <c:layout/>
       <c:overlay val="0"/>
       <c:spPr>
         <a:noFill/>
@@ -12566,8 +12558,8 @@
           <c:showPercent val="0"/>
           <c:showBubbleSize val="0"/>
         </c:dLbls>
-        <c:axId val="181077232"/>
-        <c:axId val="181077792"/>
+        <c:axId val="199266256"/>
+        <c:axId val="199266816"/>
         <c:extLst xmlns:c16r2="http://schemas.microsoft.com/office/drawing/2015/06/chart">
           <c:ext xmlns:c15="http://schemas.microsoft.com/office/drawing/2012/chart" uri="{02D57815-91ED-43cb-92C2-25804820EDAC}">
             <c15:filteredScatterSeries>
@@ -12702,7 +12694,7 @@
                 </c:marker>
                 <c:xVal>
                   <c:numRef>
-                    <c:extLst xmlns:c15="http://schemas.microsoft.com/office/drawing/2012/chart" xmlns:c16r2="http://schemas.microsoft.com/office/drawing/2015/06/chart">
+                    <c:extLst xmlns:c16r2="http://schemas.microsoft.com/office/drawing/2015/06/chart" xmlns:c15="http://schemas.microsoft.com/office/drawing/2012/chart">
                       <c:ext xmlns:c15="http://schemas.microsoft.com/office/drawing/2012/chart" uri="{02D57815-91ED-43cb-92C2-25804820EDAC}">
                         <c15:formulaRef>
                           <c15:sqref>'[Analytical temp (3).xlsx]pins'!$W$11:$AA$11</c15:sqref>
@@ -12732,7 +12724,7 @@
                 </c:xVal>
                 <c:yVal>
                   <c:numRef>
-                    <c:extLst xmlns:c15="http://schemas.microsoft.com/office/drawing/2012/chart" xmlns:c16r2="http://schemas.microsoft.com/office/drawing/2015/06/chart">
+                    <c:extLst xmlns:c16r2="http://schemas.microsoft.com/office/drawing/2015/06/chart" xmlns:c15="http://schemas.microsoft.com/office/drawing/2012/chart">
                       <c:ext xmlns:c15="http://schemas.microsoft.com/office/drawing/2012/chart" uri="{02D57815-91ED-43cb-92C2-25804820EDAC}">
                         <c15:formulaRef>
                           <c15:sqref>'[Analytical temp (3).xlsx]pins'!$AF$15:$AJ$15</c15:sqref>
@@ -12761,7 +12753,7 @@
                   </c:numRef>
                 </c:yVal>
                 <c:smooth val="0"/>
-                <c:extLst xmlns:c16r2="http://schemas.microsoft.com/office/drawing/2015/06/chart" xmlns:c15="http://schemas.microsoft.com/office/drawing/2012/chart">
+                <c:extLst xmlns:c15="http://schemas.microsoft.com/office/drawing/2012/chart" xmlns:c16r2="http://schemas.microsoft.com/office/drawing/2015/06/chart">
                   <c:ext xmlns:c16="http://schemas.microsoft.com/office/drawing/2014/chart" uri="{C3380CC4-5D6E-409C-BE32-E72D297353CC}">
                     <c16:uniqueId val="{00000001-55F7-4BAC-9ED7-0A0DBC995522}"/>
                   </c:ext>
@@ -12801,7 +12793,7 @@
                 </c:marker>
                 <c:xVal>
                   <c:numRef>
-                    <c:extLst xmlns:c15="http://schemas.microsoft.com/office/drawing/2012/chart" xmlns:c16r2="http://schemas.microsoft.com/office/drawing/2015/06/chart">
+                    <c:extLst xmlns:c16r2="http://schemas.microsoft.com/office/drawing/2015/06/chart" xmlns:c15="http://schemas.microsoft.com/office/drawing/2012/chart">
                       <c:ext xmlns:c15="http://schemas.microsoft.com/office/drawing/2012/chart" uri="{02D57815-91ED-43cb-92C2-25804820EDAC}">
                         <c15:formulaRef>
                           <c15:sqref>'[Analytical temp (3).xlsx]pins'!$W$11:$AA$11</c15:sqref>
@@ -12831,7 +12823,7 @@
                 </c:xVal>
                 <c:yVal>
                   <c:numRef>
-                    <c:extLst xmlns:c15="http://schemas.microsoft.com/office/drawing/2012/chart" xmlns:c16r2="http://schemas.microsoft.com/office/drawing/2015/06/chart">
+                    <c:extLst xmlns:c16r2="http://schemas.microsoft.com/office/drawing/2015/06/chart" xmlns:c15="http://schemas.microsoft.com/office/drawing/2012/chart">
                       <c:ext xmlns:c15="http://schemas.microsoft.com/office/drawing/2012/chart" uri="{02D57815-91ED-43cb-92C2-25804820EDAC}">
                         <c15:formulaRef>
                           <c15:sqref>'[Analytical temp (3).xlsx]pins'!$AF$16:$AJ$16</c15:sqref>
@@ -12860,7 +12852,7 @@
                   </c:numRef>
                 </c:yVal>
                 <c:smooth val="0"/>
-                <c:extLst xmlns:c16r2="http://schemas.microsoft.com/office/drawing/2015/06/chart" xmlns:c15="http://schemas.microsoft.com/office/drawing/2012/chart">
+                <c:extLst xmlns:c15="http://schemas.microsoft.com/office/drawing/2012/chart" xmlns:c16r2="http://schemas.microsoft.com/office/drawing/2015/06/chart">
                   <c:ext xmlns:c16="http://schemas.microsoft.com/office/drawing/2014/chart" uri="{C3380CC4-5D6E-409C-BE32-E72D297353CC}">
                     <c16:uniqueId val="{00000002-55F7-4BAC-9ED7-0A0DBC995522}"/>
                   </c:ext>
@@ -12900,7 +12892,7 @@
                 </c:marker>
                 <c:xVal>
                   <c:numRef>
-                    <c:extLst xmlns:c15="http://schemas.microsoft.com/office/drawing/2012/chart" xmlns:c16r2="http://schemas.microsoft.com/office/drawing/2015/06/chart">
+                    <c:extLst xmlns:c16r2="http://schemas.microsoft.com/office/drawing/2015/06/chart" xmlns:c15="http://schemas.microsoft.com/office/drawing/2012/chart">
                       <c:ext xmlns:c15="http://schemas.microsoft.com/office/drawing/2012/chart" uri="{02D57815-91ED-43cb-92C2-25804820EDAC}">
                         <c15:formulaRef>
                           <c15:sqref>'[Analytical temp (3).xlsx]pins'!$W$11:$AA$11</c15:sqref>
@@ -12930,7 +12922,7 @@
                 </c:xVal>
                 <c:yVal>
                   <c:numRef>
-                    <c:extLst xmlns:c15="http://schemas.microsoft.com/office/drawing/2012/chart" xmlns:c16r2="http://schemas.microsoft.com/office/drawing/2015/06/chart">
+                    <c:extLst xmlns:c16r2="http://schemas.microsoft.com/office/drawing/2015/06/chart" xmlns:c15="http://schemas.microsoft.com/office/drawing/2012/chart">
                       <c:ext xmlns:c15="http://schemas.microsoft.com/office/drawing/2012/chart" uri="{02D57815-91ED-43cb-92C2-25804820EDAC}">
                         <c15:formulaRef>
                           <c15:sqref>'[Analytical temp (3).xlsx]pins'!$AL$14:$AP$14</c15:sqref>
@@ -12994,7 +12986,7 @@
                 </c:marker>
                 <c:xVal>
                   <c:numRef>
-                    <c:extLst xmlns:c15="http://schemas.microsoft.com/office/drawing/2012/chart" xmlns:c16r2="http://schemas.microsoft.com/office/drawing/2015/06/chart">
+                    <c:extLst xmlns:c16r2="http://schemas.microsoft.com/office/drawing/2015/06/chart" xmlns:c15="http://schemas.microsoft.com/office/drawing/2012/chart">
                       <c:ext xmlns:c15="http://schemas.microsoft.com/office/drawing/2012/chart" uri="{02D57815-91ED-43cb-92C2-25804820EDAC}">
                         <c15:formulaRef>
                           <c15:sqref>'[Analytical temp (3).xlsx]pins'!$W$11:$AA$11</c15:sqref>
@@ -13024,7 +13016,7 @@
                 </c:xVal>
                 <c:yVal>
                   <c:numRef>
-                    <c:extLst xmlns:c15="http://schemas.microsoft.com/office/drawing/2012/chart" xmlns:c16r2="http://schemas.microsoft.com/office/drawing/2015/06/chart">
+                    <c:extLst xmlns:c16r2="http://schemas.microsoft.com/office/drawing/2015/06/chart" xmlns:c15="http://schemas.microsoft.com/office/drawing/2012/chart">
                       <c:ext xmlns:c15="http://schemas.microsoft.com/office/drawing/2012/chart" uri="{02D57815-91ED-43cb-92C2-25804820EDAC}">
                         <c15:formulaRef>
                           <c15:sqref>'[Analytical temp (3).xlsx]pins'!$AL$15:$AP$15</c15:sqref>
@@ -13094,7 +13086,7 @@
                 </c:marker>
                 <c:xVal>
                   <c:numRef>
-                    <c:extLst xmlns:c15="http://schemas.microsoft.com/office/drawing/2012/chart" xmlns:c16r2="http://schemas.microsoft.com/office/drawing/2015/06/chart">
+                    <c:extLst xmlns:c16r2="http://schemas.microsoft.com/office/drawing/2015/06/chart" xmlns:c15="http://schemas.microsoft.com/office/drawing/2012/chart">
                       <c:ext xmlns:c15="http://schemas.microsoft.com/office/drawing/2012/chart" uri="{02D57815-91ED-43cb-92C2-25804820EDAC}">
                         <c15:formulaRef>
                           <c15:sqref>'[Analytical temp (3).xlsx]pins'!$W$11:$AA$11</c15:sqref>
@@ -13124,7 +13116,7 @@
                 </c:xVal>
                 <c:yVal>
                   <c:numRef>
-                    <c:extLst xmlns:c15="http://schemas.microsoft.com/office/drawing/2012/chart" xmlns:c16r2="http://schemas.microsoft.com/office/drawing/2015/06/chart">
+                    <c:extLst xmlns:c16r2="http://schemas.microsoft.com/office/drawing/2015/06/chart" xmlns:c15="http://schemas.microsoft.com/office/drawing/2012/chart">
                       <c:ext xmlns:c15="http://schemas.microsoft.com/office/drawing/2012/chart" uri="{02D57815-91ED-43cb-92C2-25804820EDAC}">
                         <c15:formulaRef>
                           <c15:sqref>'[Analytical temp (3).xlsx]pins'!$AL$16:$AP$16</c15:sqref>
@@ -13159,7 +13151,7 @@
         </c:extLst>
       </c:scatterChart>
       <c:valAx>
-        <c:axId val="181077232"/>
+        <c:axId val="199266256"/>
         <c:scaling>
           <c:orientation val="minMax"/>
         </c:scaling>
@@ -13205,7 +13197,6 @@
               </a:p>
             </c:rich>
           </c:tx>
-          <c:layout/>
           <c:overlay val="0"/>
           <c:spPr>
             <a:noFill/>
@@ -13272,12 +13263,12 @@
             <a:endParaRPr lang="en-US"/>
           </a:p>
         </c:txPr>
-        <c:crossAx val="181077792"/>
+        <c:crossAx val="199266816"/>
         <c:crosses val="autoZero"/>
         <c:crossBetween val="midCat"/>
       </c:valAx>
       <c:valAx>
-        <c:axId val="181077792"/>
+        <c:axId val="199266816"/>
         <c:scaling>
           <c:orientation val="minMax"/>
         </c:scaling>
@@ -13323,7 +13314,6 @@
               </a:p>
             </c:rich>
           </c:tx>
-          <c:layout/>
           <c:overlay val="0"/>
           <c:spPr>
             <a:noFill/>
@@ -13390,7 +13380,7 @@
             <a:endParaRPr lang="en-US"/>
           </a:p>
         </c:txPr>
-        <c:crossAx val="181077232"/>
+        <c:crossAx val="199266256"/>
         <c:crosses val="autoZero"/>
         <c:crossBetween val="midCat"/>
       </c:valAx>
@@ -13669,8 +13659,8 @@
           <c:showPercent val="0"/>
           <c:showBubbleSize val="0"/>
         </c:dLbls>
-        <c:axId val="532109744"/>
-        <c:axId val="532110304"/>
+        <c:axId val="199315344"/>
+        <c:axId val="199315904"/>
         <c:extLst xmlns:c16r2="http://schemas.microsoft.com/office/drawing/2015/06/chart">
           <c:ext xmlns:c15="http://schemas.microsoft.com/office/drawing/2012/chart" uri="{02D57815-91ED-43cb-92C2-25804820EDAC}">
             <c15:filteredScatterSeries>
@@ -13805,7 +13795,7 @@
                 </c:marker>
                 <c:xVal>
                   <c:numRef>
-                    <c:extLst xmlns:c15="http://schemas.microsoft.com/office/drawing/2012/chart" xmlns:c16r2="http://schemas.microsoft.com/office/drawing/2015/06/chart">
+                    <c:extLst xmlns:c16r2="http://schemas.microsoft.com/office/drawing/2015/06/chart" xmlns:c15="http://schemas.microsoft.com/office/drawing/2012/chart">
                       <c:ext xmlns:c15="http://schemas.microsoft.com/office/drawing/2012/chart" uri="{02D57815-91ED-43cb-92C2-25804820EDAC}">
                         <c15:formulaRef>
                           <c15:sqref>'[Analytical temp (3).xlsx]pins'!$W$11:$AA$11</c15:sqref>
@@ -13835,7 +13825,7 @@
                 </c:xVal>
                 <c:yVal>
                   <c:numRef>
-                    <c:extLst xmlns:c15="http://schemas.microsoft.com/office/drawing/2012/chart" xmlns:c16r2="http://schemas.microsoft.com/office/drawing/2015/06/chart">
+                    <c:extLst xmlns:c16r2="http://schemas.microsoft.com/office/drawing/2015/06/chart" xmlns:c15="http://schemas.microsoft.com/office/drawing/2012/chart">
                       <c:ext xmlns:c15="http://schemas.microsoft.com/office/drawing/2012/chart" uri="{02D57815-91ED-43cb-92C2-25804820EDAC}">
                         <c15:formulaRef>
                           <c15:sqref>'[Analytical temp (3).xlsx]pins'!$AF$15:$AJ$15</c15:sqref>
@@ -13864,7 +13854,7 @@
                   </c:numRef>
                 </c:yVal>
                 <c:smooth val="0"/>
-                <c:extLst xmlns:c16r2="http://schemas.microsoft.com/office/drawing/2015/06/chart" xmlns:c15="http://schemas.microsoft.com/office/drawing/2012/chart">
+                <c:extLst xmlns:c15="http://schemas.microsoft.com/office/drawing/2012/chart" xmlns:c16r2="http://schemas.microsoft.com/office/drawing/2015/06/chart">
                   <c:ext xmlns:c16="http://schemas.microsoft.com/office/drawing/2014/chart" uri="{C3380CC4-5D6E-409C-BE32-E72D297353CC}">
                     <c16:uniqueId val="{00000001-55F7-4BAC-9ED7-0A0DBC995522}"/>
                   </c:ext>
@@ -13904,7 +13894,7 @@
                 </c:marker>
                 <c:xVal>
                   <c:numRef>
-                    <c:extLst xmlns:c15="http://schemas.microsoft.com/office/drawing/2012/chart" xmlns:c16r2="http://schemas.microsoft.com/office/drawing/2015/06/chart">
+                    <c:extLst xmlns:c16r2="http://schemas.microsoft.com/office/drawing/2015/06/chart" xmlns:c15="http://schemas.microsoft.com/office/drawing/2012/chart">
                       <c:ext xmlns:c15="http://schemas.microsoft.com/office/drawing/2012/chart" uri="{02D57815-91ED-43cb-92C2-25804820EDAC}">
                         <c15:formulaRef>
                           <c15:sqref>'[Analytical temp (3).xlsx]pins'!$W$11:$AA$11</c15:sqref>
@@ -13934,7 +13924,7 @@
                 </c:xVal>
                 <c:yVal>
                   <c:numRef>
-                    <c:extLst xmlns:c15="http://schemas.microsoft.com/office/drawing/2012/chart" xmlns:c16r2="http://schemas.microsoft.com/office/drawing/2015/06/chart">
+                    <c:extLst xmlns:c16r2="http://schemas.microsoft.com/office/drawing/2015/06/chart" xmlns:c15="http://schemas.microsoft.com/office/drawing/2012/chart">
                       <c:ext xmlns:c15="http://schemas.microsoft.com/office/drawing/2012/chart" uri="{02D57815-91ED-43cb-92C2-25804820EDAC}">
                         <c15:formulaRef>
                           <c15:sqref>'[Analytical temp (3).xlsx]pins'!$AF$16:$AJ$16</c15:sqref>
@@ -13963,7 +13953,7 @@
                   </c:numRef>
                 </c:yVal>
                 <c:smooth val="0"/>
-                <c:extLst xmlns:c16r2="http://schemas.microsoft.com/office/drawing/2015/06/chart" xmlns:c15="http://schemas.microsoft.com/office/drawing/2012/chart">
+                <c:extLst xmlns:c15="http://schemas.microsoft.com/office/drawing/2012/chart" xmlns:c16r2="http://schemas.microsoft.com/office/drawing/2015/06/chart">
                   <c:ext xmlns:c16="http://schemas.microsoft.com/office/drawing/2014/chart" uri="{C3380CC4-5D6E-409C-BE32-E72D297353CC}">
                     <c16:uniqueId val="{00000002-55F7-4BAC-9ED7-0A0DBC995522}"/>
                   </c:ext>
@@ -14003,7 +13993,7 @@
                 </c:marker>
                 <c:xVal>
                   <c:numRef>
-                    <c:extLst xmlns:c15="http://schemas.microsoft.com/office/drawing/2012/chart" xmlns:c16r2="http://schemas.microsoft.com/office/drawing/2015/06/chart">
+                    <c:extLst xmlns:c16r2="http://schemas.microsoft.com/office/drawing/2015/06/chart" xmlns:c15="http://schemas.microsoft.com/office/drawing/2012/chart">
                       <c:ext xmlns:c15="http://schemas.microsoft.com/office/drawing/2012/chart" uri="{02D57815-91ED-43cb-92C2-25804820EDAC}">
                         <c15:formulaRef>
                           <c15:sqref>'[Analytical temp (3).xlsx]pins'!$W$11:$AA$11</c15:sqref>
@@ -14033,7 +14023,7 @@
                 </c:xVal>
                 <c:yVal>
                   <c:numRef>
-                    <c:extLst xmlns:c15="http://schemas.microsoft.com/office/drawing/2012/chart" xmlns:c16r2="http://schemas.microsoft.com/office/drawing/2015/06/chart">
+                    <c:extLst xmlns:c16r2="http://schemas.microsoft.com/office/drawing/2015/06/chart" xmlns:c15="http://schemas.microsoft.com/office/drawing/2012/chart">
                       <c:ext xmlns:c15="http://schemas.microsoft.com/office/drawing/2012/chart" uri="{02D57815-91ED-43cb-92C2-25804820EDAC}">
                         <c15:formulaRef>
                           <c15:sqref>'[Analytical temp (3).xlsx]pins'!$AL$14:$AP$14</c15:sqref>
@@ -14097,7 +14087,7 @@
                 </c:marker>
                 <c:xVal>
                   <c:numRef>
-                    <c:extLst xmlns:c15="http://schemas.microsoft.com/office/drawing/2012/chart" xmlns:c16r2="http://schemas.microsoft.com/office/drawing/2015/06/chart">
+                    <c:extLst xmlns:c16r2="http://schemas.microsoft.com/office/drawing/2015/06/chart" xmlns:c15="http://schemas.microsoft.com/office/drawing/2012/chart">
                       <c:ext xmlns:c15="http://schemas.microsoft.com/office/drawing/2012/chart" uri="{02D57815-91ED-43cb-92C2-25804820EDAC}">
                         <c15:formulaRef>
                           <c15:sqref>'[Analytical temp (3).xlsx]pins'!$W$11:$AA$11</c15:sqref>
@@ -14127,7 +14117,7 @@
                 </c:xVal>
                 <c:yVal>
                   <c:numRef>
-                    <c:extLst xmlns:c15="http://schemas.microsoft.com/office/drawing/2012/chart" xmlns:c16r2="http://schemas.microsoft.com/office/drawing/2015/06/chart">
+                    <c:extLst xmlns:c16r2="http://schemas.microsoft.com/office/drawing/2015/06/chart" xmlns:c15="http://schemas.microsoft.com/office/drawing/2012/chart">
                       <c:ext xmlns:c15="http://schemas.microsoft.com/office/drawing/2012/chart" uri="{02D57815-91ED-43cb-92C2-25804820EDAC}">
                         <c15:formulaRef>
                           <c15:sqref>'[Analytical temp (3).xlsx]pins'!$AL$15:$AP$15</c15:sqref>
@@ -14197,7 +14187,7 @@
                 </c:marker>
                 <c:xVal>
                   <c:numRef>
-                    <c:extLst xmlns:c15="http://schemas.microsoft.com/office/drawing/2012/chart" xmlns:c16r2="http://schemas.microsoft.com/office/drawing/2015/06/chart">
+                    <c:extLst xmlns:c16r2="http://schemas.microsoft.com/office/drawing/2015/06/chart" xmlns:c15="http://schemas.microsoft.com/office/drawing/2012/chart">
                       <c:ext xmlns:c15="http://schemas.microsoft.com/office/drawing/2012/chart" uri="{02D57815-91ED-43cb-92C2-25804820EDAC}">
                         <c15:formulaRef>
                           <c15:sqref>'[Analytical temp (3).xlsx]pins'!$W$11:$AA$11</c15:sqref>
@@ -14227,7 +14217,7 @@
                 </c:xVal>
                 <c:yVal>
                   <c:numRef>
-                    <c:extLst xmlns:c15="http://schemas.microsoft.com/office/drawing/2012/chart" xmlns:c16r2="http://schemas.microsoft.com/office/drawing/2015/06/chart">
+                    <c:extLst xmlns:c16r2="http://schemas.microsoft.com/office/drawing/2015/06/chart" xmlns:c15="http://schemas.microsoft.com/office/drawing/2012/chart">
                       <c:ext xmlns:c15="http://schemas.microsoft.com/office/drawing/2012/chart" uri="{02D57815-91ED-43cb-92C2-25804820EDAC}">
                         <c15:formulaRef>
                           <c15:sqref>'[Analytical temp (3).xlsx]pins'!$AL$16:$AP$16</c15:sqref>
@@ -14262,7 +14252,7 @@
         </c:extLst>
       </c:scatterChart>
       <c:valAx>
-        <c:axId val="532109744"/>
+        <c:axId val="199315344"/>
         <c:scaling>
           <c:orientation val="minMax"/>
         </c:scaling>
@@ -14308,7 +14298,6 @@
               </a:p>
             </c:rich>
           </c:tx>
-          <c:layout/>
           <c:overlay val="0"/>
           <c:spPr>
             <a:noFill/>
@@ -14375,12 +14364,12 @@
             <a:endParaRPr lang="en-US"/>
           </a:p>
         </c:txPr>
-        <c:crossAx val="532110304"/>
+        <c:crossAx val="199315904"/>
         <c:crosses val="autoZero"/>
         <c:crossBetween val="midCat"/>
       </c:valAx>
       <c:valAx>
-        <c:axId val="532110304"/>
+        <c:axId val="199315904"/>
         <c:scaling>
           <c:orientation val="minMax"/>
         </c:scaling>
@@ -14426,7 +14415,6 @@
               </a:p>
             </c:rich>
           </c:tx>
-          <c:layout/>
           <c:overlay val="0"/>
           <c:spPr>
             <a:noFill/>
@@ -14493,7 +14481,7 @@
             <a:endParaRPr lang="en-US"/>
           </a:p>
         </c:txPr>
-        <c:crossAx val="532109744"/>
+        <c:crossAx val="199315344"/>
         <c:crosses val="autoZero"/>
         <c:crossBetween val="midCat"/>
       </c:valAx>
@@ -14731,8 +14719,8 @@
           <c:showPercent val="0"/>
           <c:showBubbleSize val="0"/>
         </c:dLbls>
-        <c:axId val="527344960"/>
-        <c:axId val="527345520"/>
+        <c:axId val="199476016"/>
+        <c:axId val="199476576"/>
         <c:extLst xmlns:c16r2="http://schemas.microsoft.com/office/drawing/2015/06/chart">
           <c:ext xmlns:c15="http://schemas.microsoft.com/office/drawing/2012/chart" uri="{02D57815-91ED-43cb-92C2-25804820EDAC}">
             <c15:filteredScatterSeries>
@@ -14867,7 +14855,7 @@
                 </c:marker>
                 <c:xVal>
                   <c:numRef>
-                    <c:extLst xmlns:c15="http://schemas.microsoft.com/office/drawing/2012/chart" xmlns:c16r2="http://schemas.microsoft.com/office/drawing/2015/06/chart">
+                    <c:extLst xmlns:c16r2="http://schemas.microsoft.com/office/drawing/2015/06/chart" xmlns:c15="http://schemas.microsoft.com/office/drawing/2012/chart">
                       <c:ext xmlns:c15="http://schemas.microsoft.com/office/drawing/2012/chart" uri="{02D57815-91ED-43cb-92C2-25804820EDAC}">
                         <c15:formulaRef>
                           <c15:sqref>'[Analytical temp (3).xlsx]pins'!$W$11:$AA$11</c15:sqref>
@@ -14897,7 +14885,7 @@
                 </c:xVal>
                 <c:yVal>
                   <c:numRef>
-                    <c:extLst xmlns:c15="http://schemas.microsoft.com/office/drawing/2012/chart" xmlns:c16r2="http://schemas.microsoft.com/office/drawing/2015/06/chart">
+                    <c:extLst xmlns:c16r2="http://schemas.microsoft.com/office/drawing/2015/06/chart" xmlns:c15="http://schemas.microsoft.com/office/drawing/2012/chart">
                       <c:ext xmlns:c15="http://schemas.microsoft.com/office/drawing/2012/chart" uri="{02D57815-91ED-43cb-92C2-25804820EDAC}">
                         <c15:formulaRef>
                           <c15:sqref>'[Analytical temp (3).xlsx]pins'!$AF$15:$AJ$15</c15:sqref>
@@ -14926,7 +14914,7 @@
                   </c:numRef>
                 </c:yVal>
                 <c:smooth val="0"/>
-                <c:extLst xmlns:c16r2="http://schemas.microsoft.com/office/drawing/2015/06/chart" xmlns:c15="http://schemas.microsoft.com/office/drawing/2012/chart">
+                <c:extLst xmlns:c15="http://schemas.microsoft.com/office/drawing/2012/chart" xmlns:c16r2="http://schemas.microsoft.com/office/drawing/2015/06/chart">
                   <c:ext xmlns:c16="http://schemas.microsoft.com/office/drawing/2014/chart" uri="{C3380CC4-5D6E-409C-BE32-E72D297353CC}">
                     <c16:uniqueId val="{00000001-55F7-4BAC-9ED7-0A0DBC995522}"/>
                   </c:ext>
@@ -14966,7 +14954,7 @@
                 </c:marker>
                 <c:xVal>
                   <c:numRef>
-                    <c:extLst xmlns:c15="http://schemas.microsoft.com/office/drawing/2012/chart" xmlns:c16r2="http://schemas.microsoft.com/office/drawing/2015/06/chart">
+                    <c:extLst xmlns:c16r2="http://schemas.microsoft.com/office/drawing/2015/06/chart" xmlns:c15="http://schemas.microsoft.com/office/drawing/2012/chart">
                       <c:ext xmlns:c15="http://schemas.microsoft.com/office/drawing/2012/chart" uri="{02D57815-91ED-43cb-92C2-25804820EDAC}">
                         <c15:formulaRef>
                           <c15:sqref>'[Analytical temp (3).xlsx]pins'!$W$11:$AA$11</c15:sqref>
@@ -14996,7 +14984,7 @@
                 </c:xVal>
                 <c:yVal>
                   <c:numRef>
-                    <c:extLst xmlns:c15="http://schemas.microsoft.com/office/drawing/2012/chart" xmlns:c16r2="http://schemas.microsoft.com/office/drawing/2015/06/chart">
+                    <c:extLst xmlns:c16r2="http://schemas.microsoft.com/office/drawing/2015/06/chart" xmlns:c15="http://schemas.microsoft.com/office/drawing/2012/chart">
                       <c:ext xmlns:c15="http://schemas.microsoft.com/office/drawing/2012/chart" uri="{02D57815-91ED-43cb-92C2-25804820EDAC}">
                         <c15:formulaRef>
                           <c15:sqref>'[Analytical temp (3).xlsx]pins'!$AF$16:$AJ$16</c15:sqref>
@@ -15025,7 +15013,7 @@
                   </c:numRef>
                 </c:yVal>
                 <c:smooth val="0"/>
-                <c:extLst xmlns:c16r2="http://schemas.microsoft.com/office/drawing/2015/06/chart" xmlns:c15="http://schemas.microsoft.com/office/drawing/2012/chart">
+                <c:extLst xmlns:c15="http://schemas.microsoft.com/office/drawing/2012/chart" xmlns:c16r2="http://schemas.microsoft.com/office/drawing/2015/06/chart">
                   <c:ext xmlns:c16="http://schemas.microsoft.com/office/drawing/2014/chart" uri="{C3380CC4-5D6E-409C-BE32-E72D297353CC}">
                     <c16:uniqueId val="{00000002-55F7-4BAC-9ED7-0A0DBC995522}"/>
                   </c:ext>
@@ -15065,7 +15053,7 @@
                 </c:marker>
                 <c:xVal>
                   <c:numRef>
-                    <c:extLst xmlns:c15="http://schemas.microsoft.com/office/drawing/2012/chart" xmlns:c16r2="http://schemas.microsoft.com/office/drawing/2015/06/chart">
+                    <c:extLst xmlns:c16r2="http://schemas.microsoft.com/office/drawing/2015/06/chart" xmlns:c15="http://schemas.microsoft.com/office/drawing/2012/chart">
                       <c:ext xmlns:c15="http://schemas.microsoft.com/office/drawing/2012/chart" uri="{02D57815-91ED-43cb-92C2-25804820EDAC}">
                         <c15:formulaRef>
                           <c15:sqref>'[Analytical temp (3).xlsx]pins'!$W$11:$AA$11</c15:sqref>
@@ -15095,7 +15083,7 @@
                 </c:xVal>
                 <c:yVal>
                   <c:numRef>
-                    <c:extLst xmlns:c15="http://schemas.microsoft.com/office/drawing/2012/chart" xmlns:c16r2="http://schemas.microsoft.com/office/drawing/2015/06/chart">
+                    <c:extLst xmlns:c16r2="http://schemas.microsoft.com/office/drawing/2015/06/chart" xmlns:c15="http://schemas.microsoft.com/office/drawing/2012/chart">
                       <c:ext xmlns:c15="http://schemas.microsoft.com/office/drawing/2012/chart" uri="{02D57815-91ED-43cb-92C2-25804820EDAC}">
                         <c15:formulaRef>
                           <c15:sqref>'[Analytical temp (3).xlsx]pins'!$AL$14:$AP$14</c15:sqref>
@@ -15159,7 +15147,7 @@
                 </c:marker>
                 <c:xVal>
                   <c:numRef>
-                    <c:extLst xmlns:c15="http://schemas.microsoft.com/office/drawing/2012/chart" xmlns:c16r2="http://schemas.microsoft.com/office/drawing/2015/06/chart">
+                    <c:extLst xmlns:c16r2="http://schemas.microsoft.com/office/drawing/2015/06/chart" xmlns:c15="http://schemas.microsoft.com/office/drawing/2012/chart">
                       <c:ext xmlns:c15="http://schemas.microsoft.com/office/drawing/2012/chart" uri="{02D57815-91ED-43cb-92C2-25804820EDAC}">
                         <c15:formulaRef>
                           <c15:sqref>'[Analytical temp (3).xlsx]pins'!$W$11:$AA$11</c15:sqref>
@@ -15189,7 +15177,7 @@
                 </c:xVal>
                 <c:yVal>
                   <c:numRef>
-                    <c:extLst xmlns:c15="http://schemas.microsoft.com/office/drawing/2012/chart" xmlns:c16r2="http://schemas.microsoft.com/office/drawing/2015/06/chart">
+                    <c:extLst xmlns:c16r2="http://schemas.microsoft.com/office/drawing/2015/06/chart" xmlns:c15="http://schemas.microsoft.com/office/drawing/2012/chart">
                       <c:ext xmlns:c15="http://schemas.microsoft.com/office/drawing/2012/chart" uri="{02D57815-91ED-43cb-92C2-25804820EDAC}">
                         <c15:formulaRef>
                           <c15:sqref>'[Analytical temp (3).xlsx]pins'!$AL$15:$AP$15</c15:sqref>
@@ -15259,7 +15247,7 @@
                 </c:marker>
                 <c:xVal>
                   <c:numRef>
-                    <c:extLst xmlns:c15="http://schemas.microsoft.com/office/drawing/2012/chart" xmlns:c16r2="http://schemas.microsoft.com/office/drawing/2015/06/chart">
+                    <c:extLst xmlns:c16r2="http://schemas.microsoft.com/office/drawing/2015/06/chart" xmlns:c15="http://schemas.microsoft.com/office/drawing/2012/chart">
                       <c:ext xmlns:c15="http://schemas.microsoft.com/office/drawing/2012/chart" uri="{02D57815-91ED-43cb-92C2-25804820EDAC}">
                         <c15:formulaRef>
                           <c15:sqref>'[Analytical temp (3).xlsx]pins'!$W$11:$AA$11</c15:sqref>
@@ -15289,7 +15277,7 @@
                 </c:xVal>
                 <c:yVal>
                   <c:numRef>
-                    <c:extLst xmlns:c15="http://schemas.microsoft.com/office/drawing/2012/chart" xmlns:c16r2="http://schemas.microsoft.com/office/drawing/2015/06/chart">
+                    <c:extLst xmlns:c16r2="http://schemas.microsoft.com/office/drawing/2015/06/chart" xmlns:c15="http://schemas.microsoft.com/office/drawing/2012/chart">
                       <c:ext xmlns:c15="http://schemas.microsoft.com/office/drawing/2012/chart" uri="{02D57815-91ED-43cb-92C2-25804820EDAC}">
                         <c15:formulaRef>
                           <c15:sqref>'[Analytical temp (3).xlsx]pins'!$AL$16:$AP$16</c15:sqref>
@@ -15324,7 +15312,7 @@
         </c:extLst>
       </c:scatterChart>
       <c:valAx>
-        <c:axId val="527344960"/>
+        <c:axId val="199476016"/>
         <c:scaling>
           <c:orientation val="minMax"/>
         </c:scaling>
@@ -15370,7 +15358,6 @@
               </a:p>
             </c:rich>
           </c:tx>
-          <c:layout/>
           <c:overlay val="0"/>
           <c:spPr>
             <a:noFill/>
@@ -15437,12 +15424,12 @@
             <a:endParaRPr lang="en-US"/>
           </a:p>
         </c:txPr>
-        <c:crossAx val="527345520"/>
+        <c:crossAx val="199476576"/>
         <c:crosses val="autoZero"/>
         <c:crossBetween val="midCat"/>
       </c:valAx>
       <c:valAx>
-        <c:axId val="527345520"/>
+        <c:axId val="199476576"/>
         <c:scaling>
           <c:orientation val="minMax"/>
         </c:scaling>
@@ -15488,7 +15475,6 @@
               </a:p>
             </c:rich>
           </c:tx>
-          <c:layout/>
           <c:overlay val="0"/>
           <c:spPr>
             <a:noFill/>
@@ -15555,7 +15541,7 @@
             <a:endParaRPr lang="en-US"/>
           </a:p>
         </c:txPr>
-        <c:crossAx val="527344960"/>
+        <c:crossAx val="199476016"/>
         <c:crosses val="autoZero"/>
         <c:crossBetween val="midCat"/>
       </c:valAx>
@@ -15793,8 +15779,8 @@
           <c:showPercent val="0"/>
           <c:showBubbleSize val="0"/>
         </c:dLbls>
-        <c:axId val="419623152"/>
-        <c:axId val="419623712"/>
+        <c:axId val="199930768"/>
+        <c:axId val="199931328"/>
         <c:extLst xmlns:c16r2="http://schemas.microsoft.com/office/drawing/2015/06/chart">
           <c:ext xmlns:c15="http://schemas.microsoft.com/office/drawing/2012/chart" uri="{02D57815-91ED-43cb-92C2-25804820EDAC}">
             <c15:filteredScatterSeries>
@@ -15929,7 +15915,7 @@
                 </c:marker>
                 <c:xVal>
                   <c:numRef>
-                    <c:extLst xmlns:c15="http://schemas.microsoft.com/office/drawing/2012/chart" xmlns:c16r2="http://schemas.microsoft.com/office/drawing/2015/06/chart">
+                    <c:extLst xmlns:c16r2="http://schemas.microsoft.com/office/drawing/2015/06/chart" xmlns:c15="http://schemas.microsoft.com/office/drawing/2012/chart">
                       <c:ext xmlns:c15="http://schemas.microsoft.com/office/drawing/2012/chart" uri="{02D57815-91ED-43cb-92C2-25804820EDAC}">
                         <c15:formulaRef>
                           <c15:sqref>'[Analytical temp (3).xlsx]pins'!$W$11:$AA$11</c15:sqref>
@@ -15959,7 +15945,7 @@
                 </c:xVal>
                 <c:yVal>
                   <c:numRef>
-                    <c:extLst xmlns:c15="http://schemas.microsoft.com/office/drawing/2012/chart" xmlns:c16r2="http://schemas.microsoft.com/office/drawing/2015/06/chart">
+                    <c:extLst xmlns:c16r2="http://schemas.microsoft.com/office/drawing/2015/06/chart" xmlns:c15="http://schemas.microsoft.com/office/drawing/2012/chart">
                       <c:ext xmlns:c15="http://schemas.microsoft.com/office/drawing/2012/chart" uri="{02D57815-91ED-43cb-92C2-25804820EDAC}">
                         <c15:formulaRef>
                           <c15:sqref>'[Analytical temp (3).xlsx]pins'!$AF$15:$AJ$15</c15:sqref>
@@ -15988,7 +15974,7 @@
                   </c:numRef>
                 </c:yVal>
                 <c:smooth val="0"/>
-                <c:extLst xmlns:c16r2="http://schemas.microsoft.com/office/drawing/2015/06/chart" xmlns:c15="http://schemas.microsoft.com/office/drawing/2012/chart">
+                <c:extLst xmlns:c15="http://schemas.microsoft.com/office/drawing/2012/chart" xmlns:c16r2="http://schemas.microsoft.com/office/drawing/2015/06/chart">
                   <c:ext xmlns:c16="http://schemas.microsoft.com/office/drawing/2014/chart" uri="{C3380CC4-5D6E-409C-BE32-E72D297353CC}">
                     <c16:uniqueId val="{00000001-55F7-4BAC-9ED7-0A0DBC995522}"/>
                   </c:ext>
@@ -16028,7 +16014,7 @@
                 </c:marker>
                 <c:xVal>
                   <c:numRef>
-                    <c:extLst xmlns:c15="http://schemas.microsoft.com/office/drawing/2012/chart" xmlns:c16r2="http://schemas.microsoft.com/office/drawing/2015/06/chart">
+                    <c:extLst xmlns:c16r2="http://schemas.microsoft.com/office/drawing/2015/06/chart" xmlns:c15="http://schemas.microsoft.com/office/drawing/2012/chart">
                       <c:ext xmlns:c15="http://schemas.microsoft.com/office/drawing/2012/chart" uri="{02D57815-91ED-43cb-92C2-25804820EDAC}">
                         <c15:formulaRef>
                           <c15:sqref>'[Analytical temp (3).xlsx]pins'!$W$11:$AA$11</c15:sqref>
@@ -16058,7 +16044,7 @@
                 </c:xVal>
                 <c:yVal>
                   <c:numRef>
-                    <c:extLst xmlns:c15="http://schemas.microsoft.com/office/drawing/2012/chart" xmlns:c16r2="http://schemas.microsoft.com/office/drawing/2015/06/chart">
+                    <c:extLst xmlns:c16r2="http://schemas.microsoft.com/office/drawing/2015/06/chart" xmlns:c15="http://schemas.microsoft.com/office/drawing/2012/chart">
                       <c:ext xmlns:c15="http://schemas.microsoft.com/office/drawing/2012/chart" uri="{02D57815-91ED-43cb-92C2-25804820EDAC}">
                         <c15:formulaRef>
                           <c15:sqref>'[Analytical temp (3).xlsx]pins'!$AF$16:$AJ$16</c15:sqref>
@@ -16087,7 +16073,7 @@
                   </c:numRef>
                 </c:yVal>
                 <c:smooth val="0"/>
-                <c:extLst xmlns:c16r2="http://schemas.microsoft.com/office/drawing/2015/06/chart" xmlns:c15="http://schemas.microsoft.com/office/drawing/2012/chart">
+                <c:extLst xmlns:c15="http://schemas.microsoft.com/office/drawing/2012/chart" xmlns:c16r2="http://schemas.microsoft.com/office/drawing/2015/06/chart">
                   <c:ext xmlns:c16="http://schemas.microsoft.com/office/drawing/2014/chart" uri="{C3380CC4-5D6E-409C-BE32-E72D297353CC}">
                     <c16:uniqueId val="{00000002-55F7-4BAC-9ED7-0A0DBC995522}"/>
                   </c:ext>
@@ -16127,7 +16113,7 @@
                 </c:marker>
                 <c:xVal>
                   <c:numRef>
-                    <c:extLst xmlns:c15="http://schemas.microsoft.com/office/drawing/2012/chart" xmlns:c16r2="http://schemas.microsoft.com/office/drawing/2015/06/chart">
+                    <c:extLst xmlns:c16r2="http://schemas.microsoft.com/office/drawing/2015/06/chart" xmlns:c15="http://schemas.microsoft.com/office/drawing/2012/chart">
                       <c:ext xmlns:c15="http://schemas.microsoft.com/office/drawing/2012/chart" uri="{02D57815-91ED-43cb-92C2-25804820EDAC}">
                         <c15:formulaRef>
                           <c15:sqref>'[Analytical temp (3).xlsx]pins'!$W$11:$AA$11</c15:sqref>
@@ -16157,7 +16143,7 @@
                 </c:xVal>
                 <c:yVal>
                   <c:numRef>
-                    <c:extLst xmlns:c15="http://schemas.microsoft.com/office/drawing/2012/chart" xmlns:c16r2="http://schemas.microsoft.com/office/drawing/2015/06/chart">
+                    <c:extLst xmlns:c16r2="http://schemas.microsoft.com/office/drawing/2015/06/chart" xmlns:c15="http://schemas.microsoft.com/office/drawing/2012/chart">
                       <c:ext xmlns:c15="http://schemas.microsoft.com/office/drawing/2012/chart" uri="{02D57815-91ED-43cb-92C2-25804820EDAC}">
                         <c15:formulaRef>
                           <c15:sqref>'[Analytical temp (3).xlsx]pins'!$AL$14:$AP$14</c15:sqref>
@@ -16221,7 +16207,7 @@
                 </c:marker>
                 <c:xVal>
                   <c:numRef>
-                    <c:extLst xmlns:c15="http://schemas.microsoft.com/office/drawing/2012/chart" xmlns:c16r2="http://schemas.microsoft.com/office/drawing/2015/06/chart">
+                    <c:extLst xmlns:c16r2="http://schemas.microsoft.com/office/drawing/2015/06/chart" xmlns:c15="http://schemas.microsoft.com/office/drawing/2012/chart">
                       <c:ext xmlns:c15="http://schemas.microsoft.com/office/drawing/2012/chart" uri="{02D57815-91ED-43cb-92C2-25804820EDAC}">
                         <c15:formulaRef>
                           <c15:sqref>'[Analytical temp (3).xlsx]pins'!$W$11:$AA$11</c15:sqref>
@@ -16251,7 +16237,7 @@
                 </c:xVal>
                 <c:yVal>
                   <c:numRef>
-                    <c:extLst xmlns:c15="http://schemas.microsoft.com/office/drawing/2012/chart" xmlns:c16r2="http://schemas.microsoft.com/office/drawing/2015/06/chart">
+                    <c:extLst xmlns:c16r2="http://schemas.microsoft.com/office/drawing/2015/06/chart" xmlns:c15="http://schemas.microsoft.com/office/drawing/2012/chart">
                       <c:ext xmlns:c15="http://schemas.microsoft.com/office/drawing/2012/chart" uri="{02D57815-91ED-43cb-92C2-25804820EDAC}">
                         <c15:formulaRef>
                           <c15:sqref>'[Analytical temp (3).xlsx]pins'!$AL$15:$AP$15</c15:sqref>
@@ -16321,7 +16307,7 @@
                 </c:marker>
                 <c:xVal>
                   <c:numRef>
-                    <c:extLst xmlns:c15="http://schemas.microsoft.com/office/drawing/2012/chart" xmlns:c16r2="http://schemas.microsoft.com/office/drawing/2015/06/chart">
+                    <c:extLst xmlns:c16r2="http://schemas.microsoft.com/office/drawing/2015/06/chart" xmlns:c15="http://schemas.microsoft.com/office/drawing/2012/chart">
                       <c:ext xmlns:c15="http://schemas.microsoft.com/office/drawing/2012/chart" uri="{02D57815-91ED-43cb-92C2-25804820EDAC}">
                         <c15:formulaRef>
                           <c15:sqref>'[Analytical temp (3).xlsx]pins'!$W$11:$AA$11</c15:sqref>
@@ -16351,7 +16337,7 @@
                 </c:xVal>
                 <c:yVal>
                   <c:numRef>
-                    <c:extLst xmlns:c15="http://schemas.microsoft.com/office/drawing/2012/chart" xmlns:c16r2="http://schemas.microsoft.com/office/drawing/2015/06/chart">
+                    <c:extLst xmlns:c16r2="http://schemas.microsoft.com/office/drawing/2015/06/chart" xmlns:c15="http://schemas.microsoft.com/office/drawing/2012/chart">
                       <c:ext xmlns:c15="http://schemas.microsoft.com/office/drawing/2012/chart" uri="{02D57815-91ED-43cb-92C2-25804820EDAC}">
                         <c15:formulaRef>
                           <c15:sqref>'[Analytical temp (3).xlsx]pins'!$AL$16:$AP$16</c15:sqref>
@@ -16386,7 +16372,7 @@
         </c:extLst>
       </c:scatterChart>
       <c:valAx>
-        <c:axId val="419623152"/>
+        <c:axId val="199930768"/>
         <c:scaling>
           <c:orientation val="minMax"/>
         </c:scaling>
@@ -16432,7 +16418,6 @@
               </a:p>
             </c:rich>
           </c:tx>
-          <c:layout/>
           <c:overlay val="0"/>
           <c:spPr>
             <a:noFill/>
@@ -16499,12 +16484,12 @@
             <a:endParaRPr lang="en-US"/>
           </a:p>
         </c:txPr>
-        <c:crossAx val="419623712"/>
+        <c:crossAx val="199931328"/>
         <c:crosses val="autoZero"/>
         <c:crossBetween val="midCat"/>
       </c:valAx>
       <c:valAx>
-        <c:axId val="419623712"/>
+        <c:axId val="199931328"/>
         <c:scaling>
           <c:orientation val="minMax"/>
         </c:scaling>
@@ -16550,7 +16535,6 @@
               </a:p>
             </c:rich>
           </c:tx>
-          <c:layout/>
           <c:overlay val="0"/>
           <c:spPr>
             <a:noFill/>
@@ -16617,7 +16601,7 @@
             <a:endParaRPr lang="en-US"/>
           </a:p>
         </c:txPr>
-        <c:crossAx val="419623152"/>
+        <c:crossAx val="199930768"/>
         <c:crosses val="autoZero"/>
         <c:crossBetween val="midCat"/>
       </c:valAx>
@@ -17024,8 +17008,8 @@
           <c:showPercent val="0"/>
           <c:showBubbleSize val="0"/>
         </c:dLbls>
-        <c:axId val="419628192"/>
-        <c:axId val="419628752"/>
+        <c:axId val="199935808"/>
+        <c:axId val="199936368"/>
         <c:extLst xmlns:c16r2="http://schemas.microsoft.com/office/drawing/2015/06/chart">
           <c:ext xmlns:c15="http://schemas.microsoft.com/office/drawing/2012/chart" uri="{02D57815-91ED-43cb-92C2-25804820EDAC}">
             <c15:filteredScatterSeries>
@@ -17131,7 +17115,7 @@
         </c:extLst>
       </c:scatterChart>
       <c:valAx>
-        <c:axId val="419628192"/>
+        <c:axId val="199935808"/>
         <c:scaling>
           <c:orientation val="minMax"/>
         </c:scaling>
@@ -17188,12 +17172,12 @@
             <a:endParaRPr lang="en-US"/>
           </a:p>
         </c:txPr>
-        <c:crossAx val="419628752"/>
+        <c:crossAx val="199936368"/>
         <c:crosses val="autoZero"/>
         <c:crossBetween val="midCat"/>
       </c:valAx>
       <c:valAx>
-        <c:axId val="419628752"/>
+        <c:axId val="199936368"/>
         <c:scaling>
           <c:orientation val="minMax"/>
           <c:min val="0"/>
@@ -17251,7 +17235,7 @@
             <a:endParaRPr lang="en-US"/>
           </a:p>
         </c:txPr>
-        <c:crossAx val="419628192"/>
+        <c:crossAx val="199935808"/>
         <c:crosses val="autoZero"/>
         <c:crossBetween val="midCat"/>
       </c:valAx>
@@ -27030,14 +27014,14 @@
           <a:effectLst/>
           <a:extLst>
             <a:ext uri="{909E8E84-426E-40dd-AFC4-6F175D3DCCD1}">
-              <a14:hiddenFill xmlns:a14="http://schemas.microsoft.com/office/drawing/2010/main" xmlns="">
+              <a14:hiddenFill xmlns="" xmlns:a14="http://schemas.microsoft.com/office/drawing/2010/main">
                 <a:solidFill>
                   <a:schemeClr val="accent1"/>
                 </a:solidFill>
               </a14:hiddenFill>
             </a:ext>
             <a:ext uri="{91240B29-F687-4f45-9708-019B960494DF}">
-              <a14:hiddenLine xmlns:a14="http://schemas.microsoft.com/office/drawing/2010/main" xmlns="" w="9525">
+              <a14:hiddenLine xmlns="" xmlns:a14="http://schemas.microsoft.com/office/drawing/2010/main" w="9525">
                 <a:solidFill>
                   <a:schemeClr val="tx1"/>
                 </a:solidFill>
@@ -27047,7 +27031,7 @@
               </a14:hiddenLine>
             </a:ext>
             <a:ext uri="{AF507438-7753-43e0-B8FC-AC1667EBCBE1}">
-              <a14:hiddenEffects xmlns:a14="http://schemas.microsoft.com/office/drawing/2010/main" xmlns="">
+              <a14:hiddenEffects xmlns="" xmlns:a14="http://schemas.microsoft.com/office/drawing/2010/main">
                 <a:effectLst>
                   <a:outerShdw dist="35921" dir="2700000" algn="ctr" rotWithShape="0">
                     <a:schemeClr val="bg2"/>
@@ -27605,71 +27589,7 @@
                 </a:effectLst>
                 <a:latin typeface="Verdana" pitchFamily="34" charset="0"/>
               </a:rPr>
-              <a:t>Depleted Uranium Soaring Temperature </a:t>
-            </a:r>
-            <a:r>
-              <a:rPr lang="en-US" sz="2400" b="1" dirty="0" smtClean="0">
-                <a:solidFill>
-                  <a:srgbClr val="808080">
-                    <a:lumMod val="50000"/>
-                  </a:srgbClr>
-                </a:solidFill>
-                <a:effectLst>
-                  <a:outerShdw blurRad="38100" dist="38100" dir="2700000" algn="tl">
-                    <a:srgbClr val="C0C0C0"/>
-                  </a:outerShdw>
-                </a:effectLst>
-                <a:latin typeface="Verdana" pitchFamily="34" charset="0"/>
-              </a:rPr>
-              <a:t>Reactor </a:t>
-            </a:r>
-            <a:r>
-              <a:rPr lang="en-US" sz="2400" b="1" dirty="0" smtClean="0">
-                <a:solidFill>
-                  <a:srgbClr val="808080">
-                    <a:lumMod val="50000"/>
-                  </a:srgbClr>
-                </a:solidFill>
-                <a:effectLst>
-                  <a:outerShdw blurRad="38100" dist="38100" dir="2700000" algn="tl">
-                    <a:srgbClr val="C0C0C0"/>
-                  </a:outerShdw>
-                </a:effectLst>
-                <a:latin typeface="Verdana" pitchFamily="34" charset="0"/>
-              </a:rPr>
-              <a:t>(</a:t>
-            </a:r>
-            <a:r>
-              <a:rPr lang="en-US" sz="2400" b="1" dirty="0" smtClean="0">
-                <a:solidFill>
-                  <a:srgbClr val="808080">
-                    <a:lumMod val="50000"/>
-                  </a:srgbClr>
-                </a:solidFill>
-                <a:effectLst>
-                  <a:outerShdw blurRad="38100" dist="38100" dir="2700000" algn="tl">
-                    <a:srgbClr val="C0C0C0"/>
-                  </a:outerShdw>
-                </a:effectLst>
-                <a:latin typeface="Verdana" pitchFamily="34" charset="0"/>
-              </a:rPr>
-              <a:t>DUSTR</a:t>
-            </a:r>
-            <a:r>
-              <a:rPr lang="en-US" sz="2400" b="1" dirty="0" smtClean="0">
-                <a:solidFill>
-                  <a:srgbClr val="808080">
-                    <a:lumMod val="50000"/>
-                  </a:srgbClr>
-                </a:solidFill>
-                <a:effectLst>
-                  <a:outerShdw blurRad="38100" dist="38100" dir="2700000" algn="tl">
-                    <a:srgbClr val="C0C0C0"/>
-                  </a:outerShdw>
-                </a:effectLst>
-                <a:latin typeface="Verdana" pitchFamily="34" charset="0"/>
-              </a:rPr>
-              <a:t>)</a:t>
+              <a:t>Depleted Uranium Soaring Temperature Reactor (DUSTR)</a:t>
             </a:r>
             <a:endParaRPr lang="en-US" sz="2400" b="1" dirty="0">
               <a:solidFill>
@@ -28017,7 +27937,7 @@
           <a:noFill/>
           <a:extLst>
             <a:ext uri="{909E8E84-426E-40dd-AFC4-6F175D3DCCD1}">
-              <a14:hiddenFill xmlns:a14="http://schemas.microsoft.com/office/drawing/2010/main" xmlns="">
+              <a14:hiddenFill xmlns="" xmlns:a14="http://schemas.microsoft.com/office/drawing/2010/main">
                 <a:solidFill>
                   <a:srgbClr val="FFFFFF"/>
                 </a:solidFill>
@@ -29142,7 +29062,7 @@
           <p:cNvPr id="4" name="Chart 3">
             <a:extLst>
               <a:ext uri="{FF2B5EF4-FFF2-40B4-BE49-F238E27FC236}">
-                <a16:creationId xmlns:lc="http://schemas.openxmlformats.org/drawingml/2006/lockedCanvas" xmlns="" xmlns:a16="http://schemas.microsoft.com/office/drawing/2014/main" xmlns:xdr="http://schemas.openxmlformats.org/drawingml/2006/spreadsheetDrawing" id="{00000000-0008-0000-0100-000003000000}"/>
+                <a16:creationId xmlns:xdr="http://schemas.openxmlformats.org/drawingml/2006/spreadsheetDrawing" xmlns:a16="http://schemas.microsoft.com/office/drawing/2014/main" xmlns="" xmlns:lc="http://schemas.openxmlformats.org/drawingml/2006/lockedCanvas" id="{00000000-0008-0000-0100-000003000000}"/>
               </a:ext>
             </a:extLst>
           </p:cNvPr>
@@ -29172,7 +29092,7 @@
           <p:cNvPr id="5" name="Chart 4">
             <a:extLst>
               <a:ext uri="{FF2B5EF4-FFF2-40B4-BE49-F238E27FC236}">
-                <a16:creationId xmlns:lc="http://schemas.openxmlformats.org/drawingml/2006/lockedCanvas" xmlns="" xmlns:a16="http://schemas.microsoft.com/office/drawing/2014/main" xmlns:xdr="http://schemas.openxmlformats.org/drawingml/2006/spreadsheetDrawing" id="{00000000-0008-0000-0100-000003000000}"/>
+                <a16:creationId xmlns:xdr="http://schemas.openxmlformats.org/drawingml/2006/spreadsheetDrawing" xmlns:a16="http://schemas.microsoft.com/office/drawing/2014/main" xmlns="" xmlns:lc="http://schemas.openxmlformats.org/drawingml/2006/lockedCanvas" id="{00000000-0008-0000-0100-000003000000}"/>
               </a:ext>
             </a:extLst>
           </p:cNvPr>
@@ -29445,7 +29365,7 @@
           <p:cNvPr id="5" name="Chart 4">
             <a:extLst>
               <a:ext uri="{FF2B5EF4-FFF2-40B4-BE49-F238E27FC236}">
-                <a16:creationId xmlns:lc="http://schemas.openxmlformats.org/drawingml/2006/lockedCanvas" xmlns="" xmlns:a16="http://schemas.microsoft.com/office/drawing/2014/main" xmlns:xdr="http://schemas.openxmlformats.org/drawingml/2006/spreadsheetDrawing" id="{00000000-0008-0000-0100-000003000000}"/>
+                <a16:creationId xmlns:xdr="http://schemas.openxmlformats.org/drawingml/2006/spreadsheetDrawing" xmlns:a16="http://schemas.microsoft.com/office/drawing/2014/main" xmlns="" xmlns:lc="http://schemas.openxmlformats.org/drawingml/2006/lockedCanvas" id="{00000000-0008-0000-0100-000003000000}"/>
               </a:ext>
             </a:extLst>
           </p:cNvPr>
@@ -29475,7 +29395,7 @@
           <p:cNvPr id="7" name="Chart 6">
             <a:extLst>
               <a:ext uri="{FF2B5EF4-FFF2-40B4-BE49-F238E27FC236}">
-                <a16:creationId xmlns:lc="http://schemas.openxmlformats.org/drawingml/2006/lockedCanvas" xmlns="" xmlns:a16="http://schemas.microsoft.com/office/drawing/2014/main" xmlns:xdr="http://schemas.openxmlformats.org/drawingml/2006/spreadsheetDrawing" id="{00000000-0008-0000-0100-000003000000}"/>
+                <a16:creationId xmlns:xdr="http://schemas.openxmlformats.org/drawingml/2006/spreadsheetDrawing" xmlns:a16="http://schemas.microsoft.com/office/drawing/2014/main" xmlns="" xmlns:lc="http://schemas.openxmlformats.org/drawingml/2006/lockedCanvas" id="{00000000-0008-0000-0100-000003000000}"/>
               </a:ext>
             </a:extLst>
           </p:cNvPr>
@@ -30131,7 +30051,7 @@
           <p:cNvPr id="11" name="Chart 10">
             <a:extLst>
               <a:ext uri="{FF2B5EF4-FFF2-40B4-BE49-F238E27FC236}">
-                <a16:creationId xmlns:lc="http://schemas.openxmlformats.org/drawingml/2006/lockedCanvas" xmlns="" xmlns:a16="http://schemas.microsoft.com/office/drawing/2014/main" xmlns:xdr="http://schemas.openxmlformats.org/drawingml/2006/spreadsheetDrawing" id="{00000000-0008-0000-0100-000003000000}"/>
+                <a16:creationId xmlns:xdr="http://schemas.openxmlformats.org/drawingml/2006/spreadsheetDrawing" xmlns:a16="http://schemas.microsoft.com/office/drawing/2014/main" xmlns="" xmlns:lc="http://schemas.openxmlformats.org/drawingml/2006/lockedCanvas" id="{00000000-0008-0000-0100-000003000000}"/>
               </a:ext>
             </a:extLst>
           </p:cNvPr>
@@ -30161,7 +30081,7 @@
           <p:cNvPr id="12" name="Chart 11">
             <a:extLst>
               <a:ext uri="{FF2B5EF4-FFF2-40B4-BE49-F238E27FC236}">
-                <a16:creationId xmlns:lc="http://schemas.openxmlformats.org/drawingml/2006/lockedCanvas" xmlns="" xmlns:a16="http://schemas.microsoft.com/office/drawing/2014/main" xmlns:xdr="http://schemas.openxmlformats.org/drawingml/2006/spreadsheetDrawing" id="{00000000-0008-0000-0100-000003000000}"/>
+                <a16:creationId xmlns:xdr="http://schemas.openxmlformats.org/drawingml/2006/spreadsheetDrawing" xmlns:a16="http://schemas.microsoft.com/office/drawing/2014/main" xmlns="" xmlns:lc="http://schemas.openxmlformats.org/drawingml/2006/lockedCanvas" id="{00000000-0008-0000-0100-000003000000}"/>
               </a:ext>
             </a:extLst>
           </p:cNvPr>
@@ -30891,6 +30811,13 @@
   <p:clrMapOvr>
     <a:masterClrMapping/>
   </p:clrMapOvr>
+  <p:timing>
+    <p:tnLst>
+      <p:par>
+        <p:cTn id="1" dur="indefinite" restart="never" nodeType="tmRoot"/>
+      </p:par>
+    </p:tnLst>
+  </p:timing>
 </p:sld>
 </file>
 
@@ -30939,7 +30866,7 @@
           <p:cNvPr id="4" name="Chart 3">
             <a:extLst>
               <a:ext uri="{FF2B5EF4-FFF2-40B4-BE49-F238E27FC236}">
-                <a16:creationId xmlns:lc="http://schemas.openxmlformats.org/drawingml/2006/lockedCanvas" xmlns="" xmlns:a16="http://schemas.microsoft.com/office/drawing/2014/main" xmlns:xdr="http://schemas.openxmlformats.org/drawingml/2006/spreadsheetDrawing" id="{00000000-0008-0000-0100-000003000000}"/>
+                <a16:creationId xmlns:xdr="http://schemas.openxmlformats.org/drawingml/2006/spreadsheetDrawing" xmlns:a16="http://schemas.microsoft.com/office/drawing/2014/main" xmlns="" xmlns:lc="http://schemas.openxmlformats.org/drawingml/2006/lockedCanvas" id="{00000000-0008-0000-0100-000003000000}"/>
               </a:ext>
             </a:extLst>
           </p:cNvPr>
@@ -30965,7 +30892,7 @@
           <p:cNvPr id="5" name="Chart 4">
             <a:extLst>
               <a:ext uri="{FF2B5EF4-FFF2-40B4-BE49-F238E27FC236}">
-                <a16:creationId xmlns:lc="http://schemas.openxmlformats.org/drawingml/2006/lockedCanvas" xmlns="" xmlns:a16="http://schemas.microsoft.com/office/drawing/2014/main" xmlns:xdr="http://schemas.openxmlformats.org/drawingml/2006/spreadsheetDrawing" id="{00000000-0008-0000-0100-000003000000}"/>
+                <a16:creationId xmlns:xdr="http://schemas.openxmlformats.org/drawingml/2006/spreadsheetDrawing" xmlns:a16="http://schemas.microsoft.com/office/drawing/2014/main" xmlns="" xmlns:lc="http://schemas.openxmlformats.org/drawingml/2006/lockedCanvas" id="{00000000-0008-0000-0100-000003000000}"/>
               </a:ext>
             </a:extLst>
           </p:cNvPr>
@@ -31056,6 +30983,13 @@
   <p:clrMapOvr>
     <a:masterClrMapping/>
   </p:clrMapOvr>
+  <p:timing>
+    <p:tnLst>
+      <p:par>
+        <p:cTn id="1" dur="indefinite" restart="never" nodeType="tmRoot"/>
+      </p:par>
+    </p:tnLst>
+  </p:timing>
 </p:sld>
 </file>
 
@@ -31230,7 +31164,7 @@
           <p:cNvPr id="5" name="Chart 4">
             <a:extLst>
               <a:ext uri="{FF2B5EF4-FFF2-40B4-BE49-F238E27FC236}">
-                <a16:creationId xmlns:lc="http://schemas.openxmlformats.org/drawingml/2006/lockedCanvas" xmlns="" xmlns:a16="http://schemas.microsoft.com/office/drawing/2014/main" xmlns:xdr="http://schemas.openxmlformats.org/drawingml/2006/spreadsheetDrawing" id="{00000000-0008-0000-0100-000003000000}"/>
+                <a16:creationId xmlns:xdr="http://schemas.openxmlformats.org/drawingml/2006/spreadsheetDrawing" xmlns:a16="http://schemas.microsoft.com/office/drawing/2014/main" xmlns="" xmlns:lc="http://schemas.openxmlformats.org/drawingml/2006/lockedCanvas" id="{00000000-0008-0000-0100-000003000000}"/>
               </a:ext>
             </a:extLst>
           </p:cNvPr>
@@ -31260,7 +31194,7 @@
           <p:cNvPr id="6" name="Chart 5">
             <a:extLst>
               <a:ext uri="{FF2B5EF4-FFF2-40B4-BE49-F238E27FC236}">
-                <a16:creationId xmlns:lc="http://schemas.openxmlformats.org/drawingml/2006/lockedCanvas" xmlns="" xmlns:a16="http://schemas.microsoft.com/office/drawing/2014/main" xmlns:xdr="http://schemas.openxmlformats.org/drawingml/2006/spreadsheetDrawing" id="{00000000-0008-0000-0100-000003000000}"/>
+                <a16:creationId xmlns:xdr="http://schemas.openxmlformats.org/drawingml/2006/spreadsheetDrawing" xmlns:a16="http://schemas.microsoft.com/office/drawing/2014/main" xmlns="" xmlns:lc="http://schemas.openxmlformats.org/drawingml/2006/lockedCanvas" id="{00000000-0008-0000-0100-000003000000}"/>
               </a:ext>
             </a:extLst>
           </p:cNvPr>
@@ -31603,7 +31537,7 @@
           <p:cNvPr id="8" name="Chart 7">
             <a:extLst>
               <a:ext uri="{FF2B5EF4-FFF2-40B4-BE49-F238E27FC236}">
-                <a16:creationId xmlns:lc="http://schemas.openxmlformats.org/drawingml/2006/lockedCanvas" xmlns="" xmlns:a16="http://schemas.microsoft.com/office/drawing/2014/main" xmlns:xdr="http://schemas.openxmlformats.org/drawingml/2006/spreadsheetDrawing" id="{00000000-0008-0000-0100-000003000000}"/>
+                <a16:creationId xmlns:xdr="http://schemas.openxmlformats.org/drawingml/2006/spreadsheetDrawing" xmlns:a16="http://schemas.microsoft.com/office/drawing/2014/main" xmlns="" xmlns:lc="http://schemas.openxmlformats.org/drawingml/2006/lockedCanvas" id="{00000000-0008-0000-0100-000003000000}"/>
               </a:ext>
             </a:extLst>
           </p:cNvPr>
@@ -31946,7 +31880,7 @@
           <p:cNvPr id="10" name="Chart 9">
             <a:extLst>
               <a:ext uri="{FF2B5EF4-FFF2-40B4-BE49-F238E27FC236}">
-                <a16:creationId xmlns:lc="http://schemas.openxmlformats.org/drawingml/2006/lockedCanvas" xmlns="" xmlns:a16="http://schemas.microsoft.com/office/drawing/2014/main" xmlns:xdr="http://schemas.openxmlformats.org/drawingml/2006/spreadsheetDrawing" id="{00000000-0008-0000-0100-000003000000}"/>
+                <a16:creationId xmlns:xdr="http://schemas.openxmlformats.org/drawingml/2006/spreadsheetDrawing" xmlns:a16="http://schemas.microsoft.com/office/drawing/2014/main" xmlns="" xmlns:lc="http://schemas.openxmlformats.org/drawingml/2006/lockedCanvas" id="{00000000-0008-0000-0100-000003000000}"/>
               </a:ext>
             </a:extLst>
           </p:cNvPr>
@@ -32322,6 +32256,13 @@
   <p:clrMapOvr>
     <a:masterClrMapping/>
   </p:clrMapOvr>
+  <p:timing>
+    <p:tnLst>
+      <p:par>
+        <p:cTn id="1" dur="indefinite" restart="never" nodeType="tmRoot"/>
+      </p:par>
+    </p:tnLst>
+  </p:timing>
 </p:sld>
 </file>
 
@@ -32786,6 +32727,13 @@
   <p:clrMapOvr>
     <a:masterClrMapping/>
   </p:clrMapOvr>
+  <p:timing>
+    <p:tnLst>
+      <p:par>
+        <p:cTn id="1" dur="indefinite" restart="never" nodeType="tmRoot"/>
+      </p:par>
+    </p:tnLst>
+  </p:timing>
 </p:sld>
 </file>
 
@@ -33167,8 +33115,8 @@
           </a:p>
         </p:txBody>
       </p:sp>
-      <mc:AlternateContent xmlns:mc="http://schemas.openxmlformats.org/markup-compatibility/2006">
-        <mc:Choice xmlns:a14="http://schemas.microsoft.com/office/drawing/2010/main" Requires="a14">
+      <mc:AlternateContent xmlns:mc="http://schemas.openxmlformats.org/markup-compatibility/2006" xmlns:a14="http://schemas.microsoft.com/office/drawing/2010/main">
+        <mc:Choice Requires="a14">
           <p:sp>
             <p:nvSpPr>
               <p:cNvPr id="3" name="Content Placeholder 2"/>
@@ -34137,7 +34085,7 @@
             </p:txBody>
           </p:sp>
         </mc:Choice>
-        <mc:Fallback>
+        <mc:Fallback xmlns="">
           <p:sp>
             <p:nvSpPr>
               <p:cNvPr id="3" name="Content Placeholder 2"/>
@@ -34233,8 +34181,8 @@
           </a:p>
         </p:txBody>
       </p:sp>
-      <mc:AlternateContent xmlns:mc="http://schemas.openxmlformats.org/markup-compatibility/2006">
-        <mc:Choice xmlns:a14="http://schemas.microsoft.com/office/drawing/2010/main" Requires="a14">
+      <mc:AlternateContent xmlns:mc="http://schemas.openxmlformats.org/markup-compatibility/2006" xmlns:a14="http://schemas.microsoft.com/office/drawing/2010/main">
+        <mc:Choice Requires="a14">
           <p:sp>
             <p:nvSpPr>
               <p:cNvPr id="7" name="TextBox 6"/>
@@ -34446,7 +34394,7 @@
             </p:txBody>
           </p:sp>
         </mc:Choice>
-        <mc:Fallback>
+        <mc:Fallback xmlns="">
           <p:sp>
             <p:nvSpPr>
               <p:cNvPr id="7" name="TextBox 6"/>
@@ -34485,8 +34433,8 @@
           </p:sp>
         </mc:Fallback>
       </mc:AlternateContent>
-      <mc:AlternateContent xmlns:mc="http://schemas.openxmlformats.org/markup-compatibility/2006">
-        <mc:Choice xmlns:a14="http://schemas.microsoft.com/office/drawing/2010/main" Requires="a14">
+      <mc:AlternateContent xmlns:mc="http://schemas.openxmlformats.org/markup-compatibility/2006" xmlns:a14="http://schemas.microsoft.com/office/drawing/2010/main">
+        <mc:Choice Requires="a14">
           <p:sp>
             <p:nvSpPr>
               <p:cNvPr id="8" name="Rectangle 7"/>
@@ -34702,7 +34650,7 @@
             </p:txBody>
           </p:sp>
         </mc:Choice>
-        <mc:Fallback>
+        <mc:Fallback xmlns="">
           <p:sp>
             <p:nvSpPr>
               <p:cNvPr id="8" name="Rectangle 7"/>
@@ -34859,8 +34807,8 @@
           </a:prstGeom>
         </p:spPr>
       </p:pic>
-      <mc:AlternateContent xmlns:mc="http://schemas.openxmlformats.org/markup-compatibility/2006">
-        <mc:Choice xmlns:a14="http://schemas.microsoft.com/office/drawing/2010/main" Requires="a14">
+      <mc:AlternateContent xmlns:mc="http://schemas.openxmlformats.org/markup-compatibility/2006" xmlns:a14="http://schemas.microsoft.com/office/drawing/2010/main">
+        <mc:Choice Requires="a14">
           <p:sp>
             <p:nvSpPr>
               <p:cNvPr id="9" name="TextBox 8"/>
@@ -35072,7 +35020,7 @@
             </p:txBody>
           </p:sp>
         </mc:Choice>
-        <mc:Fallback>
+        <mc:Fallback xmlns="">
           <p:sp>
             <p:nvSpPr>
               <p:cNvPr id="9" name="TextBox 8"/>
@@ -35111,8 +35059,8 @@
           </p:sp>
         </mc:Fallback>
       </mc:AlternateContent>
-      <mc:AlternateContent xmlns:mc="http://schemas.openxmlformats.org/markup-compatibility/2006">
-        <mc:Choice xmlns:a14="http://schemas.microsoft.com/office/drawing/2010/main" Requires="a14">
+      <mc:AlternateContent xmlns:mc="http://schemas.openxmlformats.org/markup-compatibility/2006" xmlns:a14="http://schemas.microsoft.com/office/drawing/2010/main">
+        <mc:Choice Requires="a14">
           <p:sp>
             <p:nvSpPr>
               <p:cNvPr id="10" name="Rectangle 9"/>
@@ -35261,7 +35209,7 @@
             </p:txBody>
           </p:sp>
         </mc:Choice>
-        <mc:Fallback>
+        <mc:Fallback xmlns="">
           <p:sp>
             <p:nvSpPr>
               <p:cNvPr id="10" name="Rectangle 9"/>
@@ -35300,8 +35248,8 @@
           </p:sp>
         </mc:Fallback>
       </mc:AlternateContent>
-      <mc:AlternateContent xmlns:mc="http://schemas.openxmlformats.org/markup-compatibility/2006">
-        <mc:Choice xmlns:a14="http://schemas.microsoft.com/office/drawing/2010/main" Requires="a14">
+      <mc:AlternateContent xmlns:mc="http://schemas.openxmlformats.org/markup-compatibility/2006" xmlns:a14="http://schemas.microsoft.com/office/drawing/2010/main">
+        <mc:Choice Requires="a14">
           <p:sp>
             <p:nvSpPr>
               <p:cNvPr id="11" name="Rectangle 10"/>
@@ -35456,7 +35404,7 @@
             </p:txBody>
           </p:sp>
         </mc:Choice>
-        <mc:Fallback>
+        <mc:Fallback xmlns="">
           <p:sp>
             <p:nvSpPr>
               <p:cNvPr id="11" name="Rectangle 10"/>
@@ -35495,8 +35443,8 @@
           </p:sp>
         </mc:Fallback>
       </mc:AlternateContent>
-      <mc:AlternateContent xmlns:mc="http://schemas.openxmlformats.org/markup-compatibility/2006">
-        <mc:Choice xmlns:a14="http://schemas.microsoft.com/office/drawing/2010/main" Requires="a14">
+      <mc:AlternateContent xmlns:mc="http://schemas.openxmlformats.org/markup-compatibility/2006" xmlns:a14="http://schemas.microsoft.com/office/drawing/2010/main">
+        <mc:Choice Requires="a14">
           <p:sp>
             <p:nvSpPr>
               <p:cNvPr id="13" name="Rectangle 12"/>
@@ -35651,7 +35599,7 @@
             </p:txBody>
           </p:sp>
         </mc:Choice>
-        <mc:Fallback>
+        <mc:Fallback xmlns="">
           <p:sp>
             <p:nvSpPr>
               <p:cNvPr id="13" name="Rectangle 12"/>
@@ -35700,6 +35648,405 @@
   <p:clrMapOvr>
     <a:masterClrMapping/>
   </p:clrMapOvr>
+  <p:timing>
+    <p:tnLst>
+      <p:par>
+        <p:cTn id="1" dur="indefinite" restart="never" nodeType="tmRoot"/>
+      </p:par>
+    </p:tnLst>
+  </p:timing>
+</p:sld>
+</file>
+
+<file path=ppt/slides/slide24.xml><?xml version="1.0" encoding="utf-8"?>
+<p:sld xmlns:a="http://schemas.openxmlformats.org/drawingml/2006/main" xmlns:r="http://schemas.openxmlformats.org/officeDocument/2006/relationships" xmlns:p="http://schemas.openxmlformats.org/presentationml/2006/main">
+  <p:cSld>
+    <p:spTree>
+      <p:nvGrpSpPr>
+        <p:cNvPr id="1" name=""/>
+        <p:cNvGrpSpPr/>
+        <p:nvPr/>
+      </p:nvGrpSpPr>
+      <p:grpSpPr>
+        <a:xfrm>
+          <a:off x="0" y="0"/>
+          <a:ext cx="0" cy="0"/>
+          <a:chOff x="0" y="0"/>
+          <a:chExt cx="0" cy="0"/>
+        </a:xfrm>
+      </p:grpSpPr>
+      <p:sp>
+        <p:nvSpPr>
+          <p:cNvPr id="5" name="Title 4"/>
+          <p:cNvSpPr>
+            <a:spLocks noGrp="1"/>
+          </p:cNvSpPr>
+          <p:nvPr>
+            <p:ph type="title"/>
+          </p:nvPr>
+        </p:nvSpPr>
+        <p:spPr/>
+        <p:txBody>
+          <a:bodyPr/>
+          <a:lstStyle/>
+          <a:p>
+            <a:r>
+              <a:rPr lang="en-US" dirty="0" smtClean="0"/>
+              <a:t>Economics</a:t>
+            </a:r>
+            <a:endParaRPr lang="en-US" dirty="0"/>
+          </a:p>
+        </p:txBody>
+      </p:sp>
+      <p:sp>
+        <p:nvSpPr>
+          <p:cNvPr id="6" name="Content Placeholder 5"/>
+          <p:cNvSpPr>
+            <a:spLocks noGrp="1"/>
+          </p:cNvSpPr>
+          <p:nvPr>
+            <p:ph sz="half" idx="1"/>
+          </p:nvPr>
+        </p:nvSpPr>
+        <p:spPr/>
+        <p:txBody>
+          <a:bodyPr/>
+          <a:lstStyle/>
+          <a:p>
+            <a:r>
+              <a:rPr lang="en-US" dirty="0" smtClean="0"/>
+              <a:t>Look at “real </a:t>
+            </a:r>
+            <a:r>
+              <a:rPr lang="en-US" dirty="0" err="1" smtClean="0"/>
+              <a:t>levelized</a:t>
+            </a:r>
+            <a:r>
+              <a:rPr lang="en-US" dirty="0" smtClean="0"/>
+              <a:t> cost” analysis</a:t>
+            </a:r>
+          </a:p>
+          <a:p>
+            <a:pPr lvl="1"/>
+            <a:r>
+              <a:rPr lang="en-US" dirty="0" smtClean="0"/>
+              <a:t>Analysis methodology well established</a:t>
+            </a:r>
+          </a:p>
+          <a:p>
+            <a:r>
+              <a:rPr lang="en-US" dirty="0" smtClean="0"/>
+              <a:t>Compare to standard LWRs as well as other forms of power</a:t>
+            </a:r>
+          </a:p>
+          <a:p>
+            <a:r>
+              <a:rPr lang="en-US" dirty="0" smtClean="0"/>
+              <a:t>Ensure viability</a:t>
+            </a:r>
+          </a:p>
+          <a:p>
+            <a:pPr lvl="1"/>
+            <a:r>
+              <a:rPr lang="en-US" dirty="0" smtClean="0"/>
+              <a:t>Constrain fuel properties</a:t>
+            </a:r>
+          </a:p>
+          <a:p>
+            <a:pPr lvl="1"/>
+            <a:endParaRPr lang="en-US" dirty="0"/>
+          </a:p>
+        </p:txBody>
+      </p:sp>
+      <p:sp>
+        <p:nvSpPr>
+          <p:cNvPr id="4" name="Slide Number Placeholder 3"/>
+          <p:cNvSpPr>
+            <a:spLocks noGrp="1"/>
+          </p:cNvSpPr>
+          <p:nvPr>
+            <p:ph type="sldNum" sz="quarter" idx="12"/>
+          </p:nvPr>
+        </p:nvSpPr>
+        <p:spPr/>
+        <p:txBody>
+          <a:bodyPr/>
+          <a:lstStyle/>
+          <a:p>
+            <a:pPr>
+              <a:defRPr/>
+            </a:pPr>
+            <a:fld id="{639E97B8-4532-408E-A5F7-ACF05B64D361}" type="slidenum">
+              <a:rPr lang="en-US" smtClean="0"/>
+              <a:pPr>
+                <a:defRPr/>
+              </a:pPr>
+              <a:t>24</a:t>
+            </a:fld>
+            <a:endParaRPr lang="en-US" dirty="0"/>
+          </a:p>
+        </p:txBody>
+      </p:sp>
+      <p:pic>
+        <p:nvPicPr>
+          <p:cNvPr id="14" name="Content Placeholder 13"/>
+          <p:cNvPicPr>
+            <a:picLocks noGrp="1" noChangeAspect="1"/>
+          </p:cNvPicPr>
+          <p:nvPr>
+            <p:ph sz="half" idx="2"/>
+          </p:nvPr>
+        </p:nvPicPr>
+        <p:blipFill>
+          <a:blip r:embed="rId2">
+            <a:extLst>
+              <a:ext uri="{28A0092B-C50C-407E-A947-70E740481C1C}">
+                <a14:useLocalDpi xmlns:a14="http://schemas.microsoft.com/office/drawing/2010/main" val="0"/>
+              </a:ext>
+            </a:extLst>
+          </a:blip>
+          <a:stretch>
+            <a:fillRect/>
+          </a:stretch>
+        </p:blipFill>
+        <p:spPr>
+          <a:xfrm>
+            <a:off x="4647894" y="1295400"/>
+            <a:ext cx="3657906" cy="4525963"/>
+          </a:xfrm>
+          <a:prstGeom prst="rect">
+            <a:avLst/>
+          </a:prstGeom>
+          <a:ln>
+            <a:noFill/>
+          </a:ln>
+          <a:effectLst>
+            <a:outerShdw blurRad="292100" dist="139700" dir="2700000" algn="tl" rotWithShape="0">
+              <a:srgbClr val="333333">
+                <a:alpha val="65000"/>
+              </a:srgbClr>
+            </a:outerShdw>
+          </a:effectLst>
+        </p:spPr>
+      </p:pic>
+    </p:spTree>
+    <p:extLst>
+      <p:ext uri="{BB962C8B-B14F-4D97-AF65-F5344CB8AC3E}">
+        <p14:creationId xmlns:p14="http://schemas.microsoft.com/office/powerpoint/2010/main" val="3390168875"/>
+      </p:ext>
+    </p:extLst>
+  </p:cSld>
+  <p:clrMapOvr>
+    <a:masterClrMapping/>
+  </p:clrMapOvr>
+  <p:timing>
+    <p:tnLst>
+      <p:par>
+        <p:cTn id="1" dur="indefinite" restart="never" nodeType="tmRoot"/>
+      </p:par>
+    </p:tnLst>
+  </p:timing>
+</p:sld>
+</file>
+
+<file path=ppt/slides/slide25.xml><?xml version="1.0" encoding="utf-8"?>
+<p:sld xmlns:a="http://schemas.openxmlformats.org/drawingml/2006/main" xmlns:r="http://schemas.openxmlformats.org/officeDocument/2006/relationships" xmlns:p="http://schemas.openxmlformats.org/presentationml/2006/main">
+  <p:cSld>
+    <p:spTree>
+      <p:nvGrpSpPr>
+        <p:cNvPr id="1" name=""/>
+        <p:cNvGrpSpPr/>
+        <p:nvPr/>
+      </p:nvGrpSpPr>
+      <p:grpSpPr>
+        <a:xfrm>
+          <a:off x="0" y="0"/>
+          <a:ext cx="0" cy="0"/>
+          <a:chOff x="0" y="0"/>
+          <a:chExt cx="0" cy="0"/>
+        </a:xfrm>
+      </p:grpSpPr>
+      <p:sp>
+        <p:nvSpPr>
+          <p:cNvPr id="2" name="Title 1"/>
+          <p:cNvSpPr>
+            <a:spLocks noGrp="1"/>
+          </p:cNvSpPr>
+          <p:nvPr>
+            <p:ph type="title"/>
+          </p:nvPr>
+        </p:nvSpPr>
+        <p:spPr/>
+        <p:txBody>
+          <a:bodyPr/>
+          <a:lstStyle/>
+          <a:p>
+            <a:r>
+              <a:rPr lang="en-US" dirty="0" smtClean="0"/>
+              <a:t>Further Investigation</a:t>
+            </a:r>
+            <a:endParaRPr lang="en-US" dirty="0"/>
+          </a:p>
+        </p:txBody>
+      </p:sp>
+      <p:sp>
+        <p:nvSpPr>
+          <p:cNvPr id="3" name="Content Placeholder 2"/>
+          <p:cNvSpPr>
+            <a:spLocks noGrp="1"/>
+          </p:cNvSpPr>
+          <p:nvPr>
+            <p:ph sz="half" idx="1"/>
+          </p:nvPr>
+        </p:nvSpPr>
+        <p:spPr/>
+        <p:txBody>
+          <a:bodyPr/>
+          <a:lstStyle/>
+          <a:p>
+            <a:r>
+              <a:rPr lang="en-US" dirty="0" smtClean="0"/>
+              <a:t>Look at impact of industrial heat usage</a:t>
+            </a:r>
+          </a:p>
+          <a:p>
+            <a:pPr lvl="1"/>
+            <a:r>
+              <a:rPr lang="en-US" dirty="0" smtClean="0"/>
+              <a:t>High temp vs low temp</a:t>
+            </a:r>
+          </a:p>
+          <a:p>
+            <a:r>
+              <a:rPr lang="en-US" dirty="0" smtClean="0"/>
+              <a:t>Ensure model efficacy</a:t>
+            </a:r>
+          </a:p>
+          <a:p>
+            <a:pPr lvl="1"/>
+            <a:r>
+              <a:rPr lang="en-US" dirty="0" smtClean="0"/>
+              <a:t>SMRs</a:t>
+            </a:r>
+          </a:p>
+          <a:p>
+            <a:pPr lvl="2"/>
+            <a:r>
+              <a:rPr lang="en-US" dirty="0" smtClean="0"/>
+              <a:t>Construction</a:t>
+            </a:r>
+          </a:p>
+          <a:p>
+            <a:pPr lvl="2"/>
+            <a:r>
+              <a:rPr lang="en-US" dirty="0" smtClean="0"/>
+              <a:t>Lifetime</a:t>
+            </a:r>
+          </a:p>
+          <a:p>
+            <a:pPr lvl="2"/>
+            <a:r>
+              <a:rPr lang="en-US" dirty="0" smtClean="0"/>
+              <a:t>Capacity factors</a:t>
+            </a:r>
+          </a:p>
+          <a:p>
+            <a:pPr lvl="1"/>
+            <a:r>
+              <a:rPr lang="en-US" dirty="0" smtClean="0"/>
+              <a:t>Fuel</a:t>
+            </a:r>
+          </a:p>
+          <a:p>
+            <a:pPr lvl="1"/>
+            <a:endParaRPr lang="en-US" dirty="0" smtClean="0"/>
+          </a:p>
+          <a:p>
+            <a:endParaRPr lang="en-US" dirty="0" smtClean="0"/>
+          </a:p>
+          <a:p>
+            <a:pPr marL="0" indent="0">
+              <a:buNone/>
+            </a:pPr>
+            <a:endParaRPr lang="en-US" dirty="0"/>
+          </a:p>
+        </p:txBody>
+      </p:sp>
+      <p:pic>
+        <p:nvPicPr>
+          <p:cNvPr id="6" name="Content Placeholder 5"/>
+          <p:cNvPicPr>
+            <a:picLocks noGrp="1" noChangeAspect="1"/>
+          </p:cNvPicPr>
+          <p:nvPr>
+            <p:ph sz="half" idx="2"/>
+          </p:nvPr>
+        </p:nvPicPr>
+        <p:blipFill>
+          <a:blip r:embed="rId2">
+            <a:extLst>
+              <a:ext uri="{28A0092B-C50C-407E-A947-70E740481C1C}">
+                <a14:useLocalDpi xmlns:a14="http://schemas.microsoft.com/office/drawing/2010/main" val="0"/>
+              </a:ext>
+            </a:extLst>
+          </a:blip>
+          <a:stretch>
+            <a:fillRect/>
+          </a:stretch>
+        </p:blipFill>
+        <p:spPr>
+          <a:xfrm>
+            <a:off x="4648200" y="2133600"/>
+            <a:ext cx="4038600" cy="3010740"/>
+          </a:xfrm>
+        </p:spPr>
+      </p:pic>
+      <p:sp>
+        <p:nvSpPr>
+          <p:cNvPr id="5" name="Slide Number Placeholder 4"/>
+          <p:cNvSpPr>
+            <a:spLocks noGrp="1"/>
+          </p:cNvSpPr>
+          <p:nvPr>
+            <p:ph type="sldNum" sz="quarter" idx="12"/>
+          </p:nvPr>
+        </p:nvSpPr>
+        <p:spPr/>
+        <p:txBody>
+          <a:bodyPr/>
+          <a:lstStyle/>
+          <a:p>
+            <a:pPr>
+              <a:defRPr/>
+            </a:pPr>
+            <a:fld id="{56039845-206E-4D43-9E5F-DD43C0647861}" type="slidenum">
+              <a:rPr lang="en-US" smtClean="0"/>
+              <a:pPr>
+                <a:defRPr/>
+              </a:pPr>
+              <a:t>25</a:t>
+            </a:fld>
+            <a:endParaRPr lang="en-US" dirty="0"/>
+          </a:p>
+        </p:txBody>
+      </p:sp>
+    </p:spTree>
+    <p:extLst>
+      <p:ext uri="{BB962C8B-B14F-4D97-AF65-F5344CB8AC3E}">
+        <p14:creationId xmlns:p14="http://schemas.microsoft.com/office/powerpoint/2010/main" val="1219425013"/>
+      </p:ext>
+    </p:extLst>
+  </p:cSld>
+  <p:clrMapOvr>
+    <a:masterClrMapping/>
+  </p:clrMapOvr>
+  <p:timing>
+    <p:tnLst>
+      <p:par>
+        <p:cTn id="1" dur="indefinite" restart="never" nodeType="tmRoot"/>
+      </p:par>
+    </p:tnLst>
+  </p:timing>
 </p:sld>
 </file>
 
@@ -36453,11 +36800,7 @@
           <a:p>
             <a:r>
               <a:rPr lang="en-US" dirty="0" smtClean="0"/>
-              <a:t>What’s </a:t>
-            </a:r>
-            <a:r>
-              <a:rPr lang="en-US" dirty="0" smtClean="0"/>
-              <a:t>next for depletion?</a:t>
+              <a:t>What’s next for depletion?</a:t>
             </a:r>
             <a:endParaRPr lang="en-US" dirty="0"/>
           </a:p>
